--- a/docs/AI-Data-ML-ArchitectureDiagrams.pptx
+++ b/docs/AI-Data-ML-ArchitectureDiagrams.pptx
@@ -5,17 +5,22 @@
     <p:sldMasterId id="2147483943" r:id="rId1"/>
   </p:sldMasterIdLst>
   <p:notesMasterIdLst>
-    <p:notesMasterId r:id="rId7"/>
+    <p:notesMasterId r:id="rId12"/>
   </p:notesMasterIdLst>
   <p:handoutMasterIdLst>
-    <p:handoutMasterId r:id="rId8"/>
+    <p:handoutMasterId r:id="rId13"/>
   </p:handoutMasterIdLst>
   <p:sldIdLst>
-    <p:sldId id="2799" r:id="rId2"/>
-    <p:sldId id="2800" r:id="rId3"/>
-    <p:sldId id="282" r:id="rId4"/>
-    <p:sldId id="284" r:id="rId5"/>
-    <p:sldId id="2741" r:id="rId6"/>
+    <p:sldId id="2802" r:id="rId2"/>
+    <p:sldId id="2801" r:id="rId3"/>
+    <p:sldId id="2803" r:id="rId4"/>
+    <p:sldId id="2804" r:id="rId5"/>
+    <p:sldId id="2805" r:id="rId6"/>
+    <p:sldId id="2799" r:id="rId7"/>
+    <p:sldId id="2800" r:id="rId8"/>
+    <p:sldId id="282" r:id="rId9"/>
+    <p:sldId id="284" r:id="rId10"/>
+    <p:sldId id="2741" r:id="rId11"/>
   </p:sldIdLst>
   <p:sldSz cx="9144000" cy="5143500" type="screen16x9"/>
   <p:notesSz cx="6858000" cy="9144000"/>
@@ -218,7 +223,7 @@
           <a:p>
             <a:fld id="{43B1B1F9-D0CB-FF4D-BEE0-BED1F1FDA196}" type="datetimeFigureOut">
               <a:rPr lang="en-US" smtClean="0"/>
-              <a:t>5/30/19</a:t>
+              <a:t>6/11/19</a:t>
             </a:fld>
             <a:endParaRPr lang="en-US"/>
           </a:p>
@@ -383,7 +388,7 @@
           <a:p>
             <a:fld id="{26BE012A-D992-5D42-B86E-AA2BC0764EE1}" type="datetimeFigureOut">
               <a:rPr lang="en-US" smtClean="0"/>
-              <a:t>5/30/19</a:t>
+              <a:t>6/11/19</a:t>
             </a:fld>
             <a:endParaRPr lang="en-US"/>
           </a:p>
@@ -755,7 +760,7 @@
           <a:p>
             <a:fld id="{18D02FFD-07D4-5C4F-BD77-921008177348}" type="slidenum">
               <a:rPr lang="en-US" smtClean="0"/>
-              <a:t>1</a:t>
+              <a:t>6</a:t>
             </a:fld>
             <a:endParaRPr lang="en-US"/>
           </a:p>
@@ -879,7 +884,7 @@
           <a:p>
             <a:fld id="{18D02FFD-07D4-5C4F-BD77-921008177348}" type="slidenum">
               <a:rPr lang="en-US" smtClean="0"/>
-              <a:t>2</a:t>
+              <a:t>7</a:t>
             </a:fld>
             <a:endParaRPr lang="en-US"/>
           </a:p>
@@ -3291,6 +3296,7789 @@
       </p:grpSpPr>
       <p:sp>
         <p:nvSpPr>
+          <p:cNvPr id="2" name="Title 1">
+            <a:extLst>
+              <a:ext uri="{FF2B5EF4-FFF2-40B4-BE49-F238E27FC236}">
+                <a16:creationId xmlns:a16="http://schemas.microsoft.com/office/drawing/2014/main" id="{40D02695-6060-3F49-A924-9C6C4114FE0C}"/>
+              </a:ext>
+            </a:extLst>
+          </p:cNvPr>
+          <p:cNvSpPr>
+            <a:spLocks noGrp="1"/>
+          </p:cNvSpPr>
+          <p:nvPr>
+            <p:ph type="title"/>
+          </p:nvPr>
+        </p:nvSpPr>
+        <p:spPr/>
+        <p:txBody>
+          <a:bodyPr/>
+          <a:lstStyle/>
+          <a:p>
+            <a:r>
+              <a:rPr lang="en-US" dirty="0"/>
+              <a:t>Roles</a:t>
+            </a:r>
+          </a:p>
+        </p:txBody>
+      </p:sp>
+      <p:graphicFrame>
+        <p:nvGraphicFramePr>
+          <p:cNvPr id="6" name="Content Placeholder 5">
+            <a:extLst>
+              <a:ext uri="{FF2B5EF4-FFF2-40B4-BE49-F238E27FC236}">
+                <a16:creationId xmlns:a16="http://schemas.microsoft.com/office/drawing/2014/main" id="{E077B09C-A7A4-254E-9BF6-815C6DAA2153}"/>
+              </a:ext>
+            </a:extLst>
+          </p:cNvPr>
+          <p:cNvGraphicFramePr>
+            <a:graphicFrameLocks noGrp="1"/>
+          </p:cNvGraphicFramePr>
+          <p:nvPr>
+            <p:ph sz="half" idx="1"/>
+            <p:extLst>
+              <p:ext uri="{D42A27DB-BD31-4B8C-83A1-F6EECF244321}">
+                <p14:modId xmlns:p14="http://schemas.microsoft.com/office/powerpoint/2010/main" val="3793640644"/>
+              </p:ext>
+            </p:extLst>
+          </p:nvPr>
+        </p:nvGraphicFramePr>
+        <p:xfrm>
+          <a:off x="457198" y="775461"/>
+          <a:ext cx="7936992" cy="4086860"/>
+        </p:xfrm>
+        <a:graphic>
+          <a:graphicData uri="http://schemas.openxmlformats.org/drawingml/2006/table">
+            <a:tbl>
+              <a:tblPr firstRow="1" bandRow="1">
+                <a:tableStyleId>{5940675A-B579-460E-94D1-54222C63F5DA}</a:tableStyleId>
+              </a:tblPr>
+              <a:tblGrid>
+                <a:gridCol w="2615184">
+                  <a:extLst>
+                    <a:ext uri="{9D8B030D-6E8A-4147-A177-3AD203B41FA5}">
+                      <a16:colId xmlns:a16="http://schemas.microsoft.com/office/drawing/2014/main" val="4034107537"/>
+                    </a:ext>
+                  </a:extLst>
+                </a:gridCol>
+                <a:gridCol w="5321808">
+                  <a:extLst>
+                    <a:ext uri="{9D8B030D-6E8A-4147-A177-3AD203B41FA5}">
+                      <a16:colId xmlns:a16="http://schemas.microsoft.com/office/drawing/2014/main" val="809039073"/>
+                    </a:ext>
+                  </a:extLst>
+                </a:gridCol>
+              </a:tblGrid>
+              <a:tr h="724535">
+                <a:tc>
+                  <a:txBody>
+                    <a:bodyPr/>
+                    <a:lstStyle/>
+                    <a:p>
+                      <a:pPr algn="r"/>
+                      <a:r>
+                        <a:rPr lang="en-US" dirty="0"/>
+                        <a:t>Data Scientist</a:t>
+                      </a:r>
+                    </a:p>
+                    <a:p>
+                      <a:pPr algn="r"/>
+                      <a:endParaRPr lang="en-US" dirty="0"/>
+                    </a:p>
+                  </a:txBody>
+                  <a:tcPr anchor="ctr"/>
+                </a:tc>
+                <a:tc>
+                  <a:txBody>
+                    <a:bodyPr/>
+                    <a:lstStyle/>
+                    <a:p>
+                      <a:r>
+                        <a:rPr lang="en-US" dirty="0"/>
+                        <a:t>Gets deep into the data to draw hidden insights for the business</a:t>
+                      </a:r>
+                    </a:p>
+                  </a:txBody>
+                  <a:tcPr/>
+                </a:tc>
+                <a:extLst>
+                  <a:ext uri="{0D108BD9-81ED-4DB2-BD59-A6C34878D82A}">
+                    <a16:rowId xmlns:a16="http://schemas.microsoft.com/office/drawing/2014/main" val="1761383668"/>
+                  </a:ext>
+                </a:extLst>
+              </a:tr>
+              <a:tr h="724535">
+                <a:tc>
+                  <a:txBody>
+                    <a:bodyPr/>
+                    <a:lstStyle/>
+                    <a:p>
+                      <a:pPr algn="r"/>
+                      <a:r>
+                        <a:rPr lang="en-US" dirty="0"/>
+                        <a:t>Architect</a:t>
+                      </a:r>
+                    </a:p>
+                  </a:txBody>
+                  <a:tcPr anchor="ctr"/>
+                </a:tc>
+                <a:tc>
+                  <a:txBody>
+                    <a:bodyPr/>
+                    <a:lstStyle/>
+                    <a:p>
+                      <a:r>
+                        <a:rPr lang="en-US" dirty="0"/>
+                        <a:t>Guides the data  transformation, define components as part of the runtime and modeling environments and define cloud native microservice scope</a:t>
+                      </a:r>
+                    </a:p>
+                  </a:txBody>
+                  <a:tcPr/>
+                </a:tc>
+                <a:extLst>
+                  <a:ext uri="{0D108BD9-81ED-4DB2-BD59-A6C34878D82A}">
+                    <a16:rowId xmlns:a16="http://schemas.microsoft.com/office/drawing/2014/main" val="2901214453"/>
+                  </a:ext>
+                </a:extLst>
+              </a:tr>
+              <a:tr h="724535">
+                <a:tc>
+                  <a:txBody>
+                    <a:bodyPr/>
+                    <a:lstStyle/>
+                    <a:p>
+                      <a:pPr algn="r"/>
+                      <a:r>
+                        <a:rPr lang="en-US" dirty="0"/>
+                        <a:t>Data engineer</a:t>
+                      </a:r>
+                    </a:p>
+                  </a:txBody>
+                  <a:tcPr anchor="ctr"/>
+                </a:tc>
+                <a:tc>
+                  <a:txBody>
+                    <a:bodyPr/>
+                    <a:lstStyle/>
+                    <a:p>
+                      <a:r>
+                        <a:rPr lang="en-US" dirty="0"/>
+                        <a:t>Designs how data is  organized &amp; ensures operability</a:t>
+                      </a:r>
+                    </a:p>
+                  </a:txBody>
+                  <a:tcPr/>
+                </a:tc>
+                <a:extLst>
+                  <a:ext uri="{0D108BD9-81ED-4DB2-BD59-A6C34878D82A}">
+                    <a16:rowId xmlns:a16="http://schemas.microsoft.com/office/drawing/2014/main" val="1069033263"/>
+                  </a:ext>
+                </a:extLst>
+              </a:tr>
+              <a:tr h="724535">
+                <a:tc>
+                  <a:txBody>
+                    <a:bodyPr/>
+                    <a:lstStyle/>
+                    <a:p>
+                      <a:pPr algn="r"/>
+                      <a:r>
+                        <a:rPr lang="en-US" dirty="0"/>
+                        <a:t>App developer</a:t>
+                      </a:r>
+                    </a:p>
+                  </a:txBody>
+                  <a:tcPr anchor="ctr"/>
+                </a:tc>
+                <a:tc>
+                  <a:txBody>
+                    <a:bodyPr/>
+                    <a:lstStyle/>
+                    <a:p>
+                      <a:r>
+                        <a:rPr lang="en-US" dirty="0"/>
+                        <a:t>Builds microservice applications that interact with data and models</a:t>
+                      </a:r>
+                    </a:p>
+                  </a:txBody>
+                  <a:tcPr/>
+                </a:tc>
+                <a:extLst>
+                  <a:ext uri="{0D108BD9-81ED-4DB2-BD59-A6C34878D82A}">
+                    <a16:rowId xmlns:a16="http://schemas.microsoft.com/office/drawing/2014/main" val="3610311015"/>
+                  </a:ext>
+                </a:extLst>
+              </a:tr>
+              <a:tr h="724535">
+                <a:tc>
+                  <a:txBody>
+                    <a:bodyPr/>
+                    <a:lstStyle/>
+                    <a:p>
+                      <a:pPr algn="r"/>
+                      <a:r>
+                        <a:rPr lang="en-US" dirty="0"/>
+                        <a:t>Designer</a:t>
+                      </a:r>
+                    </a:p>
+                  </a:txBody>
+                  <a:tcPr anchor="ctr"/>
+                </a:tc>
+                <a:tc>
+                  <a:txBody>
+                    <a:bodyPr/>
+                    <a:lstStyle/>
+                    <a:p>
+                      <a:r>
+                        <a:rPr lang="en-US" dirty="0"/>
+                        <a:t>Facilitates Design Thinking approaches</a:t>
+                      </a:r>
+                    </a:p>
+                    <a:p>
+                      <a:endParaRPr lang="en-US" dirty="0"/>
+                    </a:p>
+                  </a:txBody>
+                  <a:tcPr/>
+                </a:tc>
+                <a:extLst>
+                  <a:ext uri="{0D108BD9-81ED-4DB2-BD59-A6C34878D82A}">
+                    <a16:rowId xmlns:a16="http://schemas.microsoft.com/office/drawing/2014/main" val="2419683378"/>
+                  </a:ext>
+                </a:extLst>
+              </a:tr>
+            </a:tbl>
+          </a:graphicData>
+        </a:graphic>
+      </p:graphicFrame>
+      <p:sp>
+        <p:nvSpPr>
+          <p:cNvPr id="5" name="Slide Number Placeholder 4">
+            <a:extLst>
+              <a:ext uri="{FF2B5EF4-FFF2-40B4-BE49-F238E27FC236}">
+                <a16:creationId xmlns:a16="http://schemas.microsoft.com/office/drawing/2014/main" id="{1D6F8777-753D-914E-8599-AC8BF0555771}"/>
+              </a:ext>
+            </a:extLst>
+          </p:cNvPr>
+          <p:cNvSpPr>
+            <a:spLocks noGrp="1"/>
+          </p:cNvSpPr>
+          <p:nvPr>
+            <p:ph type="sldNum" sz="quarter" idx="10"/>
+          </p:nvPr>
+        </p:nvSpPr>
+        <p:spPr/>
+        <p:txBody>
+          <a:bodyPr/>
+          <a:lstStyle/>
+          <a:p>
+            <a:fld id="{8A158888-7CA9-084D-A641-EC66ACF9DB3C}" type="slidenum">
+              <a:rPr lang="en-US" smtClean="0">
+                <a:solidFill>
+                  <a:srgbClr val="5AAAFA"/>
+                </a:solidFill>
+              </a:rPr>
+              <a:pPr/>
+              <a:t>1</a:t>
+            </a:fld>
+            <a:endParaRPr lang="en-US">
+              <a:solidFill>
+                <a:srgbClr val="5AAAFA"/>
+              </a:solidFill>
+            </a:endParaRPr>
+          </a:p>
+        </p:txBody>
+      </p:sp>
+      <p:pic>
+        <p:nvPicPr>
+          <p:cNvPr id="7" name="Picture 6" descr="Persona_Harley_DataEngineer_PNG.png">
+            <a:extLst>
+              <a:ext uri="{FF2B5EF4-FFF2-40B4-BE49-F238E27FC236}">
+                <a16:creationId xmlns:a16="http://schemas.microsoft.com/office/drawing/2014/main" id="{5C6BCD84-C079-A345-BE3C-52796944C7A0}"/>
+              </a:ext>
+            </a:extLst>
+          </p:cNvPr>
+          <p:cNvPicPr>
+            <a:picLocks noChangeAspect="1"/>
+          </p:cNvPicPr>
+          <p:nvPr/>
+        </p:nvPicPr>
+        <p:blipFill>
+          <a:blip r:embed="rId2" cstate="print">
+            <a:extLst>
+              <a:ext uri="{28A0092B-C50C-407E-A947-70E740481C1C}">
+                <a14:useLocalDpi xmlns:a14="http://schemas.microsoft.com/office/drawing/2010/main" val="0"/>
+              </a:ext>
+            </a:extLst>
+          </a:blip>
+          <a:stretch>
+            <a:fillRect/>
+          </a:stretch>
+        </p:blipFill>
+        <p:spPr>
+          <a:xfrm>
+            <a:off x="404855" y="2691922"/>
+            <a:ext cx="689906" cy="674242"/>
+          </a:xfrm>
+          <a:prstGeom prst="rect">
+            <a:avLst/>
+          </a:prstGeom>
+        </p:spPr>
+      </p:pic>
+      <p:pic>
+        <p:nvPicPr>
+          <p:cNvPr id="8" name="Picture 7" descr="Persona_Chris_DataScientist_PNG.png">
+            <a:extLst>
+              <a:ext uri="{FF2B5EF4-FFF2-40B4-BE49-F238E27FC236}">
+                <a16:creationId xmlns:a16="http://schemas.microsoft.com/office/drawing/2014/main" id="{7442CBE3-28A4-3644-94EC-30206B8F06CF}"/>
+              </a:ext>
+            </a:extLst>
+          </p:cNvPr>
+          <p:cNvPicPr>
+            <a:picLocks noChangeAspect="1"/>
+          </p:cNvPicPr>
+          <p:nvPr/>
+        </p:nvPicPr>
+        <p:blipFill>
+          <a:blip r:embed="rId3" cstate="print">
+            <a:extLst>
+              <a:ext uri="{28A0092B-C50C-407E-A947-70E740481C1C}">
+                <a14:useLocalDpi xmlns:a14="http://schemas.microsoft.com/office/drawing/2010/main" val="0"/>
+              </a:ext>
+            </a:extLst>
+          </a:blip>
+          <a:stretch>
+            <a:fillRect/>
+          </a:stretch>
+        </p:blipFill>
+        <p:spPr>
+          <a:xfrm>
+            <a:off x="457199" y="788782"/>
+            <a:ext cx="689907" cy="674243"/>
+          </a:xfrm>
+          <a:prstGeom prst="rect">
+            <a:avLst/>
+          </a:prstGeom>
+        </p:spPr>
+      </p:pic>
+      <p:pic>
+        <p:nvPicPr>
+          <p:cNvPr id="9" name="Picture 8" descr="Persona_Kai_ApplicationDeveloper_PNG.png">
+            <a:extLst>
+              <a:ext uri="{FF2B5EF4-FFF2-40B4-BE49-F238E27FC236}">
+                <a16:creationId xmlns:a16="http://schemas.microsoft.com/office/drawing/2014/main" id="{691F0541-76AD-2F41-BFEA-1609F937FF6C}"/>
+              </a:ext>
+            </a:extLst>
+          </p:cNvPr>
+          <p:cNvPicPr>
+            <a:picLocks noChangeAspect="1"/>
+          </p:cNvPicPr>
+          <p:nvPr/>
+        </p:nvPicPr>
+        <p:blipFill>
+          <a:blip r:embed="rId4" cstate="print">
+            <a:extLst>
+              <a:ext uri="{28A0092B-C50C-407E-A947-70E740481C1C}">
+                <a14:useLocalDpi xmlns:a14="http://schemas.microsoft.com/office/drawing/2010/main" val="0"/>
+              </a:ext>
+            </a:extLst>
+          </a:blip>
+          <a:stretch>
+            <a:fillRect/>
+          </a:stretch>
+        </p:blipFill>
+        <p:spPr>
+          <a:xfrm>
+            <a:off x="457200" y="3382928"/>
+            <a:ext cx="689907" cy="674243"/>
+          </a:xfrm>
+          <a:prstGeom prst="rect">
+            <a:avLst/>
+          </a:prstGeom>
+        </p:spPr>
+      </p:pic>
+      <p:pic>
+        <p:nvPicPr>
+          <p:cNvPr id="10" name="Picture 9">
+            <a:extLst>
+              <a:ext uri="{FF2B5EF4-FFF2-40B4-BE49-F238E27FC236}">
+                <a16:creationId xmlns:a16="http://schemas.microsoft.com/office/drawing/2014/main" id="{97419E3B-BEE9-EF4E-91AA-5AAA0695C1E0}"/>
+              </a:ext>
+            </a:extLst>
+          </p:cNvPr>
+          <p:cNvPicPr>
+            <a:picLocks noChangeAspect="1"/>
+          </p:cNvPicPr>
+          <p:nvPr/>
+        </p:nvPicPr>
+        <p:blipFill>
+          <a:blip r:embed="rId5" cstate="print">
+            <a:extLst>
+              <a:ext uri="{28A0092B-C50C-407E-A947-70E740481C1C}">
+                <a14:useLocalDpi xmlns:a14="http://schemas.microsoft.com/office/drawing/2010/main"/>
+              </a:ext>
+            </a:extLst>
+          </a:blip>
+          <a:stretch>
+            <a:fillRect/>
+          </a:stretch>
+        </p:blipFill>
+        <p:spPr>
+          <a:xfrm flipH="1">
+            <a:off x="457197" y="1756545"/>
+            <a:ext cx="694943" cy="666431"/>
+          </a:xfrm>
+          <a:prstGeom prst="rect">
+            <a:avLst/>
+          </a:prstGeom>
+        </p:spPr>
+      </p:pic>
+      <p:pic>
+        <p:nvPicPr>
+          <p:cNvPr id="11" name="Picture 38" descr="Picture 38">
+            <a:extLst>
+              <a:ext uri="{FF2B5EF4-FFF2-40B4-BE49-F238E27FC236}">
+                <a16:creationId xmlns:a16="http://schemas.microsoft.com/office/drawing/2014/main" id="{87AA1DF5-A0C4-D24D-90C6-7E0F5A30AAF6}"/>
+              </a:ext>
+            </a:extLst>
+          </p:cNvPr>
+          <p:cNvPicPr>
+            <a:picLocks noChangeAspect="1"/>
+          </p:cNvPicPr>
+          <p:nvPr/>
+        </p:nvPicPr>
+        <p:blipFill>
+          <a:blip r:embed="rId6"/>
+          <a:stretch>
+            <a:fillRect/>
+          </a:stretch>
+        </p:blipFill>
+        <p:spPr>
+          <a:xfrm>
+            <a:off x="457198" y="4141101"/>
+            <a:ext cx="689908" cy="674244"/>
+          </a:xfrm>
+          <a:prstGeom prst="rect">
+            <a:avLst/>
+          </a:prstGeom>
+          <a:ln w="12700">
+            <a:miter lim="400000"/>
+          </a:ln>
+        </p:spPr>
+      </p:pic>
+    </p:spTree>
+    <p:extLst>
+      <p:ext uri="{BB962C8B-B14F-4D97-AF65-F5344CB8AC3E}">
+        <p14:creationId xmlns:p14="http://schemas.microsoft.com/office/powerpoint/2010/main" val="2797359147"/>
+      </p:ext>
+    </p:extLst>
+  </p:cSld>
+  <p:clrMapOvr>
+    <a:masterClrMapping/>
+  </p:clrMapOvr>
+</p:sld>
+</file>
+
+<file path=ppt/slides/slide10.xml><?xml version="1.0" encoding="utf-8"?>
+<p:sld xmlns:a="http://schemas.openxmlformats.org/drawingml/2006/main" xmlns:r="http://schemas.openxmlformats.org/officeDocument/2006/relationships" xmlns:p="http://schemas.openxmlformats.org/presentationml/2006/main">
+  <p:cSld>
+    <p:spTree>
+      <p:nvGrpSpPr>
+        <p:cNvPr id="1" name=""/>
+        <p:cNvGrpSpPr/>
+        <p:nvPr/>
+      </p:nvGrpSpPr>
+      <p:grpSpPr>
+        <a:xfrm>
+          <a:off x="0" y="0"/>
+          <a:ext cx="0" cy="0"/>
+          <a:chOff x="0" y="0"/>
+          <a:chExt cx="0" cy="0"/>
+        </a:xfrm>
+      </p:grpSpPr>
+      <p:sp>
+        <p:nvSpPr>
+          <p:cNvPr id="5" name="Title 4">
+            <a:extLst>
+              <a:ext uri="{FF2B5EF4-FFF2-40B4-BE49-F238E27FC236}">
+                <a16:creationId xmlns:a16="http://schemas.microsoft.com/office/drawing/2014/main" id="{D12807E4-F327-FD45-9E7C-74C9F38AA7FA}"/>
+              </a:ext>
+            </a:extLst>
+          </p:cNvPr>
+          <p:cNvSpPr>
+            <a:spLocks noGrp="1"/>
+          </p:cNvSpPr>
+          <p:nvPr>
+            <p:ph type="title"/>
+          </p:nvPr>
+        </p:nvSpPr>
+        <p:spPr/>
+        <p:txBody>
+          <a:bodyPr/>
+          <a:lstStyle/>
+          <a:p>
+            <a:r>
+              <a:rPr lang="en-US" dirty="0"/>
+              <a:t>IBM Garage Locations</a:t>
+            </a:r>
+          </a:p>
+        </p:txBody>
+      </p:sp>
+      <p:sp>
+        <p:nvSpPr>
+          <p:cNvPr id="2" name="Slide Number Placeholder 1">
+            <a:extLst>
+              <a:ext uri="{FF2B5EF4-FFF2-40B4-BE49-F238E27FC236}">
+                <a16:creationId xmlns:a16="http://schemas.microsoft.com/office/drawing/2014/main" id="{FC6C3F72-DAE8-F74C-AF33-8F82C27F6011}"/>
+              </a:ext>
+            </a:extLst>
+          </p:cNvPr>
+          <p:cNvSpPr>
+            <a:spLocks noGrp="1"/>
+          </p:cNvSpPr>
+          <p:nvPr>
+            <p:ph type="sldNum" sz="quarter" idx="10"/>
+          </p:nvPr>
+        </p:nvSpPr>
+        <p:spPr/>
+        <p:txBody>
+          <a:bodyPr/>
+          <a:lstStyle/>
+          <a:p>
+            <a:fld id="{D0BE6F14-FF48-0F4F-A8AA-2E3F25371E4A}" type="slidenum">
+              <a:rPr lang="en-US" smtClean="0"/>
+              <a:pPr/>
+              <a:t>10</a:t>
+            </a:fld>
+            <a:endParaRPr lang="en-US"/>
+          </a:p>
+        </p:txBody>
+      </p:sp>
+      <p:sp>
+        <p:nvSpPr>
+          <p:cNvPr id="3" name="Footer Placeholder 2">
+            <a:extLst>
+              <a:ext uri="{FF2B5EF4-FFF2-40B4-BE49-F238E27FC236}">
+                <a16:creationId xmlns:a16="http://schemas.microsoft.com/office/drawing/2014/main" id="{31857D35-5682-A94A-AA29-04114D2F7306}"/>
+              </a:ext>
+            </a:extLst>
+          </p:cNvPr>
+          <p:cNvSpPr>
+            <a:spLocks noGrp="1"/>
+          </p:cNvSpPr>
+          <p:nvPr>
+            <p:ph type="ftr" sz="quarter" idx="4294967295"/>
+          </p:nvPr>
+        </p:nvSpPr>
+        <p:spPr/>
+        <p:txBody>
+          <a:bodyPr/>
+          <a:lstStyle/>
+          <a:p>
+            <a:endParaRPr lang="en-US" dirty="0"/>
+          </a:p>
+        </p:txBody>
+      </p:sp>
+      <p:pic>
+        <p:nvPicPr>
+          <p:cNvPr id="8" name="Picture 7">
+            <a:extLst>
+              <a:ext uri="{FF2B5EF4-FFF2-40B4-BE49-F238E27FC236}">
+                <a16:creationId xmlns:a16="http://schemas.microsoft.com/office/drawing/2014/main" id="{C40531B8-A254-7C4B-8E4B-1D610793FF46}"/>
+              </a:ext>
+            </a:extLst>
+          </p:cNvPr>
+          <p:cNvPicPr>
+            <a:picLocks noChangeAspect="1"/>
+          </p:cNvPicPr>
+          <p:nvPr/>
+        </p:nvPicPr>
+        <p:blipFill>
+          <a:blip r:embed="rId2"/>
+          <a:stretch>
+            <a:fillRect/>
+          </a:stretch>
+        </p:blipFill>
+        <p:spPr>
+          <a:xfrm>
+            <a:off x="1129824" y="704851"/>
+            <a:ext cx="6720840" cy="4206938"/>
+          </a:xfrm>
+          <a:prstGeom prst="rect">
+            <a:avLst/>
+          </a:prstGeom>
+        </p:spPr>
+      </p:pic>
+    </p:spTree>
+    <p:extLst>
+      <p:ext uri="{BB962C8B-B14F-4D97-AF65-F5344CB8AC3E}">
+        <p14:creationId xmlns:p14="http://schemas.microsoft.com/office/powerpoint/2010/main" val="1040909022"/>
+      </p:ext>
+    </p:extLst>
+  </p:cSld>
+  <p:clrMapOvr>
+    <a:masterClrMapping/>
+  </p:clrMapOvr>
+</p:sld>
+</file>
+
+<file path=ppt/slides/slide2.xml><?xml version="1.0" encoding="utf-8"?>
+<p:sld xmlns:a="http://schemas.openxmlformats.org/drawingml/2006/main" xmlns:r="http://schemas.openxmlformats.org/officeDocument/2006/relationships" xmlns:p="http://schemas.openxmlformats.org/presentationml/2006/main">
+  <p:cSld>
+    <p:spTree>
+      <p:nvGrpSpPr>
+        <p:cNvPr id="1" name=""/>
+        <p:cNvGrpSpPr/>
+        <p:nvPr/>
+      </p:nvGrpSpPr>
+      <p:grpSpPr>
+        <a:xfrm>
+          <a:off x="0" y="0"/>
+          <a:ext cx="0" cy="0"/>
+          <a:chOff x="0" y="0"/>
+          <a:chExt cx="0" cy="0"/>
+        </a:xfrm>
+      </p:grpSpPr>
+      <p:sp>
+        <p:nvSpPr>
+          <p:cNvPr id="5" name="Slide Number Placeholder 4">
+            <a:extLst>
+              <a:ext uri="{FF2B5EF4-FFF2-40B4-BE49-F238E27FC236}">
+                <a16:creationId xmlns:a16="http://schemas.microsoft.com/office/drawing/2014/main" id="{E2E9F35E-2DF8-1A4B-B0C1-134CFB61F11E}"/>
+              </a:ext>
+            </a:extLst>
+          </p:cNvPr>
+          <p:cNvSpPr>
+            <a:spLocks noGrp="1"/>
+          </p:cNvSpPr>
+          <p:nvPr>
+            <p:ph type="sldNum" sz="quarter" idx="10"/>
+          </p:nvPr>
+        </p:nvSpPr>
+        <p:spPr/>
+        <p:txBody>
+          <a:bodyPr/>
+          <a:lstStyle/>
+          <a:p>
+            <a:fld id="{8A158888-7CA9-084D-A641-EC66ACF9DB3C}" type="slidenum">
+              <a:rPr lang="en-US" smtClean="0">
+                <a:solidFill>
+                  <a:srgbClr val="5AAAFA"/>
+                </a:solidFill>
+              </a:rPr>
+              <a:pPr/>
+              <a:t>2</a:t>
+            </a:fld>
+            <a:endParaRPr lang="en-US">
+              <a:solidFill>
+                <a:srgbClr val="5AAAFA"/>
+              </a:solidFill>
+            </a:endParaRPr>
+          </a:p>
+        </p:txBody>
+      </p:sp>
+      <p:grpSp>
+        <p:nvGrpSpPr>
+          <p:cNvPr id="6" name="Rounded Rectangle 6">
+            <a:extLst>
+              <a:ext uri="{FF2B5EF4-FFF2-40B4-BE49-F238E27FC236}">
+                <a16:creationId xmlns:a16="http://schemas.microsoft.com/office/drawing/2014/main" id="{4B4B5A98-7038-5446-9A5B-988EEDFF52BB}"/>
+              </a:ext>
+            </a:extLst>
+          </p:cNvPr>
+          <p:cNvGrpSpPr/>
+          <p:nvPr/>
+        </p:nvGrpSpPr>
+        <p:grpSpPr>
+          <a:xfrm>
+            <a:off x="2532525" y="458757"/>
+            <a:ext cx="1560243" cy="732132"/>
+            <a:chOff x="0" y="0"/>
+            <a:chExt cx="3120483" cy="1027705"/>
+          </a:xfrm>
+        </p:grpSpPr>
+        <p:sp>
+          <p:nvSpPr>
+            <p:cNvPr id="7" name="Rounded Rectangle">
+              <a:extLst>
+                <a:ext uri="{FF2B5EF4-FFF2-40B4-BE49-F238E27FC236}">
+                  <a16:creationId xmlns:a16="http://schemas.microsoft.com/office/drawing/2014/main" id="{53B67302-AA5A-4142-90D6-1EBA15519E9E}"/>
+                </a:ext>
+              </a:extLst>
+            </p:cNvPr>
+            <p:cNvSpPr/>
+            <p:nvPr/>
+          </p:nvSpPr>
+          <p:spPr>
+            <a:xfrm>
+              <a:off x="0" y="0"/>
+              <a:ext cx="3120483" cy="1027705"/>
+            </a:xfrm>
+            <a:prstGeom prst="roundRect">
+              <a:avLst>
+                <a:gd name="adj" fmla="val 16667"/>
+              </a:avLst>
+            </a:prstGeom>
+            <a:solidFill>
+              <a:srgbClr val="004370"/>
+            </a:solidFill>
+            <a:ln w="12700" cap="flat">
+              <a:noFill/>
+              <a:miter lim="400000"/>
+            </a:ln>
+            <a:effectLst/>
+          </p:spPr>
+          <p:txBody>
+            <a:bodyPr wrap="square" lIns="0" tIns="0" rIns="0" bIns="0" numCol="1" anchor="ctr">
+              <a:noAutofit/>
+            </a:bodyPr>
+            <a:lstStyle/>
+            <a:p>
+              <a:pPr algn="ctr" defTabSz="412740" hangingPunct="0">
+                <a:lnSpc>
+                  <a:spcPts val="1600"/>
+                </a:lnSpc>
+                <a:defRPr sz="3600" b="0">
+                  <a:solidFill>
+                    <a:srgbClr val="FFFFFF"/>
+                  </a:solidFill>
+                  <a:latin typeface="+mn-lt"/>
+                  <a:ea typeface="+mn-ea"/>
+                  <a:cs typeface="+mn-cs"/>
+                  <a:sym typeface="Helvetica Neue Medium"/>
+                </a:defRPr>
+              </a:pPr>
+              <a:endParaRPr sz="1400" kern="0">
+                <a:solidFill>
+                  <a:srgbClr val="FFFFFF"/>
+                </a:solidFill>
+                <a:latin typeface="Helvetica Neue Medium"/>
+                <a:ea typeface="Helvetica Neue Medium"/>
+                <a:cs typeface="Helvetica Neue Medium"/>
+                <a:sym typeface="Helvetica Neue Medium"/>
+              </a:endParaRPr>
+            </a:p>
+          </p:txBody>
+        </p:sp>
+        <p:sp>
+          <p:nvSpPr>
+            <p:cNvPr id="8" name="Business understanding">
+              <a:extLst>
+                <a:ext uri="{FF2B5EF4-FFF2-40B4-BE49-F238E27FC236}">
+                  <a16:creationId xmlns:a16="http://schemas.microsoft.com/office/drawing/2014/main" id="{ACE6FFB7-08BD-7B46-BA41-2DA1E2C76591}"/>
+                </a:ext>
+              </a:extLst>
+            </p:cNvPr>
+            <p:cNvSpPr txBox="1"/>
+            <p:nvPr/>
+          </p:nvSpPr>
+          <p:spPr>
+            <a:xfrm>
+              <a:off x="50168" y="49419"/>
+              <a:ext cx="3020147" cy="928867"/>
+            </a:xfrm>
+            <a:prstGeom prst="rect">
+              <a:avLst/>
+            </a:prstGeom>
+            <a:noFill/>
+            <a:ln w="12700" cap="flat">
+              <a:noFill/>
+              <a:miter lim="400000"/>
+            </a:ln>
+            <a:effectLst/>
+            <a:extLst>
+              <a:ext uri="{C572A759-6A51-4108-AA02-DFA0A04FC94B}">
+                <ma14:wrappingTextBoxFlag xmlns:ma14="http://schemas.microsoft.com/office/mac/drawingml/2011/main" xmlns:a14="http://schemas.microsoft.com/office/drawing/2010/main" xmlns:m="http://schemas.openxmlformats.org/officeDocument/2006/math" xmlns="" val="1"/>
+              </a:ext>
+            </a:extLst>
+          </p:spPr>
+          <p:txBody>
+            <a:bodyPr wrap="square" lIns="22860" tIns="22860" rIns="22860" bIns="22860" numCol="1" anchor="ctr">
+              <a:spAutoFit/>
+            </a:bodyPr>
+            <a:lstStyle>
+              <a:lvl1pPr>
+                <a:lnSpc>
+                  <a:spcPts val="3200"/>
+                </a:lnSpc>
+                <a:defRPr sz="3200" b="0">
+                  <a:solidFill>
+                    <a:srgbClr val="FFFFFF"/>
+                  </a:solidFill>
+                  <a:latin typeface="+mn-lt"/>
+                  <a:ea typeface="+mn-ea"/>
+                  <a:cs typeface="+mn-cs"/>
+                  <a:sym typeface="Helvetica Neue Medium"/>
+                </a:defRPr>
+              </a:lvl1pPr>
+            </a:lstStyle>
+            <a:p>
+              <a:pPr algn="ctr" defTabSz="412740" hangingPunct="0">
+                <a:lnSpc>
+                  <a:spcPts val="1600"/>
+                </a:lnSpc>
+              </a:pPr>
+              <a:r>
+                <a:rPr lang="en-US" sz="1400" kern="0" dirty="0">
+                  <a:latin typeface="Helvetica Neue Medium"/>
+                  <a:ea typeface="Helvetica Neue Medium"/>
+                  <a:cs typeface="Helvetica Neue Medium"/>
+                </a:rPr>
+                <a:t>Understand b</a:t>
+              </a:r>
+              <a:r>
+                <a:rPr sz="1400" kern="0" dirty="0">
+                  <a:latin typeface="Helvetica Neue Medium"/>
+                  <a:ea typeface="Helvetica Neue Medium"/>
+                  <a:cs typeface="Helvetica Neue Medium"/>
+                </a:rPr>
+                <a:t>usiness</a:t>
+              </a:r>
+              <a:r>
+                <a:rPr lang="en-US" sz="1400" kern="0" dirty="0">
+                  <a:latin typeface="Helvetica Neue Medium"/>
+                  <a:ea typeface="Helvetica Neue Medium"/>
+                  <a:cs typeface="Helvetica Neue Medium"/>
+                </a:rPr>
+                <a:t> objectives</a:t>
+              </a:r>
+              <a:endParaRPr sz="1400" kern="0" dirty="0">
+                <a:latin typeface="Helvetica Neue Medium"/>
+                <a:ea typeface="Helvetica Neue Medium"/>
+                <a:cs typeface="Helvetica Neue Medium"/>
+              </a:endParaRPr>
+            </a:p>
+          </p:txBody>
+        </p:sp>
+      </p:grpSp>
+      <p:grpSp>
+        <p:nvGrpSpPr>
+          <p:cNvPr id="9" name="Rounded Rectangle 7">
+            <a:extLst>
+              <a:ext uri="{FF2B5EF4-FFF2-40B4-BE49-F238E27FC236}">
+                <a16:creationId xmlns:a16="http://schemas.microsoft.com/office/drawing/2014/main" id="{6947BE0B-D53B-8846-AA06-F6A6170725DF}"/>
+              </a:ext>
+            </a:extLst>
+          </p:cNvPr>
+          <p:cNvGrpSpPr/>
+          <p:nvPr/>
+        </p:nvGrpSpPr>
+        <p:grpSpPr>
+          <a:xfrm>
+            <a:off x="4901248" y="568288"/>
+            <a:ext cx="1560243" cy="513853"/>
+            <a:chOff x="0" y="0"/>
+            <a:chExt cx="3120483" cy="1027705"/>
+          </a:xfrm>
+        </p:grpSpPr>
+        <p:sp>
+          <p:nvSpPr>
+            <p:cNvPr id="10" name="Rounded Rectangle">
+              <a:extLst>
+                <a:ext uri="{FF2B5EF4-FFF2-40B4-BE49-F238E27FC236}">
+                  <a16:creationId xmlns:a16="http://schemas.microsoft.com/office/drawing/2014/main" id="{CB752B99-D682-BB45-B0CB-557C5B5F7D9F}"/>
+                </a:ext>
+              </a:extLst>
+            </p:cNvPr>
+            <p:cNvSpPr/>
+            <p:nvPr/>
+          </p:nvSpPr>
+          <p:spPr>
+            <a:xfrm>
+              <a:off x="0" y="0"/>
+              <a:ext cx="3120483" cy="1027705"/>
+            </a:xfrm>
+            <a:prstGeom prst="roundRect">
+              <a:avLst>
+                <a:gd name="adj" fmla="val 16667"/>
+              </a:avLst>
+            </a:prstGeom>
+            <a:solidFill>
+              <a:srgbClr val="004370"/>
+            </a:solidFill>
+            <a:ln w="12700" cap="flat">
+              <a:noFill/>
+              <a:miter lim="400000"/>
+            </a:ln>
+            <a:effectLst/>
+          </p:spPr>
+          <p:txBody>
+            <a:bodyPr wrap="square" lIns="0" tIns="0" rIns="0" bIns="0" numCol="1" anchor="ctr">
+              <a:noAutofit/>
+            </a:bodyPr>
+            <a:lstStyle/>
+            <a:p>
+              <a:pPr algn="ctr" defTabSz="412740" hangingPunct="0">
+                <a:lnSpc>
+                  <a:spcPts val="1600"/>
+                </a:lnSpc>
+                <a:defRPr sz="3600" b="0">
+                  <a:solidFill>
+                    <a:srgbClr val="FFFFFF"/>
+                  </a:solidFill>
+                  <a:latin typeface="+mn-lt"/>
+                  <a:ea typeface="+mn-ea"/>
+                  <a:cs typeface="+mn-cs"/>
+                  <a:sym typeface="Helvetica Neue Medium"/>
+                </a:defRPr>
+              </a:pPr>
+              <a:endParaRPr sz="1400" kern="0">
+                <a:solidFill>
+                  <a:srgbClr val="FFFFFF"/>
+                </a:solidFill>
+                <a:latin typeface="Helvetica Neue Medium"/>
+                <a:ea typeface="Helvetica Neue Medium"/>
+                <a:cs typeface="Helvetica Neue Medium"/>
+                <a:sym typeface="Helvetica Neue Medium"/>
+              </a:endParaRPr>
+            </a:p>
+          </p:txBody>
+        </p:sp>
+        <p:sp>
+          <p:nvSpPr>
+            <p:cNvPr id="11" name="Analytic approach">
+              <a:extLst>
+                <a:ext uri="{FF2B5EF4-FFF2-40B4-BE49-F238E27FC236}">
+                  <a16:creationId xmlns:a16="http://schemas.microsoft.com/office/drawing/2014/main" id="{D36FAB2D-C8FA-3247-91FD-B62BCBF4E5BF}"/>
+                </a:ext>
+              </a:extLst>
+            </p:cNvPr>
+            <p:cNvSpPr txBox="1"/>
+            <p:nvPr/>
+          </p:nvSpPr>
+          <p:spPr>
+            <a:xfrm>
+              <a:off x="50168" y="57321"/>
+              <a:ext cx="3020147" cy="913069"/>
+            </a:xfrm>
+            <a:prstGeom prst="rect">
+              <a:avLst/>
+            </a:prstGeom>
+            <a:noFill/>
+            <a:ln w="12700" cap="flat">
+              <a:noFill/>
+              <a:miter lim="400000"/>
+            </a:ln>
+            <a:effectLst/>
+            <a:extLst>
+              <a:ext uri="{C572A759-6A51-4108-AA02-DFA0A04FC94B}">
+                <ma14:wrappingTextBoxFlag xmlns:ma14="http://schemas.microsoft.com/office/mac/drawingml/2011/main" xmlns:a14="http://schemas.microsoft.com/office/drawing/2010/main" xmlns:m="http://schemas.openxmlformats.org/officeDocument/2006/math" xmlns="" val="1"/>
+              </a:ext>
+            </a:extLst>
+          </p:spPr>
+          <p:txBody>
+            <a:bodyPr wrap="square" lIns="22860" tIns="22860" rIns="22860" bIns="22860" numCol="1" anchor="ctr">
+              <a:spAutoFit/>
+            </a:bodyPr>
+            <a:lstStyle>
+              <a:lvl1pPr>
+                <a:lnSpc>
+                  <a:spcPts val="3200"/>
+                </a:lnSpc>
+                <a:defRPr sz="3200" b="0">
+                  <a:solidFill>
+                    <a:srgbClr val="FFFFFF"/>
+                  </a:solidFill>
+                  <a:latin typeface="+mn-lt"/>
+                  <a:ea typeface="+mn-ea"/>
+                  <a:cs typeface="+mn-cs"/>
+                  <a:sym typeface="Helvetica Neue Medium"/>
+                </a:defRPr>
+              </a:lvl1pPr>
+            </a:lstStyle>
+            <a:p>
+              <a:pPr algn="ctr" defTabSz="412740" hangingPunct="0">
+                <a:lnSpc>
+                  <a:spcPts val="1600"/>
+                </a:lnSpc>
+              </a:pPr>
+              <a:r>
+                <a:rPr lang="en-US" sz="1400" kern="0" dirty="0">
+                  <a:latin typeface="Helvetica Neue Medium"/>
+                  <a:ea typeface="Helvetica Neue Medium"/>
+                  <a:cs typeface="Helvetica Neue Medium"/>
+                </a:rPr>
+                <a:t>Define a</a:t>
+              </a:r>
+              <a:r>
+                <a:rPr sz="1400" kern="0" dirty="0">
+                  <a:latin typeface="Helvetica Neue Medium"/>
+                  <a:ea typeface="Helvetica Neue Medium"/>
+                  <a:cs typeface="Helvetica Neue Medium"/>
+                </a:rPr>
+                <a:t>nalytic approach</a:t>
+              </a:r>
+            </a:p>
+          </p:txBody>
+        </p:sp>
+      </p:grpSp>
+      <p:grpSp>
+        <p:nvGrpSpPr>
+          <p:cNvPr id="12" name="Rounded Rectangle 8">
+            <a:extLst>
+              <a:ext uri="{FF2B5EF4-FFF2-40B4-BE49-F238E27FC236}">
+                <a16:creationId xmlns:a16="http://schemas.microsoft.com/office/drawing/2014/main" id="{8AEA32CC-6858-9B41-A325-7049C049F7F7}"/>
+              </a:ext>
+            </a:extLst>
+          </p:cNvPr>
+          <p:cNvGrpSpPr/>
+          <p:nvPr/>
+        </p:nvGrpSpPr>
+        <p:grpSpPr>
+          <a:xfrm>
+            <a:off x="6396090" y="1614678"/>
+            <a:ext cx="1560243" cy="513853"/>
+            <a:chOff x="0" y="0"/>
+            <a:chExt cx="3120483" cy="1027705"/>
+          </a:xfrm>
+        </p:grpSpPr>
+        <p:sp>
+          <p:nvSpPr>
+            <p:cNvPr id="13" name="Rounded Rectangle">
+              <a:extLst>
+                <a:ext uri="{FF2B5EF4-FFF2-40B4-BE49-F238E27FC236}">
+                  <a16:creationId xmlns:a16="http://schemas.microsoft.com/office/drawing/2014/main" id="{14CB845D-FEDB-C641-AC32-F1C76750AC8D}"/>
+                </a:ext>
+              </a:extLst>
+            </p:cNvPr>
+            <p:cNvSpPr/>
+            <p:nvPr/>
+          </p:nvSpPr>
+          <p:spPr>
+            <a:xfrm>
+              <a:off x="0" y="0"/>
+              <a:ext cx="3120483" cy="1027705"/>
+            </a:xfrm>
+            <a:prstGeom prst="roundRect">
+              <a:avLst>
+                <a:gd name="adj" fmla="val 16667"/>
+              </a:avLst>
+            </a:prstGeom>
+            <a:solidFill>
+              <a:srgbClr val="004370"/>
+            </a:solidFill>
+            <a:ln w="12700" cap="flat">
+              <a:noFill/>
+              <a:miter lim="400000"/>
+            </a:ln>
+            <a:effectLst/>
+          </p:spPr>
+          <p:txBody>
+            <a:bodyPr wrap="square" lIns="0" tIns="0" rIns="0" bIns="0" numCol="1" anchor="ctr">
+              <a:noAutofit/>
+            </a:bodyPr>
+            <a:lstStyle/>
+            <a:p>
+              <a:pPr algn="ctr" defTabSz="412740" hangingPunct="0">
+                <a:lnSpc>
+                  <a:spcPts val="1600"/>
+                </a:lnSpc>
+                <a:defRPr sz="3600" b="0">
+                  <a:solidFill>
+                    <a:srgbClr val="FFFFFF"/>
+                  </a:solidFill>
+                  <a:latin typeface="+mn-lt"/>
+                  <a:ea typeface="+mn-ea"/>
+                  <a:cs typeface="+mn-cs"/>
+                  <a:sym typeface="Helvetica Neue Medium"/>
+                </a:defRPr>
+              </a:pPr>
+              <a:endParaRPr sz="1400" kern="0">
+                <a:solidFill>
+                  <a:srgbClr val="FFFFFF"/>
+                </a:solidFill>
+                <a:latin typeface="Helvetica Neue Medium"/>
+                <a:ea typeface="Helvetica Neue Medium"/>
+                <a:cs typeface="Helvetica Neue Medium"/>
+                <a:sym typeface="Helvetica Neue Medium"/>
+              </a:endParaRPr>
+            </a:p>
+          </p:txBody>
+        </p:sp>
+        <p:sp>
+          <p:nvSpPr>
+            <p:cNvPr id="14" name="Data requirements">
+              <a:extLst>
+                <a:ext uri="{FF2B5EF4-FFF2-40B4-BE49-F238E27FC236}">
+                  <a16:creationId xmlns:a16="http://schemas.microsoft.com/office/drawing/2014/main" id="{3B63D093-688F-594A-82A3-D0AF20C2C4B4}"/>
+                </a:ext>
+              </a:extLst>
+            </p:cNvPr>
+            <p:cNvSpPr txBox="1"/>
+            <p:nvPr/>
+          </p:nvSpPr>
+          <p:spPr>
+            <a:xfrm>
+              <a:off x="50168" y="57320"/>
+              <a:ext cx="3020147" cy="913068"/>
+            </a:xfrm>
+            <a:prstGeom prst="rect">
+              <a:avLst/>
+            </a:prstGeom>
+            <a:noFill/>
+            <a:ln w="12700" cap="flat">
+              <a:noFill/>
+              <a:miter lim="400000"/>
+            </a:ln>
+            <a:effectLst/>
+            <a:extLst>
+              <a:ext uri="{C572A759-6A51-4108-AA02-DFA0A04FC94B}">
+                <ma14:wrappingTextBoxFlag xmlns:ma14="http://schemas.microsoft.com/office/mac/drawingml/2011/main" xmlns:a14="http://schemas.microsoft.com/office/drawing/2010/main" xmlns:m="http://schemas.openxmlformats.org/officeDocument/2006/math" xmlns="" val="1"/>
+              </a:ext>
+            </a:extLst>
+          </p:spPr>
+          <p:txBody>
+            <a:bodyPr wrap="square" lIns="22860" tIns="22860" rIns="22860" bIns="22860" numCol="1" anchor="ctr">
+              <a:spAutoFit/>
+            </a:bodyPr>
+            <a:lstStyle>
+              <a:lvl1pPr>
+                <a:lnSpc>
+                  <a:spcPts val="3200"/>
+                </a:lnSpc>
+                <a:defRPr sz="3200" b="0">
+                  <a:solidFill>
+                    <a:srgbClr val="FFFFFF"/>
+                  </a:solidFill>
+                  <a:latin typeface="+mn-lt"/>
+                  <a:ea typeface="+mn-ea"/>
+                  <a:cs typeface="+mn-cs"/>
+                  <a:sym typeface="Helvetica Neue Medium"/>
+                </a:defRPr>
+              </a:lvl1pPr>
+            </a:lstStyle>
+            <a:p>
+              <a:pPr algn="ctr" defTabSz="412740" hangingPunct="0">
+                <a:lnSpc>
+                  <a:spcPts val="1600"/>
+                </a:lnSpc>
+              </a:pPr>
+              <a:r>
+                <a:rPr lang="en-US" sz="1400" kern="0" dirty="0">
+                  <a:latin typeface="Helvetica Neue Medium"/>
+                  <a:ea typeface="Helvetica Neue Medium"/>
+                  <a:cs typeface="Helvetica Neue Medium"/>
+                </a:rPr>
+                <a:t>Gather d</a:t>
+              </a:r>
+              <a:r>
+                <a:rPr sz="1400" kern="0" dirty="0">
+                  <a:latin typeface="Helvetica Neue Medium"/>
+                  <a:ea typeface="Helvetica Neue Medium"/>
+                  <a:cs typeface="Helvetica Neue Medium"/>
+                </a:rPr>
+                <a:t>ata requirements</a:t>
+              </a:r>
+            </a:p>
+          </p:txBody>
+        </p:sp>
+      </p:grpSp>
+      <p:grpSp>
+        <p:nvGrpSpPr>
+          <p:cNvPr id="15" name="Rounded Rectangle 9">
+            <a:extLst>
+              <a:ext uri="{FF2B5EF4-FFF2-40B4-BE49-F238E27FC236}">
+                <a16:creationId xmlns:a16="http://schemas.microsoft.com/office/drawing/2014/main" id="{01CCE0B3-D10F-0C44-B1C4-DA8355753866}"/>
+              </a:ext>
+            </a:extLst>
+          </p:cNvPr>
+          <p:cNvGrpSpPr/>
+          <p:nvPr/>
+        </p:nvGrpSpPr>
+        <p:grpSpPr>
+          <a:xfrm>
+            <a:off x="6396090" y="2516255"/>
+            <a:ext cx="1560243" cy="513853"/>
+            <a:chOff x="0" y="0"/>
+            <a:chExt cx="3120483" cy="1027705"/>
+          </a:xfrm>
+        </p:grpSpPr>
+        <p:sp>
+          <p:nvSpPr>
+            <p:cNvPr id="16" name="Rounded Rectangle">
+              <a:extLst>
+                <a:ext uri="{FF2B5EF4-FFF2-40B4-BE49-F238E27FC236}">
+                  <a16:creationId xmlns:a16="http://schemas.microsoft.com/office/drawing/2014/main" id="{BD530E28-1584-B641-B19D-228DC4EAA16F}"/>
+                </a:ext>
+              </a:extLst>
+            </p:cNvPr>
+            <p:cNvSpPr/>
+            <p:nvPr/>
+          </p:nvSpPr>
+          <p:spPr>
+            <a:xfrm>
+              <a:off x="0" y="0"/>
+              <a:ext cx="3120483" cy="1027705"/>
+            </a:xfrm>
+            <a:prstGeom prst="roundRect">
+              <a:avLst>
+                <a:gd name="adj" fmla="val 16667"/>
+              </a:avLst>
+            </a:prstGeom>
+            <a:solidFill>
+              <a:srgbClr val="004370"/>
+            </a:solidFill>
+            <a:ln w="12700" cap="flat">
+              <a:noFill/>
+              <a:miter lim="400000"/>
+            </a:ln>
+            <a:effectLst/>
+          </p:spPr>
+          <p:txBody>
+            <a:bodyPr wrap="square" lIns="0" tIns="0" rIns="0" bIns="0" numCol="1" anchor="ctr">
+              <a:noAutofit/>
+            </a:bodyPr>
+            <a:lstStyle/>
+            <a:p>
+              <a:pPr algn="ctr" defTabSz="412740" hangingPunct="0">
+                <a:lnSpc>
+                  <a:spcPts val="1600"/>
+                </a:lnSpc>
+                <a:defRPr sz="3600" b="0">
+                  <a:solidFill>
+                    <a:srgbClr val="FFFFFF"/>
+                  </a:solidFill>
+                  <a:latin typeface="+mn-lt"/>
+                  <a:ea typeface="+mn-ea"/>
+                  <a:cs typeface="+mn-cs"/>
+                  <a:sym typeface="Helvetica Neue Medium"/>
+                </a:defRPr>
+              </a:pPr>
+              <a:endParaRPr sz="1400" kern="0">
+                <a:solidFill>
+                  <a:srgbClr val="FFFFFF"/>
+                </a:solidFill>
+                <a:latin typeface="Helvetica Neue Medium"/>
+                <a:ea typeface="Helvetica Neue Medium"/>
+                <a:cs typeface="Helvetica Neue Medium"/>
+                <a:sym typeface="Helvetica Neue Medium"/>
+              </a:endParaRPr>
+            </a:p>
+          </p:txBody>
+        </p:sp>
+        <p:sp>
+          <p:nvSpPr>
+            <p:cNvPr id="17" name="Data  collection">
+              <a:extLst>
+                <a:ext uri="{FF2B5EF4-FFF2-40B4-BE49-F238E27FC236}">
+                  <a16:creationId xmlns:a16="http://schemas.microsoft.com/office/drawing/2014/main" id="{D018C859-B37F-1F45-A440-0B4E1B8AF5D5}"/>
+                </a:ext>
+              </a:extLst>
+            </p:cNvPr>
+            <p:cNvSpPr txBox="1"/>
+            <p:nvPr/>
+          </p:nvSpPr>
+          <p:spPr>
+            <a:xfrm>
+              <a:off x="50168" y="262502"/>
+              <a:ext cx="3020147" cy="502702"/>
+            </a:xfrm>
+            <a:prstGeom prst="rect">
+              <a:avLst/>
+            </a:prstGeom>
+            <a:noFill/>
+            <a:ln w="12700" cap="flat">
+              <a:noFill/>
+              <a:miter lim="400000"/>
+            </a:ln>
+            <a:effectLst/>
+            <a:extLst>
+              <a:ext uri="{C572A759-6A51-4108-AA02-DFA0A04FC94B}">
+                <ma14:wrappingTextBoxFlag xmlns:ma14="http://schemas.microsoft.com/office/mac/drawingml/2011/main" xmlns:a14="http://schemas.microsoft.com/office/drawing/2010/main" xmlns:m="http://schemas.openxmlformats.org/officeDocument/2006/math" xmlns="" val="1"/>
+              </a:ext>
+            </a:extLst>
+          </p:spPr>
+          <p:txBody>
+            <a:bodyPr wrap="square" lIns="22860" tIns="22860" rIns="22860" bIns="22860" numCol="1" anchor="ctr">
+              <a:spAutoFit/>
+            </a:bodyPr>
+            <a:lstStyle/>
+            <a:p>
+              <a:pPr algn="ctr" defTabSz="412740" hangingPunct="0">
+                <a:lnSpc>
+                  <a:spcPts val="1600"/>
+                </a:lnSpc>
+                <a:defRPr sz="3200" b="0">
+                  <a:solidFill>
+                    <a:srgbClr val="FFFFFF"/>
+                  </a:solidFill>
+                  <a:latin typeface="+mn-lt"/>
+                  <a:ea typeface="+mn-ea"/>
+                  <a:cs typeface="+mn-cs"/>
+                  <a:sym typeface="Helvetica Neue Medium"/>
+                </a:defRPr>
+              </a:pPr>
+              <a:r>
+                <a:rPr lang="en-US" sz="1400" kern="0" dirty="0">
+                  <a:solidFill>
+                    <a:srgbClr val="FFFFFF"/>
+                  </a:solidFill>
+                  <a:latin typeface="Helvetica Neue Medium"/>
+                  <a:ea typeface="Helvetica Neue Medium"/>
+                  <a:cs typeface="Helvetica Neue Medium"/>
+                  <a:sym typeface="Helvetica Neue Medium"/>
+                </a:rPr>
+                <a:t>Collect d</a:t>
+              </a:r>
+              <a:r>
+                <a:rPr sz="1400" kern="0" dirty="0">
+                  <a:solidFill>
+                    <a:srgbClr val="FFFFFF"/>
+                  </a:solidFill>
+                  <a:latin typeface="Helvetica Neue Medium"/>
+                  <a:ea typeface="Helvetica Neue Medium"/>
+                  <a:cs typeface="Helvetica Neue Medium"/>
+                  <a:sym typeface="Helvetica Neue Medium"/>
+                </a:rPr>
+                <a:t>ata </a:t>
+              </a:r>
+            </a:p>
+          </p:txBody>
+        </p:sp>
+      </p:grpSp>
+      <p:grpSp>
+        <p:nvGrpSpPr>
+          <p:cNvPr id="18" name="Rounded Rectangle 10">
+            <a:extLst>
+              <a:ext uri="{FF2B5EF4-FFF2-40B4-BE49-F238E27FC236}">
+                <a16:creationId xmlns:a16="http://schemas.microsoft.com/office/drawing/2014/main" id="{FC924945-D4F1-214B-820F-CDD249130B8F}"/>
+              </a:ext>
+            </a:extLst>
+          </p:cNvPr>
+          <p:cNvGrpSpPr/>
+          <p:nvPr/>
+        </p:nvGrpSpPr>
+        <p:grpSpPr>
+          <a:xfrm>
+            <a:off x="6421174" y="3430811"/>
+            <a:ext cx="1560243" cy="513853"/>
+            <a:chOff x="0" y="0"/>
+            <a:chExt cx="3120483" cy="1027705"/>
+          </a:xfrm>
+        </p:grpSpPr>
+        <p:sp>
+          <p:nvSpPr>
+            <p:cNvPr id="19" name="Rounded Rectangle">
+              <a:extLst>
+                <a:ext uri="{FF2B5EF4-FFF2-40B4-BE49-F238E27FC236}">
+                  <a16:creationId xmlns:a16="http://schemas.microsoft.com/office/drawing/2014/main" id="{D42303FF-D7F0-9A43-86CB-9D5D1658B390}"/>
+                </a:ext>
+              </a:extLst>
+            </p:cNvPr>
+            <p:cNvSpPr/>
+            <p:nvPr/>
+          </p:nvSpPr>
+          <p:spPr>
+            <a:xfrm>
+              <a:off x="0" y="0"/>
+              <a:ext cx="3120483" cy="1027705"/>
+            </a:xfrm>
+            <a:prstGeom prst="roundRect">
+              <a:avLst>
+                <a:gd name="adj" fmla="val 16667"/>
+              </a:avLst>
+            </a:prstGeom>
+            <a:solidFill>
+              <a:srgbClr val="004370"/>
+            </a:solidFill>
+            <a:ln w="12700" cap="flat">
+              <a:noFill/>
+              <a:miter lim="400000"/>
+            </a:ln>
+            <a:effectLst/>
+          </p:spPr>
+          <p:txBody>
+            <a:bodyPr wrap="square" lIns="0" tIns="0" rIns="0" bIns="0" numCol="1" anchor="ctr">
+              <a:noAutofit/>
+            </a:bodyPr>
+            <a:lstStyle/>
+            <a:p>
+              <a:pPr algn="ctr" defTabSz="412740" hangingPunct="0">
+                <a:lnSpc>
+                  <a:spcPts val="1600"/>
+                </a:lnSpc>
+                <a:defRPr sz="3600" b="0">
+                  <a:solidFill>
+                    <a:srgbClr val="FFFFFF"/>
+                  </a:solidFill>
+                  <a:latin typeface="+mn-lt"/>
+                  <a:ea typeface="+mn-ea"/>
+                  <a:cs typeface="+mn-cs"/>
+                  <a:sym typeface="Helvetica Neue Medium"/>
+                </a:defRPr>
+              </a:pPr>
+              <a:endParaRPr sz="1400" kern="0">
+                <a:solidFill>
+                  <a:srgbClr val="FFFFFF"/>
+                </a:solidFill>
+                <a:latin typeface="Helvetica Neue Medium"/>
+                <a:ea typeface="Helvetica Neue Medium"/>
+                <a:cs typeface="Helvetica Neue Medium"/>
+                <a:sym typeface="Helvetica Neue Medium"/>
+              </a:endParaRPr>
+            </a:p>
+          </p:txBody>
+        </p:sp>
+        <p:sp>
+          <p:nvSpPr>
+            <p:cNvPr id="20" name="Data  understanding">
+              <a:extLst>
+                <a:ext uri="{FF2B5EF4-FFF2-40B4-BE49-F238E27FC236}">
+                  <a16:creationId xmlns:a16="http://schemas.microsoft.com/office/drawing/2014/main" id="{DF6934E7-B5BE-8B44-9573-5B07F558DFE1}"/>
+                </a:ext>
+              </a:extLst>
+            </p:cNvPr>
+            <p:cNvSpPr txBox="1"/>
+            <p:nvPr/>
+          </p:nvSpPr>
+          <p:spPr>
+            <a:xfrm>
+              <a:off x="50168" y="262500"/>
+              <a:ext cx="3020147" cy="502702"/>
+            </a:xfrm>
+            <a:prstGeom prst="rect">
+              <a:avLst/>
+            </a:prstGeom>
+            <a:noFill/>
+            <a:ln w="12700" cap="flat">
+              <a:noFill/>
+              <a:miter lim="400000"/>
+            </a:ln>
+            <a:effectLst/>
+            <a:extLst>
+              <a:ext uri="{C572A759-6A51-4108-AA02-DFA0A04FC94B}">
+                <ma14:wrappingTextBoxFlag xmlns:ma14="http://schemas.microsoft.com/office/mac/drawingml/2011/main" xmlns:a14="http://schemas.microsoft.com/office/drawing/2010/main" xmlns:m="http://schemas.openxmlformats.org/officeDocument/2006/math" xmlns="" val="1"/>
+              </a:ext>
+            </a:extLst>
+          </p:spPr>
+          <p:txBody>
+            <a:bodyPr wrap="square" lIns="22860" tIns="22860" rIns="22860" bIns="22860" numCol="1" anchor="ctr">
+              <a:spAutoFit/>
+            </a:bodyPr>
+            <a:lstStyle/>
+            <a:p>
+              <a:pPr algn="ctr" defTabSz="412740" hangingPunct="0">
+                <a:lnSpc>
+                  <a:spcPts val="1600"/>
+                </a:lnSpc>
+                <a:defRPr sz="3200" b="0">
+                  <a:solidFill>
+                    <a:srgbClr val="FFFFFF"/>
+                  </a:solidFill>
+                  <a:latin typeface="+mn-lt"/>
+                  <a:ea typeface="+mn-ea"/>
+                  <a:cs typeface="+mn-cs"/>
+                  <a:sym typeface="Helvetica Neue Medium"/>
+                </a:defRPr>
+              </a:pPr>
+              <a:r>
+                <a:rPr lang="en-US" sz="1400" kern="0" dirty="0">
+                  <a:solidFill>
+                    <a:srgbClr val="FFFFFF"/>
+                  </a:solidFill>
+                  <a:latin typeface="Helvetica Neue Medium"/>
+                  <a:ea typeface="Helvetica Neue Medium"/>
+                  <a:cs typeface="Helvetica Neue Medium"/>
+                  <a:sym typeface="Helvetica Neue Medium"/>
+                </a:rPr>
+                <a:t>Understand d</a:t>
+              </a:r>
+              <a:r>
+                <a:rPr sz="1400" kern="0" dirty="0">
+                  <a:solidFill>
+                    <a:srgbClr val="FFFFFF"/>
+                  </a:solidFill>
+                  <a:latin typeface="Helvetica Neue Medium"/>
+                  <a:ea typeface="Helvetica Neue Medium"/>
+                  <a:cs typeface="Helvetica Neue Medium"/>
+                  <a:sym typeface="Helvetica Neue Medium"/>
+                </a:rPr>
+                <a:t>ata </a:t>
+              </a:r>
+            </a:p>
+          </p:txBody>
+        </p:sp>
+      </p:grpSp>
+      <p:grpSp>
+        <p:nvGrpSpPr>
+          <p:cNvPr id="21" name="Rounded Rectangle 11">
+            <a:extLst>
+              <a:ext uri="{FF2B5EF4-FFF2-40B4-BE49-F238E27FC236}">
+                <a16:creationId xmlns:a16="http://schemas.microsoft.com/office/drawing/2014/main" id="{89BABD35-B948-F948-884F-506F4FA7310F}"/>
+              </a:ext>
+            </a:extLst>
+          </p:cNvPr>
+          <p:cNvGrpSpPr/>
+          <p:nvPr/>
+        </p:nvGrpSpPr>
+        <p:grpSpPr>
+          <a:xfrm>
+            <a:off x="4910591" y="4445535"/>
+            <a:ext cx="1560243" cy="513853"/>
+            <a:chOff x="0" y="0"/>
+            <a:chExt cx="3120483" cy="1027705"/>
+          </a:xfrm>
+        </p:grpSpPr>
+        <p:sp>
+          <p:nvSpPr>
+            <p:cNvPr id="22" name="Rounded Rectangle">
+              <a:extLst>
+                <a:ext uri="{FF2B5EF4-FFF2-40B4-BE49-F238E27FC236}">
+                  <a16:creationId xmlns:a16="http://schemas.microsoft.com/office/drawing/2014/main" id="{AB4581D3-1CBF-4C43-929F-FDF1DF0DA2EB}"/>
+                </a:ext>
+              </a:extLst>
+            </p:cNvPr>
+            <p:cNvSpPr/>
+            <p:nvPr/>
+          </p:nvSpPr>
+          <p:spPr>
+            <a:xfrm>
+              <a:off x="0" y="0"/>
+              <a:ext cx="3120483" cy="1027705"/>
+            </a:xfrm>
+            <a:prstGeom prst="roundRect">
+              <a:avLst>
+                <a:gd name="adj" fmla="val 16667"/>
+              </a:avLst>
+            </a:prstGeom>
+            <a:solidFill>
+              <a:srgbClr val="004370"/>
+            </a:solidFill>
+            <a:ln w="12700" cap="flat">
+              <a:noFill/>
+              <a:miter lim="400000"/>
+            </a:ln>
+            <a:effectLst/>
+          </p:spPr>
+          <p:txBody>
+            <a:bodyPr wrap="square" lIns="0" tIns="0" rIns="0" bIns="0" numCol="1" anchor="ctr">
+              <a:noAutofit/>
+            </a:bodyPr>
+            <a:lstStyle/>
+            <a:p>
+              <a:pPr algn="ctr" defTabSz="412740" hangingPunct="0">
+                <a:lnSpc>
+                  <a:spcPts val="1600"/>
+                </a:lnSpc>
+                <a:defRPr sz="3600" b="0">
+                  <a:solidFill>
+                    <a:srgbClr val="FFFFFF"/>
+                  </a:solidFill>
+                  <a:latin typeface="+mn-lt"/>
+                  <a:ea typeface="+mn-ea"/>
+                  <a:cs typeface="+mn-cs"/>
+                  <a:sym typeface="Helvetica Neue Medium"/>
+                </a:defRPr>
+              </a:pPr>
+              <a:endParaRPr sz="1400" kern="0">
+                <a:solidFill>
+                  <a:srgbClr val="FFFFFF"/>
+                </a:solidFill>
+                <a:latin typeface="Helvetica Neue Medium"/>
+                <a:ea typeface="Helvetica Neue Medium"/>
+                <a:cs typeface="Helvetica Neue Medium"/>
+                <a:sym typeface="Helvetica Neue Medium"/>
+              </a:endParaRPr>
+            </a:p>
+          </p:txBody>
+        </p:sp>
+        <p:sp>
+          <p:nvSpPr>
+            <p:cNvPr id="23" name="Data  preparation">
+              <a:extLst>
+                <a:ext uri="{FF2B5EF4-FFF2-40B4-BE49-F238E27FC236}">
+                  <a16:creationId xmlns:a16="http://schemas.microsoft.com/office/drawing/2014/main" id="{740ED5ED-5A73-6B4B-86E1-0C5B8D1C23AA}"/>
+                </a:ext>
+              </a:extLst>
+            </p:cNvPr>
+            <p:cNvSpPr txBox="1"/>
+            <p:nvPr/>
+          </p:nvSpPr>
+          <p:spPr>
+            <a:xfrm>
+              <a:off x="50168" y="262502"/>
+              <a:ext cx="3020147" cy="502702"/>
+            </a:xfrm>
+            <a:prstGeom prst="rect">
+              <a:avLst/>
+            </a:prstGeom>
+            <a:noFill/>
+            <a:ln w="12700" cap="flat">
+              <a:noFill/>
+              <a:miter lim="400000"/>
+            </a:ln>
+            <a:effectLst/>
+            <a:extLst>
+              <a:ext uri="{C572A759-6A51-4108-AA02-DFA0A04FC94B}">
+                <ma14:wrappingTextBoxFlag xmlns:ma14="http://schemas.microsoft.com/office/mac/drawingml/2011/main" xmlns:a14="http://schemas.microsoft.com/office/drawing/2010/main" xmlns:m="http://schemas.openxmlformats.org/officeDocument/2006/math" xmlns="" val="1"/>
+              </a:ext>
+            </a:extLst>
+          </p:spPr>
+          <p:txBody>
+            <a:bodyPr wrap="square" lIns="22860" tIns="22860" rIns="22860" bIns="22860" numCol="1" anchor="ctr">
+              <a:spAutoFit/>
+            </a:bodyPr>
+            <a:lstStyle/>
+            <a:p>
+              <a:pPr algn="ctr" defTabSz="412740" hangingPunct="0">
+                <a:lnSpc>
+                  <a:spcPts val="1600"/>
+                </a:lnSpc>
+                <a:defRPr sz="3200" b="0">
+                  <a:solidFill>
+                    <a:srgbClr val="FFFFFF"/>
+                  </a:solidFill>
+                  <a:latin typeface="+mn-lt"/>
+                  <a:ea typeface="+mn-ea"/>
+                  <a:cs typeface="+mn-cs"/>
+                  <a:sym typeface="Helvetica Neue Medium"/>
+                </a:defRPr>
+              </a:pPr>
+              <a:r>
+                <a:rPr lang="en-US" sz="1400" kern="0" dirty="0">
+                  <a:solidFill>
+                    <a:srgbClr val="FFFFFF"/>
+                  </a:solidFill>
+                  <a:latin typeface="Helvetica Neue Medium"/>
+                  <a:ea typeface="Helvetica Neue Medium"/>
+                  <a:cs typeface="Helvetica Neue Medium"/>
+                  <a:sym typeface="Helvetica Neue Medium"/>
+                </a:rPr>
+                <a:t>Prepare d</a:t>
+              </a:r>
+              <a:r>
+                <a:rPr sz="1400" kern="0" dirty="0">
+                  <a:solidFill>
+                    <a:srgbClr val="FFFFFF"/>
+                  </a:solidFill>
+                  <a:latin typeface="Helvetica Neue Medium"/>
+                  <a:ea typeface="Helvetica Neue Medium"/>
+                  <a:cs typeface="Helvetica Neue Medium"/>
+                  <a:sym typeface="Helvetica Neue Medium"/>
+                </a:rPr>
+                <a:t>ata </a:t>
+              </a:r>
+            </a:p>
+          </p:txBody>
+        </p:sp>
+      </p:grpSp>
+      <p:grpSp>
+        <p:nvGrpSpPr>
+          <p:cNvPr id="24" name="Rounded Rectangle 12">
+            <a:extLst>
+              <a:ext uri="{FF2B5EF4-FFF2-40B4-BE49-F238E27FC236}">
+                <a16:creationId xmlns:a16="http://schemas.microsoft.com/office/drawing/2014/main" id="{E4798763-0BF6-554F-901C-5C73C8ED50A1}"/>
+              </a:ext>
+            </a:extLst>
+          </p:cNvPr>
+          <p:cNvGrpSpPr/>
+          <p:nvPr/>
+        </p:nvGrpSpPr>
+        <p:grpSpPr>
+          <a:xfrm>
+            <a:off x="631606" y="3427173"/>
+            <a:ext cx="1560243" cy="513853"/>
+            <a:chOff x="0" y="0"/>
+            <a:chExt cx="3120483" cy="1027705"/>
+          </a:xfrm>
+        </p:grpSpPr>
+        <p:sp>
+          <p:nvSpPr>
+            <p:cNvPr id="25" name="Rounded Rectangle">
+              <a:extLst>
+                <a:ext uri="{FF2B5EF4-FFF2-40B4-BE49-F238E27FC236}">
+                  <a16:creationId xmlns:a16="http://schemas.microsoft.com/office/drawing/2014/main" id="{1627574F-8CBD-8143-BD60-2B10DA8BB242}"/>
+                </a:ext>
+              </a:extLst>
+            </p:cNvPr>
+            <p:cNvSpPr/>
+            <p:nvPr/>
+          </p:nvSpPr>
+          <p:spPr>
+            <a:xfrm>
+              <a:off x="0" y="0"/>
+              <a:ext cx="3120483" cy="1027705"/>
+            </a:xfrm>
+            <a:prstGeom prst="roundRect">
+              <a:avLst>
+                <a:gd name="adj" fmla="val 16667"/>
+              </a:avLst>
+            </a:prstGeom>
+            <a:solidFill>
+              <a:srgbClr val="004370"/>
+            </a:solidFill>
+            <a:ln w="12700" cap="flat">
+              <a:noFill/>
+              <a:miter lim="400000"/>
+            </a:ln>
+            <a:effectLst/>
+          </p:spPr>
+          <p:txBody>
+            <a:bodyPr wrap="square" lIns="0" tIns="0" rIns="0" bIns="0" numCol="1" anchor="ctr">
+              <a:noAutofit/>
+            </a:bodyPr>
+            <a:lstStyle/>
+            <a:p>
+              <a:pPr algn="ctr" defTabSz="412740" hangingPunct="0">
+                <a:lnSpc>
+                  <a:spcPts val="1600"/>
+                </a:lnSpc>
+                <a:defRPr sz="3600" b="0">
+                  <a:solidFill>
+                    <a:srgbClr val="FFFFFF"/>
+                  </a:solidFill>
+                  <a:latin typeface="+mn-lt"/>
+                  <a:ea typeface="+mn-ea"/>
+                  <a:cs typeface="+mn-cs"/>
+                  <a:sym typeface="Helvetica Neue Medium"/>
+                </a:defRPr>
+              </a:pPr>
+              <a:endParaRPr sz="1400" kern="0">
+                <a:solidFill>
+                  <a:srgbClr val="FFFFFF"/>
+                </a:solidFill>
+                <a:latin typeface="Helvetica Neue Medium"/>
+                <a:ea typeface="Helvetica Neue Medium"/>
+                <a:cs typeface="Helvetica Neue Medium"/>
+                <a:sym typeface="Helvetica Neue Medium"/>
+              </a:endParaRPr>
+            </a:p>
+          </p:txBody>
+        </p:sp>
+        <p:sp>
+          <p:nvSpPr>
+            <p:cNvPr id="26" name="Evaluation">
+              <a:extLst>
+                <a:ext uri="{FF2B5EF4-FFF2-40B4-BE49-F238E27FC236}">
+                  <a16:creationId xmlns:a16="http://schemas.microsoft.com/office/drawing/2014/main" id="{2863180C-2EF7-7E4A-8076-5DF69D000B38}"/>
+                </a:ext>
+              </a:extLst>
+            </p:cNvPr>
+            <p:cNvSpPr txBox="1"/>
+            <p:nvPr/>
+          </p:nvSpPr>
+          <p:spPr>
+            <a:xfrm>
+              <a:off x="50168" y="262500"/>
+              <a:ext cx="3020147" cy="502702"/>
+            </a:xfrm>
+            <a:prstGeom prst="rect">
+              <a:avLst/>
+            </a:prstGeom>
+            <a:noFill/>
+            <a:ln w="12700" cap="flat">
+              <a:noFill/>
+              <a:miter lim="400000"/>
+            </a:ln>
+            <a:effectLst/>
+            <a:extLst>
+              <a:ext uri="{C572A759-6A51-4108-AA02-DFA0A04FC94B}">
+                <ma14:wrappingTextBoxFlag xmlns:ma14="http://schemas.microsoft.com/office/mac/drawingml/2011/main" xmlns:a14="http://schemas.microsoft.com/office/drawing/2010/main" xmlns:m="http://schemas.openxmlformats.org/officeDocument/2006/math" xmlns="" val="1"/>
+              </a:ext>
+            </a:extLst>
+          </p:spPr>
+          <p:txBody>
+            <a:bodyPr wrap="square" lIns="22860" tIns="22860" rIns="22860" bIns="22860" numCol="1" anchor="ctr">
+              <a:spAutoFit/>
+            </a:bodyPr>
+            <a:lstStyle>
+              <a:lvl1pPr>
+                <a:lnSpc>
+                  <a:spcPts val="3200"/>
+                </a:lnSpc>
+                <a:defRPr sz="3200" b="0">
+                  <a:solidFill>
+                    <a:srgbClr val="FFFFFF"/>
+                  </a:solidFill>
+                  <a:latin typeface="+mn-lt"/>
+                  <a:ea typeface="+mn-ea"/>
+                  <a:cs typeface="+mn-cs"/>
+                  <a:sym typeface="Helvetica Neue Medium"/>
+                </a:defRPr>
+              </a:lvl1pPr>
+            </a:lstStyle>
+            <a:p>
+              <a:pPr algn="ctr" defTabSz="412740" hangingPunct="0">
+                <a:lnSpc>
+                  <a:spcPts val="1600"/>
+                </a:lnSpc>
+              </a:pPr>
+              <a:r>
+                <a:rPr sz="1400" kern="0" dirty="0">
+                  <a:latin typeface="Helvetica Neue Medium"/>
+                  <a:ea typeface="Helvetica Neue Medium"/>
+                  <a:cs typeface="Helvetica Neue Medium"/>
+                </a:rPr>
+                <a:t>Evaluat</a:t>
+              </a:r>
+              <a:r>
+                <a:rPr lang="en-US" sz="1400" kern="0" dirty="0">
+                  <a:latin typeface="Helvetica Neue Medium"/>
+                  <a:ea typeface="Helvetica Neue Medium"/>
+                  <a:cs typeface="Helvetica Neue Medium"/>
+                </a:rPr>
+                <a:t>e model(s)</a:t>
+              </a:r>
+              <a:endParaRPr sz="1400" kern="0" dirty="0">
+                <a:latin typeface="Helvetica Neue Medium"/>
+                <a:ea typeface="Helvetica Neue Medium"/>
+                <a:cs typeface="Helvetica Neue Medium"/>
+              </a:endParaRPr>
+            </a:p>
+          </p:txBody>
+        </p:sp>
+      </p:grpSp>
+      <p:grpSp>
+        <p:nvGrpSpPr>
+          <p:cNvPr id="27" name="Rounded Rectangle 13">
+            <a:extLst>
+              <a:ext uri="{FF2B5EF4-FFF2-40B4-BE49-F238E27FC236}">
+                <a16:creationId xmlns:a16="http://schemas.microsoft.com/office/drawing/2014/main" id="{92857FBC-DBAB-C946-9C04-B303A2464080}"/>
+              </a:ext>
+            </a:extLst>
+          </p:cNvPr>
+          <p:cNvGrpSpPr/>
+          <p:nvPr/>
+        </p:nvGrpSpPr>
+        <p:grpSpPr>
+          <a:xfrm>
+            <a:off x="631606" y="2520925"/>
+            <a:ext cx="1560243" cy="513853"/>
+            <a:chOff x="0" y="0"/>
+            <a:chExt cx="3120483" cy="1027705"/>
+          </a:xfrm>
+        </p:grpSpPr>
+        <p:sp>
+          <p:nvSpPr>
+            <p:cNvPr id="28" name="Rounded Rectangle">
+              <a:extLst>
+                <a:ext uri="{FF2B5EF4-FFF2-40B4-BE49-F238E27FC236}">
+                  <a16:creationId xmlns:a16="http://schemas.microsoft.com/office/drawing/2014/main" id="{A436D638-BDDB-5448-9D0A-F1562BA6FA84}"/>
+                </a:ext>
+              </a:extLst>
+            </p:cNvPr>
+            <p:cNvSpPr/>
+            <p:nvPr/>
+          </p:nvSpPr>
+          <p:spPr>
+            <a:xfrm>
+              <a:off x="0" y="0"/>
+              <a:ext cx="3120483" cy="1027705"/>
+            </a:xfrm>
+            <a:prstGeom prst="roundRect">
+              <a:avLst>
+                <a:gd name="adj" fmla="val 16667"/>
+              </a:avLst>
+            </a:prstGeom>
+            <a:solidFill>
+              <a:srgbClr val="004370"/>
+            </a:solidFill>
+            <a:ln w="12700" cap="flat">
+              <a:noFill/>
+              <a:miter lim="400000"/>
+            </a:ln>
+            <a:effectLst/>
+          </p:spPr>
+          <p:txBody>
+            <a:bodyPr wrap="square" lIns="0" tIns="0" rIns="0" bIns="0" numCol="1" anchor="ctr">
+              <a:noAutofit/>
+            </a:bodyPr>
+            <a:lstStyle/>
+            <a:p>
+              <a:pPr algn="ctr" defTabSz="412740" hangingPunct="0">
+                <a:lnSpc>
+                  <a:spcPts val="1600"/>
+                </a:lnSpc>
+                <a:defRPr sz="3600" b="0">
+                  <a:solidFill>
+                    <a:srgbClr val="FFFFFF"/>
+                  </a:solidFill>
+                  <a:latin typeface="+mn-lt"/>
+                  <a:ea typeface="+mn-ea"/>
+                  <a:cs typeface="+mn-cs"/>
+                  <a:sym typeface="Helvetica Neue Medium"/>
+                </a:defRPr>
+              </a:pPr>
+              <a:endParaRPr sz="1400" kern="0">
+                <a:solidFill>
+                  <a:srgbClr val="FFFFFF"/>
+                </a:solidFill>
+                <a:latin typeface="Helvetica Neue Medium"/>
+                <a:ea typeface="Helvetica Neue Medium"/>
+                <a:cs typeface="Helvetica Neue Medium"/>
+                <a:sym typeface="Helvetica Neue Medium"/>
+              </a:endParaRPr>
+            </a:p>
+          </p:txBody>
+        </p:sp>
+        <p:sp>
+          <p:nvSpPr>
+            <p:cNvPr id="29" name="Deployment">
+              <a:extLst>
+                <a:ext uri="{FF2B5EF4-FFF2-40B4-BE49-F238E27FC236}">
+                  <a16:creationId xmlns:a16="http://schemas.microsoft.com/office/drawing/2014/main" id="{65D894F8-668B-234B-9B05-8F32184EF688}"/>
+                </a:ext>
+              </a:extLst>
+            </p:cNvPr>
+            <p:cNvSpPr txBox="1"/>
+            <p:nvPr/>
+          </p:nvSpPr>
+          <p:spPr>
+            <a:xfrm>
+              <a:off x="50168" y="57318"/>
+              <a:ext cx="3020147" cy="913069"/>
+            </a:xfrm>
+            <a:prstGeom prst="rect">
+              <a:avLst/>
+            </a:prstGeom>
+            <a:noFill/>
+            <a:ln w="12700" cap="flat">
+              <a:noFill/>
+              <a:miter lim="400000"/>
+            </a:ln>
+            <a:effectLst/>
+            <a:extLst>
+              <a:ext uri="{C572A759-6A51-4108-AA02-DFA0A04FC94B}">
+                <ma14:wrappingTextBoxFlag xmlns:ma14="http://schemas.microsoft.com/office/mac/drawingml/2011/main" xmlns:a14="http://schemas.microsoft.com/office/drawing/2010/main" xmlns:m="http://schemas.openxmlformats.org/officeDocument/2006/math" xmlns="" val="1"/>
+              </a:ext>
+            </a:extLst>
+          </p:spPr>
+          <p:txBody>
+            <a:bodyPr wrap="square" lIns="22860" tIns="22860" rIns="22860" bIns="22860" numCol="1" anchor="ctr">
+              <a:spAutoFit/>
+            </a:bodyPr>
+            <a:lstStyle>
+              <a:lvl1pPr>
+                <a:lnSpc>
+                  <a:spcPts val="3200"/>
+                </a:lnSpc>
+                <a:defRPr sz="3200" b="0">
+                  <a:solidFill>
+                    <a:srgbClr val="FFFFFF"/>
+                  </a:solidFill>
+                  <a:latin typeface="+mn-lt"/>
+                  <a:ea typeface="+mn-ea"/>
+                  <a:cs typeface="+mn-cs"/>
+                  <a:sym typeface="Helvetica Neue Medium"/>
+                </a:defRPr>
+              </a:lvl1pPr>
+            </a:lstStyle>
+            <a:p>
+              <a:pPr algn="ctr" defTabSz="412740" hangingPunct="0">
+                <a:lnSpc>
+                  <a:spcPts val="1600"/>
+                </a:lnSpc>
+              </a:pPr>
+              <a:r>
+                <a:rPr sz="1400" kern="0" dirty="0">
+                  <a:latin typeface="Helvetica Neue Medium"/>
+                  <a:ea typeface="Helvetica Neue Medium"/>
+                  <a:cs typeface="Helvetica Neue Medium"/>
+                </a:rPr>
+                <a:t>Deploy</a:t>
+              </a:r>
+              <a:r>
+                <a:rPr lang="en-US" sz="1400" kern="0" dirty="0">
+                  <a:latin typeface="Helvetica Neue Medium"/>
+                  <a:ea typeface="Helvetica Neue Medium"/>
+                  <a:cs typeface="Helvetica Neue Medium"/>
+                </a:rPr>
+                <a:t>, integrate models</a:t>
+              </a:r>
+              <a:endParaRPr sz="1400" kern="0" dirty="0">
+                <a:latin typeface="Helvetica Neue Medium"/>
+                <a:ea typeface="Helvetica Neue Medium"/>
+                <a:cs typeface="Helvetica Neue Medium"/>
+              </a:endParaRPr>
+            </a:p>
+          </p:txBody>
+        </p:sp>
+      </p:grpSp>
+      <p:grpSp>
+        <p:nvGrpSpPr>
+          <p:cNvPr id="30" name="Rounded Rectangle 14">
+            <a:extLst>
+              <a:ext uri="{FF2B5EF4-FFF2-40B4-BE49-F238E27FC236}">
+                <a16:creationId xmlns:a16="http://schemas.microsoft.com/office/drawing/2014/main" id="{03FC29AB-FA38-DC4E-B5A5-7B5A4795A853}"/>
+              </a:ext>
+            </a:extLst>
+          </p:cNvPr>
+          <p:cNvGrpSpPr/>
+          <p:nvPr/>
+        </p:nvGrpSpPr>
+        <p:grpSpPr>
+          <a:xfrm>
+            <a:off x="631606" y="1614679"/>
+            <a:ext cx="1560243" cy="513853"/>
+            <a:chOff x="0" y="0"/>
+            <a:chExt cx="3120483" cy="1027705"/>
+          </a:xfrm>
+        </p:grpSpPr>
+        <p:sp>
+          <p:nvSpPr>
+            <p:cNvPr id="31" name="Rounded Rectangle">
+              <a:extLst>
+                <a:ext uri="{FF2B5EF4-FFF2-40B4-BE49-F238E27FC236}">
+                  <a16:creationId xmlns:a16="http://schemas.microsoft.com/office/drawing/2014/main" id="{581F337A-EE16-5348-9DBD-99430F691DAC}"/>
+                </a:ext>
+              </a:extLst>
+            </p:cNvPr>
+            <p:cNvSpPr/>
+            <p:nvPr/>
+          </p:nvSpPr>
+          <p:spPr>
+            <a:xfrm>
+              <a:off x="0" y="0"/>
+              <a:ext cx="3120483" cy="1027705"/>
+            </a:xfrm>
+            <a:prstGeom prst="roundRect">
+              <a:avLst>
+                <a:gd name="adj" fmla="val 16667"/>
+              </a:avLst>
+            </a:prstGeom>
+            <a:solidFill>
+              <a:srgbClr val="004370"/>
+            </a:solidFill>
+            <a:ln w="12700" cap="flat">
+              <a:noFill/>
+              <a:miter lim="400000"/>
+            </a:ln>
+            <a:effectLst/>
+          </p:spPr>
+          <p:txBody>
+            <a:bodyPr wrap="square" lIns="0" tIns="0" rIns="0" bIns="0" numCol="1" anchor="ctr">
+              <a:noAutofit/>
+            </a:bodyPr>
+            <a:lstStyle/>
+            <a:p>
+              <a:pPr algn="ctr" defTabSz="412740" hangingPunct="0">
+                <a:lnSpc>
+                  <a:spcPts val="1600"/>
+                </a:lnSpc>
+                <a:defRPr sz="3600" b="0">
+                  <a:solidFill>
+                    <a:srgbClr val="FFFFFF"/>
+                  </a:solidFill>
+                  <a:latin typeface="+mn-lt"/>
+                  <a:ea typeface="+mn-ea"/>
+                  <a:cs typeface="+mn-cs"/>
+                  <a:sym typeface="Helvetica Neue Medium"/>
+                </a:defRPr>
+              </a:pPr>
+              <a:endParaRPr sz="1400" kern="0">
+                <a:solidFill>
+                  <a:srgbClr val="FFFFFF"/>
+                </a:solidFill>
+                <a:latin typeface="Helvetica Neue Medium"/>
+                <a:ea typeface="Helvetica Neue Medium"/>
+                <a:cs typeface="Helvetica Neue Medium"/>
+                <a:sym typeface="Helvetica Neue Medium"/>
+              </a:endParaRPr>
+            </a:p>
+          </p:txBody>
+        </p:sp>
+        <p:sp>
+          <p:nvSpPr>
+            <p:cNvPr id="32" name="Feedback">
+              <a:extLst>
+                <a:ext uri="{FF2B5EF4-FFF2-40B4-BE49-F238E27FC236}">
+                  <a16:creationId xmlns:a16="http://schemas.microsoft.com/office/drawing/2014/main" id="{A34BB6C9-D1C7-BD41-8562-E3287557DE10}"/>
+                </a:ext>
+              </a:extLst>
+            </p:cNvPr>
+            <p:cNvSpPr txBox="1"/>
+            <p:nvPr/>
+          </p:nvSpPr>
+          <p:spPr>
+            <a:xfrm>
+              <a:off x="50168" y="262500"/>
+              <a:ext cx="3020147" cy="502702"/>
+            </a:xfrm>
+            <a:prstGeom prst="rect">
+              <a:avLst/>
+            </a:prstGeom>
+            <a:noFill/>
+            <a:ln w="12700" cap="flat">
+              <a:noFill/>
+              <a:miter lim="400000"/>
+            </a:ln>
+            <a:effectLst/>
+            <a:extLst>
+              <a:ext uri="{C572A759-6A51-4108-AA02-DFA0A04FC94B}">
+                <ma14:wrappingTextBoxFlag xmlns:ma14="http://schemas.microsoft.com/office/mac/drawingml/2011/main" xmlns:a14="http://schemas.microsoft.com/office/drawing/2010/main" xmlns:m="http://schemas.openxmlformats.org/officeDocument/2006/math" xmlns="" val="1"/>
+              </a:ext>
+            </a:extLst>
+          </p:spPr>
+          <p:txBody>
+            <a:bodyPr wrap="square" lIns="22860" tIns="22860" rIns="22860" bIns="22860" numCol="1" anchor="ctr">
+              <a:spAutoFit/>
+            </a:bodyPr>
+            <a:lstStyle>
+              <a:lvl1pPr>
+                <a:lnSpc>
+                  <a:spcPts val="3200"/>
+                </a:lnSpc>
+                <a:defRPr sz="3200" b="0">
+                  <a:solidFill>
+                    <a:srgbClr val="FFFFFF"/>
+                  </a:solidFill>
+                  <a:latin typeface="+mn-lt"/>
+                  <a:ea typeface="+mn-ea"/>
+                  <a:cs typeface="+mn-cs"/>
+                  <a:sym typeface="Helvetica Neue Medium"/>
+                </a:defRPr>
+              </a:lvl1pPr>
+            </a:lstStyle>
+            <a:p>
+              <a:pPr algn="ctr" defTabSz="412740" hangingPunct="0">
+                <a:lnSpc>
+                  <a:spcPts val="1600"/>
+                </a:lnSpc>
+              </a:pPr>
+              <a:r>
+                <a:rPr sz="1400" kern="0" dirty="0">
+                  <a:latin typeface="Helvetica Neue Medium"/>
+                  <a:ea typeface="Helvetica Neue Medium"/>
+                  <a:cs typeface="Helvetica Neue Medium"/>
+                </a:rPr>
+                <a:t>Feedback</a:t>
+              </a:r>
+            </a:p>
+          </p:txBody>
+        </p:sp>
+      </p:grpSp>
+      <p:sp>
+        <p:nvSpPr>
+          <p:cNvPr id="33" name="Oval 32">
+            <a:extLst>
+              <a:ext uri="{FF2B5EF4-FFF2-40B4-BE49-F238E27FC236}">
+                <a16:creationId xmlns:a16="http://schemas.microsoft.com/office/drawing/2014/main" id="{CA2B31E7-6B8F-F84B-9E5D-12CE121AEFF1}"/>
+              </a:ext>
+            </a:extLst>
+          </p:cNvPr>
+          <p:cNvSpPr/>
+          <p:nvPr/>
+        </p:nvSpPr>
+        <p:spPr>
+          <a:xfrm>
+            <a:off x="3191525" y="1437166"/>
+            <a:ext cx="2363719" cy="2363719"/>
+          </a:xfrm>
+          <a:prstGeom prst="ellipse">
+            <a:avLst/>
+          </a:prstGeom>
+          <a:solidFill>
+            <a:srgbClr val="348CE7"/>
+          </a:solidFill>
+          <a:ln w="12700">
+            <a:miter lim="400000"/>
+          </a:ln>
+        </p:spPr>
+        <p:txBody>
+          <a:bodyPr lIns="0" tIns="0" rIns="0" bIns="0" anchor="ctr"/>
+          <a:lstStyle/>
+          <a:p>
+            <a:pPr algn="ctr" defTabSz="412740" hangingPunct="0">
+              <a:lnSpc>
+                <a:spcPct val="120000"/>
+              </a:lnSpc>
+              <a:defRPr sz="7200" b="0">
+                <a:solidFill>
+                  <a:srgbClr val="FFFFFF"/>
+                </a:solidFill>
+                <a:latin typeface="+mn-lt"/>
+                <a:ea typeface="+mn-ea"/>
+                <a:cs typeface="+mn-cs"/>
+                <a:sym typeface="Helvetica Neue Medium"/>
+              </a:defRPr>
+            </a:pPr>
+            <a:endParaRPr sz="3600" kern="0">
+              <a:solidFill>
+                <a:srgbClr val="FFFFFF"/>
+              </a:solidFill>
+              <a:latin typeface="Helvetica Neue Medium"/>
+              <a:ea typeface="Helvetica Neue Medium"/>
+              <a:cs typeface="Helvetica Neue Medium"/>
+              <a:sym typeface="Helvetica Neue Medium"/>
+            </a:endParaRPr>
+          </a:p>
+        </p:txBody>
+      </p:sp>
+      <p:grpSp>
+        <p:nvGrpSpPr>
+          <p:cNvPr id="34" name="Rounded Rectangle 31">
+            <a:extLst>
+              <a:ext uri="{FF2B5EF4-FFF2-40B4-BE49-F238E27FC236}">
+                <a16:creationId xmlns:a16="http://schemas.microsoft.com/office/drawing/2014/main" id="{79135D70-960F-7F44-988C-44C214A34562}"/>
+              </a:ext>
+            </a:extLst>
+          </p:cNvPr>
+          <p:cNvGrpSpPr/>
+          <p:nvPr/>
+        </p:nvGrpSpPr>
+        <p:grpSpPr>
+          <a:xfrm>
+            <a:off x="2210532" y="4445535"/>
+            <a:ext cx="1560243" cy="513853"/>
+            <a:chOff x="0" y="0"/>
+            <a:chExt cx="3120483" cy="1027705"/>
+          </a:xfrm>
+        </p:grpSpPr>
+        <p:sp>
+          <p:nvSpPr>
+            <p:cNvPr id="35" name="Rounded Rectangle">
+              <a:extLst>
+                <a:ext uri="{FF2B5EF4-FFF2-40B4-BE49-F238E27FC236}">
+                  <a16:creationId xmlns:a16="http://schemas.microsoft.com/office/drawing/2014/main" id="{0D7A584F-ABA4-9446-989B-DC87C03823CF}"/>
+                </a:ext>
+              </a:extLst>
+            </p:cNvPr>
+            <p:cNvSpPr/>
+            <p:nvPr/>
+          </p:nvSpPr>
+          <p:spPr>
+            <a:xfrm>
+              <a:off x="0" y="0"/>
+              <a:ext cx="3120483" cy="1027705"/>
+            </a:xfrm>
+            <a:prstGeom prst="roundRect">
+              <a:avLst>
+                <a:gd name="adj" fmla="val 16667"/>
+              </a:avLst>
+            </a:prstGeom>
+            <a:solidFill>
+              <a:srgbClr val="004370"/>
+            </a:solidFill>
+            <a:ln w="12700" cap="flat">
+              <a:noFill/>
+              <a:miter lim="400000"/>
+            </a:ln>
+            <a:effectLst/>
+          </p:spPr>
+          <p:txBody>
+            <a:bodyPr wrap="square" lIns="0" tIns="0" rIns="0" bIns="0" numCol="1" anchor="ctr">
+              <a:noAutofit/>
+            </a:bodyPr>
+            <a:lstStyle/>
+            <a:p>
+              <a:pPr algn="ctr" defTabSz="412740" hangingPunct="0">
+                <a:lnSpc>
+                  <a:spcPts val="1600"/>
+                </a:lnSpc>
+                <a:defRPr sz="3600" b="0">
+                  <a:solidFill>
+                    <a:srgbClr val="FFFFFF"/>
+                  </a:solidFill>
+                  <a:latin typeface="+mn-lt"/>
+                  <a:ea typeface="+mn-ea"/>
+                  <a:cs typeface="+mn-cs"/>
+                  <a:sym typeface="Helvetica Neue Medium"/>
+                </a:defRPr>
+              </a:pPr>
+              <a:endParaRPr sz="1400" kern="0">
+                <a:solidFill>
+                  <a:srgbClr val="FFFFFF"/>
+                </a:solidFill>
+                <a:latin typeface="Helvetica Neue Medium"/>
+                <a:ea typeface="Helvetica Neue Medium"/>
+                <a:cs typeface="Helvetica Neue Medium"/>
+                <a:sym typeface="Helvetica Neue Medium"/>
+              </a:endParaRPr>
+            </a:p>
+          </p:txBody>
+        </p:sp>
+        <p:sp>
+          <p:nvSpPr>
+            <p:cNvPr id="36" name="Modeling">
+              <a:extLst>
+                <a:ext uri="{FF2B5EF4-FFF2-40B4-BE49-F238E27FC236}">
+                  <a16:creationId xmlns:a16="http://schemas.microsoft.com/office/drawing/2014/main" id="{4151DD12-4325-C941-AC25-F55C44E9AF39}"/>
+                </a:ext>
+              </a:extLst>
+            </p:cNvPr>
+            <p:cNvSpPr txBox="1"/>
+            <p:nvPr/>
+          </p:nvSpPr>
+          <p:spPr>
+            <a:xfrm>
+              <a:off x="50168" y="262500"/>
+              <a:ext cx="3020147" cy="502702"/>
+            </a:xfrm>
+            <a:prstGeom prst="rect">
+              <a:avLst/>
+            </a:prstGeom>
+            <a:noFill/>
+            <a:ln w="12700" cap="flat">
+              <a:noFill/>
+              <a:miter lim="400000"/>
+            </a:ln>
+            <a:effectLst/>
+            <a:extLst>
+              <a:ext uri="{C572A759-6A51-4108-AA02-DFA0A04FC94B}">
+                <ma14:wrappingTextBoxFlag xmlns:ma14="http://schemas.microsoft.com/office/mac/drawingml/2011/main" xmlns:a14="http://schemas.microsoft.com/office/drawing/2010/main" xmlns:m="http://schemas.openxmlformats.org/officeDocument/2006/math" xmlns="" val="1"/>
+              </a:ext>
+            </a:extLst>
+          </p:spPr>
+          <p:txBody>
+            <a:bodyPr wrap="square" lIns="22860" tIns="22860" rIns="22860" bIns="22860" numCol="1" anchor="ctr">
+              <a:spAutoFit/>
+            </a:bodyPr>
+            <a:lstStyle>
+              <a:lvl1pPr>
+                <a:lnSpc>
+                  <a:spcPts val="3200"/>
+                </a:lnSpc>
+                <a:defRPr sz="3200" b="0">
+                  <a:solidFill>
+                    <a:srgbClr val="FFFFFF"/>
+                  </a:solidFill>
+                  <a:latin typeface="+mn-lt"/>
+                  <a:ea typeface="+mn-ea"/>
+                  <a:cs typeface="+mn-cs"/>
+                  <a:sym typeface="Helvetica Neue Medium"/>
+                </a:defRPr>
+              </a:lvl1pPr>
+            </a:lstStyle>
+            <a:p>
+              <a:pPr algn="ctr" defTabSz="412740" hangingPunct="0">
+                <a:lnSpc>
+                  <a:spcPts val="1600"/>
+                </a:lnSpc>
+              </a:pPr>
+              <a:r>
+                <a:rPr lang="en-US" sz="1400" kern="0" dirty="0">
+                  <a:latin typeface="Helvetica Neue Medium"/>
+                  <a:ea typeface="Helvetica Neue Medium"/>
+                  <a:cs typeface="Helvetica Neue Medium"/>
+                </a:rPr>
+                <a:t>Develop m</a:t>
+              </a:r>
+              <a:r>
+                <a:rPr sz="1400" kern="0" dirty="0">
+                  <a:latin typeface="Helvetica Neue Medium"/>
+                  <a:ea typeface="Helvetica Neue Medium"/>
+                  <a:cs typeface="Helvetica Neue Medium"/>
+                </a:rPr>
+                <a:t>odel</a:t>
+              </a:r>
+              <a:r>
+                <a:rPr lang="en-US" sz="1400" kern="0" dirty="0">
+                  <a:latin typeface="Helvetica Neue Medium"/>
+                  <a:ea typeface="Helvetica Neue Medium"/>
+                  <a:cs typeface="Helvetica Neue Medium"/>
+                </a:rPr>
+                <a:t>(s)</a:t>
+              </a:r>
+              <a:endParaRPr sz="1400" kern="0" dirty="0">
+                <a:latin typeface="Helvetica Neue Medium"/>
+                <a:ea typeface="Helvetica Neue Medium"/>
+                <a:cs typeface="Helvetica Neue Medium"/>
+              </a:endParaRPr>
+            </a:p>
+          </p:txBody>
+        </p:sp>
+      </p:grpSp>
+      <p:pic>
+        <p:nvPicPr>
+          <p:cNvPr id="37" name="Picture 35" descr="Picture 35">
+            <a:extLst>
+              <a:ext uri="{FF2B5EF4-FFF2-40B4-BE49-F238E27FC236}">
+                <a16:creationId xmlns:a16="http://schemas.microsoft.com/office/drawing/2014/main" id="{3F480C33-AC68-DA4B-B917-5167F419DB16}"/>
+              </a:ext>
+            </a:extLst>
+          </p:cNvPr>
+          <p:cNvPicPr>
+            <a:picLocks noChangeAspect="1"/>
+          </p:cNvPicPr>
+          <p:nvPr/>
+        </p:nvPicPr>
+        <p:blipFill>
+          <a:blip r:embed="rId2"/>
+          <a:stretch>
+            <a:fillRect/>
+          </a:stretch>
+        </p:blipFill>
+        <p:spPr>
+          <a:xfrm>
+            <a:off x="3701924" y="1759675"/>
+            <a:ext cx="689907" cy="674243"/>
+          </a:xfrm>
+          <a:prstGeom prst="rect">
+            <a:avLst/>
+          </a:prstGeom>
+          <a:ln w="12700">
+            <a:miter lim="400000"/>
+          </a:ln>
+        </p:spPr>
+      </p:pic>
+      <p:pic>
+        <p:nvPicPr>
+          <p:cNvPr id="38" name="Picture 36" descr="Picture 36">
+            <a:extLst>
+              <a:ext uri="{FF2B5EF4-FFF2-40B4-BE49-F238E27FC236}">
+                <a16:creationId xmlns:a16="http://schemas.microsoft.com/office/drawing/2014/main" id="{50FDEEE7-6C05-0A49-8685-FACD99E689EB}"/>
+              </a:ext>
+            </a:extLst>
+          </p:cNvPr>
+          <p:cNvPicPr>
+            <a:picLocks noChangeAspect="1"/>
+          </p:cNvPicPr>
+          <p:nvPr/>
+        </p:nvPicPr>
+        <p:blipFill>
+          <a:blip r:embed="rId3"/>
+          <a:stretch>
+            <a:fillRect/>
+          </a:stretch>
+        </p:blipFill>
+        <p:spPr>
+          <a:xfrm>
+            <a:off x="4459355" y="1758057"/>
+            <a:ext cx="689908" cy="674244"/>
+          </a:xfrm>
+          <a:prstGeom prst="rect">
+            <a:avLst/>
+          </a:prstGeom>
+          <a:ln w="12700">
+            <a:miter lim="400000"/>
+          </a:ln>
+        </p:spPr>
+      </p:pic>
+      <p:pic>
+        <p:nvPicPr>
+          <p:cNvPr id="39" name="Picture 37" descr="Picture 37">
+            <a:extLst>
+              <a:ext uri="{FF2B5EF4-FFF2-40B4-BE49-F238E27FC236}">
+                <a16:creationId xmlns:a16="http://schemas.microsoft.com/office/drawing/2014/main" id="{EA02CFF7-3178-F949-9C3A-A6DFC028481A}"/>
+              </a:ext>
+            </a:extLst>
+          </p:cNvPr>
+          <p:cNvPicPr>
+            <a:picLocks noChangeAspect="1"/>
+          </p:cNvPicPr>
+          <p:nvPr/>
+        </p:nvPicPr>
+        <p:blipFill>
+          <a:blip r:embed="rId4"/>
+          <a:stretch>
+            <a:fillRect/>
+          </a:stretch>
+        </p:blipFill>
+        <p:spPr>
+          <a:xfrm>
+            <a:off x="4839696" y="2641345"/>
+            <a:ext cx="689908" cy="674244"/>
+          </a:xfrm>
+          <a:prstGeom prst="rect">
+            <a:avLst/>
+          </a:prstGeom>
+          <a:ln w="12700">
+            <a:miter lim="400000"/>
+          </a:ln>
+        </p:spPr>
+      </p:pic>
+      <p:pic>
+        <p:nvPicPr>
+          <p:cNvPr id="40" name="Picture 38" descr="Picture 38">
+            <a:extLst>
+              <a:ext uri="{FF2B5EF4-FFF2-40B4-BE49-F238E27FC236}">
+                <a16:creationId xmlns:a16="http://schemas.microsoft.com/office/drawing/2014/main" id="{72BD1BFB-6251-8744-A366-F8C557242DF9}"/>
+              </a:ext>
+            </a:extLst>
+          </p:cNvPr>
+          <p:cNvPicPr>
+            <a:picLocks noChangeAspect="1"/>
+          </p:cNvPicPr>
+          <p:nvPr/>
+        </p:nvPicPr>
+        <p:blipFill>
+          <a:blip r:embed="rId5"/>
+          <a:stretch>
+            <a:fillRect/>
+          </a:stretch>
+        </p:blipFill>
+        <p:spPr>
+          <a:xfrm>
+            <a:off x="3369744" y="2641345"/>
+            <a:ext cx="689908" cy="674244"/>
+          </a:xfrm>
+          <a:prstGeom prst="rect">
+            <a:avLst/>
+          </a:prstGeom>
+          <a:ln w="12700">
+            <a:miter lim="400000"/>
+          </a:ln>
+        </p:spPr>
+      </p:pic>
+      <p:pic>
+        <p:nvPicPr>
+          <p:cNvPr id="41" name="Picture 40">
+            <a:extLst>
+              <a:ext uri="{FF2B5EF4-FFF2-40B4-BE49-F238E27FC236}">
+                <a16:creationId xmlns:a16="http://schemas.microsoft.com/office/drawing/2014/main" id="{98B37EF0-23C0-AD44-977A-54ED8B17286D}"/>
+              </a:ext>
+            </a:extLst>
+          </p:cNvPr>
+          <p:cNvPicPr>
+            <a:picLocks noChangeAspect="1"/>
+          </p:cNvPicPr>
+          <p:nvPr/>
+        </p:nvPicPr>
+        <p:blipFill>
+          <a:blip r:embed="rId6" cstate="print">
+            <a:extLst>
+              <a:ext uri="{28A0092B-C50C-407E-A947-70E740481C1C}">
+                <a14:useLocalDpi xmlns:a14="http://schemas.microsoft.com/office/drawing/2010/main"/>
+              </a:ext>
+            </a:extLst>
+          </a:blip>
+          <a:stretch>
+            <a:fillRect/>
+          </a:stretch>
+        </p:blipFill>
+        <p:spPr>
+          <a:xfrm flipH="1">
+            <a:off x="4123672" y="2641345"/>
+            <a:ext cx="694943" cy="666431"/>
+          </a:xfrm>
+          <a:prstGeom prst="rect">
+            <a:avLst/>
+          </a:prstGeom>
+        </p:spPr>
+      </p:pic>
+      <p:cxnSp>
+        <p:nvCxnSpPr>
+          <p:cNvPr id="43" name="Curved Connector 42">
+            <a:extLst>
+              <a:ext uri="{FF2B5EF4-FFF2-40B4-BE49-F238E27FC236}">
+                <a16:creationId xmlns:a16="http://schemas.microsoft.com/office/drawing/2014/main" id="{902BBF94-A166-4E4F-96D0-FAA319EEA746}"/>
+              </a:ext>
+            </a:extLst>
+          </p:cNvPr>
+          <p:cNvCxnSpPr>
+            <a:stCxn id="7" idx="3"/>
+            <a:endCxn id="11" idx="1"/>
+          </p:cNvCxnSpPr>
+          <p:nvPr/>
+        </p:nvCxnSpPr>
+        <p:spPr>
+          <a:xfrm>
+            <a:off x="4092768" y="824823"/>
+            <a:ext cx="833564" cy="394"/>
+          </a:xfrm>
+          <a:prstGeom prst="curvedConnector3">
+            <a:avLst/>
+          </a:prstGeom>
+          <a:ln w="38100">
+            <a:solidFill>
+              <a:srgbClr val="348CE7"/>
+            </a:solidFill>
+            <a:tailEnd type="triangle"/>
+          </a:ln>
+          <a:effectLst/>
+        </p:spPr>
+        <p:style>
+          <a:lnRef idx="2">
+            <a:schemeClr val="accent1"/>
+          </a:lnRef>
+          <a:fillRef idx="0">
+            <a:schemeClr val="accent1"/>
+          </a:fillRef>
+          <a:effectRef idx="1">
+            <a:schemeClr val="accent1"/>
+          </a:effectRef>
+          <a:fontRef idx="minor">
+            <a:schemeClr val="tx1"/>
+          </a:fontRef>
+        </p:style>
+      </p:cxnSp>
+      <p:cxnSp>
+        <p:nvCxnSpPr>
+          <p:cNvPr id="45" name="Curved Connector 44">
+            <a:extLst>
+              <a:ext uri="{FF2B5EF4-FFF2-40B4-BE49-F238E27FC236}">
+                <a16:creationId xmlns:a16="http://schemas.microsoft.com/office/drawing/2014/main" id="{68E04D1C-DED8-4D46-87A0-32BF1A32684D}"/>
+              </a:ext>
+            </a:extLst>
+          </p:cNvPr>
+          <p:cNvCxnSpPr>
+            <a:cxnSpLocks/>
+            <a:stCxn id="11" idx="3"/>
+            <a:endCxn id="14" idx="0"/>
+          </p:cNvCxnSpPr>
+          <p:nvPr/>
+        </p:nvCxnSpPr>
+        <p:spPr>
+          <a:xfrm>
+            <a:off x="6436407" y="825217"/>
+            <a:ext cx="739805" cy="818121"/>
+          </a:xfrm>
+          <a:prstGeom prst="curvedConnector2">
+            <a:avLst/>
+          </a:prstGeom>
+          <a:ln w="38100">
+            <a:solidFill>
+              <a:srgbClr val="348CE7"/>
+            </a:solidFill>
+            <a:tailEnd type="triangle"/>
+          </a:ln>
+          <a:effectLst/>
+        </p:spPr>
+        <p:style>
+          <a:lnRef idx="2">
+            <a:schemeClr val="accent1"/>
+          </a:lnRef>
+          <a:fillRef idx="0">
+            <a:schemeClr val="accent1"/>
+          </a:fillRef>
+          <a:effectRef idx="1">
+            <a:schemeClr val="accent1"/>
+          </a:effectRef>
+          <a:fontRef idx="minor">
+            <a:schemeClr val="tx1"/>
+          </a:fontRef>
+        </p:style>
+      </p:cxnSp>
+      <p:cxnSp>
+        <p:nvCxnSpPr>
+          <p:cNvPr id="50" name="Curved Connector 49">
+            <a:extLst>
+              <a:ext uri="{FF2B5EF4-FFF2-40B4-BE49-F238E27FC236}">
+                <a16:creationId xmlns:a16="http://schemas.microsoft.com/office/drawing/2014/main" id="{725CFD48-03E6-E748-AF10-D96FB783368B}"/>
+              </a:ext>
+            </a:extLst>
+          </p:cNvPr>
+          <p:cNvCxnSpPr>
+            <a:cxnSpLocks/>
+            <a:stCxn id="14" idx="2"/>
+            <a:endCxn id="16" idx="0"/>
+          </p:cNvCxnSpPr>
+          <p:nvPr/>
+        </p:nvCxnSpPr>
+        <p:spPr>
+          <a:xfrm rot="5400000">
+            <a:off x="6968021" y="2308063"/>
+            <a:ext cx="416383" cy="12700"/>
+          </a:xfrm>
+          <a:prstGeom prst="curvedConnector3">
+            <a:avLst>
+              <a:gd name="adj1" fmla="val 50000"/>
+            </a:avLst>
+          </a:prstGeom>
+          <a:ln w="38100">
+            <a:solidFill>
+              <a:srgbClr val="348CE7"/>
+            </a:solidFill>
+            <a:headEnd type="triangle"/>
+            <a:tailEnd type="triangle"/>
+          </a:ln>
+          <a:effectLst/>
+        </p:spPr>
+        <p:style>
+          <a:lnRef idx="2">
+            <a:schemeClr val="accent1"/>
+          </a:lnRef>
+          <a:fillRef idx="0">
+            <a:schemeClr val="accent1"/>
+          </a:fillRef>
+          <a:effectRef idx="1">
+            <a:schemeClr val="accent1"/>
+          </a:effectRef>
+          <a:fontRef idx="minor">
+            <a:schemeClr val="tx1"/>
+          </a:fontRef>
+        </p:style>
+      </p:cxnSp>
+      <p:cxnSp>
+        <p:nvCxnSpPr>
+          <p:cNvPr id="53" name="Curved Connector 52">
+            <a:extLst>
+              <a:ext uri="{FF2B5EF4-FFF2-40B4-BE49-F238E27FC236}">
+                <a16:creationId xmlns:a16="http://schemas.microsoft.com/office/drawing/2014/main" id="{EDC823FB-1D54-6542-BC6C-05A6E4F81F8F}"/>
+              </a:ext>
+            </a:extLst>
+          </p:cNvPr>
+          <p:cNvCxnSpPr>
+            <a:cxnSpLocks/>
+            <a:stCxn id="19" idx="2"/>
+            <a:endCxn id="23" idx="3"/>
+          </p:cNvCxnSpPr>
+          <p:nvPr/>
+        </p:nvCxnSpPr>
+        <p:spPr>
+          <a:xfrm rot="5400000">
+            <a:off x="6444624" y="3945790"/>
+            <a:ext cx="757798" cy="755546"/>
+          </a:xfrm>
+          <a:prstGeom prst="curvedConnector2">
+            <a:avLst/>
+          </a:prstGeom>
+          <a:ln w="38100">
+            <a:solidFill>
+              <a:srgbClr val="348CE7"/>
+            </a:solidFill>
+            <a:tailEnd type="triangle"/>
+          </a:ln>
+          <a:effectLst/>
+        </p:spPr>
+        <p:style>
+          <a:lnRef idx="2">
+            <a:schemeClr val="accent1"/>
+          </a:lnRef>
+          <a:fillRef idx="0">
+            <a:schemeClr val="accent1"/>
+          </a:fillRef>
+          <a:effectRef idx="1">
+            <a:schemeClr val="accent1"/>
+          </a:effectRef>
+          <a:fontRef idx="minor">
+            <a:schemeClr val="tx1"/>
+          </a:fontRef>
+        </p:style>
+      </p:cxnSp>
+      <p:cxnSp>
+        <p:nvCxnSpPr>
+          <p:cNvPr id="56" name="Curved Connector 55">
+            <a:extLst>
+              <a:ext uri="{FF2B5EF4-FFF2-40B4-BE49-F238E27FC236}">
+                <a16:creationId xmlns:a16="http://schemas.microsoft.com/office/drawing/2014/main" id="{46A67519-BB20-9844-AC68-70CA8EAFBA10}"/>
+              </a:ext>
+            </a:extLst>
+          </p:cNvPr>
+          <p:cNvCxnSpPr>
+            <a:cxnSpLocks/>
+            <a:stCxn id="22" idx="0"/>
+            <a:endCxn id="17" idx="1"/>
+          </p:cNvCxnSpPr>
+          <p:nvPr/>
+        </p:nvCxnSpPr>
+        <p:spPr>
+          <a:xfrm rot="5400000" flipH="1" flipV="1">
+            <a:off x="5219767" y="3244129"/>
+            <a:ext cx="1672353" cy="730461"/>
+          </a:xfrm>
+          <a:prstGeom prst="curvedConnector2">
+            <a:avLst/>
+          </a:prstGeom>
+          <a:ln w="38100">
+            <a:solidFill>
+              <a:srgbClr val="348CE7"/>
+            </a:solidFill>
+            <a:tailEnd type="triangle"/>
+          </a:ln>
+          <a:effectLst/>
+        </p:spPr>
+        <p:style>
+          <a:lnRef idx="2">
+            <a:schemeClr val="accent1"/>
+          </a:lnRef>
+          <a:fillRef idx="0">
+            <a:schemeClr val="accent1"/>
+          </a:fillRef>
+          <a:effectRef idx="1">
+            <a:schemeClr val="accent1"/>
+          </a:effectRef>
+          <a:fontRef idx="minor">
+            <a:schemeClr val="tx1"/>
+          </a:fontRef>
+        </p:style>
+      </p:cxnSp>
+      <p:cxnSp>
+        <p:nvCxnSpPr>
+          <p:cNvPr id="59" name="Curved Connector 58">
+            <a:extLst>
+              <a:ext uri="{FF2B5EF4-FFF2-40B4-BE49-F238E27FC236}">
+                <a16:creationId xmlns:a16="http://schemas.microsoft.com/office/drawing/2014/main" id="{678245CC-2D80-CE44-AB6B-8ABC2B459FA0}"/>
+              </a:ext>
+            </a:extLst>
+          </p:cNvPr>
+          <p:cNvCxnSpPr>
+            <a:cxnSpLocks/>
+            <a:stCxn id="16" idx="2"/>
+            <a:endCxn id="19" idx="0"/>
+          </p:cNvCxnSpPr>
+          <p:nvPr/>
+        </p:nvCxnSpPr>
+        <p:spPr>
+          <a:xfrm rot="16200000" flipH="1">
+            <a:off x="6988403" y="3217917"/>
+            <a:ext cx="400703" cy="25084"/>
+          </a:xfrm>
+          <a:prstGeom prst="curvedConnector3">
+            <a:avLst>
+              <a:gd name="adj1" fmla="val 50000"/>
+            </a:avLst>
+          </a:prstGeom>
+          <a:ln w="38100">
+            <a:solidFill>
+              <a:srgbClr val="348CE7"/>
+            </a:solidFill>
+            <a:headEnd type="triangle"/>
+            <a:tailEnd type="triangle"/>
+          </a:ln>
+          <a:effectLst/>
+        </p:spPr>
+        <p:style>
+          <a:lnRef idx="2">
+            <a:schemeClr val="accent1"/>
+          </a:lnRef>
+          <a:fillRef idx="0">
+            <a:schemeClr val="accent1"/>
+          </a:fillRef>
+          <a:effectRef idx="1">
+            <a:schemeClr val="accent1"/>
+          </a:effectRef>
+          <a:fontRef idx="minor">
+            <a:schemeClr val="tx1"/>
+          </a:fontRef>
+        </p:style>
+      </p:cxnSp>
+      <p:cxnSp>
+        <p:nvCxnSpPr>
+          <p:cNvPr id="62" name="Curved Connector 61">
+            <a:extLst>
+              <a:ext uri="{FF2B5EF4-FFF2-40B4-BE49-F238E27FC236}">
+                <a16:creationId xmlns:a16="http://schemas.microsoft.com/office/drawing/2014/main" id="{1C238691-E20E-3F4B-B516-DC8F2197017D}"/>
+              </a:ext>
+            </a:extLst>
+          </p:cNvPr>
+          <p:cNvCxnSpPr>
+            <a:cxnSpLocks/>
+            <a:stCxn id="22" idx="1"/>
+            <a:endCxn id="36" idx="3"/>
+          </p:cNvCxnSpPr>
+          <p:nvPr/>
+        </p:nvCxnSpPr>
+        <p:spPr>
+          <a:xfrm rot="10800000">
+            <a:off x="3745691" y="4702462"/>
+            <a:ext cx="1164900" cy="1"/>
+          </a:xfrm>
+          <a:prstGeom prst="curvedConnector3">
+            <a:avLst>
+              <a:gd name="adj1" fmla="val 50000"/>
+            </a:avLst>
+          </a:prstGeom>
+          <a:ln w="38100">
+            <a:solidFill>
+              <a:srgbClr val="348CE7"/>
+            </a:solidFill>
+            <a:tailEnd type="triangle"/>
+          </a:ln>
+          <a:effectLst/>
+        </p:spPr>
+        <p:style>
+          <a:lnRef idx="2">
+            <a:schemeClr val="accent1"/>
+          </a:lnRef>
+          <a:fillRef idx="0">
+            <a:schemeClr val="accent1"/>
+          </a:fillRef>
+          <a:effectRef idx="1">
+            <a:schemeClr val="accent1"/>
+          </a:effectRef>
+          <a:fontRef idx="minor">
+            <a:schemeClr val="tx1"/>
+          </a:fontRef>
+        </p:style>
+      </p:cxnSp>
+      <p:cxnSp>
+        <p:nvCxnSpPr>
+          <p:cNvPr id="65" name="Curved Connector 64">
+            <a:extLst>
+              <a:ext uri="{FF2B5EF4-FFF2-40B4-BE49-F238E27FC236}">
+                <a16:creationId xmlns:a16="http://schemas.microsoft.com/office/drawing/2014/main" id="{8291640D-4B31-2B4D-81D6-1D24A4908BD7}"/>
+              </a:ext>
+            </a:extLst>
+          </p:cNvPr>
+          <p:cNvCxnSpPr>
+            <a:cxnSpLocks/>
+            <a:stCxn id="36" idx="1"/>
+            <a:endCxn id="25" idx="2"/>
+          </p:cNvCxnSpPr>
+          <p:nvPr/>
+        </p:nvCxnSpPr>
+        <p:spPr>
+          <a:xfrm rot="10800000">
+            <a:off x="1411728" y="3941027"/>
+            <a:ext cx="823888" cy="761435"/>
+          </a:xfrm>
+          <a:prstGeom prst="curvedConnector2">
+            <a:avLst/>
+          </a:prstGeom>
+          <a:ln w="38100">
+            <a:solidFill>
+              <a:srgbClr val="348CE7"/>
+            </a:solidFill>
+            <a:tailEnd type="triangle"/>
+          </a:ln>
+          <a:effectLst/>
+        </p:spPr>
+        <p:style>
+          <a:lnRef idx="2">
+            <a:schemeClr val="accent1"/>
+          </a:lnRef>
+          <a:fillRef idx="0">
+            <a:schemeClr val="accent1"/>
+          </a:fillRef>
+          <a:effectRef idx="1">
+            <a:schemeClr val="accent1"/>
+          </a:effectRef>
+          <a:fontRef idx="minor">
+            <a:schemeClr val="tx1"/>
+          </a:fontRef>
+        </p:style>
+      </p:cxnSp>
+      <p:cxnSp>
+        <p:nvCxnSpPr>
+          <p:cNvPr id="68" name="Curved Connector 67">
+            <a:extLst>
+              <a:ext uri="{FF2B5EF4-FFF2-40B4-BE49-F238E27FC236}">
+                <a16:creationId xmlns:a16="http://schemas.microsoft.com/office/drawing/2014/main" id="{C9B099F3-93A7-C94B-A679-059ED07D92F1}"/>
+              </a:ext>
+            </a:extLst>
+          </p:cNvPr>
+          <p:cNvCxnSpPr>
+            <a:cxnSpLocks/>
+            <a:stCxn id="25" idx="0"/>
+            <a:endCxn id="28" idx="2"/>
+          </p:cNvCxnSpPr>
+          <p:nvPr/>
+        </p:nvCxnSpPr>
+        <p:spPr>
+          <a:xfrm rot="5400000" flipH="1" flipV="1">
+            <a:off x="1215531" y="3230976"/>
+            <a:ext cx="392395" cy="12700"/>
+          </a:xfrm>
+          <a:prstGeom prst="curvedConnector3">
+            <a:avLst>
+              <a:gd name="adj1" fmla="val 50000"/>
+            </a:avLst>
+          </a:prstGeom>
+          <a:ln w="38100">
+            <a:solidFill>
+              <a:srgbClr val="348CE7"/>
+            </a:solidFill>
+            <a:tailEnd type="triangle"/>
+          </a:ln>
+          <a:effectLst/>
+        </p:spPr>
+        <p:style>
+          <a:lnRef idx="2">
+            <a:schemeClr val="accent1"/>
+          </a:lnRef>
+          <a:fillRef idx="0">
+            <a:schemeClr val="accent1"/>
+          </a:fillRef>
+          <a:effectRef idx="1">
+            <a:schemeClr val="accent1"/>
+          </a:effectRef>
+          <a:fontRef idx="minor">
+            <a:schemeClr val="tx1"/>
+          </a:fontRef>
+        </p:style>
+      </p:cxnSp>
+      <p:cxnSp>
+        <p:nvCxnSpPr>
+          <p:cNvPr id="71" name="Curved Connector 70">
+            <a:extLst>
+              <a:ext uri="{FF2B5EF4-FFF2-40B4-BE49-F238E27FC236}">
+                <a16:creationId xmlns:a16="http://schemas.microsoft.com/office/drawing/2014/main" id="{FD4AAA53-485E-3147-8AED-290D408757F5}"/>
+              </a:ext>
+            </a:extLst>
+          </p:cNvPr>
+          <p:cNvCxnSpPr>
+            <a:cxnSpLocks/>
+            <a:stCxn id="28" idx="0"/>
+            <a:endCxn id="31" idx="2"/>
+          </p:cNvCxnSpPr>
+          <p:nvPr/>
+        </p:nvCxnSpPr>
+        <p:spPr>
+          <a:xfrm rot="5400000" flipH="1" flipV="1">
+            <a:off x="1215532" y="2324729"/>
+            <a:ext cx="392393" cy="12700"/>
+          </a:xfrm>
+          <a:prstGeom prst="curvedConnector3">
+            <a:avLst>
+              <a:gd name="adj1" fmla="val 50000"/>
+            </a:avLst>
+          </a:prstGeom>
+          <a:ln w="38100">
+            <a:solidFill>
+              <a:srgbClr val="348CE7"/>
+            </a:solidFill>
+            <a:tailEnd type="triangle"/>
+          </a:ln>
+          <a:effectLst/>
+        </p:spPr>
+        <p:style>
+          <a:lnRef idx="2">
+            <a:schemeClr val="accent1"/>
+          </a:lnRef>
+          <a:fillRef idx="0">
+            <a:schemeClr val="accent1"/>
+          </a:fillRef>
+          <a:effectRef idx="1">
+            <a:schemeClr val="accent1"/>
+          </a:effectRef>
+          <a:fontRef idx="minor">
+            <a:schemeClr val="tx1"/>
+          </a:fontRef>
+        </p:style>
+      </p:cxnSp>
+    </p:spTree>
+    <p:extLst>
+      <p:ext uri="{BB962C8B-B14F-4D97-AF65-F5344CB8AC3E}">
+        <p14:creationId xmlns:p14="http://schemas.microsoft.com/office/powerpoint/2010/main" val="4207575396"/>
+      </p:ext>
+    </p:extLst>
+  </p:cSld>
+  <p:clrMapOvr>
+    <a:masterClrMapping/>
+  </p:clrMapOvr>
+</p:sld>
+</file>
+
+<file path=ppt/slides/slide3.xml><?xml version="1.0" encoding="utf-8"?>
+<p:sld xmlns:a="http://schemas.openxmlformats.org/drawingml/2006/main" xmlns:r="http://schemas.openxmlformats.org/officeDocument/2006/relationships" xmlns:p="http://schemas.openxmlformats.org/presentationml/2006/main">
+  <p:cSld>
+    <p:spTree>
+      <p:nvGrpSpPr>
+        <p:cNvPr id="1" name=""/>
+        <p:cNvGrpSpPr/>
+        <p:nvPr/>
+      </p:nvGrpSpPr>
+      <p:grpSpPr>
+        <a:xfrm>
+          <a:off x="0" y="0"/>
+          <a:ext cx="0" cy="0"/>
+          <a:chOff x="0" y="0"/>
+          <a:chExt cx="0" cy="0"/>
+        </a:xfrm>
+      </p:grpSpPr>
+      <p:sp>
+        <p:nvSpPr>
+          <p:cNvPr id="2" name="Title 1">
+            <a:extLst>
+              <a:ext uri="{FF2B5EF4-FFF2-40B4-BE49-F238E27FC236}">
+                <a16:creationId xmlns:a16="http://schemas.microsoft.com/office/drawing/2014/main" id="{CD36CD6E-DDCC-8A4D-B62B-8F93AC31DC14}"/>
+              </a:ext>
+            </a:extLst>
+          </p:cNvPr>
+          <p:cNvSpPr>
+            <a:spLocks noGrp="1"/>
+          </p:cNvSpPr>
+          <p:nvPr>
+            <p:ph type="title"/>
+          </p:nvPr>
+        </p:nvSpPr>
+        <p:spPr/>
+        <p:txBody>
+          <a:bodyPr/>
+          <a:lstStyle/>
+          <a:p>
+            <a:endParaRPr lang="en-US"/>
+          </a:p>
+        </p:txBody>
+      </p:sp>
+      <p:sp>
+        <p:nvSpPr>
+          <p:cNvPr id="5" name="Slide Number Placeholder 4">
+            <a:extLst>
+              <a:ext uri="{FF2B5EF4-FFF2-40B4-BE49-F238E27FC236}">
+                <a16:creationId xmlns:a16="http://schemas.microsoft.com/office/drawing/2014/main" id="{3C02775D-3C98-D747-8B97-9759A67C5E53}"/>
+              </a:ext>
+            </a:extLst>
+          </p:cNvPr>
+          <p:cNvSpPr>
+            <a:spLocks noGrp="1"/>
+          </p:cNvSpPr>
+          <p:nvPr>
+            <p:ph type="sldNum" sz="quarter" idx="10"/>
+          </p:nvPr>
+        </p:nvSpPr>
+        <p:spPr/>
+        <p:txBody>
+          <a:bodyPr/>
+          <a:lstStyle/>
+          <a:p>
+            <a:fld id="{8A158888-7CA9-084D-A641-EC66ACF9DB3C}" type="slidenum">
+              <a:rPr lang="en-US" smtClean="0">
+                <a:solidFill>
+                  <a:srgbClr val="5AAAFA"/>
+                </a:solidFill>
+              </a:rPr>
+              <a:pPr/>
+              <a:t>3</a:t>
+            </a:fld>
+            <a:endParaRPr lang="en-US">
+              <a:solidFill>
+                <a:srgbClr val="5AAAFA"/>
+              </a:solidFill>
+            </a:endParaRPr>
+          </a:p>
+        </p:txBody>
+      </p:sp>
+      <p:sp>
+        <p:nvSpPr>
+          <p:cNvPr id="6" name="Oval 5">
+            <a:extLst>
+              <a:ext uri="{FF2B5EF4-FFF2-40B4-BE49-F238E27FC236}">
+                <a16:creationId xmlns:a16="http://schemas.microsoft.com/office/drawing/2014/main" id="{66389814-B363-2B4C-AD80-B73B23107023}"/>
+              </a:ext>
+            </a:extLst>
+          </p:cNvPr>
+          <p:cNvSpPr/>
+          <p:nvPr/>
+        </p:nvSpPr>
+        <p:spPr>
+          <a:xfrm>
+            <a:off x="528365" y="1884596"/>
+            <a:ext cx="2139696" cy="2086060"/>
+          </a:xfrm>
+          <a:prstGeom prst="ellipse">
+            <a:avLst/>
+          </a:prstGeom>
+          <a:solidFill>
+            <a:srgbClr val="FF0000">
+              <a:alpha val="35000"/>
+            </a:srgbClr>
+          </a:solidFill>
+          <a:ln>
+            <a:noFill/>
+          </a:ln>
+        </p:spPr>
+        <p:style>
+          <a:lnRef idx="2">
+            <a:schemeClr val="accent1">
+              <a:shade val="50000"/>
+            </a:schemeClr>
+          </a:lnRef>
+          <a:fillRef idx="1">
+            <a:schemeClr val="accent1"/>
+          </a:fillRef>
+          <a:effectRef idx="0">
+            <a:schemeClr val="accent1"/>
+          </a:effectRef>
+          <a:fontRef idx="minor">
+            <a:schemeClr val="lt1"/>
+          </a:fontRef>
+        </p:style>
+        <p:txBody>
+          <a:bodyPr rtlCol="0" anchor="ctr"/>
+          <a:lstStyle/>
+          <a:p>
+            <a:pPr marL="0" marR="0" indent="0" algn="ctr" defTabSz="685800" rtl="0" eaLnBrk="1" fontAlgn="auto" latinLnBrk="0" hangingPunct="1">
+              <a:lnSpc>
+                <a:spcPct val="100000"/>
+              </a:lnSpc>
+              <a:spcBef>
+                <a:spcPts val="0"/>
+              </a:spcBef>
+              <a:spcAft>
+                <a:spcPts val="0"/>
+              </a:spcAft>
+              <a:buClrTx/>
+              <a:buSzTx/>
+              <a:buFontTx/>
+              <a:buNone/>
+              <a:tabLst/>
+            </a:pPr>
+            <a:r>
+              <a:rPr lang="en-US" sz="1000" dirty="0">
+                <a:solidFill>
+                  <a:schemeClr val="tx1"/>
+                </a:solidFill>
+                <a:latin typeface="Arial"/>
+              </a:rPr>
+              <a:t>Discover</a:t>
+            </a:r>
+          </a:p>
+          <a:p>
+            <a:pPr marL="0" marR="0" indent="0" algn="ctr" defTabSz="685800" rtl="0" eaLnBrk="1" fontAlgn="auto" latinLnBrk="0" hangingPunct="1">
+              <a:lnSpc>
+                <a:spcPct val="100000"/>
+              </a:lnSpc>
+              <a:spcBef>
+                <a:spcPts val="0"/>
+              </a:spcBef>
+              <a:spcAft>
+                <a:spcPts val="0"/>
+              </a:spcAft>
+              <a:buClrTx/>
+              <a:buSzTx/>
+              <a:buFontTx/>
+              <a:buNone/>
+              <a:tabLst/>
+            </a:pPr>
+            <a:r>
+              <a:rPr kumimoji="0" lang="en-US" sz="1000" b="0" i="0" u="none" strike="noStrike" kern="1200" cap="none" spc="0" normalizeH="0" baseline="0" noProof="0" dirty="0">
+                <a:ln>
+                  <a:noFill/>
+                </a:ln>
+                <a:solidFill>
+                  <a:schemeClr val="tx1"/>
+                </a:solidFill>
+                <a:effectLst/>
+                <a:uLnTx/>
+                <a:uFillTx/>
+                <a:latin typeface="Arial"/>
+                <a:ea typeface="+mn-ea"/>
+                <a:cs typeface="+mn-cs"/>
+              </a:rPr>
+              <a:t>Think</a:t>
+            </a:r>
+          </a:p>
+          <a:p>
+            <a:pPr marL="0" marR="0" indent="0" algn="ctr" defTabSz="685800" rtl="0" eaLnBrk="1" fontAlgn="auto" latinLnBrk="0" hangingPunct="1">
+              <a:lnSpc>
+                <a:spcPct val="100000"/>
+              </a:lnSpc>
+              <a:spcBef>
+                <a:spcPts val="0"/>
+              </a:spcBef>
+              <a:spcAft>
+                <a:spcPts val="0"/>
+              </a:spcAft>
+              <a:buClrTx/>
+              <a:buSzTx/>
+              <a:buFontTx/>
+              <a:buNone/>
+              <a:tabLst/>
+            </a:pPr>
+            <a:r>
+              <a:rPr lang="en-US" sz="1000" dirty="0">
+                <a:solidFill>
+                  <a:schemeClr val="tx1"/>
+                </a:solidFill>
+                <a:latin typeface="Arial"/>
+              </a:rPr>
+              <a:t>Develop</a:t>
+            </a:r>
+          </a:p>
+          <a:p>
+            <a:pPr marL="0" marR="0" indent="0" algn="ctr" defTabSz="685800" rtl="0" eaLnBrk="1" fontAlgn="auto" latinLnBrk="0" hangingPunct="1">
+              <a:lnSpc>
+                <a:spcPct val="100000"/>
+              </a:lnSpc>
+              <a:spcBef>
+                <a:spcPts val="0"/>
+              </a:spcBef>
+              <a:spcAft>
+                <a:spcPts val="0"/>
+              </a:spcAft>
+              <a:buClrTx/>
+              <a:buSzTx/>
+              <a:buFontTx/>
+              <a:buNone/>
+              <a:tabLst/>
+            </a:pPr>
+            <a:r>
+              <a:rPr kumimoji="0" lang="en-US" sz="1000" b="0" i="0" u="none" strike="noStrike" kern="1200" cap="none" spc="0" normalizeH="0" baseline="0" noProof="0" dirty="0">
+                <a:ln>
+                  <a:noFill/>
+                </a:ln>
+                <a:solidFill>
+                  <a:schemeClr val="tx1"/>
+                </a:solidFill>
+                <a:effectLst/>
+                <a:uLnTx/>
+                <a:uFillTx/>
+                <a:latin typeface="Arial"/>
+                <a:ea typeface="+mn-ea"/>
+                <a:cs typeface="+mn-cs"/>
+              </a:rPr>
+              <a:t>Operate</a:t>
+            </a:r>
+          </a:p>
+          <a:p>
+            <a:pPr marL="0" marR="0" indent="0" algn="ctr" defTabSz="685800" rtl="0" eaLnBrk="1" fontAlgn="auto" latinLnBrk="0" hangingPunct="1">
+              <a:lnSpc>
+                <a:spcPct val="100000"/>
+              </a:lnSpc>
+              <a:spcBef>
+                <a:spcPts val="0"/>
+              </a:spcBef>
+              <a:spcAft>
+                <a:spcPts val="0"/>
+              </a:spcAft>
+              <a:buClrTx/>
+              <a:buSzTx/>
+              <a:buFontTx/>
+              <a:buNone/>
+              <a:tabLst/>
+            </a:pPr>
+            <a:r>
+              <a:rPr lang="en-US" sz="1000" dirty="0">
+                <a:solidFill>
+                  <a:schemeClr val="tx1"/>
+                </a:solidFill>
+                <a:latin typeface="Arial"/>
+              </a:rPr>
+              <a:t>Learn</a:t>
+            </a:r>
+            <a:endParaRPr kumimoji="0" lang="en-US" sz="1000" b="0" i="0" u="none" strike="noStrike" kern="1200" cap="none" spc="0" normalizeH="0" baseline="0" noProof="0" dirty="0">
+              <a:ln>
+                <a:noFill/>
+              </a:ln>
+              <a:solidFill>
+                <a:schemeClr val="tx1"/>
+              </a:solidFill>
+              <a:effectLst/>
+              <a:uLnTx/>
+              <a:uFillTx/>
+              <a:latin typeface="Arial"/>
+              <a:ea typeface="+mn-ea"/>
+              <a:cs typeface="+mn-cs"/>
+            </a:endParaRPr>
+          </a:p>
+        </p:txBody>
+      </p:sp>
+      <p:sp>
+        <p:nvSpPr>
+          <p:cNvPr id="8" name="Rectangle 7">
+            <a:extLst>
+              <a:ext uri="{FF2B5EF4-FFF2-40B4-BE49-F238E27FC236}">
+                <a16:creationId xmlns:a16="http://schemas.microsoft.com/office/drawing/2014/main" id="{50050324-3566-ED4F-A98D-6A29A635CA4D}"/>
+              </a:ext>
+            </a:extLst>
+          </p:cNvPr>
+          <p:cNvSpPr/>
+          <p:nvPr/>
+        </p:nvSpPr>
+        <p:spPr>
+          <a:xfrm>
+            <a:off x="1002399" y="2241550"/>
+            <a:ext cx="1191628" cy="660400"/>
+          </a:xfrm>
+          <a:prstGeom prst="rect">
+            <a:avLst/>
+          </a:prstGeom>
+          <a:noFill/>
+        </p:spPr>
+        <p:txBody>
+          <a:bodyPr wrap="none" lIns="91440" tIns="45720" rIns="91440" bIns="45720">
+            <a:prstTxWarp prst="textArchUp">
+              <a:avLst/>
+            </a:prstTxWarp>
+            <a:spAutoFit/>
+          </a:bodyPr>
+          <a:lstStyle/>
+          <a:p>
+            <a:pPr algn="ctr"/>
+            <a:r>
+              <a:rPr lang="en-US" sz="1200" u="sng" dirty="0"/>
+              <a:t>App / Microservice</a:t>
+            </a:r>
+          </a:p>
+          <a:p>
+            <a:pPr algn="ctr"/>
+            <a:endParaRPr lang="en-US" sz="1200" b="0" cap="none" spc="0" dirty="0">
+              <a:ln w="0"/>
+              <a:solidFill>
+                <a:schemeClr val="tx1"/>
+              </a:solidFill>
+              <a:effectLst>
+                <a:outerShdw blurRad="38100" dist="19050" dir="2700000" algn="tl" rotWithShape="0">
+                  <a:schemeClr val="dk1">
+                    <a:alpha val="40000"/>
+                  </a:schemeClr>
+                </a:outerShdw>
+              </a:effectLst>
+            </a:endParaRPr>
+          </a:p>
+        </p:txBody>
+      </p:sp>
+      <p:sp>
+        <p:nvSpPr>
+          <p:cNvPr id="9" name="Oval 8">
+            <a:extLst>
+              <a:ext uri="{FF2B5EF4-FFF2-40B4-BE49-F238E27FC236}">
+                <a16:creationId xmlns:a16="http://schemas.microsoft.com/office/drawing/2014/main" id="{A422CBE7-CE6C-5345-8C7E-DCE1DFFDE240}"/>
+              </a:ext>
+            </a:extLst>
+          </p:cNvPr>
+          <p:cNvSpPr/>
+          <p:nvPr/>
+        </p:nvSpPr>
+        <p:spPr>
+          <a:xfrm>
+            <a:off x="2827617" y="1884596"/>
+            <a:ext cx="2139696" cy="2086060"/>
+          </a:xfrm>
+          <a:prstGeom prst="ellipse">
+            <a:avLst/>
+          </a:prstGeom>
+          <a:solidFill>
+            <a:srgbClr val="348CE7">
+              <a:alpha val="35000"/>
+            </a:srgbClr>
+          </a:solidFill>
+          <a:ln>
+            <a:noFill/>
+          </a:ln>
+        </p:spPr>
+        <p:style>
+          <a:lnRef idx="2">
+            <a:schemeClr val="accent1">
+              <a:shade val="50000"/>
+            </a:schemeClr>
+          </a:lnRef>
+          <a:fillRef idx="1">
+            <a:schemeClr val="accent1"/>
+          </a:fillRef>
+          <a:effectRef idx="0">
+            <a:schemeClr val="accent1"/>
+          </a:effectRef>
+          <a:fontRef idx="minor">
+            <a:schemeClr val="lt1"/>
+          </a:fontRef>
+        </p:style>
+        <p:txBody>
+          <a:bodyPr rtlCol="0" anchor="ctr"/>
+          <a:lstStyle/>
+          <a:p>
+            <a:pPr marL="0" marR="0" indent="0" algn="ctr" defTabSz="685800" rtl="0" eaLnBrk="1" fontAlgn="auto" latinLnBrk="0" hangingPunct="1">
+              <a:lnSpc>
+                <a:spcPct val="100000"/>
+              </a:lnSpc>
+              <a:spcBef>
+                <a:spcPts val="0"/>
+              </a:spcBef>
+              <a:spcAft>
+                <a:spcPts val="0"/>
+              </a:spcAft>
+              <a:buClrTx/>
+              <a:buSzTx/>
+              <a:buFontTx/>
+              <a:buNone/>
+              <a:tabLst/>
+            </a:pPr>
+            <a:r>
+              <a:rPr kumimoji="0" lang="en-US" sz="1000" b="0" i="0" u="none" strike="noStrike" kern="1200" cap="none" spc="0" normalizeH="0" baseline="0" noProof="0" dirty="0">
+                <a:ln>
+                  <a:noFill/>
+                </a:ln>
+                <a:solidFill>
+                  <a:schemeClr val="tx1"/>
+                </a:solidFill>
+                <a:effectLst/>
+                <a:uLnTx/>
+                <a:uFillTx/>
+                <a:latin typeface="Arial"/>
+                <a:ea typeface="+mn-ea"/>
+                <a:cs typeface="+mn-cs"/>
+              </a:rPr>
+              <a:t>Preparation</a:t>
+            </a:r>
+          </a:p>
+          <a:p>
+            <a:pPr marL="0" marR="0" indent="0" algn="ctr" defTabSz="685800" rtl="0" eaLnBrk="1" fontAlgn="auto" latinLnBrk="0" hangingPunct="1">
+              <a:lnSpc>
+                <a:spcPct val="100000"/>
+              </a:lnSpc>
+              <a:spcBef>
+                <a:spcPts val="0"/>
+              </a:spcBef>
+              <a:spcAft>
+                <a:spcPts val="0"/>
+              </a:spcAft>
+              <a:buClrTx/>
+              <a:buSzTx/>
+              <a:buFontTx/>
+              <a:buNone/>
+              <a:tabLst/>
+            </a:pPr>
+            <a:r>
+              <a:rPr lang="en-US" sz="1000" dirty="0">
+                <a:solidFill>
+                  <a:schemeClr val="tx1"/>
+                </a:solidFill>
+                <a:latin typeface="Arial"/>
+              </a:rPr>
+              <a:t>Inquiry</a:t>
+            </a:r>
+          </a:p>
+          <a:p>
+            <a:pPr marL="0" marR="0" indent="0" algn="ctr" defTabSz="685800" rtl="0" eaLnBrk="1" fontAlgn="auto" latinLnBrk="0" hangingPunct="1">
+              <a:lnSpc>
+                <a:spcPct val="100000"/>
+              </a:lnSpc>
+              <a:spcBef>
+                <a:spcPts val="0"/>
+              </a:spcBef>
+              <a:spcAft>
+                <a:spcPts val="0"/>
+              </a:spcAft>
+              <a:buClrTx/>
+              <a:buSzTx/>
+              <a:buFontTx/>
+              <a:buNone/>
+              <a:tabLst/>
+            </a:pPr>
+            <a:r>
+              <a:rPr kumimoji="0" lang="en-US" sz="1000" b="0" i="0" u="none" strike="noStrike" kern="1200" cap="none" spc="0" normalizeH="0" baseline="0" noProof="0" dirty="0">
+                <a:ln>
+                  <a:noFill/>
+                </a:ln>
+                <a:solidFill>
+                  <a:schemeClr val="tx1"/>
+                </a:solidFill>
+                <a:effectLst/>
+                <a:uLnTx/>
+                <a:uFillTx/>
+                <a:latin typeface="Arial"/>
+                <a:ea typeface="+mn-ea"/>
+                <a:cs typeface="+mn-cs"/>
+              </a:rPr>
+              <a:t>Insights</a:t>
+            </a:r>
+          </a:p>
+          <a:p>
+            <a:pPr marL="0" marR="0" indent="0" algn="ctr" defTabSz="685800" rtl="0" eaLnBrk="1" fontAlgn="auto" latinLnBrk="0" hangingPunct="1">
+              <a:lnSpc>
+                <a:spcPct val="100000"/>
+              </a:lnSpc>
+              <a:spcBef>
+                <a:spcPts val="0"/>
+              </a:spcBef>
+              <a:spcAft>
+                <a:spcPts val="0"/>
+              </a:spcAft>
+              <a:buClrTx/>
+              <a:buSzTx/>
+              <a:buFontTx/>
+              <a:buNone/>
+              <a:tabLst/>
+            </a:pPr>
+            <a:r>
+              <a:rPr lang="en-US" sz="1000" dirty="0">
+                <a:solidFill>
+                  <a:schemeClr val="tx1"/>
+                </a:solidFill>
+                <a:latin typeface="Arial"/>
+              </a:rPr>
+              <a:t>Decision</a:t>
+            </a:r>
+            <a:endParaRPr kumimoji="0" lang="en-US" sz="1000" b="0" i="0" u="none" strike="noStrike" kern="1200" cap="none" spc="0" normalizeH="0" baseline="0" noProof="0" dirty="0">
+              <a:ln>
+                <a:noFill/>
+              </a:ln>
+              <a:solidFill>
+                <a:schemeClr val="tx1"/>
+              </a:solidFill>
+              <a:effectLst/>
+              <a:uLnTx/>
+              <a:uFillTx/>
+              <a:latin typeface="Arial"/>
+              <a:ea typeface="+mn-ea"/>
+              <a:cs typeface="+mn-cs"/>
+            </a:endParaRPr>
+          </a:p>
+          <a:p>
+            <a:pPr marL="0" marR="0" indent="0" algn="ctr" defTabSz="685800" rtl="0" eaLnBrk="1" fontAlgn="auto" latinLnBrk="0" hangingPunct="1">
+              <a:lnSpc>
+                <a:spcPct val="100000"/>
+              </a:lnSpc>
+              <a:spcBef>
+                <a:spcPts val="0"/>
+              </a:spcBef>
+              <a:spcAft>
+                <a:spcPts val="0"/>
+              </a:spcAft>
+              <a:buClrTx/>
+              <a:buSzTx/>
+              <a:buFontTx/>
+              <a:buNone/>
+              <a:tabLst/>
+            </a:pPr>
+            <a:r>
+              <a:rPr lang="en-US" sz="1000" dirty="0">
+                <a:solidFill>
+                  <a:schemeClr val="tx1"/>
+                </a:solidFill>
+                <a:latin typeface="Arial"/>
+              </a:rPr>
+              <a:t>Results Feedback</a:t>
+            </a:r>
+            <a:endParaRPr kumimoji="0" lang="en-US" sz="1000" b="0" i="0" u="none" strike="noStrike" kern="1200" cap="none" spc="0" normalizeH="0" baseline="0" noProof="0" dirty="0">
+              <a:ln>
+                <a:noFill/>
+              </a:ln>
+              <a:solidFill>
+                <a:schemeClr val="tx1"/>
+              </a:solidFill>
+              <a:effectLst/>
+              <a:uLnTx/>
+              <a:uFillTx/>
+              <a:latin typeface="Arial"/>
+              <a:ea typeface="+mn-ea"/>
+              <a:cs typeface="+mn-cs"/>
+            </a:endParaRPr>
+          </a:p>
+        </p:txBody>
+      </p:sp>
+      <p:sp>
+        <p:nvSpPr>
+          <p:cNvPr id="10" name="Rectangle 9">
+            <a:extLst>
+              <a:ext uri="{FF2B5EF4-FFF2-40B4-BE49-F238E27FC236}">
+                <a16:creationId xmlns:a16="http://schemas.microsoft.com/office/drawing/2014/main" id="{8E6381DC-E101-464F-AB93-489D088F7412}"/>
+              </a:ext>
+            </a:extLst>
+          </p:cNvPr>
+          <p:cNvSpPr/>
+          <p:nvPr/>
+        </p:nvSpPr>
+        <p:spPr>
+          <a:xfrm>
+            <a:off x="3301651" y="2241550"/>
+            <a:ext cx="1191628" cy="660400"/>
+          </a:xfrm>
+          <a:prstGeom prst="rect">
+            <a:avLst/>
+          </a:prstGeom>
+          <a:noFill/>
+        </p:spPr>
+        <p:txBody>
+          <a:bodyPr wrap="none" lIns="91440" tIns="45720" rIns="91440" bIns="45720">
+            <a:prstTxWarp prst="textArchUp">
+              <a:avLst/>
+            </a:prstTxWarp>
+            <a:spAutoFit/>
+          </a:bodyPr>
+          <a:lstStyle/>
+          <a:p>
+            <a:pPr algn="ctr"/>
+            <a:r>
+              <a:rPr lang="en-US" sz="1200" u="sng" dirty="0"/>
+              <a:t>AI-Analytics</a:t>
+            </a:r>
+          </a:p>
+          <a:p>
+            <a:pPr algn="ctr"/>
+            <a:endParaRPr lang="en-US" sz="1200" b="0" cap="none" spc="0" dirty="0">
+              <a:ln w="0"/>
+              <a:solidFill>
+                <a:schemeClr val="tx1"/>
+              </a:solidFill>
+              <a:effectLst>
+                <a:outerShdw blurRad="38100" dist="19050" dir="2700000" algn="tl" rotWithShape="0">
+                  <a:schemeClr val="dk1">
+                    <a:alpha val="40000"/>
+                  </a:schemeClr>
+                </a:outerShdw>
+              </a:effectLst>
+            </a:endParaRPr>
+          </a:p>
+        </p:txBody>
+      </p:sp>
+      <p:sp>
+        <p:nvSpPr>
+          <p:cNvPr id="11" name="Oval 10">
+            <a:extLst>
+              <a:ext uri="{FF2B5EF4-FFF2-40B4-BE49-F238E27FC236}">
+                <a16:creationId xmlns:a16="http://schemas.microsoft.com/office/drawing/2014/main" id="{BF8427A3-A1D8-8243-9B03-4799F94EF781}"/>
+              </a:ext>
+            </a:extLst>
+          </p:cNvPr>
+          <p:cNvSpPr/>
+          <p:nvPr/>
+        </p:nvSpPr>
+        <p:spPr>
+          <a:xfrm>
+            <a:off x="5126869" y="1858920"/>
+            <a:ext cx="2139696" cy="2086060"/>
+          </a:xfrm>
+          <a:prstGeom prst="ellipse">
+            <a:avLst/>
+          </a:prstGeom>
+          <a:solidFill>
+            <a:srgbClr val="92D050">
+              <a:alpha val="58000"/>
+            </a:srgbClr>
+          </a:solidFill>
+          <a:ln>
+            <a:noFill/>
+          </a:ln>
+        </p:spPr>
+        <p:style>
+          <a:lnRef idx="2">
+            <a:schemeClr val="accent1">
+              <a:shade val="50000"/>
+            </a:schemeClr>
+          </a:lnRef>
+          <a:fillRef idx="1">
+            <a:schemeClr val="accent1"/>
+          </a:fillRef>
+          <a:effectRef idx="0">
+            <a:schemeClr val="accent1"/>
+          </a:effectRef>
+          <a:fontRef idx="minor">
+            <a:schemeClr val="lt1"/>
+          </a:fontRef>
+        </p:style>
+        <p:txBody>
+          <a:bodyPr rtlCol="0" anchor="ctr"/>
+          <a:lstStyle/>
+          <a:p>
+            <a:pPr marL="0" marR="0" indent="0" algn="ctr" defTabSz="685800" rtl="0" eaLnBrk="1" fontAlgn="auto" latinLnBrk="0" hangingPunct="1">
+              <a:lnSpc>
+                <a:spcPct val="100000"/>
+              </a:lnSpc>
+              <a:spcBef>
+                <a:spcPts val="0"/>
+              </a:spcBef>
+              <a:spcAft>
+                <a:spcPts val="0"/>
+              </a:spcAft>
+              <a:buClrTx/>
+              <a:buSzTx/>
+              <a:buFontTx/>
+              <a:buNone/>
+              <a:tabLst/>
+            </a:pPr>
+            <a:r>
+              <a:rPr kumimoji="0" lang="en-US" sz="1000" b="0" i="0" u="none" strike="noStrike" kern="1200" cap="none" spc="0" normalizeH="0" baseline="0" noProof="0" dirty="0">
+                <a:ln>
+                  <a:noFill/>
+                </a:ln>
+                <a:solidFill>
+                  <a:schemeClr val="tx1"/>
+                </a:solidFill>
+                <a:effectLst/>
+                <a:uLnTx/>
+                <a:uFillTx/>
+                <a:latin typeface="Arial"/>
+                <a:ea typeface="+mn-ea"/>
+                <a:cs typeface="+mn-cs"/>
+              </a:rPr>
+              <a:t>Strategy</a:t>
+            </a:r>
+          </a:p>
+          <a:p>
+            <a:pPr marL="0" marR="0" indent="0" algn="ctr" defTabSz="685800" rtl="0" eaLnBrk="1" fontAlgn="auto" latinLnBrk="0" hangingPunct="1">
+              <a:lnSpc>
+                <a:spcPct val="100000"/>
+              </a:lnSpc>
+              <a:spcBef>
+                <a:spcPts val="0"/>
+              </a:spcBef>
+              <a:spcAft>
+                <a:spcPts val="0"/>
+              </a:spcAft>
+              <a:buClrTx/>
+              <a:buSzTx/>
+              <a:buFontTx/>
+              <a:buNone/>
+              <a:tabLst/>
+            </a:pPr>
+            <a:r>
+              <a:rPr lang="en-US" sz="1000" dirty="0">
+                <a:solidFill>
+                  <a:schemeClr val="tx1"/>
+                </a:solidFill>
+                <a:latin typeface="Arial"/>
+              </a:rPr>
+              <a:t>Architecture</a:t>
+            </a:r>
+          </a:p>
+          <a:p>
+            <a:pPr marL="0" marR="0" indent="0" algn="ctr" defTabSz="685800" rtl="0" eaLnBrk="1" fontAlgn="auto" latinLnBrk="0" hangingPunct="1">
+              <a:lnSpc>
+                <a:spcPct val="100000"/>
+              </a:lnSpc>
+              <a:spcBef>
+                <a:spcPts val="0"/>
+              </a:spcBef>
+              <a:spcAft>
+                <a:spcPts val="0"/>
+              </a:spcAft>
+              <a:buClrTx/>
+              <a:buSzTx/>
+              <a:buFontTx/>
+              <a:buNone/>
+              <a:tabLst/>
+            </a:pPr>
+            <a:r>
+              <a:rPr kumimoji="0" lang="en-US" sz="1000" b="0" i="0" u="none" strike="noStrike" kern="1200" cap="none" spc="0" normalizeH="0" baseline="0" noProof="0" dirty="0">
+                <a:ln>
+                  <a:noFill/>
+                </a:ln>
+                <a:solidFill>
+                  <a:schemeClr val="tx1"/>
+                </a:solidFill>
+                <a:effectLst/>
+                <a:uLnTx/>
+                <a:uFillTx/>
+                <a:latin typeface="Arial"/>
+                <a:ea typeface="+mn-ea"/>
+                <a:cs typeface="+mn-cs"/>
+              </a:rPr>
+              <a:t>Topology</a:t>
+            </a:r>
+          </a:p>
+          <a:p>
+            <a:pPr marL="0" marR="0" indent="0" algn="ctr" defTabSz="685800" rtl="0" eaLnBrk="1" fontAlgn="auto" latinLnBrk="0" hangingPunct="1">
+              <a:lnSpc>
+                <a:spcPct val="100000"/>
+              </a:lnSpc>
+              <a:spcBef>
+                <a:spcPts val="0"/>
+              </a:spcBef>
+              <a:spcAft>
+                <a:spcPts val="0"/>
+              </a:spcAft>
+              <a:buClrTx/>
+              <a:buSzTx/>
+              <a:buFontTx/>
+              <a:buNone/>
+              <a:tabLst/>
+            </a:pPr>
+            <a:r>
+              <a:rPr lang="en-US" sz="1000" dirty="0">
+                <a:solidFill>
+                  <a:schemeClr val="tx1"/>
+                </a:solidFill>
+                <a:latin typeface="Arial"/>
+              </a:rPr>
+              <a:t>Collection</a:t>
+            </a:r>
+            <a:endParaRPr kumimoji="0" lang="en-US" sz="1000" b="0" i="0" u="none" strike="noStrike" kern="1200" cap="none" spc="0" normalizeH="0" baseline="0" noProof="0" dirty="0">
+              <a:ln>
+                <a:noFill/>
+              </a:ln>
+              <a:solidFill>
+                <a:schemeClr val="tx1"/>
+              </a:solidFill>
+              <a:effectLst/>
+              <a:uLnTx/>
+              <a:uFillTx/>
+              <a:latin typeface="Arial"/>
+              <a:ea typeface="+mn-ea"/>
+              <a:cs typeface="+mn-cs"/>
+            </a:endParaRPr>
+          </a:p>
+          <a:p>
+            <a:pPr marL="0" marR="0" indent="0" algn="ctr" defTabSz="685800" rtl="0" eaLnBrk="1" fontAlgn="auto" latinLnBrk="0" hangingPunct="1">
+              <a:lnSpc>
+                <a:spcPct val="100000"/>
+              </a:lnSpc>
+              <a:spcBef>
+                <a:spcPts val="0"/>
+              </a:spcBef>
+              <a:spcAft>
+                <a:spcPts val="0"/>
+              </a:spcAft>
+              <a:buClrTx/>
+              <a:buSzTx/>
+              <a:buFontTx/>
+              <a:buNone/>
+              <a:tabLst/>
+            </a:pPr>
+            <a:r>
+              <a:rPr lang="en-US" sz="1000" dirty="0">
+                <a:solidFill>
+                  <a:schemeClr val="tx1"/>
+                </a:solidFill>
+                <a:latin typeface="Arial"/>
+              </a:rPr>
+              <a:t>Schema</a:t>
+            </a:r>
+          </a:p>
+          <a:p>
+            <a:pPr marL="0" marR="0" indent="0" algn="ctr" defTabSz="685800" rtl="0" eaLnBrk="1" fontAlgn="auto" latinLnBrk="0" hangingPunct="1">
+              <a:lnSpc>
+                <a:spcPct val="100000"/>
+              </a:lnSpc>
+              <a:spcBef>
+                <a:spcPts val="0"/>
+              </a:spcBef>
+              <a:spcAft>
+                <a:spcPts val="0"/>
+              </a:spcAft>
+              <a:buClrTx/>
+              <a:buSzTx/>
+              <a:buFontTx/>
+              <a:buNone/>
+              <a:tabLst/>
+            </a:pPr>
+            <a:r>
+              <a:rPr kumimoji="0" lang="en-US" sz="1000" b="0" i="0" u="none" strike="noStrike" kern="1200" cap="none" spc="0" normalizeH="0" baseline="0" noProof="0" dirty="0">
+                <a:ln>
+                  <a:noFill/>
+                </a:ln>
+                <a:solidFill>
+                  <a:schemeClr val="tx1"/>
+                </a:solidFill>
+                <a:effectLst/>
+                <a:uLnTx/>
+                <a:uFillTx/>
+                <a:latin typeface="Arial"/>
+                <a:ea typeface="+mn-ea"/>
+                <a:cs typeface="+mn-cs"/>
+              </a:rPr>
+              <a:t>Recovery</a:t>
+            </a:r>
+          </a:p>
+          <a:p>
+            <a:pPr marL="0" marR="0" indent="0" algn="ctr" defTabSz="685800" rtl="0" eaLnBrk="1" fontAlgn="auto" latinLnBrk="0" hangingPunct="1">
+              <a:lnSpc>
+                <a:spcPct val="100000"/>
+              </a:lnSpc>
+              <a:spcBef>
+                <a:spcPts val="0"/>
+              </a:spcBef>
+              <a:spcAft>
+                <a:spcPts val="0"/>
+              </a:spcAft>
+              <a:buClrTx/>
+              <a:buSzTx/>
+              <a:buFontTx/>
+              <a:buNone/>
+              <a:tabLst/>
+            </a:pPr>
+            <a:r>
+              <a:rPr lang="en-US" sz="1000" dirty="0">
+                <a:solidFill>
+                  <a:schemeClr val="tx1"/>
+                </a:solidFill>
+                <a:latin typeface="Arial"/>
+              </a:rPr>
+              <a:t>Security</a:t>
+            </a:r>
+          </a:p>
+        </p:txBody>
+      </p:sp>
+      <p:sp>
+        <p:nvSpPr>
+          <p:cNvPr id="12" name="Rectangle 11">
+            <a:extLst>
+              <a:ext uri="{FF2B5EF4-FFF2-40B4-BE49-F238E27FC236}">
+                <a16:creationId xmlns:a16="http://schemas.microsoft.com/office/drawing/2014/main" id="{33159020-C4FD-9E4E-B392-BB53BD1380D3}"/>
+              </a:ext>
+            </a:extLst>
+          </p:cNvPr>
+          <p:cNvSpPr/>
+          <p:nvPr/>
+        </p:nvSpPr>
+        <p:spPr>
+          <a:xfrm>
+            <a:off x="5600903" y="2215874"/>
+            <a:ext cx="1191628" cy="660400"/>
+          </a:xfrm>
+          <a:prstGeom prst="rect">
+            <a:avLst/>
+          </a:prstGeom>
+          <a:noFill/>
+        </p:spPr>
+        <p:txBody>
+          <a:bodyPr wrap="none" lIns="91440" tIns="45720" rIns="91440" bIns="45720">
+            <a:prstTxWarp prst="textArchUp">
+              <a:avLst/>
+            </a:prstTxWarp>
+            <a:spAutoFit/>
+          </a:bodyPr>
+          <a:lstStyle/>
+          <a:p>
+            <a:pPr algn="ctr"/>
+            <a:r>
+              <a:rPr lang="en-US" sz="1200" u="sng" dirty="0"/>
+              <a:t>Data</a:t>
+            </a:r>
+          </a:p>
+          <a:p>
+            <a:pPr algn="ctr"/>
+            <a:endParaRPr lang="en-US" sz="1200" b="0" u="sng" cap="none" spc="0" dirty="0">
+              <a:ln w="0"/>
+              <a:solidFill>
+                <a:schemeClr val="tx1"/>
+              </a:solidFill>
+              <a:effectLst>
+                <a:outerShdw blurRad="38100" dist="19050" dir="2700000" algn="tl" rotWithShape="0">
+                  <a:schemeClr val="dk1">
+                    <a:alpha val="40000"/>
+                  </a:schemeClr>
+                </a:outerShdw>
+              </a:effectLst>
+            </a:endParaRPr>
+          </a:p>
+        </p:txBody>
+      </p:sp>
+    </p:spTree>
+    <p:extLst>
+      <p:ext uri="{BB962C8B-B14F-4D97-AF65-F5344CB8AC3E}">
+        <p14:creationId xmlns:p14="http://schemas.microsoft.com/office/powerpoint/2010/main" val="885525870"/>
+      </p:ext>
+    </p:extLst>
+  </p:cSld>
+  <p:clrMapOvr>
+    <a:masterClrMapping/>
+  </p:clrMapOvr>
+</p:sld>
+</file>
+
+<file path=ppt/slides/slide4.xml><?xml version="1.0" encoding="utf-8"?>
+<p:sld xmlns:a="http://schemas.openxmlformats.org/drawingml/2006/main" xmlns:r="http://schemas.openxmlformats.org/officeDocument/2006/relationships" xmlns:p="http://schemas.openxmlformats.org/presentationml/2006/main">
+  <p:cSld>
+    <p:spTree>
+      <p:nvGrpSpPr>
+        <p:cNvPr id="1" name=""/>
+        <p:cNvGrpSpPr/>
+        <p:nvPr/>
+      </p:nvGrpSpPr>
+      <p:grpSpPr>
+        <a:xfrm>
+          <a:off x="0" y="0"/>
+          <a:ext cx="0" cy="0"/>
+          <a:chOff x="0" y="0"/>
+          <a:chExt cx="0" cy="0"/>
+        </a:xfrm>
+      </p:grpSpPr>
+      <p:sp>
+        <p:nvSpPr>
+          <p:cNvPr id="5" name="Slide Number Placeholder 4">
+            <a:extLst>
+              <a:ext uri="{FF2B5EF4-FFF2-40B4-BE49-F238E27FC236}">
+                <a16:creationId xmlns:a16="http://schemas.microsoft.com/office/drawing/2014/main" id="{3C02775D-3C98-D747-8B97-9759A67C5E53}"/>
+              </a:ext>
+            </a:extLst>
+          </p:cNvPr>
+          <p:cNvSpPr>
+            <a:spLocks noGrp="1"/>
+          </p:cNvSpPr>
+          <p:nvPr>
+            <p:ph type="sldNum" sz="quarter" idx="10"/>
+          </p:nvPr>
+        </p:nvSpPr>
+        <p:spPr/>
+        <p:txBody>
+          <a:bodyPr/>
+          <a:lstStyle/>
+          <a:p>
+            <a:fld id="{8A158888-7CA9-084D-A641-EC66ACF9DB3C}" type="slidenum">
+              <a:rPr lang="en-US" smtClean="0">
+                <a:solidFill>
+                  <a:srgbClr val="5AAAFA"/>
+                </a:solidFill>
+              </a:rPr>
+              <a:pPr/>
+              <a:t>4</a:t>
+            </a:fld>
+            <a:endParaRPr lang="en-US">
+              <a:solidFill>
+                <a:srgbClr val="5AAAFA"/>
+              </a:solidFill>
+            </a:endParaRPr>
+          </a:p>
+        </p:txBody>
+      </p:sp>
+      <p:sp>
+        <p:nvSpPr>
+          <p:cNvPr id="6" name="Oval 5">
+            <a:extLst>
+              <a:ext uri="{FF2B5EF4-FFF2-40B4-BE49-F238E27FC236}">
+                <a16:creationId xmlns:a16="http://schemas.microsoft.com/office/drawing/2014/main" id="{66389814-B363-2B4C-AD80-B73B23107023}"/>
+              </a:ext>
+            </a:extLst>
+          </p:cNvPr>
+          <p:cNvSpPr/>
+          <p:nvPr/>
+        </p:nvSpPr>
+        <p:spPr>
+          <a:xfrm>
+            <a:off x="1680308" y="841566"/>
+            <a:ext cx="2139696" cy="2086060"/>
+          </a:xfrm>
+          <a:prstGeom prst="ellipse">
+            <a:avLst/>
+          </a:prstGeom>
+          <a:solidFill>
+            <a:srgbClr val="FF0000">
+              <a:alpha val="35000"/>
+            </a:srgbClr>
+          </a:solidFill>
+          <a:ln>
+            <a:noFill/>
+          </a:ln>
+        </p:spPr>
+        <p:style>
+          <a:lnRef idx="2">
+            <a:schemeClr val="accent1">
+              <a:shade val="50000"/>
+            </a:schemeClr>
+          </a:lnRef>
+          <a:fillRef idx="1">
+            <a:schemeClr val="accent1"/>
+          </a:fillRef>
+          <a:effectRef idx="0">
+            <a:schemeClr val="accent1"/>
+          </a:effectRef>
+          <a:fontRef idx="minor">
+            <a:schemeClr val="lt1"/>
+          </a:fontRef>
+        </p:style>
+        <p:txBody>
+          <a:bodyPr rtlCol="0" anchor="ctr"/>
+          <a:lstStyle/>
+          <a:p>
+            <a:r>
+              <a:rPr lang="en-US" sz="800" dirty="0">
+                <a:solidFill>
+                  <a:schemeClr val="tx1"/>
+                </a:solidFill>
+              </a:rPr>
+              <a:t>Discover</a:t>
+            </a:r>
+          </a:p>
+          <a:p>
+            <a:r>
+              <a:rPr lang="en-US" sz="800" dirty="0">
+                <a:solidFill>
+                  <a:schemeClr val="tx1"/>
+                </a:solidFill>
+              </a:rPr>
+              <a:t>Think</a:t>
+            </a:r>
+          </a:p>
+          <a:p>
+            <a:r>
+              <a:rPr lang="en-US" sz="800" dirty="0">
+                <a:solidFill>
+                  <a:schemeClr val="tx1"/>
+                </a:solidFill>
+              </a:rPr>
+              <a:t>Develop</a:t>
+            </a:r>
+          </a:p>
+          <a:p>
+            <a:r>
+              <a:rPr lang="en-US" sz="800" dirty="0">
+                <a:solidFill>
+                  <a:schemeClr val="tx1"/>
+                </a:solidFill>
+              </a:rPr>
+              <a:t>Operate</a:t>
+            </a:r>
+          </a:p>
+          <a:p>
+            <a:r>
+              <a:rPr lang="en-US" sz="800" dirty="0">
+                <a:solidFill>
+                  <a:schemeClr val="tx1"/>
+                </a:solidFill>
+              </a:rPr>
+              <a:t>Learn</a:t>
+            </a:r>
+          </a:p>
+          <a:p>
+            <a:pPr marL="0" marR="0" indent="0" defTabSz="685800" rtl="0" eaLnBrk="1" fontAlgn="auto" latinLnBrk="0" hangingPunct="1">
+              <a:lnSpc>
+                <a:spcPct val="100000"/>
+              </a:lnSpc>
+              <a:spcBef>
+                <a:spcPts val="0"/>
+              </a:spcBef>
+              <a:spcAft>
+                <a:spcPts val="0"/>
+              </a:spcAft>
+              <a:buClrTx/>
+              <a:buSzTx/>
+              <a:buFontTx/>
+              <a:buNone/>
+              <a:tabLst/>
+            </a:pPr>
+            <a:endParaRPr kumimoji="0" lang="en-US" sz="800" b="0" i="0" u="none" strike="noStrike" kern="1200" cap="none" spc="0" normalizeH="0" baseline="0" noProof="0" dirty="0">
+              <a:ln>
+                <a:noFill/>
+              </a:ln>
+              <a:solidFill>
+                <a:schemeClr val="tx1"/>
+              </a:solidFill>
+              <a:effectLst/>
+              <a:uLnTx/>
+              <a:uFillTx/>
+              <a:latin typeface="Arial"/>
+              <a:ea typeface="+mn-ea"/>
+              <a:cs typeface="+mn-cs"/>
+            </a:endParaRPr>
+          </a:p>
+        </p:txBody>
+      </p:sp>
+      <p:sp>
+        <p:nvSpPr>
+          <p:cNvPr id="8" name="Rectangle 7">
+            <a:extLst>
+              <a:ext uri="{FF2B5EF4-FFF2-40B4-BE49-F238E27FC236}">
+                <a16:creationId xmlns:a16="http://schemas.microsoft.com/office/drawing/2014/main" id="{50050324-3566-ED4F-A98D-6A29A635CA4D}"/>
+              </a:ext>
+            </a:extLst>
+          </p:cNvPr>
+          <p:cNvSpPr/>
+          <p:nvPr/>
+        </p:nvSpPr>
+        <p:spPr>
+          <a:xfrm rot="20647584">
+            <a:off x="1982054" y="1171633"/>
+            <a:ext cx="1191628" cy="660400"/>
+          </a:xfrm>
+          <a:prstGeom prst="rect">
+            <a:avLst/>
+          </a:prstGeom>
+          <a:noFill/>
+        </p:spPr>
+        <p:txBody>
+          <a:bodyPr wrap="none" lIns="91440" tIns="45720" rIns="91440" bIns="45720">
+            <a:prstTxWarp prst="textArchUp">
+              <a:avLst/>
+            </a:prstTxWarp>
+            <a:spAutoFit/>
+          </a:bodyPr>
+          <a:lstStyle/>
+          <a:p>
+            <a:pPr algn="ctr"/>
+            <a:r>
+              <a:rPr lang="en-US" sz="1200" u="sng" dirty="0"/>
+              <a:t>App / Microservice</a:t>
+            </a:r>
+          </a:p>
+          <a:p>
+            <a:pPr algn="ctr"/>
+            <a:endParaRPr lang="en-US" sz="1200" b="0" cap="none" spc="0" dirty="0">
+              <a:ln w="0"/>
+              <a:solidFill>
+                <a:schemeClr val="tx1"/>
+              </a:solidFill>
+              <a:effectLst>
+                <a:outerShdw blurRad="38100" dist="19050" dir="2700000" algn="tl" rotWithShape="0">
+                  <a:schemeClr val="dk1">
+                    <a:alpha val="40000"/>
+                  </a:schemeClr>
+                </a:outerShdw>
+              </a:effectLst>
+            </a:endParaRPr>
+          </a:p>
+        </p:txBody>
+      </p:sp>
+      <p:sp>
+        <p:nvSpPr>
+          <p:cNvPr id="9" name="Oval 8">
+            <a:extLst>
+              <a:ext uri="{FF2B5EF4-FFF2-40B4-BE49-F238E27FC236}">
+                <a16:creationId xmlns:a16="http://schemas.microsoft.com/office/drawing/2014/main" id="{A422CBE7-CE6C-5345-8C7E-DCE1DFFDE240}"/>
+              </a:ext>
+            </a:extLst>
+          </p:cNvPr>
+          <p:cNvSpPr/>
+          <p:nvPr/>
+        </p:nvSpPr>
+        <p:spPr>
+          <a:xfrm>
+            <a:off x="2827617" y="1884596"/>
+            <a:ext cx="2139696" cy="2086060"/>
+          </a:xfrm>
+          <a:prstGeom prst="ellipse">
+            <a:avLst/>
+          </a:prstGeom>
+          <a:solidFill>
+            <a:srgbClr val="348CE7">
+              <a:alpha val="35000"/>
+            </a:srgbClr>
+          </a:solidFill>
+          <a:ln>
+            <a:noFill/>
+          </a:ln>
+        </p:spPr>
+        <p:style>
+          <a:lnRef idx="2">
+            <a:schemeClr val="accent1">
+              <a:shade val="50000"/>
+            </a:schemeClr>
+          </a:lnRef>
+          <a:fillRef idx="1">
+            <a:schemeClr val="accent1"/>
+          </a:fillRef>
+          <a:effectRef idx="0">
+            <a:schemeClr val="accent1"/>
+          </a:effectRef>
+          <a:fontRef idx="minor">
+            <a:schemeClr val="lt1"/>
+          </a:fontRef>
+        </p:style>
+        <p:txBody>
+          <a:bodyPr rtlCol="0" anchor="b"/>
+          <a:lstStyle/>
+          <a:p>
+            <a:pPr marL="0" marR="0" indent="0" algn="r" defTabSz="685800" rtl="0" eaLnBrk="1" fontAlgn="auto" latinLnBrk="0" hangingPunct="1">
+              <a:lnSpc>
+                <a:spcPct val="100000"/>
+              </a:lnSpc>
+              <a:spcBef>
+                <a:spcPts val="0"/>
+              </a:spcBef>
+              <a:spcAft>
+                <a:spcPts val="0"/>
+              </a:spcAft>
+              <a:buClrTx/>
+              <a:buSzTx/>
+              <a:buFontTx/>
+              <a:buNone/>
+              <a:tabLst/>
+            </a:pPr>
+            <a:r>
+              <a:rPr kumimoji="0" lang="en-US" sz="800" b="0" i="0" u="none" strike="noStrike" kern="1200" cap="none" spc="0" normalizeH="0" baseline="0" noProof="0" dirty="0">
+                <a:ln>
+                  <a:noFill/>
+                </a:ln>
+                <a:solidFill>
+                  <a:schemeClr val="tx1"/>
+                </a:solidFill>
+                <a:effectLst/>
+                <a:uLnTx/>
+                <a:uFillTx/>
+                <a:latin typeface="Arial"/>
+                <a:ea typeface="+mn-ea"/>
+                <a:cs typeface="+mn-cs"/>
+              </a:rPr>
+              <a:t>Preparation</a:t>
+            </a:r>
+          </a:p>
+          <a:p>
+            <a:pPr marL="0" marR="0" indent="0" algn="r" defTabSz="685800" rtl="0" eaLnBrk="1" fontAlgn="auto" latinLnBrk="0" hangingPunct="1">
+              <a:lnSpc>
+                <a:spcPct val="100000"/>
+              </a:lnSpc>
+              <a:spcBef>
+                <a:spcPts val="0"/>
+              </a:spcBef>
+              <a:spcAft>
+                <a:spcPts val="0"/>
+              </a:spcAft>
+              <a:buClrTx/>
+              <a:buSzTx/>
+              <a:buFontTx/>
+              <a:buNone/>
+              <a:tabLst/>
+            </a:pPr>
+            <a:r>
+              <a:rPr lang="en-US" sz="800" dirty="0">
+                <a:solidFill>
+                  <a:schemeClr val="tx1"/>
+                </a:solidFill>
+                <a:latin typeface="Arial"/>
+              </a:rPr>
+              <a:t>Inquiry</a:t>
+            </a:r>
+          </a:p>
+          <a:p>
+            <a:pPr marL="0" marR="0" indent="0" algn="r" defTabSz="685800" rtl="0" eaLnBrk="1" fontAlgn="auto" latinLnBrk="0" hangingPunct="1">
+              <a:lnSpc>
+                <a:spcPct val="100000"/>
+              </a:lnSpc>
+              <a:spcBef>
+                <a:spcPts val="0"/>
+              </a:spcBef>
+              <a:spcAft>
+                <a:spcPts val="0"/>
+              </a:spcAft>
+              <a:buClrTx/>
+              <a:buSzTx/>
+              <a:buFontTx/>
+              <a:buNone/>
+              <a:tabLst/>
+            </a:pPr>
+            <a:r>
+              <a:rPr kumimoji="0" lang="en-US" sz="800" b="0" i="0" u="none" strike="noStrike" kern="1200" cap="none" spc="0" normalizeH="0" baseline="0" noProof="0" dirty="0">
+                <a:ln>
+                  <a:noFill/>
+                </a:ln>
+                <a:solidFill>
+                  <a:schemeClr val="tx1"/>
+                </a:solidFill>
+                <a:effectLst/>
+                <a:uLnTx/>
+                <a:uFillTx/>
+                <a:latin typeface="Arial"/>
+                <a:ea typeface="+mn-ea"/>
+                <a:cs typeface="+mn-cs"/>
+              </a:rPr>
+              <a:t>Insights</a:t>
+            </a:r>
+          </a:p>
+          <a:p>
+            <a:pPr marL="0" marR="0" indent="0" algn="r" defTabSz="685800" rtl="0" eaLnBrk="1" fontAlgn="auto" latinLnBrk="0" hangingPunct="1">
+              <a:lnSpc>
+                <a:spcPct val="100000"/>
+              </a:lnSpc>
+              <a:spcBef>
+                <a:spcPts val="0"/>
+              </a:spcBef>
+              <a:spcAft>
+                <a:spcPts val="0"/>
+              </a:spcAft>
+              <a:buClrTx/>
+              <a:buSzTx/>
+              <a:buFontTx/>
+              <a:buNone/>
+              <a:tabLst/>
+            </a:pPr>
+            <a:r>
+              <a:rPr lang="en-US" sz="800" dirty="0">
+                <a:solidFill>
+                  <a:schemeClr val="tx1"/>
+                </a:solidFill>
+                <a:latin typeface="Arial"/>
+              </a:rPr>
+              <a:t>Decision</a:t>
+            </a:r>
+            <a:endParaRPr kumimoji="0" lang="en-US" sz="800" b="0" i="0" u="none" strike="noStrike" kern="1200" cap="none" spc="0" normalizeH="0" baseline="0" noProof="0" dirty="0">
+              <a:ln>
+                <a:noFill/>
+              </a:ln>
+              <a:solidFill>
+                <a:schemeClr val="tx1"/>
+              </a:solidFill>
+              <a:effectLst/>
+              <a:uLnTx/>
+              <a:uFillTx/>
+              <a:latin typeface="Arial"/>
+              <a:ea typeface="+mn-ea"/>
+              <a:cs typeface="+mn-cs"/>
+            </a:endParaRPr>
+          </a:p>
+          <a:p>
+            <a:pPr marL="0" marR="0" indent="0" algn="r" defTabSz="685800" rtl="0" eaLnBrk="1" fontAlgn="auto" latinLnBrk="0" hangingPunct="1">
+              <a:lnSpc>
+                <a:spcPct val="100000"/>
+              </a:lnSpc>
+              <a:spcBef>
+                <a:spcPts val="0"/>
+              </a:spcBef>
+              <a:spcAft>
+                <a:spcPts val="0"/>
+              </a:spcAft>
+              <a:buClrTx/>
+              <a:buSzTx/>
+              <a:buFontTx/>
+              <a:buNone/>
+              <a:tabLst/>
+            </a:pPr>
+            <a:r>
+              <a:rPr lang="en-US" sz="800" dirty="0">
+                <a:solidFill>
+                  <a:schemeClr val="tx1"/>
+                </a:solidFill>
+                <a:latin typeface="Arial"/>
+              </a:rPr>
+              <a:t>Results Feedback</a:t>
+            </a:r>
+            <a:endParaRPr kumimoji="0" lang="en-US" sz="800" b="0" i="0" u="none" strike="noStrike" kern="1200" cap="none" spc="0" normalizeH="0" baseline="0" noProof="0" dirty="0">
+              <a:ln>
+                <a:noFill/>
+              </a:ln>
+              <a:solidFill>
+                <a:schemeClr val="tx1"/>
+              </a:solidFill>
+              <a:effectLst/>
+              <a:uLnTx/>
+              <a:uFillTx/>
+              <a:latin typeface="Arial"/>
+              <a:ea typeface="+mn-ea"/>
+              <a:cs typeface="+mn-cs"/>
+            </a:endParaRPr>
+          </a:p>
+        </p:txBody>
+      </p:sp>
+      <p:sp>
+        <p:nvSpPr>
+          <p:cNvPr id="10" name="Rectangle 9">
+            <a:extLst>
+              <a:ext uri="{FF2B5EF4-FFF2-40B4-BE49-F238E27FC236}">
+                <a16:creationId xmlns:a16="http://schemas.microsoft.com/office/drawing/2014/main" id="{8E6381DC-E101-464F-AB93-489D088F7412}"/>
+              </a:ext>
+            </a:extLst>
+          </p:cNvPr>
+          <p:cNvSpPr/>
+          <p:nvPr/>
+        </p:nvSpPr>
+        <p:spPr>
+          <a:xfrm rot="13807612">
+            <a:off x="2969332" y="2870092"/>
+            <a:ext cx="1191628" cy="660400"/>
+          </a:xfrm>
+          <a:prstGeom prst="rect">
+            <a:avLst/>
+          </a:prstGeom>
+          <a:noFill/>
+        </p:spPr>
+        <p:txBody>
+          <a:bodyPr wrap="none" lIns="91440" tIns="45720" rIns="91440" bIns="45720">
+            <a:prstTxWarp prst="textArchUp">
+              <a:avLst/>
+            </a:prstTxWarp>
+            <a:spAutoFit/>
+          </a:bodyPr>
+          <a:lstStyle/>
+          <a:p>
+            <a:pPr algn="ctr"/>
+            <a:r>
+              <a:rPr lang="en-US" sz="1200" u="sng" dirty="0"/>
+              <a:t>AI -Analytics</a:t>
+            </a:r>
+          </a:p>
+          <a:p>
+            <a:pPr algn="ctr"/>
+            <a:endParaRPr lang="en-US" sz="1200" b="0" cap="none" spc="0" dirty="0">
+              <a:ln w="0"/>
+              <a:solidFill>
+                <a:schemeClr val="tx1"/>
+              </a:solidFill>
+              <a:effectLst>
+                <a:outerShdw blurRad="38100" dist="19050" dir="2700000" algn="tl" rotWithShape="0">
+                  <a:schemeClr val="dk1">
+                    <a:alpha val="40000"/>
+                  </a:schemeClr>
+                </a:outerShdw>
+              </a:effectLst>
+            </a:endParaRPr>
+          </a:p>
+        </p:txBody>
+      </p:sp>
+      <p:sp>
+        <p:nvSpPr>
+          <p:cNvPr id="11" name="Oval 10">
+            <a:extLst>
+              <a:ext uri="{FF2B5EF4-FFF2-40B4-BE49-F238E27FC236}">
+                <a16:creationId xmlns:a16="http://schemas.microsoft.com/office/drawing/2014/main" id="{BF8427A3-A1D8-8243-9B03-4799F94EF781}"/>
+              </a:ext>
+            </a:extLst>
+          </p:cNvPr>
+          <p:cNvSpPr/>
+          <p:nvPr/>
+        </p:nvSpPr>
+        <p:spPr>
+          <a:xfrm>
+            <a:off x="3211007" y="525158"/>
+            <a:ext cx="2139696" cy="2086060"/>
+          </a:xfrm>
+          <a:prstGeom prst="ellipse">
+            <a:avLst/>
+          </a:prstGeom>
+          <a:solidFill>
+            <a:srgbClr val="92D050">
+              <a:alpha val="58000"/>
+            </a:srgbClr>
+          </a:solidFill>
+          <a:ln>
+            <a:noFill/>
+          </a:ln>
+        </p:spPr>
+        <p:style>
+          <a:lnRef idx="2">
+            <a:schemeClr val="accent1">
+              <a:shade val="50000"/>
+            </a:schemeClr>
+          </a:lnRef>
+          <a:fillRef idx="1">
+            <a:schemeClr val="accent1"/>
+          </a:fillRef>
+          <a:effectRef idx="0">
+            <a:schemeClr val="accent1"/>
+          </a:effectRef>
+          <a:fontRef idx="minor">
+            <a:schemeClr val="lt1"/>
+          </a:fontRef>
+        </p:style>
+        <p:txBody>
+          <a:bodyPr rtlCol="0" anchor="ctr"/>
+          <a:lstStyle/>
+          <a:p>
+            <a:pPr marL="0" marR="0" indent="0" algn="r" defTabSz="685800" rtl="0" eaLnBrk="1" fontAlgn="auto" latinLnBrk="0" hangingPunct="1">
+              <a:lnSpc>
+                <a:spcPct val="100000"/>
+              </a:lnSpc>
+              <a:spcBef>
+                <a:spcPts val="0"/>
+              </a:spcBef>
+              <a:spcAft>
+                <a:spcPts val="0"/>
+              </a:spcAft>
+              <a:buClrTx/>
+              <a:buSzTx/>
+              <a:buFontTx/>
+              <a:buNone/>
+              <a:tabLst/>
+            </a:pPr>
+            <a:r>
+              <a:rPr kumimoji="0" lang="en-US" sz="800" b="0" i="0" u="none" strike="noStrike" kern="1200" cap="none" spc="0" normalizeH="0" baseline="0" noProof="0" dirty="0">
+                <a:ln>
+                  <a:noFill/>
+                </a:ln>
+                <a:solidFill>
+                  <a:schemeClr val="tx1"/>
+                </a:solidFill>
+                <a:effectLst/>
+                <a:uLnTx/>
+                <a:uFillTx/>
+                <a:latin typeface="Arial"/>
+                <a:ea typeface="+mn-ea"/>
+                <a:cs typeface="+mn-cs"/>
+              </a:rPr>
+              <a:t>Strategy</a:t>
+            </a:r>
+          </a:p>
+          <a:p>
+            <a:pPr marL="0" marR="0" indent="0" algn="r" defTabSz="685800" rtl="0" eaLnBrk="1" fontAlgn="auto" latinLnBrk="0" hangingPunct="1">
+              <a:lnSpc>
+                <a:spcPct val="100000"/>
+              </a:lnSpc>
+              <a:spcBef>
+                <a:spcPts val="0"/>
+              </a:spcBef>
+              <a:spcAft>
+                <a:spcPts val="0"/>
+              </a:spcAft>
+              <a:buClrTx/>
+              <a:buSzTx/>
+              <a:buFontTx/>
+              <a:buNone/>
+              <a:tabLst/>
+            </a:pPr>
+            <a:r>
+              <a:rPr lang="en-US" sz="800" dirty="0">
+                <a:solidFill>
+                  <a:schemeClr val="tx1"/>
+                </a:solidFill>
+                <a:latin typeface="Arial"/>
+              </a:rPr>
+              <a:t>Architecture</a:t>
+            </a:r>
+          </a:p>
+          <a:p>
+            <a:pPr marL="0" marR="0" indent="0" algn="r" defTabSz="685800" rtl="0" eaLnBrk="1" fontAlgn="auto" latinLnBrk="0" hangingPunct="1">
+              <a:lnSpc>
+                <a:spcPct val="100000"/>
+              </a:lnSpc>
+              <a:spcBef>
+                <a:spcPts val="0"/>
+              </a:spcBef>
+              <a:spcAft>
+                <a:spcPts val="0"/>
+              </a:spcAft>
+              <a:buClrTx/>
+              <a:buSzTx/>
+              <a:buFontTx/>
+              <a:buNone/>
+              <a:tabLst/>
+            </a:pPr>
+            <a:r>
+              <a:rPr kumimoji="0" lang="en-US" sz="800" b="0" i="0" u="none" strike="noStrike" kern="1200" cap="none" spc="0" normalizeH="0" baseline="0" noProof="0" dirty="0">
+                <a:ln>
+                  <a:noFill/>
+                </a:ln>
+                <a:solidFill>
+                  <a:schemeClr val="tx1"/>
+                </a:solidFill>
+                <a:effectLst/>
+                <a:uLnTx/>
+                <a:uFillTx/>
+                <a:latin typeface="Arial"/>
+                <a:ea typeface="+mn-ea"/>
+                <a:cs typeface="+mn-cs"/>
+              </a:rPr>
+              <a:t>Topology</a:t>
+            </a:r>
+          </a:p>
+          <a:p>
+            <a:pPr marL="0" marR="0" indent="0" algn="r" defTabSz="685800" rtl="0" eaLnBrk="1" fontAlgn="auto" latinLnBrk="0" hangingPunct="1">
+              <a:lnSpc>
+                <a:spcPct val="100000"/>
+              </a:lnSpc>
+              <a:spcBef>
+                <a:spcPts val="0"/>
+              </a:spcBef>
+              <a:spcAft>
+                <a:spcPts val="0"/>
+              </a:spcAft>
+              <a:buClrTx/>
+              <a:buSzTx/>
+              <a:buFontTx/>
+              <a:buNone/>
+              <a:tabLst/>
+            </a:pPr>
+            <a:r>
+              <a:rPr lang="en-US" sz="800" dirty="0">
+                <a:solidFill>
+                  <a:schemeClr val="tx1"/>
+                </a:solidFill>
+                <a:latin typeface="Arial"/>
+              </a:rPr>
+              <a:t>Schema</a:t>
+            </a:r>
+          </a:p>
+          <a:p>
+            <a:pPr marL="0" marR="0" indent="0" algn="r" defTabSz="685800" rtl="0" eaLnBrk="1" fontAlgn="auto" latinLnBrk="0" hangingPunct="1">
+              <a:lnSpc>
+                <a:spcPct val="100000"/>
+              </a:lnSpc>
+              <a:spcBef>
+                <a:spcPts val="0"/>
+              </a:spcBef>
+              <a:spcAft>
+                <a:spcPts val="0"/>
+              </a:spcAft>
+              <a:buClrTx/>
+              <a:buSzTx/>
+              <a:buFontTx/>
+              <a:buNone/>
+              <a:tabLst/>
+            </a:pPr>
+            <a:r>
+              <a:rPr lang="en-US" sz="800" dirty="0">
+                <a:solidFill>
+                  <a:schemeClr val="tx1"/>
+                </a:solidFill>
+                <a:latin typeface="Arial"/>
+              </a:rPr>
+              <a:t>Collect</a:t>
+            </a:r>
+          </a:p>
+          <a:p>
+            <a:pPr marL="0" marR="0" indent="0" algn="r" defTabSz="685800" rtl="0" eaLnBrk="1" fontAlgn="auto" latinLnBrk="0" hangingPunct="1">
+              <a:lnSpc>
+                <a:spcPct val="100000"/>
+              </a:lnSpc>
+              <a:spcBef>
+                <a:spcPts val="0"/>
+              </a:spcBef>
+              <a:spcAft>
+                <a:spcPts val="0"/>
+              </a:spcAft>
+              <a:buClrTx/>
+              <a:buSzTx/>
+              <a:buFontTx/>
+              <a:buNone/>
+              <a:tabLst/>
+            </a:pPr>
+            <a:r>
+              <a:rPr kumimoji="0" lang="en-US" sz="800" b="0" i="0" u="none" strike="noStrike" kern="1200" cap="none" spc="0" normalizeH="0" baseline="0" noProof="0" dirty="0">
+                <a:ln>
+                  <a:noFill/>
+                </a:ln>
+                <a:solidFill>
+                  <a:schemeClr val="tx1"/>
+                </a:solidFill>
+                <a:effectLst/>
+                <a:uLnTx/>
+                <a:uFillTx/>
+                <a:latin typeface="Arial"/>
+                <a:ea typeface="+mn-ea"/>
+                <a:cs typeface="+mn-cs"/>
+              </a:rPr>
+              <a:t>Recovery</a:t>
+            </a:r>
+          </a:p>
+          <a:p>
+            <a:pPr marL="0" marR="0" indent="0" algn="r" defTabSz="685800" rtl="0" eaLnBrk="1" fontAlgn="auto" latinLnBrk="0" hangingPunct="1">
+              <a:lnSpc>
+                <a:spcPct val="100000"/>
+              </a:lnSpc>
+              <a:spcBef>
+                <a:spcPts val="0"/>
+              </a:spcBef>
+              <a:spcAft>
+                <a:spcPts val="0"/>
+              </a:spcAft>
+              <a:buClrTx/>
+              <a:buSzTx/>
+              <a:buFontTx/>
+              <a:buNone/>
+              <a:tabLst/>
+            </a:pPr>
+            <a:r>
+              <a:rPr lang="en-US" sz="800" dirty="0">
+                <a:solidFill>
+                  <a:schemeClr val="tx1"/>
+                </a:solidFill>
+                <a:latin typeface="Arial"/>
+              </a:rPr>
+              <a:t>Security</a:t>
+            </a:r>
+            <a:endParaRPr lang="en-US" sz="1000" dirty="0">
+              <a:solidFill>
+                <a:schemeClr val="tx1"/>
+              </a:solidFill>
+              <a:latin typeface="Arial"/>
+            </a:endParaRPr>
+          </a:p>
+        </p:txBody>
+      </p:sp>
+      <p:sp>
+        <p:nvSpPr>
+          <p:cNvPr id="12" name="Rectangle 11">
+            <a:extLst>
+              <a:ext uri="{FF2B5EF4-FFF2-40B4-BE49-F238E27FC236}">
+                <a16:creationId xmlns:a16="http://schemas.microsoft.com/office/drawing/2014/main" id="{33159020-C4FD-9E4E-B392-BB53BD1380D3}"/>
+              </a:ext>
+            </a:extLst>
+          </p:cNvPr>
+          <p:cNvSpPr/>
+          <p:nvPr/>
+        </p:nvSpPr>
+        <p:spPr>
+          <a:xfrm>
+            <a:off x="3685041" y="882112"/>
+            <a:ext cx="1191628" cy="660400"/>
+          </a:xfrm>
+          <a:prstGeom prst="rect">
+            <a:avLst/>
+          </a:prstGeom>
+          <a:noFill/>
+        </p:spPr>
+        <p:txBody>
+          <a:bodyPr wrap="none" lIns="91440" tIns="45720" rIns="91440" bIns="45720">
+            <a:prstTxWarp prst="textArchUp">
+              <a:avLst/>
+            </a:prstTxWarp>
+            <a:spAutoFit/>
+          </a:bodyPr>
+          <a:lstStyle/>
+          <a:p>
+            <a:pPr algn="ctr"/>
+            <a:r>
+              <a:rPr lang="en-US" sz="1200" u="sng" dirty="0"/>
+              <a:t>Data</a:t>
+            </a:r>
+          </a:p>
+          <a:p>
+            <a:pPr algn="ctr"/>
+            <a:endParaRPr lang="en-US" sz="1200" b="0" u="sng" cap="none" spc="0" dirty="0">
+              <a:ln w="0"/>
+              <a:solidFill>
+                <a:schemeClr val="tx1"/>
+              </a:solidFill>
+              <a:effectLst>
+                <a:outerShdw blurRad="38100" dist="19050" dir="2700000" algn="tl" rotWithShape="0">
+                  <a:schemeClr val="dk1">
+                    <a:alpha val="40000"/>
+                  </a:schemeClr>
+                </a:outerShdw>
+              </a:effectLst>
+            </a:endParaRPr>
+          </a:p>
+        </p:txBody>
+      </p:sp>
+      <p:sp>
+        <p:nvSpPr>
+          <p:cNvPr id="3" name="TextBox 2">
+            <a:extLst>
+              <a:ext uri="{FF2B5EF4-FFF2-40B4-BE49-F238E27FC236}">
+                <a16:creationId xmlns:a16="http://schemas.microsoft.com/office/drawing/2014/main" id="{776487C5-3B68-2542-A263-EADFE5A4468D}"/>
+              </a:ext>
+            </a:extLst>
+          </p:cNvPr>
+          <p:cNvSpPr txBox="1"/>
+          <p:nvPr/>
+        </p:nvSpPr>
+        <p:spPr>
+          <a:xfrm>
+            <a:off x="3836430" y="2074850"/>
+            <a:ext cx="748923" cy="369332"/>
+          </a:xfrm>
+          <a:prstGeom prst="rect">
+            <a:avLst/>
+          </a:prstGeom>
+          <a:noFill/>
+        </p:spPr>
+        <p:txBody>
+          <a:bodyPr wrap="none" rtlCol="0">
+            <a:spAutoFit/>
+          </a:bodyPr>
+          <a:lstStyle/>
+          <a:p>
+            <a:r>
+              <a:rPr lang="en-US" sz="900" dirty="0"/>
+              <a:t>Data store </a:t>
+            </a:r>
+          </a:p>
+          <a:p>
+            <a:r>
+              <a:rPr lang="en-US" sz="900" dirty="0"/>
+              <a:t>integration</a:t>
+            </a:r>
+          </a:p>
+        </p:txBody>
+      </p:sp>
+      <p:sp>
+        <p:nvSpPr>
+          <p:cNvPr id="13" name="TextBox 12">
+            <a:extLst>
+              <a:ext uri="{FF2B5EF4-FFF2-40B4-BE49-F238E27FC236}">
+                <a16:creationId xmlns:a16="http://schemas.microsoft.com/office/drawing/2014/main" id="{FE2EB55F-CDC6-6C4A-B2CA-5448019845EB}"/>
+              </a:ext>
+            </a:extLst>
+          </p:cNvPr>
+          <p:cNvSpPr txBox="1"/>
+          <p:nvPr/>
+        </p:nvSpPr>
+        <p:spPr>
+          <a:xfrm>
+            <a:off x="3092987" y="1389110"/>
+            <a:ext cx="819455" cy="369332"/>
+          </a:xfrm>
+          <a:prstGeom prst="rect">
+            <a:avLst/>
+          </a:prstGeom>
+          <a:noFill/>
+        </p:spPr>
+        <p:txBody>
+          <a:bodyPr wrap="none" rtlCol="0">
+            <a:spAutoFit/>
+          </a:bodyPr>
+          <a:lstStyle/>
+          <a:p>
+            <a:r>
+              <a:rPr lang="en-US" sz="900" dirty="0"/>
+              <a:t>Data access</a:t>
+            </a:r>
+          </a:p>
+          <a:p>
+            <a:r>
+              <a:rPr lang="en-US" sz="900" dirty="0"/>
+              <a:t>integration</a:t>
+            </a:r>
+          </a:p>
+        </p:txBody>
+      </p:sp>
+      <p:sp>
+        <p:nvSpPr>
+          <p:cNvPr id="14" name="TextBox 13">
+            <a:extLst>
+              <a:ext uri="{FF2B5EF4-FFF2-40B4-BE49-F238E27FC236}">
+                <a16:creationId xmlns:a16="http://schemas.microsoft.com/office/drawing/2014/main" id="{426BFC91-C4AD-D448-8377-149D023C8184}"/>
+              </a:ext>
+            </a:extLst>
+          </p:cNvPr>
+          <p:cNvSpPr txBox="1"/>
+          <p:nvPr/>
+        </p:nvSpPr>
+        <p:spPr>
+          <a:xfrm>
+            <a:off x="2852920" y="2368040"/>
+            <a:ext cx="723275" cy="369332"/>
+          </a:xfrm>
+          <a:prstGeom prst="rect">
+            <a:avLst/>
+          </a:prstGeom>
+          <a:noFill/>
+        </p:spPr>
+        <p:txBody>
+          <a:bodyPr wrap="none" rtlCol="0">
+            <a:spAutoFit/>
+          </a:bodyPr>
+          <a:lstStyle/>
+          <a:p>
+            <a:r>
+              <a:rPr lang="en-US" sz="900" dirty="0"/>
+              <a:t>API</a:t>
+            </a:r>
+          </a:p>
+          <a:p>
+            <a:r>
+              <a:rPr lang="en-US" sz="900" dirty="0"/>
+              <a:t>integration</a:t>
+            </a:r>
+          </a:p>
+        </p:txBody>
+      </p:sp>
+      <p:sp>
+        <p:nvSpPr>
+          <p:cNvPr id="15" name="TextBox 14">
+            <a:extLst>
+              <a:ext uri="{FF2B5EF4-FFF2-40B4-BE49-F238E27FC236}">
+                <a16:creationId xmlns:a16="http://schemas.microsoft.com/office/drawing/2014/main" id="{F64C199C-B0B5-A843-B320-69477FE56397}"/>
+              </a:ext>
+            </a:extLst>
+          </p:cNvPr>
+          <p:cNvSpPr txBox="1"/>
+          <p:nvPr/>
+        </p:nvSpPr>
+        <p:spPr>
+          <a:xfrm>
+            <a:off x="3322484" y="1955311"/>
+            <a:ext cx="543739" cy="369332"/>
+          </a:xfrm>
+          <a:prstGeom prst="rect">
+            <a:avLst/>
+          </a:prstGeom>
+          <a:noFill/>
+        </p:spPr>
+        <p:txBody>
+          <a:bodyPr wrap="none" rtlCol="0">
+            <a:spAutoFit/>
+          </a:bodyPr>
+          <a:lstStyle/>
+          <a:p>
+            <a:r>
+              <a:rPr lang="en-US" sz="900" dirty="0"/>
+              <a:t>Unified</a:t>
+            </a:r>
+          </a:p>
+          <a:p>
+            <a:r>
+              <a:rPr lang="en-US" sz="900" dirty="0"/>
+              <a:t>Gov.</a:t>
+            </a:r>
+          </a:p>
+        </p:txBody>
+      </p:sp>
+    </p:spTree>
+    <p:extLst>
+      <p:ext uri="{BB962C8B-B14F-4D97-AF65-F5344CB8AC3E}">
+        <p14:creationId xmlns:p14="http://schemas.microsoft.com/office/powerpoint/2010/main" val="4246462507"/>
+      </p:ext>
+    </p:extLst>
+  </p:cSld>
+  <p:clrMapOvr>
+    <a:masterClrMapping/>
+  </p:clrMapOvr>
+</p:sld>
+</file>
+
+<file path=ppt/slides/slide5.xml><?xml version="1.0" encoding="utf-8"?>
+<p:sld xmlns:a="http://schemas.openxmlformats.org/drawingml/2006/main" xmlns:r="http://schemas.openxmlformats.org/officeDocument/2006/relationships" xmlns:p="http://schemas.openxmlformats.org/presentationml/2006/main">
+  <p:cSld>
+    <p:spTree>
+      <p:nvGrpSpPr>
+        <p:cNvPr id="1" name=""/>
+        <p:cNvGrpSpPr/>
+        <p:nvPr/>
+      </p:nvGrpSpPr>
+      <p:grpSpPr>
+        <a:xfrm>
+          <a:off x="0" y="0"/>
+          <a:ext cx="0" cy="0"/>
+          <a:chOff x="0" y="0"/>
+          <a:chExt cx="0" cy="0"/>
+        </a:xfrm>
+      </p:grpSpPr>
+      <p:sp>
+        <p:nvSpPr>
+          <p:cNvPr id="2" name="Title 1">
+            <a:extLst>
+              <a:ext uri="{FF2B5EF4-FFF2-40B4-BE49-F238E27FC236}">
+                <a16:creationId xmlns:a16="http://schemas.microsoft.com/office/drawing/2014/main" id="{1AC20F0F-7162-5D4E-84F3-28C092F47449}"/>
+              </a:ext>
+            </a:extLst>
+          </p:cNvPr>
+          <p:cNvSpPr>
+            <a:spLocks noGrp="1"/>
+          </p:cNvSpPr>
+          <p:nvPr>
+            <p:ph type="title"/>
+          </p:nvPr>
+        </p:nvSpPr>
+        <p:spPr/>
+        <p:txBody>
+          <a:bodyPr/>
+          <a:lstStyle/>
+          <a:p>
+            <a:endParaRPr lang="en-US"/>
+          </a:p>
+        </p:txBody>
+      </p:sp>
+      <p:sp>
+        <p:nvSpPr>
+          <p:cNvPr id="5" name="Slide Number Placeholder 4">
+            <a:extLst>
+              <a:ext uri="{FF2B5EF4-FFF2-40B4-BE49-F238E27FC236}">
+                <a16:creationId xmlns:a16="http://schemas.microsoft.com/office/drawing/2014/main" id="{03223FBC-17F8-704E-A873-E4B8B9567189}"/>
+              </a:ext>
+            </a:extLst>
+          </p:cNvPr>
+          <p:cNvSpPr>
+            <a:spLocks noGrp="1"/>
+          </p:cNvSpPr>
+          <p:nvPr>
+            <p:ph type="sldNum" sz="quarter" idx="10"/>
+          </p:nvPr>
+        </p:nvSpPr>
+        <p:spPr/>
+        <p:txBody>
+          <a:bodyPr/>
+          <a:lstStyle/>
+          <a:p>
+            <a:fld id="{8A158888-7CA9-084D-A641-EC66ACF9DB3C}" type="slidenum">
+              <a:rPr lang="en-US" smtClean="0">
+                <a:solidFill>
+                  <a:srgbClr val="5AAAFA"/>
+                </a:solidFill>
+              </a:rPr>
+              <a:pPr/>
+              <a:t>5</a:t>
+            </a:fld>
+            <a:endParaRPr lang="en-US">
+              <a:solidFill>
+                <a:srgbClr val="5AAAFA"/>
+              </a:solidFill>
+            </a:endParaRPr>
+          </a:p>
+        </p:txBody>
+      </p:sp>
+      <p:sp>
+        <p:nvSpPr>
+          <p:cNvPr id="6" name="Rectangle 5">
+            <a:extLst>
+              <a:ext uri="{FF2B5EF4-FFF2-40B4-BE49-F238E27FC236}">
+                <a16:creationId xmlns:a16="http://schemas.microsoft.com/office/drawing/2014/main" id="{9DEA29EC-8CDE-C540-83A3-531ABA8D802C}"/>
+              </a:ext>
+            </a:extLst>
+          </p:cNvPr>
+          <p:cNvSpPr/>
+          <p:nvPr/>
+        </p:nvSpPr>
+        <p:spPr>
+          <a:xfrm>
+            <a:off x="1152939" y="1284598"/>
+            <a:ext cx="775253" cy="347870"/>
+          </a:xfrm>
+          <a:prstGeom prst="rect">
+            <a:avLst/>
+          </a:prstGeom>
+          <a:solidFill>
+            <a:srgbClr val="FF0000">
+              <a:alpha val="35000"/>
+            </a:srgbClr>
+          </a:solidFill>
+          <a:ln w="12700">
+            <a:solidFill>
+              <a:srgbClr val="FF0000">
+                <a:alpha val="80000"/>
+              </a:srgbClr>
+            </a:solidFill>
+          </a:ln>
+        </p:spPr>
+        <p:style>
+          <a:lnRef idx="2">
+            <a:schemeClr val="accent1">
+              <a:shade val="50000"/>
+            </a:schemeClr>
+          </a:lnRef>
+          <a:fillRef idx="1">
+            <a:schemeClr val="accent1"/>
+          </a:fillRef>
+          <a:effectRef idx="0">
+            <a:schemeClr val="accent1"/>
+          </a:effectRef>
+          <a:fontRef idx="minor">
+            <a:schemeClr val="lt1"/>
+          </a:fontRef>
+        </p:style>
+        <p:txBody>
+          <a:bodyPr rtlCol="0" anchor="ctr"/>
+          <a:lstStyle/>
+          <a:p>
+            <a:pPr marL="0" marR="0" indent="0" algn="ctr" defTabSz="685800" rtl="0" eaLnBrk="1" fontAlgn="auto" latinLnBrk="0" hangingPunct="1">
+              <a:lnSpc>
+                <a:spcPct val="100000"/>
+              </a:lnSpc>
+              <a:spcBef>
+                <a:spcPts val="0"/>
+              </a:spcBef>
+              <a:spcAft>
+                <a:spcPts val="0"/>
+              </a:spcAft>
+              <a:buClrTx/>
+              <a:buSzTx/>
+              <a:buFontTx/>
+              <a:buNone/>
+              <a:tabLst/>
+            </a:pPr>
+            <a:r>
+              <a:rPr kumimoji="0" lang="en-US" sz="1000" b="0" i="0" u="none" strike="noStrike" kern="1200" cap="none" spc="0" normalizeH="0" baseline="0" noProof="0" dirty="0">
+                <a:ln>
+                  <a:noFill/>
+                </a:ln>
+                <a:solidFill>
+                  <a:schemeClr val="tx1"/>
+                </a:solidFill>
+                <a:effectLst/>
+                <a:uLnTx/>
+                <a:uFillTx/>
+                <a:latin typeface="Arial"/>
+                <a:ea typeface="+mn-ea"/>
+                <a:cs typeface="+mn-cs"/>
+              </a:rPr>
+              <a:t>Discover</a:t>
+            </a:r>
+          </a:p>
+        </p:txBody>
+      </p:sp>
+      <p:sp>
+        <p:nvSpPr>
+          <p:cNvPr id="7" name="Rectangle 6">
+            <a:extLst>
+              <a:ext uri="{FF2B5EF4-FFF2-40B4-BE49-F238E27FC236}">
+                <a16:creationId xmlns:a16="http://schemas.microsoft.com/office/drawing/2014/main" id="{EB33649D-0604-9942-819F-8CF1E84CB10E}"/>
+              </a:ext>
+            </a:extLst>
+          </p:cNvPr>
+          <p:cNvSpPr/>
+          <p:nvPr/>
+        </p:nvSpPr>
+        <p:spPr>
+          <a:xfrm>
+            <a:off x="1987827" y="1284598"/>
+            <a:ext cx="775253" cy="347870"/>
+          </a:xfrm>
+          <a:prstGeom prst="rect">
+            <a:avLst/>
+          </a:prstGeom>
+          <a:solidFill>
+            <a:srgbClr val="FF0000">
+              <a:alpha val="35000"/>
+            </a:srgbClr>
+          </a:solidFill>
+          <a:ln w="12700">
+            <a:solidFill>
+              <a:srgbClr val="FF0000">
+                <a:alpha val="80000"/>
+              </a:srgbClr>
+            </a:solidFill>
+          </a:ln>
+        </p:spPr>
+        <p:style>
+          <a:lnRef idx="2">
+            <a:schemeClr val="accent1">
+              <a:shade val="50000"/>
+            </a:schemeClr>
+          </a:lnRef>
+          <a:fillRef idx="1">
+            <a:schemeClr val="accent1"/>
+          </a:fillRef>
+          <a:effectRef idx="0">
+            <a:schemeClr val="accent1"/>
+          </a:effectRef>
+          <a:fontRef idx="minor">
+            <a:schemeClr val="lt1"/>
+          </a:fontRef>
+        </p:style>
+        <p:txBody>
+          <a:bodyPr rtlCol="0" anchor="ctr"/>
+          <a:lstStyle/>
+          <a:p>
+            <a:pPr marL="0" marR="0" indent="0" algn="ctr" defTabSz="685800" rtl="0" eaLnBrk="1" fontAlgn="auto" latinLnBrk="0" hangingPunct="1">
+              <a:lnSpc>
+                <a:spcPct val="100000"/>
+              </a:lnSpc>
+              <a:spcBef>
+                <a:spcPts val="0"/>
+              </a:spcBef>
+              <a:spcAft>
+                <a:spcPts val="0"/>
+              </a:spcAft>
+              <a:buClrTx/>
+              <a:buSzTx/>
+              <a:buFontTx/>
+              <a:buNone/>
+              <a:tabLst/>
+            </a:pPr>
+            <a:r>
+              <a:rPr kumimoji="0" lang="en-US" sz="1000" b="0" i="0" u="none" strike="noStrike" kern="1200" cap="none" spc="0" normalizeH="0" baseline="0" noProof="0" dirty="0">
+                <a:ln>
+                  <a:noFill/>
+                </a:ln>
+                <a:solidFill>
+                  <a:schemeClr val="tx1"/>
+                </a:solidFill>
+                <a:effectLst/>
+                <a:uLnTx/>
+                <a:uFillTx/>
+                <a:latin typeface="Arial"/>
+                <a:ea typeface="+mn-ea"/>
+                <a:cs typeface="+mn-cs"/>
+              </a:rPr>
+              <a:t>Think</a:t>
+            </a:r>
+          </a:p>
+        </p:txBody>
+      </p:sp>
+      <p:sp>
+        <p:nvSpPr>
+          <p:cNvPr id="8" name="Rectangle 7">
+            <a:extLst>
+              <a:ext uri="{FF2B5EF4-FFF2-40B4-BE49-F238E27FC236}">
+                <a16:creationId xmlns:a16="http://schemas.microsoft.com/office/drawing/2014/main" id="{430CA9A6-B0E9-E340-969E-D56E44BFC067}"/>
+              </a:ext>
+            </a:extLst>
+          </p:cNvPr>
+          <p:cNvSpPr/>
+          <p:nvPr/>
+        </p:nvSpPr>
+        <p:spPr>
+          <a:xfrm>
+            <a:off x="2822715" y="1284598"/>
+            <a:ext cx="775253" cy="347870"/>
+          </a:xfrm>
+          <a:prstGeom prst="rect">
+            <a:avLst/>
+          </a:prstGeom>
+          <a:solidFill>
+            <a:srgbClr val="FF0000">
+              <a:alpha val="35000"/>
+            </a:srgbClr>
+          </a:solidFill>
+          <a:ln w="12700">
+            <a:solidFill>
+              <a:srgbClr val="FF0000">
+                <a:alpha val="80000"/>
+              </a:srgbClr>
+            </a:solidFill>
+          </a:ln>
+        </p:spPr>
+        <p:style>
+          <a:lnRef idx="2">
+            <a:schemeClr val="accent1">
+              <a:shade val="50000"/>
+            </a:schemeClr>
+          </a:lnRef>
+          <a:fillRef idx="1">
+            <a:schemeClr val="accent1"/>
+          </a:fillRef>
+          <a:effectRef idx="0">
+            <a:schemeClr val="accent1"/>
+          </a:effectRef>
+          <a:fontRef idx="minor">
+            <a:schemeClr val="lt1"/>
+          </a:fontRef>
+        </p:style>
+        <p:txBody>
+          <a:bodyPr rtlCol="0" anchor="ctr"/>
+          <a:lstStyle/>
+          <a:p>
+            <a:pPr marL="0" marR="0" indent="0" algn="ctr" defTabSz="685800" rtl="0" eaLnBrk="1" fontAlgn="auto" latinLnBrk="0" hangingPunct="1">
+              <a:lnSpc>
+                <a:spcPct val="100000"/>
+              </a:lnSpc>
+              <a:spcBef>
+                <a:spcPts val="0"/>
+              </a:spcBef>
+              <a:spcAft>
+                <a:spcPts val="0"/>
+              </a:spcAft>
+              <a:buClrTx/>
+              <a:buSzTx/>
+              <a:buFontTx/>
+              <a:buNone/>
+              <a:tabLst/>
+            </a:pPr>
+            <a:r>
+              <a:rPr kumimoji="0" lang="en-US" sz="1000" b="0" i="0" u="none" strike="noStrike" kern="1200" cap="none" spc="0" normalizeH="0" baseline="0" noProof="0" dirty="0">
+                <a:ln>
+                  <a:noFill/>
+                </a:ln>
+                <a:solidFill>
+                  <a:schemeClr val="tx1"/>
+                </a:solidFill>
+                <a:effectLst/>
+                <a:uLnTx/>
+                <a:uFillTx/>
+                <a:latin typeface="Arial"/>
+                <a:ea typeface="+mn-ea"/>
+                <a:cs typeface="+mn-cs"/>
+              </a:rPr>
+              <a:t>Develop</a:t>
+            </a:r>
+          </a:p>
+        </p:txBody>
+      </p:sp>
+      <p:sp>
+        <p:nvSpPr>
+          <p:cNvPr id="9" name="Rectangle 8">
+            <a:extLst>
+              <a:ext uri="{FF2B5EF4-FFF2-40B4-BE49-F238E27FC236}">
+                <a16:creationId xmlns:a16="http://schemas.microsoft.com/office/drawing/2014/main" id="{5F3B56E6-0099-FF40-ACE5-C8440A1443F4}"/>
+              </a:ext>
+            </a:extLst>
+          </p:cNvPr>
+          <p:cNvSpPr/>
+          <p:nvPr/>
+        </p:nvSpPr>
+        <p:spPr>
+          <a:xfrm>
+            <a:off x="3657603" y="1284598"/>
+            <a:ext cx="775253" cy="347870"/>
+          </a:xfrm>
+          <a:prstGeom prst="rect">
+            <a:avLst/>
+          </a:prstGeom>
+          <a:solidFill>
+            <a:srgbClr val="FF0000">
+              <a:alpha val="35000"/>
+            </a:srgbClr>
+          </a:solidFill>
+          <a:ln w="12700">
+            <a:solidFill>
+              <a:srgbClr val="FF0000">
+                <a:alpha val="80000"/>
+              </a:srgbClr>
+            </a:solidFill>
+          </a:ln>
+        </p:spPr>
+        <p:style>
+          <a:lnRef idx="2">
+            <a:schemeClr val="accent1">
+              <a:shade val="50000"/>
+            </a:schemeClr>
+          </a:lnRef>
+          <a:fillRef idx="1">
+            <a:schemeClr val="accent1"/>
+          </a:fillRef>
+          <a:effectRef idx="0">
+            <a:schemeClr val="accent1"/>
+          </a:effectRef>
+          <a:fontRef idx="minor">
+            <a:schemeClr val="lt1"/>
+          </a:fontRef>
+        </p:style>
+        <p:txBody>
+          <a:bodyPr rtlCol="0" anchor="ctr"/>
+          <a:lstStyle/>
+          <a:p>
+            <a:pPr marL="0" marR="0" indent="0" algn="ctr" defTabSz="685800" rtl="0" eaLnBrk="1" fontAlgn="auto" latinLnBrk="0" hangingPunct="1">
+              <a:lnSpc>
+                <a:spcPct val="100000"/>
+              </a:lnSpc>
+              <a:spcBef>
+                <a:spcPts val="0"/>
+              </a:spcBef>
+              <a:spcAft>
+                <a:spcPts val="0"/>
+              </a:spcAft>
+              <a:buClrTx/>
+              <a:buSzTx/>
+              <a:buFontTx/>
+              <a:buNone/>
+              <a:tabLst/>
+            </a:pPr>
+            <a:r>
+              <a:rPr kumimoji="0" lang="en-US" sz="1000" b="0" i="0" u="none" strike="noStrike" kern="1200" cap="none" spc="0" normalizeH="0" baseline="0" noProof="0" dirty="0">
+                <a:ln>
+                  <a:noFill/>
+                </a:ln>
+                <a:solidFill>
+                  <a:schemeClr val="tx1"/>
+                </a:solidFill>
+                <a:effectLst/>
+                <a:uLnTx/>
+                <a:uFillTx/>
+                <a:latin typeface="Arial"/>
+                <a:ea typeface="+mn-ea"/>
+                <a:cs typeface="+mn-cs"/>
+              </a:rPr>
+              <a:t>Develop</a:t>
+            </a:r>
+          </a:p>
+        </p:txBody>
+      </p:sp>
+      <p:sp>
+        <p:nvSpPr>
+          <p:cNvPr id="10" name="Rectangle 9">
+            <a:extLst>
+              <a:ext uri="{FF2B5EF4-FFF2-40B4-BE49-F238E27FC236}">
+                <a16:creationId xmlns:a16="http://schemas.microsoft.com/office/drawing/2014/main" id="{F92011BB-BDCC-A448-9BEA-66890C613A3C}"/>
+              </a:ext>
+            </a:extLst>
+          </p:cNvPr>
+          <p:cNvSpPr/>
+          <p:nvPr/>
+        </p:nvSpPr>
+        <p:spPr>
+          <a:xfrm>
+            <a:off x="4492491" y="1284598"/>
+            <a:ext cx="1142997" cy="347870"/>
+          </a:xfrm>
+          <a:prstGeom prst="rect">
+            <a:avLst/>
+          </a:prstGeom>
+          <a:solidFill>
+            <a:srgbClr val="FF0000">
+              <a:alpha val="35000"/>
+            </a:srgbClr>
+          </a:solidFill>
+          <a:ln w="12700">
+            <a:solidFill>
+              <a:srgbClr val="FF0000">
+                <a:alpha val="80000"/>
+              </a:srgbClr>
+            </a:solidFill>
+          </a:ln>
+        </p:spPr>
+        <p:style>
+          <a:lnRef idx="2">
+            <a:schemeClr val="accent1">
+              <a:shade val="50000"/>
+            </a:schemeClr>
+          </a:lnRef>
+          <a:fillRef idx="1">
+            <a:schemeClr val="accent1"/>
+          </a:fillRef>
+          <a:effectRef idx="0">
+            <a:schemeClr val="accent1"/>
+          </a:effectRef>
+          <a:fontRef idx="minor">
+            <a:schemeClr val="lt1"/>
+          </a:fontRef>
+        </p:style>
+        <p:txBody>
+          <a:bodyPr rtlCol="0" anchor="ctr"/>
+          <a:lstStyle/>
+          <a:p>
+            <a:pPr marL="0" marR="0" indent="0" algn="ctr" defTabSz="685800" rtl="0" eaLnBrk="1" fontAlgn="auto" latinLnBrk="0" hangingPunct="1">
+              <a:lnSpc>
+                <a:spcPct val="100000"/>
+              </a:lnSpc>
+              <a:spcBef>
+                <a:spcPts val="0"/>
+              </a:spcBef>
+              <a:spcAft>
+                <a:spcPts val="0"/>
+              </a:spcAft>
+              <a:buClrTx/>
+              <a:buSzTx/>
+              <a:buFontTx/>
+              <a:buNone/>
+              <a:tabLst/>
+            </a:pPr>
+            <a:r>
+              <a:rPr kumimoji="0" lang="en-US" sz="1000" b="0" i="0" u="none" strike="noStrike" kern="1200" cap="none" spc="0" normalizeH="0" baseline="0" noProof="0" dirty="0">
+                <a:ln>
+                  <a:noFill/>
+                </a:ln>
+                <a:solidFill>
+                  <a:schemeClr val="tx1"/>
+                </a:solidFill>
+                <a:effectLst/>
+                <a:uLnTx/>
+                <a:uFillTx/>
+                <a:latin typeface="Arial"/>
+                <a:ea typeface="+mn-ea"/>
+                <a:cs typeface="+mn-cs"/>
+              </a:rPr>
+              <a:t>Develop + Learn</a:t>
+            </a:r>
+          </a:p>
+        </p:txBody>
+      </p:sp>
+      <p:sp>
+        <p:nvSpPr>
+          <p:cNvPr id="11" name="Rectangle 10">
+            <a:extLst>
+              <a:ext uri="{FF2B5EF4-FFF2-40B4-BE49-F238E27FC236}">
+                <a16:creationId xmlns:a16="http://schemas.microsoft.com/office/drawing/2014/main" id="{FFEE111B-C4D2-794D-A41E-BCF97A1CBAD8}"/>
+              </a:ext>
+            </a:extLst>
+          </p:cNvPr>
+          <p:cNvSpPr/>
+          <p:nvPr/>
+        </p:nvSpPr>
+        <p:spPr>
+          <a:xfrm>
+            <a:off x="3965714" y="1662285"/>
+            <a:ext cx="4303642" cy="347870"/>
+          </a:xfrm>
+          <a:prstGeom prst="rect">
+            <a:avLst/>
+          </a:prstGeom>
+          <a:solidFill>
+            <a:srgbClr val="FF0000">
+              <a:alpha val="35000"/>
+            </a:srgbClr>
+          </a:solidFill>
+          <a:ln w="12700">
+            <a:solidFill>
+              <a:srgbClr val="FF0000">
+                <a:alpha val="80000"/>
+              </a:srgbClr>
+            </a:solidFill>
+          </a:ln>
+        </p:spPr>
+        <p:style>
+          <a:lnRef idx="2">
+            <a:schemeClr val="accent1">
+              <a:shade val="50000"/>
+            </a:schemeClr>
+          </a:lnRef>
+          <a:fillRef idx="1">
+            <a:schemeClr val="accent1"/>
+          </a:fillRef>
+          <a:effectRef idx="0">
+            <a:schemeClr val="accent1"/>
+          </a:effectRef>
+          <a:fontRef idx="minor">
+            <a:schemeClr val="lt1"/>
+          </a:fontRef>
+        </p:style>
+        <p:txBody>
+          <a:bodyPr rtlCol="0" anchor="ctr"/>
+          <a:lstStyle/>
+          <a:p>
+            <a:pPr marL="0" marR="0" indent="0" algn="ctr" defTabSz="685800" rtl="0" eaLnBrk="1" fontAlgn="auto" latinLnBrk="0" hangingPunct="1">
+              <a:lnSpc>
+                <a:spcPct val="100000"/>
+              </a:lnSpc>
+              <a:spcBef>
+                <a:spcPts val="0"/>
+              </a:spcBef>
+              <a:spcAft>
+                <a:spcPts val="0"/>
+              </a:spcAft>
+              <a:buClrTx/>
+              <a:buSzTx/>
+              <a:buFontTx/>
+              <a:buNone/>
+              <a:tabLst/>
+            </a:pPr>
+            <a:r>
+              <a:rPr kumimoji="0" lang="en-US" sz="1000" b="0" i="0" u="none" strike="noStrike" kern="1200" cap="none" spc="0" normalizeH="0" baseline="0" noProof="0" dirty="0">
+                <a:ln>
+                  <a:noFill/>
+                </a:ln>
+                <a:solidFill>
+                  <a:schemeClr val="tx1"/>
+                </a:solidFill>
+                <a:effectLst/>
+                <a:uLnTx/>
+                <a:uFillTx/>
+                <a:latin typeface="Arial"/>
+                <a:ea typeface="+mn-ea"/>
+                <a:cs typeface="+mn-cs"/>
+              </a:rPr>
+              <a:t>Operate</a:t>
+            </a:r>
+          </a:p>
+        </p:txBody>
+      </p:sp>
+      <p:sp>
+        <p:nvSpPr>
+          <p:cNvPr id="14" name="Rectangle 13">
+            <a:extLst>
+              <a:ext uri="{FF2B5EF4-FFF2-40B4-BE49-F238E27FC236}">
+                <a16:creationId xmlns:a16="http://schemas.microsoft.com/office/drawing/2014/main" id="{630D24C0-6D6E-C84C-80F1-8EA455A5B416}"/>
+              </a:ext>
+            </a:extLst>
+          </p:cNvPr>
+          <p:cNvSpPr/>
+          <p:nvPr/>
+        </p:nvSpPr>
+        <p:spPr>
+          <a:xfrm>
+            <a:off x="5680214" y="1287910"/>
+            <a:ext cx="1142997" cy="347870"/>
+          </a:xfrm>
+          <a:prstGeom prst="rect">
+            <a:avLst/>
+          </a:prstGeom>
+          <a:solidFill>
+            <a:srgbClr val="FF0000">
+              <a:alpha val="35000"/>
+            </a:srgbClr>
+          </a:solidFill>
+          <a:ln w="12700">
+            <a:solidFill>
+              <a:srgbClr val="FF0000">
+                <a:alpha val="80000"/>
+              </a:srgbClr>
+            </a:solidFill>
+          </a:ln>
+        </p:spPr>
+        <p:style>
+          <a:lnRef idx="2">
+            <a:schemeClr val="accent1">
+              <a:shade val="50000"/>
+            </a:schemeClr>
+          </a:lnRef>
+          <a:fillRef idx="1">
+            <a:schemeClr val="accent1"/>
+          </a:fillRef>
+          <a:effectRef idx="0">
+            <a:schemeClr val="accent1"/>
+          </a:effectRef>
+          <a:fontRef idx="minor">
+            <a:schemeClr val="lt1"/>
+          </a:fontRef>
+        </p:style>
+        <p:txBody>
+          <a:bodyPr rtlCol="0" anchor="ctr"/>
+          <a:lstStyle/>
+          <a:p>
+            <a:pPr marL="0" marR="0" indent="0" algn="ctr" defTabSz="685800" rtl="0" eaLnBrk="1" fontAlgn="auto" latinLnBrk="0" hangingPunct="1">
+              <a:lnSpc>
+                <a:spcPct val="100000"/>
+              </a:lnSpc>
+              <a:spcBef>
+                <a:spcPts val="0"/>
+              </a:spcBef>
+              <a:spcAft>
+                <a:spcPts val="0"/>
+              </a:spcAft>
+              <a:buClrTx/>
+              <a:buSzTx/>
+              <a:buFontTx/>
+              <a:buNone/>
+              <a:tabLst/>
+            </a:pPr>
+            <a:r>
+              <a:rPr kumimoji="0" lang="en-US" sz="1000" b="0" i="0" u="none" strike="noStrike" kern="1200" cap="none" spc="0" normalizeH="0" baseline="0" noProof="0" dirty="0">
+                <a:ln>
+                  <a:noFill/>
+                </a:ln>
+                <a:solidFill>
+                  <a:schemeClr val="tx1"/>
+                </a:solidFill>
+                <a:effectLst/>
+                <a:uLnTx/>
+                <a:uFillTx/>
+                <a:latin typeface="Arial"/>
+                <a:ea typeface="+mn-ea"/>
+                <a:cs typeface="+mn-cs"/>
+              </a:rPr>
+              <a:t>Develop + Learn</a:t>
+            </a:r>
+          </a:p>
+        </p:txBody>
+      </p:sp>
+      <p:sp>
+        <p:nvSpPr>
+          <p:cNvPr id="15" name="Rectangle 14">
+            <a:extLst>
+              <a:ext uri="{FF2B5EF4-FFF2-40B4-BE49-F238E27FC236}">
+                <a16:creationId xmlns:a16="http://schemas.microsoft.com/office/drawing/2014/main" id="{39CDDEE0-F552-6744-9365-EC47D46350C9}"/>
+              </a:ext>
+            </a:extLst>
+          </p:cNvPr>
+          <p:cNvSpPr/>
+          <p:nvPr/>
+        </p:nvSpPr>
+        <p:spPr>
+          <a:xfrm>
+            <a:off x="2047463" y="2818500"/>
+            <a:ext cx="715618" cy="347870"/>
+          </a:xfrm>
+          <a:prstGeom prst="rect">
+            <a:avLst/>
+          </a:prstGeom>
+          <a:gradFill>
+            <a:gsLst>
+              <a:gs pos="0">
+                <a:srgbClr val="348CE7"/>
+              </a:gs>
+              <a:gs pos="43000">
+                <a:schemeClr val="accent1">
+                  <a:lumMod val="45000"/>
+                  <a:lumOff val="55000"/>
+                </a:schemeClr>
+              </a:gs>
+              <a:gs pos="56000">
+                <a:schemeClr val="accent1">
+                  <a:lumMod val="45000"/>
+                  <a:lumOff val="55000"/>
+                </a:schemeClr>
+              </a:gs>
+              <a:gs pos="100000">
+                <a:srgbClr val="92D050"/>
+              </a:gs>
+            </a:gsLst>
+            <a:lin ang="5400000" scaled="1"/>
+          </a:gradFill>
+          <a:ln w="12700">
+            <a:solidFill>
+              <a:srgbClr val="348CE7"/>
+            </a:solidFill>
+          </a:ln>
+        </p:spPr>
+        <p:style>
+          <a:lnRef idx="2">
+            <a:schemeClr val="accent1">
+              <a:shade val="50000"/>
+            </a:schemeClr>
+          </a:lnRef>
+          <a:fillRef idx="1">
+            <a:schemeClr val="accent1"/>
+          </a:fillRef>
+          <a:effectRef idx="0">
+            <a:schemeClr val="accent1"/>
+          </a:effectRef>
+          <a:fontRef idx="minor">
+            <a:schemeClr val="lt1"/>
+          </a:fontRef>
+        </p:style>
+        <p:txBody>
+          <a:bodyPr rtlCol="0" anchor="ctr"/>
+          <a:lstStyle/>
+          <a:p>
+            <a:pPr marL="0" marR="0" indent="0" algn="ctr" defTabSz="685800" rtl="0" eaLnBrk="1" fontAlgn="auto" latinLnBrk="0" hangingPunct="1">
+              <a:lnSpc>
+                <a:spcPct val="100000"/>
+              </a:lnSpc>
+              <a:spcBef>
+                <a:spcPts val="0"/>
+              </a:spcBef>
+              <a:spcAft>
+                <a:spcPts val="0"/>
+              </a:spcAft>
+              <a:buClrTx/>
+              <a:buSzTx/>
+              <a:buFontTx/>
+              <a:buNone/>
+              <a:tabLst/>
+            </a:pPr>
+            <a:r>
+              <a:rPr kumimoji="0" lang="en-US" sz="1000" b="0" i="0" u="none" strike="noStrike" kern="1200" cap="none" spc="0" normalizeH="0" baseline="0" noProof="0" dirty="0">
+                <a:ln>
+                  <a:noFill/>
+                </a:ln>
+                <a:solidFill>
+                  <a:schemeClr val="tx1"/>
+                </a:solidFill>
+                <a:effectLst/>
+                <a:uLnTx/>
+                <a:uFillTx/>
+                <a:latin typeface="Arial"/>
+                <a:ea typeface="+mn-ea"/>
+                <a:cs typeface="+mn-cs"/>
+              </a:rPr>
+              <a:t>Collect</a:t>
+            </a:r>
+          </a:p>
+        </p:txBody>
+      </p:sp>
+      <p:sp>
+        <p:nvSpPr>
+          <p:cNvPr id="16" name="Rectangle 15">
+            <a:extLst>
+              <a:ext uri="{FF2B5EF4-FFF2-40B4-BE49-F238E27FC236}">
+                <a16:creationId xmlns:a16="http://schemas.microsoft.com/office/drawing/2014/main" id="{DD4391B5-A375-6140-BA25-F96D67CCE927}"/>
+              </a:ext>
+            </a:extLst>
+          </p:cNvPr>
+          <p:cNvSpPr/>
+          <p:nvPr/>
+        </p:nvSpPr>
+        <p:spPr>
+          <a:xfrm>
+            <a:off x="377686" y="3543300"/>
+            <a:ext cx="717826" cy="347870"/>
+          </a:xfrm>
+          <a:prstGeom prst="rect">
+            <a:avLst/>
+          </a:prstGeom>
+          <a:solidFill>
+            <a:srgbClr val="92D050">
+              <a:alpha val="41000"/>
+            </a:srgbClr>
+          </a:solidFill>
+          <a:ln w="12700">
+            <a:solidFill>
+              <a:srgbClr val="92D050"/>
+            </a:solidFill>
+          </a:ln>
+        </p:spPr>
+        <p:style>
+          <a:lnRef idx="2">
+            <a:schemeClr val="accent1">
+              <a:shade val="50000"/>
+            </a:schemeClr>
+          </a:lnRef>
+          <a:fillRef idx="1">
+            <a:schemeClr val="accent1"/>
+          </a:fillRef>
+          <a:effectRef idx="0">
+            <a:schemeClr val="accent1"/>
+          </a:effectRef>
+          <a:fontRef idx="minor">
+            <a:schemeClr val="lt1"/>
+          </a:fontRef>
+        </p:style>
+        <p:txBody>
+          <a:bodyPr rtlCol="0" anchor="ctr"/>
+          <a:lstStyle/>
+          <a:p>
+            <a:pPr marL="0" marR="0" indent="0" algn="ctr" defTabSz="685800" rtl="0" eaLnBrk="1" fontAlgn="auto" latinLnBrk="0" hangingPunct="1">
+              <a:lnSpc>
+                <a:spcPct val="100000"/>
+              </a:lnSpc>
+              <a:spcBef>
+                <a:spcPts val="0"/>
+              </a:spcBef>
+              <a:spcAft>
+                <a:spcPts val="0"/>
+              </a:spcAft>
+              <a:buClrTx/>
+              <a:buSzTx/>
+              <a:buFontTx/>
+              <a:buNone/>
+              <a:tabLst/>
+            </a:pPr>
+            <a:r>
+              <a:rPr kumimoji="0" lang="en-US" sz="1000" b="0" i="0" u="none" strike="noStrike" kern="1200" cap="none" spc="0" normalizeH="0" baseline="0" noProof="0" dirty="0">
+                <a:ln>
+                  <a:noFill/>
+                </a:ln>
+                <a:solidFill>
+                  <a:schemeClr val="tx1"/>
+                </a:solidFill>
+                <a:effectLst/>
+                <a:uLnTx/>
+                <a:uFillTx/>
+                <a:latin typeface="Arial"/>
+                <a:ea typeface="+mn-ea"/>
+                <a:cs typeface="+mn-cs"/>
+              </a:rPr>
+              <a:t>Strategy</a:t>
+            </a:r>
+          </a:p>
+        </p:txBody>
+      </p:sp>
+      <p:sp>
+        <p:nvSpPr>
+          <p:cNvPr id="20" name="Rectangle 19">
+            <a:extLst>
+              <a:ext uri="{FF2B5EF4-FFF2-40B4-BE49-F238E27FC236}">
+                <a16:creationId xmlns:a16="http://schemas.microsoft.com/office/drawing/2014/main" id="{9404163B-E13B-734E-BDA9-8EBD10678265}"/>
+              </a:ext>
+            </a:extLst>
+          </p:cNvPr>
+          <p:cNvSpPr/>
+          <p:nvPr/>
+        </p:nvSpPr>
+        <p:spPr>
+          <a:xfrm rot="16200000">
+            <a:off x="52437" y="1181014"/>
+            <a:ext cx="1191628" cy="660400"/>
+          </a:xfrm>
+          <a:prstGeom prst="rect">
+            <a:avLst/>
+          </a:prstGeom>
+          <a:noFill/>
+        </p:spPr>
+        <p:txBody>
+          <a:bodyPr wrap="none" lIns="91440" tIns="45720" rIns="91440" bIns="45720">
+            <a:prstTxWarp prst="textArchUp">
+              <a:avLst/>
+            </a:prstTxWarp>
+            <a:spAutoFit/>
+          </a:bodyPr>
+          <a:lstStyle/>
+          <a:p>
+            <a:pPr algn="ctr"/>
+            <a:r>
+              <a:rPr lang="en-US" sz="1200" u="sng" dirty="0"/>
+              <a:t>App / Microservice</a:t>
+            </a:r>
+          </a:p>
+          <a:p>
+            <a:pPr algn="ctr"/>
+            <a:endParaRPr lang="en-US" sz="1200" b="0" cap="none" spc="0" dirty="0">
+              <a:ln w="0"/>
+              <a:solidFill>
+                <a:schemeClr val="tx1"/>
+              </a:solidFill>
+              <a:effectLst>
+                <a:outerShdw blurRad="38100" dist="19050" dir="2700000" algn="tl" rotWithShape="0">
+                  <a:schemeClr val="dk1">
+                    <a:alpha val="40000"/>
+                  </a:schemeClr>
+                </a:outerShdw>
+              </a:effectLst>
+            </a:endParaRPr>
+          </a:p>
+        </p:txBody>
+      </p:sp>
+      <p:sp>
+        <p:nvSpPr>
+          <p:cNvPr id="21" name="Rectangle 20">
+            <a:extLst>
+              <a:ext uri="{FF2B5EF4-FFF2-40B4-BE49-F238E27FC236}">
+                <a16:creationId xmlns:a16="http://schemas.microsoft.com/office/drawing/2014/main" id="{3EFD9D69-1E19-8B48-A1D4-0CE9E7C57EA1}"/>
+              </a:ext>
+            </a:extLst>
+          </p:cNvPr>
+          <p:cNvSpPr/>
+          <p:nvPr/>
+        </p:nvSpPr>
+        <p:spPr>
+          <a:xfrm rot="16200000">
+            <a:off x="169498" y="2430125"/>
+            <a:ext cx="1191628" cy="660400"/>
+          </a:xfrm>
+          <a:prstGeom prst="rect">
+            <a:avLst/>
+          </a:prstGeom>
+          <a:noFill/>
+        </p:spPr>
+        <p:txBody>
+          <a:bodyPr wrap="none" lIns="91440" tIns="45720" rIns="91440" bIns="45720">
+            <a:prstTxWarp prst="textArchUp">
+              <a:avLst/>
+            </a:prstTxWarp>
+            <a:spAutoFit/>
+          </a:bodyPr>
+          <a:lstStyle/>
+          <a:p>
+            <a:pPr algn="ctr"/>
+            <a:r>
+              <a:rPr lang="en-US" sz="1200" u="sng" dirty="0"/>
+              <a:t>AI-Analytics</a:t>
+            </a:r>
+          </a:p>
+          <a:p>
+            <a:pPr algn="ctr"/>
+            <a:endParaRPr lang="en-US" sz="1200" b="0" cap="none" spc="0" dirty="0">
+              <a:ln w="0"/>
+              <a:solidFill>
+                <a:schemeClr val="tx1"/>
+              </a:solidFill>
+              <a:effectLst>
+                <a:outerShdw blurRad="38100" dist="19050" dir="2700000" algn="tl" rotWithShape="0">
+                  <a:schemeClr val="dk1">
+                    <a:alpha val="40000"/>
+                  </a:schemeClr>
+                </a:outerShdw>
+              </a:effectLst>
+            </a:endParaRPr>
+          </a:p>
+        </p:txBody>
+      </p:sp>
+      <p:sp>
+        <p:nvSpPr>
+          <p:cNvPr id="22" name="Rectangle 21">
+            <a:extLst>
+              <a:ext uri="{FF2B5EF4-FFF2-40B4-BE49-F238E27FC236}">
+                <a16:creationId xmlns:a16="http://schemas.microsoft.com/office/drawing/2014/main" id="{04F052B5-7574-C843-B3CE-000EC40A87B6}"/>
+              </a:ext>
+            </a:extLst>
+          </p:cNvPr>
+          <p:cNvSpPr/>
+          <p:nvPr/>
+        </p:nvSpPr>
+        <p:spPr>
+          <a:xfrm rot="16200000">
+            <a:off x="112072" y="3679236"/>
+            <a:ext cx="1191628" cy="660400"/>
+          </a:xfrm>
+          <a:prstGeom prst="rect">
+            <a:avLst/>
+          </a:prstGeom>
+          <a:noFill/>
+        </p:spPr>
+        <p:txBody>
+          <a:bodyPr wrap="none" lIns="91440" tIns="45720" rIns="91440" bIns="45720">
+            <a:prstTxWarp prst="textArchUp">
+              <a:avLst/>
+            </a:prstTxWarp>
+            <a:spAutoFit/>
+          </a:bodyPr>
+          <a:lstStyle/>
+          <a:p>
+            <a:pPr algn="ctr"/>
+            <a:r>
+              <a:rPr lang="en-US" sz="1200" u="sng" dirty="0"/>
+              <a:t>Data</a:t>
+            </a:r>
+          </a:p>
+          <a:p>
+            <a:pPr algn="ctr"/>
+            <a:endParaRPr lang="en-US" sz="1200" b="0" u="sng" cap="none" spc="0" dirty="0">
+              <a:ln w="0"/>
+              <a:solidFill>
+                <a:schemeClr val="tx1"/>
+              </a:solidFill>
+              <a:effectLst>
+                <a:outerShdw blurRad="38100" dist="19050" dir="2700000" algn="tl" rotWithShape="0">
+                  <a:schemeClr val="dk1">
+                    <a:alpha val="40000"/>
+                  </a:schemeClr>
+                </a:outerShdw>
+              </a:effectLst>
+            </a:endParaRPr>
+          </a:p>
+        </p:txBody>
+      </p:sp>
+      <p:sp>
+        <p:nvSpPr>
+          <p:cNvPr id="23" name="Rectangle 22">
+            <a:extLst>
+              <a:ext uri="{FF2B5EF4-FFF2-40B4-BE49-F238E27FC236}">
+                <a16:creationId xmlns:a16="http://schemas.microsoft.com/office/drawing/2014/main" id="{ADED33C1-D2E5-CE41-905E-01C228D869DE}"/>
+              </a:ext>
+            </a:extLst>
+          </p:cNvPr>
+          <p:cNvSpPr/>
+          <p:nvPr/>
+        </p:nvSpPr>
+        <p:spPr>
+          <a:xfrm>
+            <a:off x="1133061" y="3543300"/>
+            <a:ext cx="914400" cy="347870"/>
+          </a:xfrm>
+          <a:prstGeom prst="rect">
+            <a:avLst/>
+          </a:prstGeom>
+          <a:solidFill>
+            <a:srgbClr val="92D050">
+              <a:alpha val="41000"/>
+            </a:srgbClr>
+          </a:solidFill>
+          <a:ln w="12700">
+            <a:solidFill>
+              <a:srgbClr val="92D050"/>
+            </a:solidFill>
+          </a:ln>
+        </p:spPr>
+        <p:style>
+          <a:lnRef idx="2">
+            <a:schemeClr val="accent1">
+              <a:shade val="50000"/>
+            </a:schemeClr>
+          </a:lnRef>
+          <a:fillRef idx="1">
+            <a:schemeClr val="accent1"/>
+          </a:fillRef>
+          <a:effectRef idx="0">
+            <a:schemeClr val="accent1"/>
+          </a:effectRef>
+          <a:fontRef idx="minor">
+            <a:schemeClr val="lt1"/>
+          </a:fontRef>
+        </p:style>
+        <p:txBody>
+          <a:bodyPr rtlCol="0" anchor="ctr"/>
+          <a:lstStyle/>
+          <a:p>
+            <a:pPr marL="0" marR="0" indent="0" algn="ctr" defTabSz="685800" rtl="0" eaLnBrk="1" fontAlgn="auto" latinLnBrk="0" hangingPunct="1">
+              <a:lnSpc>
+                <a:spcPct val="100000"/>
+              </a:lnSpc>
+              <a:spcBef>
+                <a:spcPts val="0"/>
+              </a:spcBef>
+              <a:spcAft>
+                <a:spcPts val="0"/>
+              </a:spcAft>
+              <a:buClrTx/>
+              <a:buSzTx/>
+              <a:buFontTx/>
+              <a:buNone/>
+              <a:tabLst/>
+            </a:pPr>
+            <a:r>
+              <a:rPr kumimoji="0" lang="en-US" sz="1000" b="0" i="0" u="none" strike="noStrike" kern="1200" cap="none" spc="0" normalizeH="0" baseline="0" noProof="0" dirty="0">
+                <a:ln>
+                  <a:noFill/>
+                </a:ln>
+                <a:solidFill>
+                  <a:schemeClr val="tx1"/>
+                </a:solidFill>
+                <a:effectLst/>
+                <a:uLnTx/>
+                <a:uFillTx/>
+                <a:latin typeface="Arial"/>
+                <a:ea typeface="+mn-ea"/>
+                <a:cs typeface="+mn-cs"/>
+              </a:rPr>
+              <a:t>Architecture</a:t>
+            </a:r>
+          </a:p>
+        </p:txBody>
+      </p:sp>
+      <p:sp>
+        <p:nvSpPr>
+          <p:cNvPr id="25" name="Rectangle 24">
+            <a:extLst>
+              <a:ext uri="{FF2B5EF4-FFF2-40B4-BE49-F238E27FC236}">
+                <a16:creationId xmlns:a16="http://schemas.microsoft.com/office/drawing/2014/main" id="{DDC52166-F7D0-F646-833F-11931D4D3EEB}"/>
+              </a:ext>
+            </a:extLst>
+          </p:cNvPr>
+          <p:cNvSpPr/>
+          <p:nvPr/>
+        </p:nvSpPr>
+        <p:spPr>
+          <a:xfrm>
+            <a:off x="2090533" y="3553239"/>
+            <a:ext cx="914400" cy="347870"/>
+          </a:xfrm>
+          <a:prstGeom prst="rect">
+            <a:avLst/>
+          </a:prstGeom>
+          <a:solidFill>
+            <a:srgbClr val="92D050">
+              <a:alpha val="41000"/>
+            </a:srgbClr>
+          </a:solidFill>
+          <a:ln w="12700">
+            <a:solidFill>
+              <a:srgbClr val="92D050"/>
+            </a:solidFill>
+          </a:ln>
+        </p:spPr>
+        <p:style>
+          <a:lnRef idx="2">
+            <a:schemeClr val="accent1">
+              <a:shade val="50000"/>
+            </a:schemeClr>
+          </a:lnRef>
+          <a:fillRef idx="1">
+            <a:schemeClr val="accent1"/>
+          </a:fillRef>
+          <a:effectRef idx="0">
+            <a:schemeClr val="accent1"/>
+          </a:effectRef>
+          <a:fontRef idx="minor">
+            <a:schemeClr val="lt1"/>
+          </a:fontRef>
+        </p:style>
+        <p:txBody>
+          <a:bodyPr rtlCol="0" anchor="ctr"/>
+          <a:lstStyle/>
+          <a:p>
+            <a:pPr marL="0" marR="0" indent="0" algn="ctr" defTabSz="685800" rtl="0" eaLnBrk="1" fontAlgn="auto" latinLnBrk="0" hangingPunct="1">
+              <a:lnSpc>
+                <a:spcPct val="100000"/>
+              </a:lnSpc>
+              <a:spcBef>
+                <a:spcPts val="0"/>
+              </a:spcBef>
+              <a:spcAft>
+                <a:spcPts val="0"/>
+              </a:spcAft>
+              <a:buClrTx/>
+              <a:buSzTx/>
+              <a:buFontTx/>
+              <a:buNone/>
+              <a:tabLst/>
+            </a:pPr>
+            <a:r>
+              <a:rPr kumimoji="0" lang="en-US" sz="1000" b="0" i="0" u="none" strike="noStrike" kern="1200" cap="none" spc="0" normalizeH="0" baseline="0" noProof="0" dirty="0">
+                <a:ln>
+                  <a:noFill/>
+                </a:ln>
+                <a:solidFill>
+                  <a:schemeClr val="tx1"/>
+                </a:solidFill>
+                <a:effectLst/>
+                <a:uLnTx/>
+                <a:uFillTx/>
+                <a:latin typeface="Arial"/>
+                <a:ea typeface="+mn-ea"/>
+                <a:cs typeface="+mn-cs"/>
+              </a:rPr>
+              <a:t>Topology</a:t>
+            </a:r>
+          </a:p>
+        </p:txBody>
+      </p:sp>
+      <p:sp>
+        <p:nvSpPr>
+          <p:cNvPr id="26" name="Rectangle 25">
+            <a:extLst>
+              <a:ext uri="{FF2B5EF4-FFF2-40B4-BE49-F238E27FC236}">
+                <a16:creationId xmlns:a16="http://schemas.microsoft.com/office/drawing/2014/main" id="{F00CF471-2AE9-0842-9F34-E52C24214573}"/>
+              </a:ext>
+            </a:extLst>
+          </p:cNvPr>
+          <p:cNvSpPr/>
+          <p:nvPr/>
+        </p:nvSpPr>
+        <p:spPr>
+          <a:xfrm>
+            <a:off x="4673042" y="2818500"/>
+            <a:ext cx="770838" cy="347870"/>
+          </a:xfrm>
+          <a:prstGeom prst="rect">
+            <a:avLst/>
+          </a:prstGeom>
+          <a:solidFill>
+            <a:srgbClr val="348CE7">
+              <a:alpha val="36000"/>
+            </a:srgbClr>
+          </a:solidFill>
+          <a:ln w="12700">
+            <a:solidFill>
+              <a:srgbClr val="348CE7"/>
+            </a:solidFill>
+          </a:ln>
+        </p:spPr>
+        <p:style>
+          <a:lnRef idx="2">
+            <a:schemeClr val="accent1">
+              <a:shade val="50000"/>
+            </a:schemeClr>
+          </a:lnRef>
+          <a:fillRef idx="1">
+            <a:schemeClr val="accent1"/>
+          </a:fillRef>
+          <a:effectRef idx="0">
+            <a:schemeClr val="accent1"/>
+          </a:effectRef>
+          <a:fontRef idx="minor">
+            <a:schemeClr val="lt1"/>
+          </a:fontRef>
+        </p:style>
+        <p:txBody>
+          <a:bodyPr rtlCol="0" anchor="ctr"/>
+          <a:lstStyle/>
+          <a:p>
+            <a:pPr marL="0" marR="0" indent="0" algn="ctr" defTabSz="685800" rtl="0" eaLnBrk="1" fontAlgn="auto" latinLnBrk="0" hangingPunct="1">
+              <a:lnSpc>
+                <a:spcPct val="100000"/>
+              </a:lnSpc>
+              <a:spcBef>
+                <a:spcPts val="0"/>
+              </a:spcBef>
+              <a:spcAft>
+                <a:spcPts val="0"/>
+              </a:spcAft>
+              <a:buClrTx/>
+              <a:buSzTx/>
+              <a:buFontTx/>
+              <a:buNone/>
+              <a:tabLst/>
+            </a:pPr>
+            <a:r>
+              <a:rPr lang="en-US" sz="1000" dirty="0">
+                <a:solidFill>
+                  <a:schemeClr val="tx1"/>
+                </a:solidFill>
+                <a:latin typeface="Arial"/>
+              </a:rPr>
+              <a:t>Develop models</a:t>
+            </a:r>
+            <a:endParaRPr kumimoji="0" lang="en-US" sz="1000" b="0" i="0" u="none" strike="noStrike" kern="1200" cap="none" spc="0" normalizeH="0" baseline="0" noProof="0" dirty="0">
+              <a:ln>
+                <a:noFill/>
+              </a:ln>
+              <a:solidFill>
+                <a:schemeClr val="tx1"/>
+              </a:solidFill>
+              <a:effectLst/>
+              <a:uLnTx/>
+              <a:uFillTx/>
+              <a:latin typeface="Arial"/>
+              <a:ea typeface="+mn-ea"/>
+              <a:cs typeface="+mn-cs"/>
+            </a:endParaRPr>
+          </a:p>
+        </p:txBody>
+      </p:sp>
+      <p:sp>
+        <p:nvSpPr>
+          <p:cNvPr id="27" name="Rectangle 26">
+            <a:extLst>
+              <a:ext uri="{FF2B5EF4-FFF2-40B4-BE49-F238E27FC236}">
+                <a16:creationId xmlns:a16="http://schemas.microsoft.com/office/drawing/2014/main" id="{90D90790-02F2-8749-8E26-147B2B704B9D}"/>
+              </a:ext>
+            </a:extLst>
+          </p:cNvPr>
+          <p:cNvSpPr/>
+          <p:nvPr/>
+        </p:nvSpPr>
+        <p:spPr>
+          <a:xfrm>
+            <a:off x="3580590" y="3960740"/>
+            <a:ext cx="914400" cy="347870"/>
+          </a:xfrm>
+          <a:prstGeom prst="rect">
+            <a:avLst/>
+          </a:prstGeom>
+          <a:solidFill>
+            <a:srgbClr val="92D050">
+              <a:alpha val="41000"/>
+            </a:srgbClr>
+          </a:solidFill>
+          <a:ln w="12700">
+            <a:solidFill>
+              <a:srgbClr val="92D050"/>
+            </a:solidFill>
+          </a:ln>
+        </p:spPr>
+        <p:style>
+          <a:lnRef idx="2">
+            <a:schemeClr val="accent1">
+              <a:shade val="50000"/>
+            </a:schemeClr>
+          </a:lnRef>
+          <a:fillRef idx="1">
+            <a:schemeClr val="accent1"/>
+          </a:fillRef>
+          <a:effectRef idx="0">
+            <a:schemeClr val="accent1"/>
+          </a:effectRef>
+          <a:fontRef idx="minor">
+            <a:schemeClr val="lt1"/>
+          </a:fontRef>
+        </p:style>
+        <p:txBody>
+          <a:bodyPr rtlCol="0" anchor="ctr"/>
+          <a:lstStyle/>
+          <a:p>
+            <a:pPr marL="0" marR="0" indent="0" algn="ctr" defTabSz="685800" rtl="0" eaLnBrk="1" fontAlgn="auto" latinLnBrk="0" hangingPunct="1">
+              <a:lnSpc>
+                <a:spcPct val="100000"/>
+              </a:lnSpc>
+              <a:spcBef>
+                <a:spcPts val="0"/>
+              </a:spcBef>
+              <a:spcAft>
+                <a:spcPts val="0"/>
+              </a:spcAft>
+              <a:buClrTx/>
+              <a:buSzTx/>
+              <a:buFontTx/>
+              <a:buNone/>
+              <a:tabLst/>
+            </a:pPr>
+            <a:r>
+              <a:rPr kumimoji="0" lang="en-US" sz="1000" b="0" i="0" u="none" strike="noStrike" kern="1200" cap="none" spc="0" normalizeH="0" baseline="0" noProof="0" dirty="0">
+                <a:ln>
+                  <a:noFill/>
+                </a:ln>
+                <a:solidFill>
+                  <a:schemeClr val="tx1"/>
+                </a:solidFill>
+                <a:effectLst/>
+                <a:uLnTx/>
+                <a:uFillTx/>
+                <a:latin typeface="Arial"/>
+                <a:ea typeface="+mn-ea"/>
+                <a:cs typeface="+mn-cs"/>
+              </a:rPr>
+              <a:t>Schema</a:t>
+            </a:r>
+          </a:p>
+        </p:txBody>
+      </p:sp>
+      <p:sp>
+        <p:nvSpPr>
+          <p:cNvPr id="28" name="Rectangle 27">
+            <a:extLst>
+              <a:ext uri="{FF2B5EF4-FFF2-40B4-BE49-F238E27FC236}">
+                <a16:creationId xmlns:a16="http://schemas.microsoft.com/office/drawing/2014/main" id="{A87422FA-8FC8-4A4E-9B88-F796B40954D7}"/>
+              </a:ext>
+            </a:extLst>
+          </p:cNvPr>
+          <p:cNvSpPr/>
+          <p:nvPr/>
+        </p:nvSpPr>
+        <p:spPr>
+          <a:xfrm>
+            <a:off x="1152940" y="832747"/>
+            <a:ext cx="2057400" cy="347870"/>
+          </a:xfrm>
+          <a:prstGeom prst="rect">
+            <a:avLst/>
+          </a:prstGeom>
+          <a:solidFill>
+            <a:srgbClr val="FF0000">
+              <a:alpha val="35000"/>
+            </a:srgbClr>
+          </a:solidFill>
+          <a:ln w="12700">
+            <a:solidFill>
+              <a:srgbClr val="FF0000">
+                <a:alpha val="80000"/>
+              </a:srgbClr>
+            </a:solidFill>
+          </a:ln>
+        </p:spPr>
+        <p:style>
+          <a:lnRef idx="2">
+            <a:schemeClr val="accent1">
+              <a:shade val="50000"/>
+            </a:schemeClr>
+          </a:lnRef>
+          <a:fillRef idx="1">
+            <a:schemeClr val="accent1"/>
+          </a:fillRef>
+          <a:effectRef idx="0">
+            <a:schemeClr val="accent1"/>
+          </a:effectRef>
+          <a:fontRef idx="minor">
+            <a:schemeClr val="lt1"/>
+          </a:fontRef>
+        </p:style>
+        <p:txBody>
+          <a:bodyPr rtlCol="0" anchor="ctr"/>
+          <a:lstStyle/>
+          <a:p>
+            <a:pPr marL="0" marR="0" indent="0" algn="ctr" defTabSz="685800" rtl="0" eaLnBrk="1" fontAlgn="auto" latinLnBrk="0" hangingPunct="1">
+              <a:lnSpc>
+                <a:spcPct val="100000"/>
+              </a:lnSpc>
+              <a:spcBef>
+                <a:spcPts val="0"/>
+              </a:spcBef>
+              <a:spcAft>
+                <a:spcPts val="0"/>
+              </a:spcAft>
+              <a:buClrTx/>
+              <a:buSzTx/>
+              <a:buFontTx/>
+              <a:buNone/>
+              <a:tabLst/>
+            </a:pPr>
+            <a:r>
+              <a:rPr kumimoji="0" lang="en-US" sz="1000" b="0" i="0" u="none" strike="noStrike" kern="1200" cap="none" spc="0" normalizeH="0" baseline="0" noProof="0" dirty="0">
+                <a:ln>
+                  <a:noFill/>
+                </a:ln>
+                <a:solidFill>
+                  <a:schemeClr val="tx1"/>
+                </a:solidFill>
+                <a:effectLst/>
+                <a:uLnTx/>
+                <a:uFillTx/>
+                <a:latin typeface="Arial"/>
+                <a:ea typeface="+mn-ea"/>
+                <a:cs typeface="+mn-cs"/>
+              </a:rPr>
+              <a:t>Infrastructure Architecture</a:t>
+            </a:r>
+          </a:p>
+        </p:txBody>
+      </p:sp>
+      <p:sp>
+        <p:nvSpPr>
+          <p:cNvPr id="30" name="Rectangle 29">
+            <a:extLst>
+              <a:ext uri="{FF2B5EF4-FFF2-40B4-BE49-F238E27FC236}">
+                <a16:creationId xmlns:a16="http://schemas.microsoft.com/office/drawing/2014/main" id="{BA8970BC-82C4-5042-A23A-609520EC2B7A}"/>
+              </a:ext>
+            </a:extLst>
+          </p:cNvPr>
+          <p:cNvSpPr/>
+          <p:nvPr/>
+        </p:nvSpPr>
+        <p:spPr>
+          <a:xfrm>
+            <a:off x="1133061" y="2415968"/>
+            <a:ext cx="2057400" cy="347870"/>
+          </a:xfrm>
+          <a:prstGeom prst="rect">
+            <a:avLst/>
+          </a:prstGeom>
+          <a:solidFill>
+            <a:srgbClr val="348CE7">
+              <a:alpha val="36000"/>
+            </a:srgbClr>
+          </a:solidFill>
+          <a:ln w="12700">
+            <a:solidFill>
+              <a:srgbClr val="348CE7"/>
+            </a:solidFill>
+          </a:ln>
+        </p:spPr>
+        <p:style>
+          <a:lnRef idx="2">
+            <a:schemeClr val="accent1">
+              <a:shade val="50000"/>
+            </a:schemeClr>
+          </a:lnRef>
+          <a:fillRef idx="1">
+            <a:schemeClr val="accent1"/>
+          </a:fillRef>
+          <a:effectRef idx="0">
+            <a:schemeClr val="accent1"/>
+          </a:effectRef>
+          <a:fontRef idx="minor">
+            <a:schemeClr val="lt1"/>
+          </a:fontRef>
+        </p:style>
+        <p:txBody>
+          <a:bodyPr rtlCol="0" anchor="ctr"/>
+          <a:lstStyle/>
+          <a:p>
+            <a:pPr marL="0" marR="0" indent="0" algn="ctr" defTabSz="685800" rtl="0" eaLnBrk="1" fontAlgn="auto" latinLnBrk="0" hangingPunct="1">
+              <a:lnSpc>
+                <a:spcPct val="100000"/>
+              </a:lnSpc>
+              <a:spcBef>
+                <a:spcPts val="0"/>
+              </a:spcBef>
+              <a:spcAft>
+                <a:spcPts val="0"/>
+              </a:spcAft>
+              <a:buClrTx/>
+              <a:buSzTx/>
+              <a:buFontTx/>
+              <a:buNone/>
+              <a:tabLst/>
+            </a:pPr>
+            <a:r>
+              <a:rPr kumimoji="0" lang="en-US" sz="1000" b="0" i="0" u="none" strike="noStrike" kern="1200" cap="none" spc="0" normalizeH="0" baseline="0" noProof="0" dirty="0">
+                <a:ln>
+                  <a:noFill/>
+                </a:ln>
+                <a:solidFill>
+                  <a:schemeClr val="tx1"/>
+                </a:solidFill>
+                <a:effectLst/>
+                <a:uLnTx/>
+                <a:uFillTx/>
+                <a:latin typeface="Arial"/>
+                <a:ea typeface="+mn-ea"/>
+                <a:cs typeface="+mn-cs"/>
+              </a:rPr>
+              <a:t>ML architecture</a:t>
+            </a:r>
+          </a:p>
+        </p:txBody>
+      </p:sp>
+      <p:sp>
+        <p:nvSpPr>
+          <p:cNvPr id="32" name="Rectangle 31">
+            <a:extLst>
+              <a:ext uri="{FF2B5EF4-FFF2-40B4-BE49-F238E27FC236}">
+                <a16:creationId xmlns:a16="http://schemas.microsoft.com/office/drawing/2014/main" id="{D16A936E-8CE8-5842-BF3A-8593E46056E6}"/>
+              </a:ext>
+            </a:extLst>
+          </p:cNvPr>
+          <p:cNvSpPr/>
+          <p:nvPr/>
+        </p:nvSpPr>
+        <p:spPr>
+          <a:xfrm>
+            <a:off x="2822715" y="2818500"/>
+            <a:ext cx="914400" cy="347870"/>
+          </a:xfrm>
+          <a:prstGeom prst="rect">
+            <a:avLst/>
+          </a:prstGeom>
+          <a:gradFill>
+            <a:gsLst>
+              <a:gs pos="0">
+                <a:srgbClr val="348CE7"/>
+              </a:gs>
+              <a:gs pos="43000">
+                <a:schemeClr val="accent1">
+                  <a:lumMod val="45000"/>
+                  <a:lumOff val="55000"/>
+                </a:schemeClr>
+              </a:gs>
+              <a:gs pos="56000">
+                <a:schemeClr val="accent1">
+                  <a:lumMod val="45000"/>
+                  <a:lumOff val="55000"/>
+                </a:schemeClr>
+              </a:gs>
+              <a:gs pos="100000">
+                <a:srgbClr val="92D050"/>
+              </a:gs>
+            </a:gsLst>
+            <a:lin ang="5400000" scaled="1"/>
+          </a:gradFill>
+          <a:ln w="12700">
+            <a:solidFill>
+              <a:srgbClr val="348CE7"/>
+            </a:solidFill>
+          </a:ln>
+        </p:spPr>
+        <p:style>
+          <a:lnRef idx="2">
+            <a:schemeClr val="accent1">
+              <a:shade val="50000"/>
+            </a:schemeClr>
+          </a:lnRef>
+          <a:fillRef idx="1">
+            <a:schemeClr val="accent1"/>
+          </a:fillRef>
+          <a:effectRef idx="0">
+            <a:schemeClr val="accent1"/>
+          </a:effectRef>
+          <a:fontRef idx="minor">
+            <a:schemeClr val="lt1"/>
+          </a:fontRef>
+        </p:style>
+        <p:txBody>
+          <a:bodyPr rtlCol="0" anchor="ctr"/>
+          <a:lstStyle/>
+          <a:p>
+            <a:pPr marL="0" marR="0" indent="0" algn="ctr" defTabSz="685800" rtl="0" eaLnBrk="1" fontAlgn="auto" latinLnBrk="0" hangingPunct="1">
+              <a:lnSpc>
+                <a:spcPct val="100000"/>
+              </a:lnSpc>
+              <a:spcBef>
+                <a:spcPts val="0"/>
+              </a:spcBef>
+              <a:spcAft>
+                <a:spcPts val="0"/>
+              </a:spcAft>
+              <a:buClrTx/>
+              <a:buSzTx/>
+              <a:buFontTx/>
+              <a:buNone/>
+              <a:tabLst/>
+            </a:pPr>
+            <a:r>
+              <a:rPr kumimoji="0" lang="en-US" sz="1000" b="0" i="0" u="none" strike="noStrike" kern="1200" cap="none" spc="0" normalizeH="0" baseline="0" noProof="0" dirty="0">
+                <a:ln>
+                  <a:noFill/>
+                </a:ln>
+                <a:solidFill>
+                  <a:schemeClr val="tx1"/>
+                </a:solidFill>
+                <a:effectLst/>
+                <a:uLnTx/>
+                <a:uFillTx/>
+                <a:latin typeface="Arial"/>
+                <a:ea typeface="+mn-ea"/>
+                <a:cs typeface="+mn-cs"/>
+              </a:rPr>
+              <a:t>Understand</a:t>
+            </a:r>
+          </a:p>
+        </p:txBody>
+      </p:sp>
+      <p:sp>
+        <p:nvSpPr>
+          <p:cNvPr id="33" name="Rectangle 32">
+            <a:extLst>
+              <a:ext uri="{FF2B5EF4-FFF2-40B4-BE49-F238E27FC236}">
+                <a16:creationId xmlns:a16="http://schemas.microsoft.com/office/drawing/2014/main" id="{B9DE4FBD-9814-E440-8B08-11C084AE727D}"/>
+              </a:ext>
+            </a:extLst>
+          </p:cNvPr>
+          <p:cNvSpPr/>
+          <p:nvPr/>
+        </p:nvSpPr>
+        <p:spPr>
+          <a:xfrm>
+            <a:off x="3801162" y="2818500"/>
+            <a:ext cx="770838" cy="347870"/>
+          </a:xfrm>
+          <a:prstGeom prst="rect">
+            <a:avLst/>
+          </a:prstGeom>
+          <a:gradFill>
+            <a:gsLst>
+              <a:gs pos="0">
+                <a:srgbClr val="348CE7"/>
+              </a:gs>
+              <a:gs pos="43000">
+                <a:schemeClr val="accent1">
+                  <a:lumMod val="45000"/>
+                  <a:lumOff val="55000"/>
+                </a:schemeClr>
+              </a:gs>
+              <a:gs pos="56000">
+                <a:schemeClr val="accent1">
+                  <a:lumMod val="45000"/>
+                  <a:lumOff val="55000"/>
+                </a:schemeClr>
+              </a:gs>
+              <a:gs pos="100000">
+                <a:srgbClr val="92D050"/>
+              </a:gs>
+            </a:gsLst>
+            <a:lin ang="5400000" scaled="1"/>
+          </a:gradFill>
+          <a:ln w="12700">
+            <a:solidFill>
+              <a:srgbClr val="348CE7"/>
+            </a:solidFill>
+          </a:ln>
+        </p:spPr>
+        <p:style>
+          <a:lnRef idx="2">
+            <a:schemeClr val="accent1">
+              <a:shade val="50000"/>
+            </a:schemeClr>
+          </a:lnRef>
+          <a:fillRef idx="1">
+            <a:schemeClr val="accent1"/>
+          </a:fillRef>
+          <a:effectRef idx="0">
+            <a:schemeClr val="accent1"/>
+          </a:effectRef>
+          <a:fontRef idx="minor">
+            <a:schemeClr val="lt1"/>
+          </a:fontRef>
+        </p:style>
+        <p:txBody>
+          <a:bodyPr rtlCol="0" anchor="ctr"/>
+          <a:lstStyle/>
+          <a:p>
+            <a:pPr marL="0" marR="0" indent="0" algn="ctr" defTabSz="685800" rtl="0" eaLnBrk="1" fontAlgn="auto" latinLnBrk="0" hangingPunct="1">
+              <a:lnSpc>
+                <a:spcPct val="100000"/>
+              </a:lnSpc>
+              <a:spcBef>
+                <a:spcPts val="0"/>
+              </a:spcBef>
+              <a:spcAft>
+                <a:spcPts val="0"/>
+              </a:spcAft>
+              <a:buClrTx/>
+              <a:buSzTx/>
+              <a:buFontTx/>
+              <a:buNone/>
+              <a:tabLst/>
+            </a:pPr>
+            <a:r>
+              <a:rPr kumimoji="0" lang="en-US" sz="1000" b="0" i="0" u="none" strike="noStrike" kern="1200" cap="none" spc="0" normalizeH="0" baseline="0" noProof="0" dirty="0">
+                <a:ln>
+                  <a:noFill/>
+                </a:ln>
+                <a:solidFill>
+                  <a:schemeClr val="tx1"/>
+                </a:solidFill>
+                <a:effectLst/>
+                <a:uLnTx/>
+                <a:uFillTx/>
+                <a:latin typeface="Arial"/>
+                <a:ea typeface="+mn-ea"/>
+                <a:cs typeface="+mn-cs"/>
+              </a:rPr>
+              <a:t>Prepare</a:t>
+            </a:r>
+          </a:p>
+        </p:txBody>
+      </p:sp>
+      <p:sp>
+        <p:nvSpPr>
+          <p:cNvPr id="34" name="Rectangle 33">
+            <a:extLst>
+              <a:ext uri="{FF2B5EF4-FFF2-40B4-BE49-F238E27FC236}">
+                <a16:creationId xmlns:a16="http://schemas.microsoft.com/office/drawing/2014/main" id="{AD7D6F53-41FD-944F-AB6D-2A5AC262208B}"/>
+              </a:ext>
+            </a:extLst>
+          </p:cNvPr>
+          <p:cNvSpPr/>
+          <p:nvPr/>
+        </p:nvSpPr>
+        <p:spPr>
+          <a:xfrm>
+            <a:off x="6251711" y="3205369"/>
+            <a:ext cx="2017645" cy="347870"/>
+          </a:xfrm>
+          <a:prstGeom prst="rect">
+            <a:avLst/>
+          </a:prstGeom>
+          <a:solidFill>
+            <a:srgbClr val="348CE7">
+              <a:alpha val="36000"/>
+            </a:srgbClr>
+          </a:solidFill>
+          <a:ln w="12700">
+            <a:solidFill>
+              <a:srgbClr val="348CE7"/>
+            </a:solidFill>
+          </a:ln>
+        </p:spPr>
+        <p:style>
+          <a:lnRef idx="2">
+            <a:schemeClr val="accent1">
+              <a:shade val="50000"/>
+            </a:schemeClr>
+          </a:lnRef>
+          <a:fillRef idx="1">
+            <a:schemeClr val="accent1"/>
+          </a:fillRef>
+          <a:effectRef idx="0">
+            <a:schemeClr val="accent1"/>
+          </a:effectRef>
+          <a:fontRef idx="minor">
+            <a:schemeClr val="lt1"/>
+          </a:fontRef>
+        </p:style>
+        <p:txBody>
+          <a:bodyPr rtlCol="0" anchor="ctr"/>
+          <a:lstStyle/>
+          <a:p>
+            <a:pPr marL="0" marR="0" indent="0" algn="ctr" defTabSz="685800" rtl="0" eaLnBrk="1" fontAlgn="auto" latinLnBrk="0" hangingPunct="1">
+              <a:lnSpc>
+                <a:spcPct val="100000"/>
+              </a:lnSpc>
+              <a:spcBef>
+                <a:spcPts val="0"/>
+              </a:spcBef>
+              <a:spcAft>
+                <a:spcPts val="0"/>
+              </a:spcAft>
+              <a:buClrTx/>
+              <a:buSzTx/>
+              <a:buFontTx/>
+              <a:buNone/>
+              <a:tabLst/>
+            </a:pPr>
+            <a:r>
+              <a:rPr lang="en-US" sz="1000" dirty="0">
+                <a:solidFill>
+                  <a:schemeClr val="tx1"/>
+                </a:solidFill>
+                <a:latin typeface="Arial"/>
+              </a:rPr>
+              <a:t>Feedback</a:t>
+            </a:r>
+            <a:endParaRPr kumimoji="0" lang="en-US" sz="1000" b="0" i="0" u="none" strike="noStrike" kern="1200" cap="none" spc="0" normalizeH="0" baseline="0" noProof="0" dirty="0">
+              <a:ln>
+                <a:noFill/>
+              </a:ln>
+              <a:solidFill>
+                <a:schemeClr val="tx1"/>
+              </a:solidFill>
+              <a:effectLst/>
+              <a:uLnTx/>
+              <a:uFillTx/>
+              <a:latin typeface="Arial"/>
+              <a:ea typeface="+mn-ea"/>
+              <a:cs typeface="+mn-cs"/>
+            </a:endParaRPr>
+          </a:p>
+        </p:txBody>
+      </p:sp>
+      <p:sp>
+        <p:nvSpPr>
+          <p:cNvPr id="35" name="Rectangle 34">
+            <a:extLst>
+              <a:ext uri="{FF2B5EF4-FFF2-40B4-BE49-F238E27FC236}">
+                <a16:creationId xmlns:a16="http://schemas.microsoft.com/office/drawing/2014/main" id="{744AB4AF-91F3-FC49-9FD5-D41E85E52FFC}"/>
+              </a:ext>
+            </a:extLst>
+          </p:cNvPr>
+          <p:cNvSpPr/>
+          <p:nvPr/>
+        </p:nvSpPr>
+        <p:spPr>
+          <a:xfrm>
+            <a:off x="6386443" y="2819060"/>
+            <a:ext cx="914400" cy="347870"/>
+          </a:xfrm>
+          <a:prstGeom prst="rect">
+            <a:avLst/>
+          </a:prstGeom>
+          <a:gradFill>
+            <a:gsLst>
+              <a:gs pos="0">
+                <a:srgbClr val="348CE7"/>
+              </a:gs>
+              <a:gs pos="43000">
+                <a:schemeClr val="accent1">
+                  <a:lumMod val="45000"/>
+                  <a:lumOff val="55000"/>
+                </a:schemeClr>
+              </a:gs>
+              <a:gs pos="56000">
+                <a:schemeClr val="accent1">
+                  <a:lumMod val="45000"/>
+                  <a:lumOff val="55000"/>
+                </a:schemeClr>
+              </a:gs>
+              <a:gs pos="100000">
+                <a:srgbClr val="92D050"/>
+              </a:gs>
+            </a:gsLst>
+            <a:lin ang="5400000" scaled="1"/>
+          </a:gradFill>
+          <a:ln w="12700">
+            <a:solidFill>
+              <a:srgbClr val="348CE7"/>
+            </a:solidFill>
+          </a:ln>
+        </p:spPr>
+        <p:style>
+          <a:lnRef idx="2">
+            <a:schemeClr val="accent1">
+              <a:shade val="50000"/>
+            </a:schemeClr>
+          </a:lnRef>
+          <a:fillRef idx="1">
+            <a:schemeClr val="accent1"/>
+          </a:fillRef>
+          <a:effectRef idx="0">
+            <a:schemeClr val="accent1"/>
+          </a:effectRef>
+          <a:fontRef idx="minor">
+            <a:schemeClr val="lt1"/>
+          </a:fontRef>
+        </p:style>
+        <p:txBody>
+          <a:bodyPr rtlCol="0" anchor="ctr"/>
+          <a:lstStyle/>
+          <a:p>
+            <a:pPr marL="0" marR="0" indent="0" algn="ctr" defTabSz="685800" rtl="0" eaLnBrk="1" fontAlgn="auto" latinLnBrk="0" hangingPunct="1">
+              <a:lnSpc>
+                <a:spcPct val="100000"/>
+              </a:lnSpc>
+              <a:spcBef>
+                <a:spcPts val="0"/>
+              </a:spcBef>
+              <a:spcAft>
+                <a:spcPts val="0"/>
+              </a:spcAft>
+              <a:buClrTx/>
+              <a:buSzTx/>
+              <a:buFontTx/>
+              <a:buNone/>
+              <a:tabLst/>
+            </a:pPr>
+            <a:r>
+              <a:rPr kumimoji="0" lang="en-US" sz="700" b="0" i="0" u="none" strike="noStrike" kern="1200" cap="none" spc="0" normalizeH="0" baseline="0" noProof="0" dirty="0">
+                <a:ln>
+                  <a:noFill/>
+                </a:ln>
+                <a:solidFill>
+                  <a:schemeClr val="tx1"/>
+                </a:solidFill>
+                <a:effectLst/>
+                <a:uLnTx/>
+                <a:uFillTx/>
+                <a:latin typeface="Arial"/>
+                <a:ea typeface="+mn-ea"/>
+                <a:cs typeface="+mn-cs"/>
+              </a:rPr>
+              <a:t>Collect</a:t>
+            </a:r>
+          </a:p>
+          <a:p>
+            <a:pPr marL="0" marR="0" indent="0" algn="ctr" defTabSz="685800" rtl="0" eaLnBrk="1" fontAlgn="auto" latinLnBrk="0" hangingPunct="1">
+              <a:lnSpc>
+                <a:spcPct val="100000"/>
+              </a:lnSpc>
+              <a:spcBef>
+                <a:spcPts val="0"/>
+              </a:spcBef>
+              <a:spcAft>
+                <a:spcPts val="0"/>
+              </a:spcAft>
+              <a:buClrTx/>
+              <a:buSzTx/>
+              <a:buFontTx/>
+              <a:buNone/>
+              <a:tabLst/>
+            </a:pPr>
+            <a:r>
+              <a:rPr lang="en-US" sz="700" dirty="0">
+                <a:solidFill>
+                  <a:schemeClr val="tx1"/>
+                </a:solidFill>
+                <a:latin typeface="Arial"/>
+              </a:rPr>
+              <a:t>Prepare</a:t>
+            </a:r>
+          </a:p>
+          <a:p>
+            <a:pPr marL="0" marR="0" indent="0" algn="ctr" defTabSz="685800" rtl="0" eaLnBrk="1" fontAlgn="auto" latinLnBrk="0" hangingPunct="1">
+              <a:lnSpc>
+                <a:spcPct val="100000"/>
+              </a:lnSpc>
+              <a:spcBef>
+                <a:spcPts val="0"/>
+              </a:spcBef>
+              <a:spcAft>
+                <a:spcPts val="0"/>
+              </a:spcAft>
+              <a:buClrTx/>
+              <a:buSzTx/>
+              <a:buFontTx/>
+              <a:buNone/>
+              <a:tabLst/>
+            </a:pPr>
+            <a:r>
+              <a:rPr kumimoji="0" lang="en-US" sz="700" b="0" i="0" u="none" strike="noStrike" kern="1200" cap="none" spc="0" normalizeH="0" baseline="0" noProof="0" dirty="0">
+                <a:ln>
+                  <a:noFill/>
+                </a:ln>
+                <a:solidFill>
+                  <a:schemeClr val="tx1"/>
+                </a:solidFill>
+                <a:effectLst/>
+                <a:uLnTx/>
+                <a:uFillTx/>
+                <a:latin typeface="Arial"/>
+                <a:ea typeface="+mn-ea"/>
+                <a:cs typeface="+mn-cs"/>
+              </a:rPr>
+              <a:t>Understand</a:t>
+            </a:r>
+          </a:p>
+        </p:txBody>
+      </p:sp>
+      <p:sp>
+        <p:nvSpPr>
+          <p:cNvPr id="36" name="Rectangle 35">
+            <a:extLst>
+              <a:ext uri="{FF2B5EF4-FFF2-40B4-BE49-F238E27FC236}">
+                <a16:creationId xmlns:a16="http://schemas.microsoft.com/office/drawing/2014/main" id="{2B171ACE-8240-C943-84DB-6776896D6707}"/>
+              </a:ext>
+            </a:extLst>
+          </p:cNvPr>
+          <p:cNvSpPr/>
+          <p:nvPr/>
+        </p:nvSpPr>
+        <p:spPr>
+          <a:xfrm>
+            <a:off x="5501859" y="2824333"/>
+            <a:ext cx="839305" cy="347870"/>
+          </a:xfrm>
+          <a:prstGeom prst="rect">
+            <a:avLst/>
+          </a:prstGeom>
+          <a:solidFill>
+            <a:srgbClr val="348CE7">
+              <a:alpha val="36000"/>
+            </a:srgbClr>
+          </a:solidFill>
+          <a:ln w="12700">
+            <a:solidFill>
+              <a:srgbClr val="348CE7"/>
+            </a:solidFill>
+          </a:ln>
+        </p:spPr>
+        <p:style>
+          <a:lnRef idx="2">
+            <a:schemeClr val="accent1">
+              <a:shade val="50000"/>
+            </a:schemeClr>
+          </a:lnRef>
+          <a:fillRef idx="1">
+            <a:schemeClr val="accent1"/>
+          </a:fillRef>
+          <a:effectRef idx="0">
+            <a:schemeClr val="accent1"/>
+          </a:effectRef>
+          <a:fontRef idx="minor">
+            <a:schemeClr val="lt1"/>
+          </a:fontRef>
+        </p:style>
+        <p:txBody>
+          <a:bodyPr rtlCol="0" anchor="ctr"/>
+          <a:lstStyle/>
+          <a:p>
+            <a:pPr marL="0" marR="0" indent="0" algn="ctr" defTabSz="685800" rtl="0" eaLnBrk="1" fontAlgn="auto" latinLnBrk="0" hangingPunct="1">
+              <a:lnSpc>
+                <a:spcPct val="100000"/>
+              </a:lnSpc>
+              <a:spcBef>
+                <a:spcPts val="0"/>
+              </a:spcBef>
+              <a:spcAft>
+                <a:spcPts val="0"/>
+              </a:spcAft>
+              <a:buClrTx/>
+              <a:buSzTx/>
+              <a:buFontTx/>
+              <a:buNone/>
+              <a:tabLst/>
+            </a:pPr>
+            <a:r>
+              <a:rPr kumimoji="0" lang="en-US" sz="1000" b="0" i="0" u="none" strike="noStrike" kern="1200" cap="none" spc="0" normalizeH="0" baseline="0" noProof="0" dirty="0">
+                <a:ln>
+                  <a:noFill/>
+                </a:ln>
+                <a:solidFill>
+                  <a:schemeClr val="tx1"/>
+                </a:solidFill>
+                <a:effectLst/>
+                <a:uLnTx/>
+                <a:uFillTx/>
+                <a:latin typeface="Arial"/>
+                <a:ea typeface="+mn-ea"/>
+                <a:cs typeface="+mn-cs"/>
+              </a:rPr>
+              <a:t>Evaluation</a:t>
+            </a:r>
+          </a:p>
+        </p:txBody>
+      </p:sp>
+      <p:sp>
+        <p:nvSpPr>
+          <p:cNvPr id="37" name="Rectangle 36">
+            <a:extLst>
+              <a:ext uri="{FF2B5EF4-FFF2-40B4-BE49-F238E27FC236}">
+                <a16:creationId xmlns:a16="http://schemas.microsoft.com/office/drawing/2014/main" id="{FA480CB8-CF20-2046-B3CE-C4EF8862CC3D}"/>
+              </a:ext>
+            </a:extLst>
+          </p:cNvPr>
+          <p:cNvSpPr/>
+          <p:nvPr/>
+        </p:nvSpPr>
+        <p:spPr>
+          <a:xfrm>
+            <a:off x="7343356" y="2818500"/>
+            <a:ext cx="770838" cy="347870"/>
+          </a:xfrm>
+          <a:prstGeom prst="rect">
+            <a:avLst/>
+          </a:prstGeom>
+          <a:solidFill>
+            <a:srgbClr val="348CE7">
+              <a:alpha val="36000"/>
+            </a:srgbClr>
+          </a:solidFill>
+          <a:ln w="12700">
+            <a:solidFill>
+              <a:srgbClr val="348CE7"/>
+            </a:solidFill>
+          </a:ln>
+        </p:spPr>
+        <p:style>
+          <a:lnRef idx="2">
+            <a:schemeClr val="accent1">
+              <a:shade val="50000"/>
+            </a:schemeClr>
+          </a:lnRef>
+          <a:fillRef idx="1">
+            <a:schemeClr val="accent1"/>
+          </a:fillRef>
+          <a:effectRef idx="0">
+            <a:schemeClr val="accent1"/>
+          </a:effectRef>
+          <a:fontRef idx="minor">
+            <a:schemeClr val="lt1"/>
+          </a:fontRef>
+        </p:style>
+        <p:txBody>
+          <a:bodyPr rtlCol="0" anchor="ctr"/>
+          <a:lstStyle/>
+          <a:p>
+            <a:pPr marL="0" marR="0" indent="0" algn="ctr" defTabSz="685800" rtl="0" eaLnBrk="1" fontAlgn="auto" latinLnBrk="0" hangingPunct="1">
+              <a:lnSpc>
+                <a:spcPct val="100000"/>
+              </a:lnSpc>
+              <a:spcBef>
+                <a:spcPts val="0"/>
+              </a:spcBef>
+              <a:spcAft>
+                <a:spcPts val="0"/>
+              </a:spcAft>
+              <a:buClrTx/>
+              <a:buSzTx/>
+              <a:buFontTx/>
+              <a:buNone/>
+              <a:tabLst/>
+            </a:pPr>
+            <a:r>
+              <a:rPr lang="en-US" sz="700" dirty="0">
+                <a:solidFill>
+                  <a:schemeClr val="tx1"/>
+                </a:solidFill>
+                <a:latin typeface="Arial"/>
+              </a:rPr>
+              <a:t>Tune</a:t>
+            </a:r>
+          </a:p>
+          <a:p>
+            <a:pPr marL="0" marR="0" indent="0" algn="ctr" defTabSz="685800" rtl="0" eaLnBrk="1" fontAlgn="auto" latinLnBrk="0" hangingPunct="1">
+              <a:lnSpc>
+                <a:spcPct val="100000"/>
+              </a:lnSpc>
+              <a:spcBef>
+                <a:spcPts val="0"/>
+              </a:spcBef>
+              <a:spcAft>
+                <a:spcPts val="0"/>
+              </a:spcAft>
+              <a:buClrTx/>
+              <a:buSzTx/>
+              <a:buFontTx/>
+              <a:buNone/>
+              <a:tabLst/>
+            </a:pPr>
+            <a:r>
+              <a:rPr lang="en-US" sz="700" dirty="0">
+                <a:solidFill>
+                  <a:schemeClr val="tx1"/>
+                </a:solidFill>
+                <a:latin typeface="Arial"/>
+              </a:rPr>
+              <a:t>Evaluate models</a:t>
+            </a:r>
+            <a:endParaRPr kumimoji="0" lang="en-US" sz="700" b="0" i="0" u="none" strike="noStrike" kern="1200" cap="none" spc="0" normalizeH="0" baseline="0" noProof="0" dirty="0">
+              <a:ln>
+                <a:noFill/>
+              </a:ln>
+              <a:solidFill>
+                <a:schemeClr val="tx1"/>
+              </a:solidFill>
+              <a:effectLst/>
+              <a:uLnTx/>
+              <a:uFillTx/>
+              <a:latin typeface="Arial"/>
+              <a:ea typeface="+mn-ea"/>
+              <a:cs typeface="+mn-cs"/>
+            </a:endParaRPr>
+          </a:p>
+        </p:txBody>
+      </p:sp>
+      <p:sp>
+        <p:nvSpPr>
+          <p:cNvPr id="38" name="Rectangle 37">
+            <a:extLst>
+              <a:ext uri="{FF2B5EF4-FFF2-40B4-BE49-F238E27FC236}">
+                <a16:creationId xmlns:a16="http://schemas.microsoft.com/office/drawing/2014/main" id="{41B98853-449D-D445-A168-103084D10FF8}"/>
+              </a:ext>
+            </a:extLst>
+          </p:cNvPr>
+          <p:cNvSpPr/>
+          <p:nvPr/>
+        </p:nvSpPr>
+        <p:spPr>
+          <a:xfrm>
+            <a:off x="3064571" y="3557277"/>
+            <a:ext cx="914400" cy="347870"/>
+          </a:xfrm>
+          <a:prstGeom prst="rect">
+            <a:avLst/>
+          </a:prstGeom>
+          <a:solidFill>
+            <a:srgbClr val="92D050">
+              <a:alpha val="41000"/>
+            </a:srgbClr>
+          </a:solidFill>
+          <a:ln w="12700">
+            <a:solidFill>
+              <a:srgbClr val="92D050"/>
+            </a:solidFill>
+          </a:ln>
+        </p:spPr>
+        <p:style>
+          <a:lnRef idx="2">
+            <a:schemeClr val="accent1">
+              <a:shade val="50000"/>
+            </a:schemeClr>
+          </a:lnRef>
+          <a:fillRef idx="1">
+            <a:schemeClr val="accent1"/>
+          </a:fillRef>
+          <a:effectRef idx="0">
+            <a:schemeClr val="accent1"/>
+          </a:effectRef>
+          <a:fontRef idx="minor">
+            <a:schemeClr val="lt1"/>
+          </a:fontRef>
+        </p:style>
+        <p:txBody>
+          <a:bodyPr rtlCol="0" anchor="ctr"/>
+          <a:lstStyle/>
+          <a:p>
+            <a:pPr marL="0" marR="0" indent="0" algn="ctr" defTabSz="685800" rtl="0" eaLnBrk="1" fontAlgn="auto" latinLnBrk="0" hangingPunct="1">
+              <a:lnSpc>
+                <a:spcPct val="100000"/>
+              </a:lnSpc>
+              <a:spcBef>
+                <a:spcPts val="0"/>
+              </a:spcBef>
+              <a:spcAft>
+                <a:spcPts val="0"/>
+              </a:spcAft>
+              <a:buClrTx/>
+              <a:buSzTx/>
+              <a:buFontTx/>
+              <a:buNone/>
+              <a:tabLst/>
+            </a:pPr>
+            <a:r>
+              <a:rPr kumimoji="0" lang="en-US" sz="1000" b="0" i="0" u="none" strike="noStrike" kern="1200" cap="none" spc="0" normalizeH="0" baseline="0" noProof="0" dirty="0">
+                <a:ln>
+                  <a:noFill/>
+                </a:ln>
+                <a:solidFill>
+                  <a:schemeClr val="tx1"/>
+                </a:solidFill>
+                <a:effectLst/>
+                <a:uLnTx/>
+                <a:uFillTx/>
+                <a:latin typeface="Arial"/>
+                <a:ea typeface="+mn-ea"/>
+                <a:cs typeface="+mn-cs"/>
+              </a:rPr>
+              <a:t>Recovery</a:t>
+            </a:r>
+          </a:p>
+        </p:txBody>
+      </p:sp>
+      <p:sp>
+        <p:nvSpPr>
+          <p:cNvPr id="39" name="Rectangle 38">
+            <a:extLst>
+              <a:ext uri="{FF2B5EF4-FFF2-40B4-BE49-F238E27FC236}">
+                <a16:creationId xmlns:a16="http://schemas.microsoft.com/office/drawing/2014/main" id="{A2B107F0-E04A-0543-9406-8C122D4C97E9}"/>
+              </a:ext>
+            </a:extLst>
+          </p:cNvPr>
+          <p:cNvSpPr/>
+          <p:nvPr/>
+        </p:nvSpPr>
+        <p:spPr>
+          <a:xfrm>
+            <a:off x="4033044" y="3553239"/>
+            <a:ext cx="914400" cy="347870"/>
+          </a:xfrm>
+          <a:prstGeom prst="rect">
+            <a:avLst/>
+          </a:prstGeom>
+          <a:solidFill>
+            <a:srgbClr val="92D050">
+              <a:alpha val="41000"/>
+            </a:srgbClr>
+          </a:solidFill>
+          <a:ln w="12700">
+            <a:solidFill>
+              <a:srgbClr val="92D050"/>
+            </a:solidFill>
+          </a:ln>
+        </p:spPr>
+        <p:style>
+          <a:lnRef idx="2">
+            <a:schemeClr val="accent1">
+              <a:shade val="50000"/>
+            </a:schemeClr>
+          </a:lnRef>
+          <a:fillRef idx="1">
+            <a:schemeClr val="accent1"/>
+          </a:fillRef>
+          <a:effectRef idx="0">
+            <a:schemeClr val="accent1"/>
+          </a:effectRef>
+          <a:fontRef idx="minor">
+            <a:schemeClr val="lt1"/>
+          </a:fontRef>
+        </p:style>
+        <p:txBody>
+          <a:bodyPr rtlCol="0" anchor="ctr"/>
+          <a:lstStyle/>
+          <a:p>
+            <a:pPr marL="0" marR="0" indent="0" algn="ctr" defTabSz="685800" rtl="0" eaLnBrk="1" fontAlgn="auto" latinLnBrk="0" hangingPunct="1">
+              <a:lnSpc>
+                <a:spcPct val="100000"/>
+              </a:lnSpc>
+              <a:spcBef>
+                <a:spcPts val="0"/>
+              </a:spcBef>
+              <a:spcAft>
+                <a:spcPts val="0"/>
+              </a:spcAft>
+              <a:buClrTx/>
+              <a:buSzTx/>
+              <a:buFontTx/>
+              <a:buNone/>
+              <a:tabLst/>
+            </a:pPr>
+            <a:r>
+              <a:rPr kumimoji="0" lang="en-US" sz="1000" b="0" i="0" u="none" strike="noStrike" kern="1200" cap="none" spc="0" normalizeH="0" baseline="0" noProof="0" dirty="0">
+                <a:ln>
+                  <a:noFill/>
+                </a:ln>
+                <a:solidFill>
+                  <a:schemeClr val="tx1"/>
+                </a:solidFill>
+                <a:effectLst/>
+                <a:uLnTx/>
+                <a:uFillTx/>
+                <a:latin typeface="Arial"/>
+                <a:ea typeface="+mn-ea"/>
+                <a:cs typeface="+mn-cs"/>
+              </a:rPr>
+              <a:t>Security</a:t>
+            </a:r>
+          </a:p>
+        </p:txBody>
+      </p:sp>
+      <p:sp>
+        <p:nvSpPr>
+          <p:cNvPr id="40" name="Rectangle 39">
+            <a:extLst>
+              <a:ext uri="{FF2B5EF4-FFF2-40B4-BE49-F238E27FC236}">
+                <a16:creationId xmlns:a16="http://schemas.microsoft.com/office/drawing/2014/main" id="{99D2E5ED-E93B-A942-8864-4ADEA5F6F801}"/>
+              </a:ext>
+            </a:extLst>
+          </p:cNvPr>
+          <p:cNvSpPr/>
+          <p:nvPr/>
+        </p:nvSpPr>
+        <p:spPr>
+          <a:xfrm>
+            <a:off x="4540236" y="3970679"/>
+            <a:ext cx="1097198" cy="347870"/>
+          </a:xfrm>
+          <a:prstGeom prst="rect">
+            <a:avLst/>
+          </a:prstGeom>
+          <a:solidFill>
+            <a:srgbClr val="92D050">
+              <a:alpha val="41000"/>
+            </a:srgbClr>
+          </a:solidFill>
+          <a:ln w="12700">
+            <a:solidFill>
+              <a:srgbClr val="92D050"/>
+            </a:solidFill>
+          </a:ln>
+        </p:spPr>
+        <p:style>
+          <a:lnRef idx="2">
+            <a:schemeClr val="accent1">
+              <a:shade val="50000"/>
+            </a:schemeClr>
+          </a:lnRef>
+          <a:fillRef idx="1">
+            <a:schemeClr val="accent1"/>
+          </a:fillRef>
+          <a:effectRef idx="0">
+            <a:schemeClr val="accent1"/>
+          </a:effectRef>
+          <a:fontRef idx="minor">
+            <a:schemeClr val="lt1"/>
+          </a:fontRef>
+        </p:style>
+        <p:txBody>
+          <a:bodyPr rtlCol="0" anchor="ctr"/>
+          <a:lstStyle/>
+          <a:p>
+            <a:pPr marL="0" marR="0" indent="0" algn="ctr" defTabSz="685800" rtl="0" eaLnBrk="1" fontAlgn="auto" latinLnBrk="0" hangingPunct="1">
+              <a:lnSpc>
+                <a:spcPct val="100000"/>
+              </a:lnSpc>
+              <a:spcBef>
+                <a:spcPts val="0"/>
+              </a:spcBef>
+              <a:spcAft>
+                <a:spcPts val="0"/>
+              </a:spcAft>
+              <a:buClrTx/>
+              <a:buSzTx/>
+              <a:buFontTx/>
+              <a:buNone/>
+              <a:tabLst/>
+            </a:pPr>
+            <a:r>
+              <a:rPr kumimoji="0" lang="en-US" sz="1000" b="0" i="0" u="none" strike="noStrike" kern="1200" cap="none" spc="0" normalizeH="0" baseline="0" noProof="0" dirty="0">
+                <a:ln>
+                  <a:noFill/>
+                </a:ln>
+                <a:solidFill>
+                  <a:schemeClr val="tx1"/>
+                </a:solidFill>
+                <a:effectLst/>
+                <a:uLnTx/>
+                <a:uFillTx/>
+                <a:latin typeface="Arial"/>
+                <a:ea typeface="+mn-ea"/>
+                <a:cs typeface="+mn-cs"/>
+              </a:rPr>
+              <a:t>Define Data API </a:t>
+            </a:r>
+          </a:p>
+        </p:txBody>
+      </p:sp>
+      <p:sp>
+        <p:nvSpPr>
+          <p:cNvPr id="41" name="Rectangle 40">
+            <a:extLst>
+              <a:ext uri="{FF2B5EF4-FFF2-40B4-BE49-F238E27FC236}">
+                <a16:creationId xmlns:a16="http://schemas.microsoft.com/office/drawing/2014/main" id="{AEC99490-96B0-7D4F-9ED2-87DC812FF9C6}"/>
+              </a:ext>
+            </a:extLst>
+          </p:cNvPr>
+          <p:cNvSpPr/>
+          <p:nvPr/>
+        </p:nvSpPr>
+        <p:spPr>
+          <a:xfrm>
+            <a:off x="5088835" y="2427595"/>
+            <a:ext cx="770838" cy="347870"/>
+          </a:xfrm>
+          <a:prstGeom prst="rect">
+            <a:avLst/>
+          </a:prstGeom>
+          <a:solidFill>
+            <a:srgbClr val="348CE7">
+              <a:alpha val="36000"/>
+            </a:srgbClr>
+          </a:solidFill>
+          <a:ln w="12700">
+            <a:solidFill>
+              <a:srgbClr val="348CE7"/>
+            </a:solidFill>
+          </a:ln>
+        </p:spPr>
+        <p:style>
+          <a:lnRef idx="2">
+            <a:schemeClr val="accent1">
+              <a:shade val="50000"/>
+            </a:schemeClr>
+          </a:lnRef>
+          <a:fillRef idx="1">
+            <a:schemeClr val="accent1"/>
+          </a:fillRef>
+          <a:effectRef idx="0">
+            <a:schemeClr val="accent1"/>
+          </a:effectRef>
+          <a:fontRef idx="minor">
+            <a:schemeClr val="lt1"/>
+          </a:fontRef>
+        </p:style>
+        <p:txBody>
+          <a:bodyPr rtlCol="0" anchor="ctr"/>
+          <a:lstStyle/>
+          <a:p>
+            <a:pPr marL="0" marR="0" indent="0" algn="ctr" defTabSz="685800" rtl="0" eaLnBrk="1" fontAlgn="auto" latinLnBrk="0" hangingPunct="1">
+              <a:lnSpc>
+                <a:spcPct val="100000"/>
+              </a:lnSpc>
+              <a:spcBef>
+                <a:spcPts val="0"/>
+              </a:spcBef>
+              <a:spcAft>
+                <a:spcPts val="0"/>
+              </a:spcAft>
+              <a:buClrTx/>
+              <a:buSzTx/>
+              <a:buFontTx/>
+              <a:buNone/>
+              <a:tabLst/>
+            </a:pPr>
+            <a:r>
+              <a:rPr kumimoji="0" lang="en-US" sz="1000" b="0" i="0" u="none" strike="noStrike" kern="1200" cap="none" spc="0" normalizeH="0" baseline="0" noProof="0" dirty="0">
+                <a:ln>
+                  <a:noFill/>
+                </a:ln>
+                <a:solidFill>
+                  <a:schemeClr val="tx1"/>
+                </a:solidFill>
+                <a:effectLst/>
+                <a:uLnTx/>
+                <a:uFillTx/>
+                <a:latin typeface="Arial"/>
+                <a:ea typeface="+mn-ea"/>
+                <a:cs typeface="+mn-cs"/>
+              </a:rPr>
+              <a:t>Define model API</a:t>
+            </a:r>
+          </a:p>
+        </p:txBody>
+      </p:sp>
+      <p:sp>
+        <p:nvSpPr>
+          <p:cNvPr id="42" name="Rectangle 41">
+            <a:extLst>
+              <a:ext uri="{FF2B5EF4-FFF2-40B4-BE49-F238E27FC236}">
+                <a16:creationId xmlns:a16="http://schemas.microsoft.com/office/drawing/2014/main" id="{7DB481CB-0A2A-5D46-BBD5-46528B218C77}"/>
+              </a:ext>
+            </a:extLst>
+          </p:cNvPr>
+          <p:cNvSpPr/>
+          <p:nvPr/>
+        </p:nvSpPr>
+        <p:spPr>
+          <a:xfrm>
+            <a:off x="2377938" y="3970679"/>
+            <a:ext cx="1097198" cy="347870"/>
+          </a:xfrm>
+          <a:prstGeom prst="rect">
+            <a:avLst/>
+          </a:prstGeom>
+          <a:solidFill>
+            <a:srgbClr val="92D050">
+              <a:alpha val="41000"/>
+            </a:srgbClr>
+          </a:solidFill>
+          <a:ln w="12700">
+            <a:solidFill>
+              <a:srgbClr val="92D050"/>
+            </a:solidFill>
+          </a:ln>
+        </p:spPr>
+        <p:style>
+          <a:lnRef idx="2">
+            <a:schemeClr val="accent1">
+              <a:shade val="50000"/>
+            </a:schemeClr>
+          </a:lnRef>
+          <a:fillRef idx="1">
+            <a:schemeClr val="accent1"/>
+          </a:fillRef>
+          <a:effectRef idx="0">
+            <a:schemeClr val="accent1"/>
+          </a:effectRef>
+          <a:fontRef idx="minor">
+            <a:schemeClr val="lt1"/>
+          </a:fontRef>
+        </p:style>
+        <p:txBody>
+          <a:bodyPr rtlCol="0" anchor="ctr"/>
+          <a:lstStyle/>
+          <a:p>
+            <a:pPr marL="0" marR="0" indent="0" algn="ctr" defTabSz="685800" rtl="0" eaLnBrk="1" fontAlgn="auto" latinLnBrk="0" hangingPunct="1">
+              <a:lnSpc>
+                <a:spcPct val="100000"/>
+              </a:lnSpc>
+              <a:spcBef>
+                <a:spcPts val="0"/>
+              </a:spcBef>
+              <a:spcAft>
+                <a:spcPts val="0"/>
+              </a:spcAft>
+              <a:buClrTx/>
+              <a:buSzTx/>
+              <a:buFontTx/>
+              <a:buNone/>
+              <a:tabLst/>
+            </a:pPr>
+            <a:r>
+              <a:rPr kumimoji="0" lang="en-US" sz="1000" b="0" i="0" u="none" strike="noStrike" kern="1200" cap="none" spc="0" normalizeH="0" baseline="0" noProof="0" dirty="0">
+                <a:ln>
+                  <a:noFill/>
+                </a:ln>
+                <a:solidFill>
+                  <a:schemeClr val="tx1"/>
+                </a:solidFill>
+                <a:effectLst/>
+                <a:uLnTx/>
+                <a:uFillTx/>
+                <a:latin typeface="Arial"/>
+                <a:ea typeface="+mn-ea"/>
+                <a:cs typeface="+mn-cs"/>
+              </a:rPr>
+              <a:t>Define Data store integration</a:t>
+            </a:r>
+          </a:p>
+        </p:txBody>
+      </p:sp>
+    </p:spTree>
+    <p:extLst>
+      <p:ext uri="{BB962C8B-B14F-4D97-AF65-F5344CB8AC3E}">
+        <p14:creationId xmlns:p14="http://schemas.microsoft.com/office/powerpoint/2010/main" val="3153914934"/>
+      </p:ext>
+    </p:extLst>
+  </p:cSld>
+  <p:clrMapOvr>
+    <a:masterClrMapping/>
+  </p:clrMapOvr>
+</p:sld>
+</file>
+
+<file path=ppt/slides/slide6.xml><?xml version="1.0" encoding="utf-8"?>
+<p:sld xmlns:a="http://schemas.openxmlformats.org/drawingml/2006/main" xmlns:r="http://schemas.openxmlformats.org/officeDocument/2006/relationships" xmlns:p="http://schemas.openxmlformats.org/presentationml/2006/main">
+  <p:cSld>
+    <p:spTree>
+      <p:nvGrpSpPr>
+        <p:cNvPr id="1" name=""/>
+        <p:cNvGrpSpPr/>
+        <p:nvPr/>
+      </p:nvGrpSpPr>
+      <p:grpSpPr>
+        <a:xfrm>
+          <a:off x="0" y="0"/>
+          <a:ext cx="0" cy="0"/>
+          <a:chOff x="0" y="0"/>
+          <a:chExt cx="0" cy="0"/>
+        </a:xfrm>
+      </p:grpSpPr>
+      <p:sp>
+        <p:nvSpPr>
           <p:cNvPr id="3" name="Title 2">
             <a:extLst>
               <a:ext uri="{FF2B5EF4-FFF2-40B4-BE49-F238E27FC236}">
@@ -3328,8 +11116,8 @@
         </p:nvSpPr>
         <p:spPr>
           <a:xfrm>
-            <a:off x="1426768" y="1579417"/>
-            <a:ext cx="6188598" cy="2154953"/>
+            <a:off x="1426767" y="1406805"/>
+            <a:ext cx="6369199" cy="2327565"/>
           </a:xfrm>
           <a:prstGeom prst="rect">
             <a:avLst/>
@@ -3672,8 +11460,8 @@
         </p:nvSpPr>
         <p:spPr>
           <a:xfrm rot="10800000">
-            <a:off x="1426768" y="1089264"/>
-            <a:ext cx="6197077" cy="1729610"/>
+            <a:off x="1602556" y="1089264"/>
+            <a:ext cx="6021288" cy="1729610"/>
           </a:xfrm>
           <a:prstGeom prst="corner">
             <a:avLst>
@@ -5301,7 +13089,7 @@
 </p:sld>
 </file>
 
-<file path=ppt/slides/slide2.xml><?xml version="1.0" encoding="utf-8"?>
+<file path=ppt/slides/slide7.xml><?xml version="1.0" encoding="utf-8"?>
 <p:sld xmlns:a="http://schemas.openxmlformats.org/drawingml/2006/main" xmlns:r="http://schemas.openxmlformats.org/officeDocument/2006/relationships" xmlns:p="http://schemas.openxmlformats.org/presentationml/2006/main">
   <p:cSld>
     <p:spTree>
@@ -5332,8 +13120,8 @@
         </p:nvSpPr>
         <p:spPr>
           <a:xfrm>
-            <a:off x="1323073" y="1284656"/>
-            <a:ext cx="6188598" cy="2154953"/>
+            <a:off x="1324469" y="1018259"/>
+            <a:ext cx="6187201" cy="2431001"/>
           </a:xfrm>
           <a:prstGeom prst="rect">
             <a:avLst/>
@@ -5683,8 +13471,8 @@
         </p:nvSpPr>
         <p:spPr>
           <a:xfrm rot="10800000">
-            <a:off x="1323073" y="636778"/>
-            <a:ext cx="6053024" cy="1729610"/>
+            <a:off x="1416461" y="636778"/>
+            <a:ext cx="5959636" cy="1729610"/>
           </a:xfrm>
           <a:prstGeom prst="corner">
             <a:avLst>
@@ -8937,7 +16725,7 @@
 </p:sld>
 </file>
 
-<file path=ppt/slides/slide3.xml><?xml version="1.0" encoding="utf-8"?>
+<file path=ppt/slides/slide8.xml><?xml version="1.0" encoding="utf-8"?>
 <p:sld xmlns:a="http://schemas.openxmlformats.org/drawingml/2006/main" xmlns:r="http://schemas.openxmlformats.org/officeDocument/2006/relationships" xmlns:p="http://schemas.openxmlformats.org/presentationml/2006/main">
   <p:cSld>
     <p:spTree>
@@ -15148,7 +22936,7 @@
 </p:sld>
 </file>
 
-<file path=ppt/slides/slide4.xml><?xml version="1.0" encoding="utf-8"?>
+<file path=ppt/slides/slide9.xml><?xml version="1.0" encoding="utf-8"?>
 <p:sld xmlns:a="http://schemas.openxmlformats.org/drawingml/2006/main" xmlns:r="http://schemas.openxmlformats.org/officeDocument/2006/relationships" xmlns:p="http://schemas.openxmlformats.org/presentationml/2006/main">
   <p:cSld>
     <p:spTree>
@@ -17981,149 +25769,6 @@
 </p:sld>
 </file>
 
-<file path=ppt/slides/slide5.xml><?xml version="1.0" encoding="utf-8"?>
-<p:sld xmlns:a="http://schemas.openxmlformats.org/drawingml/2006/main" xmlns:r="http://schemas.openxmlformats.org/officeDocument/2006/relationships" xmlns:p="http://schemas.openxmlformats.org/presentationml/2006/main">
-  <p:cSld>
-    <p:spTree>
-      <p:nvGrpSpPr>
-        <p:cNvPr id="1" name=""/>
-        <p:cNvGrpSpPr/>
-        <p:nvPr/>
-      </p:nvGrpSpPr>
-      <p:grpSpPr>
-        <a:xfrm>
-          <a:off x="0" y="0"/>
-          <a:ext cx="0" cy="0"/>
-          <a:chOff x="0" y="0"/>
-          <a:chExt cx="0" cy="0"/>
-        </a:xfrm>
-      </p:grpSpPr>
-      <p:sp>
-        <p:nvSpPr>
-          <p:cNvPr id="5" name="Title 4">
-            <a:extLst>
-              <a:ext uri="{FF2B5EF4-FFF2-40B4-BE49-F238E27FC236}">
-                <a16:creationId xmlns:a16="http://schemas.microsoft.com/office/drawing/2014/main" id="{D12807E4-F327-FD45-9E7C-74C9F38AA7FA}"/>
-              </a:ext>
-            </a:extLst>
-          </p:cNvPr>
-          <p:cNvSpPr>
-            <a:spLocks noGrp="1"/>
-          </p:cNvSpPr>
-          <p:nvPr>
-            <p:ph type="title"/>
-          </p:nvPr>
-        </p:nvSpPr>
-        <p:spPr/>
-        <p:txBody>
-          <a:bodyPr/>
-          <a:lstStyle/>
-          <a:p>
-            <a:r>
-              <a:rPr lang="en-US" dirty="0"/>
-              <a:t>IBM Garage Locations</a:t>
-            </a:r>
-          </a:p>
-        </p:txBody>
-      </p:sp>
-      <p:sp>
-        <p:nvSpPr>
-          <p:cNvPr id="2" name="Slide Number Placeholder 1">
-            <a:extLst>
-              <a:ext uri="{FF2B5EF4-FFF2-40B4-BE49-F238E27FC236}">
-                <a16:creationId xmlns:a16="http://schemas.microsoft.com/office/drawing/2014/main" id="{FC6C3F72-DAE8-F74C-AF33-8F82C27F6011}"/>
-              </a:ext>
-            </a:extLst>
-          </p:cNvPr>
-          <p:cNvSpPr>
-            <a:spLocks noGrp="1"/>
-          </p:cNvSpPr>
-          <p:nvPr>
-            <p:ph type="sldNum" sz="quarter" idx="10"/>
-          </p:nvPr>
-        </p:nvSpPr>
-        <p:spPr/>
-        <p:txBody>
-          <a:bodyPr/>
-          <a:lstStyle/>
-          <a:p>
-            <a:fld id="{D0BE6F14-FF48-0F4F-A8AA-2E3F25371E4A}" type="slidenum">
-              <a:rPr lang="en-US" smtClean="0"/>
-              <a:pPr/>
-              <a:t>5</a:t>
-            </a:fld>
-            <a:endParaRPr lang="en-US"/>
-          </a:p>
-        </p:txBody>
-      </p:sp>
-      <p:sp>
-        <p:nvSpPr>
-          <p:cNvPr id="3" name="Footer Placeholder 2">
-            <a:extLst>
-              <a:ext uri="{FF2B5EF4-FFF2-40B4-BE49-F238E27FC236}">
-                <a16:creationId xmlns:a16="http://schemas.microsoft.com/office/drawing/2014/main" id="{31857D35-5682-A94A-AA29-04114D2F7306}"/>
-              </a:ext>
-            </a:extLst>
-          </p:cNvPr>
-          <p:cNvSpPr>
-            <a:spLocks noGrp="1"/>
-          </p:cNvSpPr>
-          <p:nvPr>
-            <p:ph type="ftr" sz="quarter" idx="4294967295"/>
-          </p:nvPr>
-        </p:nvSpPr>
-        <p:spPr/>
-        <p:txBody>
-          <a:bodyPr/>
-          <a:lstStyle/>
-          <a:p>
-            <a:endParaRPr lang="en-US" dirty="0"/>
-          </a:p>
-        </p:txBody>
-      </p:sp>
-      <p:pic>
-        <p:nvPicPr>
-          <p:cNvPr id="8" name="Picture 7">
-            <a:extLst>
-              <a:ext uri="{FF2B5EF4-FFF2-40B4-BE49-F238E27FC236}">
-                <a16:creationId xmlns:a16="http://schemas.microsoft.com/office/drawing/2014/main" id="{C40531B8-A254-7C4B-8E4B-1D610793FF46}"/>
-              </a:ext>
-            </a:extLst>
-          </p:cNvPr>
-          <p:cNvPicPr>
-            <a:picLocks noChangeAspect="1"/>
-          </p:cNvPicPr>
-          <p:nvPr/>
-        </p:nvPicPr>
-        <p:blipFill>
-          <a:blip r:embed="rId2"/>
-          <a:stretch>
-            <a:fillRect/>
-          </a:stretch>
-        </p:blipFill>
-        <p:spPr>
-          <a:xfrm>
-            <a:off x="1129824" y="704851"/>
-            <a:ext cx="6720840" cy="4206938"/>
-          </a:xfrm>
-          <a:prstGeom prst="rect">
-            <a:avLst/>
-          </a:prstGeom>
-        </p:spPr>
-      </p:pic>
-    </p:spTree>
-    <p:extLst>
-      <p:ext uri="{BB962C8B-B14F-4D97-AF65-F5344CB8AC3E}">
-        <p14:creationId xmlns:p14="http://schemas.microsoft.com/office/powerpoint/2010/main" val="1040909022"/>
-      </p:ext>
-    </p:extLst>
-  </p:cSld>
-  <p:clrMapOvr>
-    <a:masterClrMapping/>
-  </p:clrMapOvr>
-</p:sld>
-</file>
-
 <file path=ppt/theme/theme1.xml><?xml version="1.0" encoding="utf-8"?>
 <a:theme xmlns:a="http://schemas.openxmlformats.org/drawingml/2006/main" name="Office Theme">
   <a:themeElements>

--- a/docs/AI-Data-ML-ArchitectureDiagrams.pptx
+++ b/docs/AI-Data-ML-ArchitectureDiagrams.pptx
@@ -226,7 +226,7 @@
           <a:p>
             <a:fld id="{43B1B1F9-D0CB-FF4D-BEE0-BED1F1FDA196}" type="datetimeFigureOut">
               <a:rPr lang="en-US" smtClean="0"/>
-              <a:t>6/14/19</a:t>
+              <a:t>6/19/19</a:t>
             </a:fld>
             <a:endParaRPr lang="en-US"/>
           </a:p>
@@ -391,7 +391,7 @@
           <a:p>
             <a:fld id="{26BE012A-D992-5D42-B86E-AA2BC0764EE1}" type="datetimeFigureOut">
               <a:rPr lang="en-US" smtClean="0"/>
-              <a:t>6/14/19</a:t>
+              <a:t>6/19/19</a:t>
             </a:fld>
             <a:endParaRPr lang="en-US"/>
           </a:p>
@@ -2519,7 +2519,7 @@
           </a:ln>
           <a:extLst>
             <a:ext uri="{C572A759-6A51-4108-AA02-DFA0A04FC94B}">
-              <ma14:wrappingTextBoxFlag xmlns:ma14="http://schemas.microsoft.com/office/mac/drawingml/2011/main" xmlns="" val="1"/>
+              <ma14:wrappingTextBoxFlag xmlns="" xmlns:ma14="http://schemas.microsoft.com/office/mac/drawingml/2011/main" val="1"/>
             </a:ext>
           </a:extLst>
         </p:spPr>
@@ -2662,10 +2662,10 @@
           </a:ln>
           <a:extLst>
             <a:ext uri="{FAA26D3D-D897-4be2-8F04-BA451C77F1D7}">
-              <ma14:placeholderFlag xmlns="" xmlns:ma14="http://schemas.microsoft.com/office/mac/drawingml/2011/main" val="1"/>
+              <ma14:placeholderFlag xmlns:ma14="http://schemas.microsoft.com/office/mac/drawingml/2011/main" xmlns="" val="1"/>
             </a:ext>
             <a:ext uri="{909E8E84-426E-40dd-AFC4-6F175D3DCCD1}">
-              <a14:hiddenFill xmlns="" xmlns:a14="http://schemas.microsoft.com/office/drawing/2010/main">
+              <a14:hiddenFill xmlns:a14="http://schemas.microsoft.com/office/drawing/2010/main" xmlns="">
                 <a:solidFill>
                   <a:srgbClr val="FFFFFF"/>
                 </a:solidFill>
@@ -2716,10 +2716,10 @@
           </a:ln>
           <a:extLst>
             <a:ext uri="{FAA26D3D-D897-4be2-8F04-BA451C77F1D7}">
-              <ma14:placeholderFlag xmlns="" xmlns:ma14="http://schemas.microsoft.com/office/mac/drawingml/2011/main" val="1"/>
+              <ma14:placeholderFlag xmlns:ma14="http://schemas.microsoft.com/office/mac/drawingml/2011/main" xmlns="" val="1"/>
             </a:ext>
             <a:ext uri="{909E8E84-426E-40dd-AFC4-6F175D3DCCD1}">
-              <a14:hiddenFill xmlns="" xmlns:a14="http://schemas.microsoft.com/office/drawing/2010/main">
+              <a14:hiddenFill xmlns:a14="http://schemas.microsoft.com/office/drawing/2010/main" xmlns="">
                 <a:solidFill>
                   <a:srgbClr val="FFFFFF"/>
                 </a:solidFill>
@@ -3428,14 +3428,14 @@
             <p:ph sz="half" idx="1"/>
             <p:extLst>
               <p:ext uri="{D42A27DB-BD31-4B8C-83A1-F6EECF244321}">
-                <p14:modId xmlns:p14="http://schemas.microsoft.com/office/powerpoint/2010/main" val="3793640644"/>
+                <p14:modId xmlns:p14="http://schemas.microsoft.com/office/powerpoint/2010/main" val="2324657743"/>
               </p:ext>
             </p:extLst>
           </p:nvPr>
         </p:nvGraphicFramePr>
         <p:xfrm>
           <a:off x="457198" y="775461"/>
-          <a:ext cx="7936992" cy="4086860"/>
+          <a:ext cx="7936992" cy="3721100"/>
         </p:xfrm>
         <a:graphic>
           <a:graphicData uri="http://schemas.openxmlformats.org/drawingml/2006/table">
@@ -3484,12 +3484,12 @@
                     <a:lstStyle/>
                     <a:p>
                       <a:r>
-                        <a:rPr lang="en-US" dirty="0"/>
+                        <a:rPr lang="en-US" sz="1600" dirty="0"/>
                         <a:t>Gets deep into the data to draw hidden insights for the business</a:t>
                       </a:r>
                     </a:p>
                   </a:txBody>
-                  <a:tcPr/>
+                  <a:tcPr anchor="ctr"/>
                 </a:tc>
                 <a:extLst>
                   <a:ext uri="{0D108BD9-81ED-4DB2-BD59-A6C34878D82A}">
@@ -3518,12 +3518,12 @@
                     <a:lstStyle/>
                     <a:p>
                       <a:r>
-                        <a:rPr lang="en-US" dirty="0"/>
+                        <a:rPr lang="en-US" sz="1600" dirty="0"/>
                         <a:t>Guides the data  transformation, define components as part of the runtime and modeling environments and define cloud native microservice scope</a:t>
                       </a:r>
                     </a:p>
                   </a:txBody>
-                  <a:tcPr/>
+                  <a:tcPr anchor="ctr"/>
                 </a:tc>
                 <a:extLst>
                   <a:ext uri="{0D108BD9-81ED-4DB2-BD59-A6C34878D82A}">
@@ -3552,12 +3552,12 @@
                     <a:lstStyle/>
                     <a:p>
                       <a:r>
-                        <a:rPr lang="en-US" dirty="0"/>
+                        <a:rPr lang="en-US" sz="1600" dirty="0"/>
                         <a:t>Designs how data is  organized &amp; ensures operability</a:t>
                       </a:r>
                     </a:p>
                   </a:txBody>
-                  <a:tcPr/>
+                  <a:tcPr anchor="ctr"/>
                 </a:tc>
                 <a:extLst>
                   <a:ext uri="{0D108BD9-81ED-4DB2-BD59-A6C34878D82A}">
@@ -3586,12 +3586,12 @@
                     <a:lstStyle/>
                     <a:p>
                       <a:r>
-                        <a:rPr lang="en-US" dirty="0"/>
+                        <a:rPr lang="en-US" sz="1600" dirty="0"/>
                         <a:t>Builds microservice applications that interact with data and models</a:t>
                       </a:r>
                     </a:p>
                   </a:txBody>
-                  <a:tcPr/>
+                  <a:tcPr anchor="ctr"/>
                 </a:tc>
                 <a:extLst>
                   <a:ext uri="{0D108BD9-81ED-4DB2-BD59-A6C34878D82A}">
@@ -3620,15 +3620,15 @@
                     <a:lstStyle/>
                     <a:p>
                       <a:r>
-                        <a:rPr lang="en-US" dirty="0"/>
+                        <a:rPr lang="en-US" sz="1600" dirty="0"/>
                         <a:t>Facilitates Design Thinking approaches</a:t>
                       </a:r>
                     </a:p>
                     <a:p>
-                      <a:endParaRPr lang="en-US" dirty="0"/>
+                      <a:endParaRPr lang="en-US" sz="1600" dirty="0"/>
                     </a:p>
                   </a:txBody>
-                  <a:tcPr/>
+                  <a:tcPr anchor="ctr"/>
                 </a:tc>
                 <a:extLst>
                   <a:ext uri="{0D108BD9-81ED-4DB2-BD59-A6C34878D82A}">
@@ -3706,7 +3706,7 @@
         </p:blipFill>
         <p:spPr>
           <a:xfrm>
-            <a:off x="404855" y="2691922"/>
+            <a:off x="482339" y="2329600"/>
             <a:ext cx="689906" cy="674242"/>
           </a:xfrm>
           <a:prstGeom prst="rect">
@@ -3742,7 +3742,7 @@
         </p:blipFill>
         <p:spPr>
           <a:xfrm>
-            <a:off x="457199" y="788782"/>
+            <a:off x="482338" y="797167"/>
             <a:ext cx="689907" cy="674243"/>
           </a:xfrm>
           <a:prstGeom prst="rect">
@@ -3778,7 +3778,7 @@
         </p:blipFill>
         <p:spPr>
           <a:xfrm>
-            <a:off x="457200" y="3382928"/>
+            <a:off x="486979" y="3088085"/>
             <a:ext cx="689907" cy="674243"/>
           </a:xfrm>
           <a:prstGeom prst="rect">
@@ -3814,7 +3814,7 @@
         </p:blipFill>
         <p:spPr>
           <a:xfrm flipH="1">
-            <a:off x="457197" y="1756545"/>
+            <a:off x="477302" y="1533635"/>
             <a:ext cx="694943" cy="666431"/>
           </a:xfrm>
           <a:prstGeom prst="rect">
@@ -3844,7 +3844,7 @@
         </p:blipFill>
         <p:spPr>
           <a:xfrm>
-            <a:off x="457198" y="4141101"/>
+            <a:off x="482337" y="3816741"/>
             <a:ext cx="689908" cy="674244"/>
           </a:xfrm>
           <a:prstGeom prst="rect">
@@ -7680,7 +7680,7 @@
               <a:effectLst/>
               <a:extLst>
                 <a:ext uri="{C572A759-6A51-4108-AA02-DFA0A04FC94B}">
-                  <ma14:wrappingTextBoxFlag xmlns:ma14="http://schemas.microsoft.com/office/mac/drawingml/2011/main" xmlns="" val="1"/>
+                  <ma14:wrappingTextBoxFlag xmlns="" xmlns:ma14="http://schemas.microsoft.com/office/mac/drawingml/2011/main" val="1"/>
                 </a:ext>
               </a:extLst>
             </p:spPr>
@@ -8052,7 +8052,7 @@
             <a:effectLst/>
             <a:extLst>
               <a:ext uri="{C572A759-6A51-4108-AA02-DFA0A04FC94B}">
-                <ma14:wrappingTextBoxFlag xmlns:ma14="http://schemas.microsoft.com/office/mac/drawingml/2011/main" xmlns="" val="1"/>
+                <ma14:wrappingTextBoxFlag xmlns="" xmlns:ma14="http://schemas.microsoft.com/office/mac/drawingml/2011/main" val="1"/>
               </a:ext>
             </a:extLst>
           </p:spPr>
@@ -8319,7 +8319,7 @@
               <a:effectLst/>
               <a:extLst>
                 <a:ext uri="{C572A759-6A51-4108-AA02-DFA0A04FC94B}">
-                  <ma14:wrappingTextBoxFlag xmlns:ma14="http://schemas.microsoft.com/office/mac/drawingml/2011/main" xmlns="" val="1"/>
+                  <ma14:wrappingTextBoxFlag xmlns="" xmlns:ma14="http://schemas.microsoft.com/office/mac/drawingml/2011/main" val="1"/>
                 </a:ext>
               </a:extLst>
             </p:spPr>
@@ -8550,7 +8550,7 @@
               <a:effectLst/>
               <a:extLst>
                 <a:ext uri="{C572A759-6A51-4108-AA02-DFA0A04FC94B}">
-                  <ma14:wrappingTextBoxFlag xmlns:ma14="http://schemas.microsoft.com/office/mac/drawingml/2011/main" xmlns="" val="1"/>
+                  <ma14:wrappingTextBoxFlag xmlns="" xmlns:ma14="http://schemas.microsoft.com/office/mac/drawingml/2011/main" val="1"/>
                 </a:ext>
               </a:extLst>
             </p:spPr>
@@ -8781,7 +8781,7 @@
               <a:effectLst/>
               <a:extLst>
                 <a:ext uri="{C572A759-6A51-4108-AA02-DFA0A04FC94B}">
-                  <ma14:wrappingTextBoxFlag xmlns="" xmlns:ma14="http://schemas.microsoft.com/office/mac/drawingml/2011/main" val="1"/>
+                  <ma14:wrappingTextBoxFlag xmlns:ma14="http://schemas.microsoft.com/office/mac/drawingml/2011/main" xmlns="" val="1"/>
                 </a:ext>
               </a:extLst>
             </p:spPr>
@@ -9340,7 +9340,7 @@
               <a:effectLst/>
               <a:extLst>
                 <a:ext uri="{C572A759-6A51-4108-AA02-DFA0A04FC94B}">
-                  <ma14:wrappingTextBoxFlag xmlns:ma14="http://schemas.microsoft.com/office/mac/drawingml/2011/main" xmlns="" val="1"/>
+                  <ma14:wrappingTextBoxFlag xmlns="" xmlns:ma14="http://schemas.microsoft.com/office/mac/drawingml/2011/main" val="1"/>
                 </a:ext>
               </a:extLst>
             </p:spPr>
@@ -9572,7 +9572,7 @@
               <a:effectLst/>
               <a:extLst>
                 <a:ext uri="{C572A759-6A51-4108-AA02-DFA0A04FC94B}">
-                  <ma14:wrappingTextBoxFlag xmlns:ma14="http://schemas.microsoft.com/office/mac/drawingml/2011/main" xmlns="" val="1"/>
+                  <ma14:wrappingTextBoxFlag xmlns="" xmlns:ma14="http://schemas.microsoft.com/office/mac/drawingml/2011/main" val="1"/>
                 </a:ext>
               </a:extLst>
             </p:spPr>
@@ -9770,7 +9770,7 @@
               <a:effectLst/>
               <a:extLst>
                 <a:ext uri="{C572A759-6A51-4108-AA02-DFA0A04FC94B}">
-                  <ma14:wrappingTextBoxFlag xmlns="" xmlns:ma14="http://schemas.microsoft.com/office/mac/drawingml/2011/main" val="1"/>
+                  <ma14:wrappingTextBoxFlag xmlns:ma14="http://schemas.microsoft.com/office/mac/drawingml/2011/main" xmlns="" val="1"/>
                 </a:ext>
               </a:extLst>
             </p:spPr>
@@ -10045,7 +10045,7 @@
               <a:effectLst/>
               <a:extLst>
                 <a:ext uri="{C572A759-6A51-4108-AA02-DFA0A04FC94B}">
-                  <ma14:wrappingTextBoxFlag xmlns:ma14="http://schemas.microsoft.com/office/mac/drawingml/2011/main" xmlns="" val="1"/>
+                  <ma14:wrappingTextBoxFlag xmlns="" xmlns:ma14="http://schemas.microsoft.com/office/mac/drawingml/2011/main" val="1"/>
                 </a:ext>
               </a:extLst>
             </p:spPr>
@@ -10390,7 +10390,7 @@
               <a:effectLst/>
               <a:extLst>
                 <a:ext uri="{C572A759-6A51-4108-AA02-DFA0A04FC94B}">
-                  <ma14:wrappingTextBoxFlag xmlns="" xmlns:ma14="http://schemas.microsoft.com/office/mac/drawingml/2011/main" val="1"/>
+                  <ma14:wrappingTextBoxFlag xmlns:ma14="http://schemas.microsoft.com/office/mac/drawingml/2011/main" xmlns="" val="1"/>
                 </a:ext>
               </a:extLst>
             </p:spPr>
@@ -10799,7 +10799,7 @@
               <a:effectLst/>
               <a:extLst>
                 <a:ext uri="{C572A759-6A51-4108-AA02-DFA0A04FC94B}">
-                  <ma14:wrappingTextBoxFlag xmlns:ma14="http://schemas.microsoft.com/office/mac/drawingml/2011/main" xmlns="" val="1"/>
+                  <ma14:wrappingTextBoxFlag xmlns="" xmlns:ma14="http://schemas.microsoft.com/office/mac/drawingml/2011/main" val="1"/>
                 </a:ext>
               </a:extLst>
             </p:spPr>
@@ -11040,7 +11040,7 @@
               <a:effectLst/>
               <a:extLst>
                 <a:ext uri="{C572A759-6A51-4108-AA02-DFA0A04FC94B}">
-                  <ma14:wrappingTextBoxFlag xmlns:ma14="http://schemas.microsoft.com/office/mac/drawingml/2011/main" xmlns="" val="1"/>
+                  <ma14:wrappingTextBoxFlag xmlns="" xmlns:ma14="http://schemas.microsoft.com/office/mac/drawingml/2011/main" val="1"/>
                 </a:ext>
               </a:extLst>
             </p:spPr>
@@ -11339,7 +11339,7 @@
               <a:effectLst/>
               <a:extLst>
                 <a:ext uri="{C572A759-6A51-4108-AA02-DFA0A04FC94B}">
-                  <ma14:wrappingTextBoxFlag xmlns:ma14="http://schemas.microsoft.com/office/mac/drawingml/2011/main" xmlns="" val="1"/>
+                  <ma14:wrappingTextBoxFlag xmlns="" xmlns:ma14="http://schemas.microsoft.com/office/mac/drawingml/2011/main" val="1"/>
                 </a:ext>
               </a:extLst>
             </p:spPr>
@@ -11580,7 +11580,7 @@
               <a:effectLst/>
               <a:extLst>
                 <a:ext uri="{C572A759-6A51-4108-AA02-DFA0A04FC94B}">
-                  <ma14:wrappingTextBoxFlag xmlns:ma14="http://schemas.microsoft.com/office/mac/drawingml/2011/main" xmlns="" val="1"/>
+                  <ma14:wrappingTextBoxFlag xmlns="" xmlns:ma14="http://schemas.microsoft.com/office/mac/drawingml/2011/main" val="1"/>
                 </a:ext>
               </a:extLst>
             </p:spPr>
@@ -11907,7 +11907,7 @@
               <a:effectLst/>
               <a:extLst>
                 <a:ext uri="{C572A759-6A51-4108-AA02-DFA0A04FC94B}">
-                  <ma14:wrappingTextBoxFlag xmlns:ma14="http://schemas.microsoft.com/office/mac/drawingml/2011/main" xmlns="" val="1"/>
+                  <ma14:wrappingTextBoxFlag xmlns="" xmlns:ma14="http://schemas.microsoft.com/office/mac/drawingml/2011/main" val="1"/>
                 </a:ext>
               </a:extLst>
             </p:spPr>
@@ -12214,7 +12214,7 @@
               <a:effectLst/>
               <a:extLst>
                 <a:ext uri="{C572A759-6A51-4108-AA02-DFA0A04FC94B}">
-                  <ma14:wrappingTextBoxFlag xmlns:ma14="http://schemas.microsoft.com/office/mac/drawingml/2011/main" xmlns="" val="1"/>
+                  <ma14:wrappingTextBoxFlag xmlns="" xmlns:ma14="http://schemas.microsoft.com/office/mac/drawingml/2011/main" val="1"/>
                 </a:ext>
               </a:extLst>
             </p:spPr>
@@ -12412,7 +12412,7 @@
               <a:effectLst/>
               <a:extLst>
                 <a:ext uri="{C572A759-6A51-4108-AA02-DFA0A04FC94B}">
-                  <ma14:wrappingTextBoxFlag xmlns:ma14="http://schemas.microsoft.com/office/mac/drawingml/2011/main" xmlns="" val="1"/>
+                  <ma14:wrappingTextBoxFlag xmlns="" xmlns:ma14="http://schemas.microsoft.com/office/mac/drawingml/2011/main" val="1"/>
                 </a:ext>
               </a:extLst>
             </p:spPr>
@@ -12621,7 +12621,7 @@
               <a:effectLst/>
               <a:extLst>
                 <a:ext uri="{C572A759-6A51-4108-AA02-DFA0A04FC94B}">
-                  <ma14:wrappingTextBoxFlag xmlns:ma14="http://schemas.microsoft.com/office/mac/drawingml/2011/main" xmlns="" val="1"/>
+                  <ma14:wrappingTextBoxFlag xmlns="" xmlns:ma14="http://schemas.microsoft.com/office/mac/drawingml/2011/main" val="1"/>
                 </a:ext>
               </a:extLst>
             </p:spPr>
@@ -13055,7 +13055,7 @@
               <a:effectLst/>
               <a:extLst>
                 <a:ext uri="{C572A759-6A51-4108-AA02-DFA0A04FC94B}">
-                  <ma14:wrappingTextBoxFlag xmlns:ma14="http://schemas.microsoft.com/office/mac/drawingml/2011/main" xmlns="" val="1"/>
+                  <ma14:wrappingTextBoxFlag xmlns="" xmlns:ma14="http://schemas.microsoft.com/office/mac/drawingml/2011/main" val="1"/>
                 </a:ext>
               </a:extLst>
             </p:spPr>
@@ -13253,7 +13253,7 @@
               <a:effectLst/>
               <a:extLst>
                 <a:ext uri="{C572A759-6A51-4108-AA02-DFA0A04FC94B}">
-                  <ma14:wrappingTextBoxFlag xmlns:ma14="http://schemas.microsoft.com/office/mac/drawingml/2011/main" xmlns="" val="1"/>
+                  <ma14:wrappingTextBoxFlag xmlns="" xmlns:ma14="http://schemas.microsoft.com/office/mac/drawingml/2011/main" val="1"/>
                 </a:ext>
               </a:extLst>
             </p:spPr>
@@ -13572,7 +13572,7 @@
               <a:effectLst/>
               <a:extLst>
                 <a:ext uri="{C572A759-6A51-4108-AA02-DFA0A04FC94B}">
-                  <ma14:wrappingTextBoxFlag xmlns="" xmlns:ma14="http://schemas.microsoft.com/office/mac/drawingml/2011/main" val="1"/>
+                  <ma14:wrappingTextBoxFlag xmlns:ma14="http://schemas.microsoft.com/office/mac/drawingml/2011/main" xmlns="" val="1"/>
                 </a:ext>
               </a:extLst>
             </p:spPr>
@@ -13891,7 +13891,7 @@
               <a:effectLst/>
               <a:extLst>
                 <a:ext uri="{C572A759-6A51-4108-AA02-DFA0A04FC94B}">
-                  <ma14:wrappingTextBoxFlag xmlns:ma14="http://schemas.microsoft.com/office/mac/drawingml/2011/main" xmlns="" val="1"/>
+                  <ma14:wrappingTextBoxFlag xmlns="" xmlns:ma14="http://schemas.microsoft.com/office/mac/drawingml/2011/main" val="1"/>
                 </a:ext>
               </a:extLst>
             </p:spPr>
@@ -14342,7 +14342,7 @@
               <a:effectLst/>
               <a:extLst>
                 <a:ext uri="{C572A759-6A51-4108-AA02-DFA0A04FC94B}">
-                  <ma14:wrappingTextBoxFlag xmlns:ma14="http://schemas.microsoft.com/office/mac/drawingml/2011/main" xmlns="" val="1"/>
+                  <ma14:wrappingTextBoxFlag xmlns="" xmlns:ma14="http://schemas.microsoft.com/office/mac/drawingml/2011/main" val="1"/>
                 </a:ext>
               </a:extLst>
             </p:spPr>
@@ -14711,7 +14711,7 @@
               <a:effectLst/>
               <a:extLst>
                 <a:ext uri="{C572A759-6A51-4108-AA02-DFA0A04FC94B}">
-                  <ma14:wrappingTextBoxFlag xmlns:ma14="http://schemas.microsoft.com/office/mac/drawingml/2011/main" xmlns="" val="1"/>
+                  <ma14:wrappingTextBoxFlag xmlns="" xmlns:ma14="http://schemas.microsoft.com/office/mac/drawingml/2011/main" val="1"/>
                 </a:ext>
               </a:extLst>
             </p:spPr>
@@ -14921,7 +14921,7 @@
               <a:effectLst/>
               <a:extLst>
                 <a:ext uri="{C572A759-6A51-4108-AA02-DFA0A04FC94B}">
-                  <ma14:wrappingTextBoxFlag xmlns:ma14="http://schemas.microsoft.com/office/mac/drawingml/2011/main" xmlns="" val="1"/>
+                  <ma14:wrappingTextBoxFlag xmlns="" xmlns:ma14="http://schemas.microsoft.com/office/mac/drawingml/2011/main" val="1"/>
                 </a:ext>
               </a:extLst>
             </p:spPr>
@@ -15162,7 +15162,7 @@
               <a:effectLst/>
               <a:extLst>
                 <a:ext uri="{C572A759-6A51-4108-AA02-DFA0A04FC94B}">
-                  <ma14:wrappingTextBoxFlag xmlns:ma14="http://schemas.microsoft.com/office/mac/drawingml/2011/main" xmlns="" val="1"/>
+                  <ma14:wrappingTextBoxFlag xmlns="" xmlns:ma14="http://schemas.microsoft.com/office/mac/drawingml/2011/main" val="1"/>
                 </a:ext>
               </a:extLst>
             </p:spPr>
@@ -15424,7 +15424,7 @@
               <a:effectLst/>
               <a:extLst>
                 <a:ext uri="{C572A759-6A51-4108-AA02-DFA0A04FC94B}">
-                  <ma14:wrappingTextBoxFlag xmlns:ma14="http://schemas.microsoft.com/office/mac/drawingml/2011/main" xmlns="" val="1"/>
+                  <ma14:wrappingTextBoxFlag xmlns="" xmlns:ma14="http://schemas.microsoft.com/office/mac/drawingml/2011/main" val="1"/>
                 </a:ext>
               </a:extLst>
             </p:spPr>
@@ -15732,7 +15732,7 @@
               <a:effectLst/>
               <a:extLst>
                 <a:ext uri="{C572A759-6A51-4108-AA02-DFA0A04FC94B}">
-                  <ma14:wrappingTextBoxFlag xmlns:ma14="http://schemas.microsoft.com/office/mac/drawingml/2011/main" xmlns="" val="1"/>
+                  <ma14:wrappingTextBoxFlag xmlns="" xmlns:ma14="http://schemas.microsoft.com/office/mac/drawingml/2011/main" val="1"/>
                 </a:ext>
               </a:extLst>
             </p:spPr>
@@ -16020,7 +16020,7 @@
               <a:effectLst/>
               <a:extLst>
                 <a:ext uri="{C572A759-6A51-4108-AA02-DFA0A04FC94B}">
-                  <ma14:wrappingTextBoxFlag xmlns:ma14="http://schemas.microsoft.com/office/mac/drawingml/2011/main" xmlns="" val="1"/>
+                  <ma14:wrappingTextBoxFlag xmlns="" xmlns:ma14="http://schemas.microsoft.com/office/mac/drawingml/2011/main" val="1"/>
                 </a:ext>
               </a:extLst>
             </p:spPr>
@@ -16378,7 +16378,7 @@
               <a:effectLst/>
               <a:extLst>
                 <a:ext uri="{C572A759-6A51-4108-AA02-DFA0A04FC94B}">
-                  <ma14:wrappingTextBoxFlag xmlns:ma14="http://schemas.microsoft.com/office/mac/drawingml/2011/main" xmlns="" val="1"/>
+                  <ma14:wrappingTextBoxFlag xmlns="" xmlns:ma14="http://schemas.microsoft.com/office/mac/drawingml/2011/main" val="1"/>
                 </a:ext>
               </a:extLst>
             </p:spPr>
@@ -20564,7 +20564,7 @@
             <a:effectLst/>
             <a:extLst>
               <a:ext uri="{C572A759-6A51-4108-AA02-DFA0A04FC94B}">
-                <ma14:wrappingTextBoxFlag xmlns="" xmlns:m="http://schemas.openxmlformats.org/officeDocument/2006/math" xmlns:a14="http://schemas.microsoft.com/office/drawing/2010/main" xmlns:ma14="http://schemas.microsoft.com/office/mac/drawingml/2011/main" val="1"/>
+                <ma14:wrappingTextBoxFlag xmlns:ma14="http://schemas.microsoft.com/office/mac/drawingml/2011/main" xmlns:a14="http://schemas.microsoft.com/office/drawing/2010/main" xmlns:m="http://schemas.openxmlformats.org/officeDocument/2006/math" xmlns="" val="1"/>
               </a:ext>
             </a:extLst>
           </p:spPr>
@@ -20739,7 +20739,7 @@
             <a:effectLst/>
             <a:extLst>
               <a:ext uri="{C572A759-6A51-4108-AA02-DFA0A04FC94B}">
-                <ma14:wrappingTextBoxFlag xmlns="" xmlns:m="http://schemas.openxmlformats.org/officeDocument/2006/math" xmlns:a14="http://schemas.microsoft.com/office/drawing/2010/main" xmlns:ma14="http://schemas.microsoft.com/office/mac/drawingml/2011/main" val="1"/>
+                <ma14:wrappingTextBoxFlag xmlns:ma14="http://schemas.microsoft.com/office/mac/drawingml/2011/main" xmlns:a14="http://schemas.microsoft.com/office/drawing/2010/main" xmlns:m="http://schemas.openxmlformats.org/officeDocument/2006/math" xmlns="" val="1"/>
               </a:ext>
             </a:extLst>
           </p:spPr>
@@ -20901,7 +20901,7 @@
             <a:effectLst/>
             <a:extLst>
               <a:ext uri="{C572A759-6A51-4108-AA02-DFA0A04FC94B}">
-                <ma14:wrappingTextBoxFlag xmlns="" xmlns:m="http://schemas.openxmlformats.org/officeDocument/2006/math" xmlns:a14="http://schemas.microsoft.com/office/drawing/2010/main" xmlns:ma14="http://schemas.microsoft.com/office/mac/drawingml/2011/main" val="1"/>
+                <ma14:wrappingTextBoxFlag xmlns:ma14="http://schemas.microsoft.com/office/mac/drawingml/2011/main" xmlns:a14="http://schemas.microsoft.com/office/drawing/2010/main" xmlns:m="http://schemas.openxmlformats.org/officeDocument/2006/math" xmlns="" val="1"/>
               </a:ext>
             </a:extLst>
           </p:spPr>
@@ -21063,7 +21063,7 @@
             <a:effectLst/>
             <a:extLst>
               <a:ext uri="{C572A759-6A51-4108-AA02-DFA0A04FC94B}">
-                <ma14:wrappingTextBoxFlag xmlns="" xmlns:m="http://schemas.openxmlformats.org/officeDocument/2006/math" xmlns:a14="http://schemas.microsoft.com/office/drawing/2010/main" xmlns:ma14="http://schemas.microsoft.com/office/mac/drawingml/2011/main" val="1"/>
+                <ma14:wrappingTextBoxFlag xmlns:ma14="http://schemas.microsoft.com/office/mac/drawingml/2011/main" xmlns:a14="http://schemas.microsoft.com/office/drawing/2010/main" xmlns:m="http://schemas.openxmlformats.org/officeDocument/2006/math" xmlns="" val="1"/>
               </a:ext>
             </a:extLst>
           </p:spPr>
@@ -21227,7 +21227,7 @@
             <a:effectLst/>
             <a:extLst>
               <a:ext uri="{C572A759-6A51-4108-AA02-DFA0A04FC94B}">
-                <ma14:wrappingTextBoxFlag xmlns="" xmlns:m="http://schemas.openxmlformats.org/officeDocument/2006/math" xmlns:a14="http://schemas.microsoft.com/office/drawing/2010/main" xmlns:ma14="http://schemas.microsoft.com/office/mac/drawingml/2011/main" val="1"/>
+                <ma14:wrappingTextBoxFlag xmlns:ma14="http://schemas.microsoft.com/office/mac/drawingml/2011/main" xmlns:a14="http://schemas.microsoft.com/office/drawing/2010/main" xmlns:m="http://schemas.openxmlformats.org/officeDocument/2006/math" xmlns="" val="1"/>
               </a:ext>
             </a:extLst>
           </p:spPr>
@@ -21391,7 +21391,7 @@
             <a:effectLst/>
             <a:extLst>
               <a:ext uri="{C572A759-6A51-4108-AA02-DFA0A04FC94B}">
-                <ma14:wrappingTextBoxFlag xmlns="" xmlns:m="http://schemas.openxmlformats.org/officeDocument/2006/math" xmlns:a14="http://schemas.microsoft.com/office/drawing/2010/main" xmlns:ma14="http://schemas.microsoft.com/office/mac/drawingml/2011/main" val="1"/>
+                <ma14:wrappingTextBoxFlag xmlns:ma14="http://schemas.microsoft.com/office/mac/drawingml/2011/main" xmlns:a14="http://schemas.microsoft.com/office/drawing/2010/main" xmlns:m="http://schemas.openxmlformats.org/officeDocument/2006/math" xmlns="" val="1"/>
               </a:ext>
             </a:extLst>
           </p:spPr>
@@ -21555,7 +21555,7 @@
             <a:effectLst/>
             <a:extLst>
               <a:ext uri="{C572A759-6A51-4108-AA02-DFA0A04FC94B}">
-                <ma14:wrappingTextBoxFlag xmlns="" xmlns:m="http://schemas.openxmlformats.org/officeDocument/2006/math" xmlns:a14="http://schemas.microsoft.com/office/drawing/2010/main" xmlns:ma14="http://schemas.microsoft.com/office/mac/drawingml/2011/main" val="1"/>
+                <ma14:wrappingTextBoxFlag xmlns:ma14="http://schemas.microsoft.com/office/mac/drawingml/2011/main" xmlns:a14="http://schemas.microsoft.com/office/drawing/2010/main" xmlns:m="http://schemas.openxmlformats.org/officeDocument/2006/math" xmlns="" val="1"/>
               </a:ext>
             </a:extLst>
           </p:spPr>
@@ -21656,8 +21656,12 @@
               </a:avLst>
             </a:prstGeom>
             <a:grpFill/>
-            <a:ln w="12700" cap="flat">
-              <a:noFill/>
+            <a:ln w="41275" cap="flat">
+              <a:solidFill>
+                <a:srgbClr val="FF0000">
+                  <a:alpha val="35000"/>
+                </a:srgbClr>
+              </a:solidFill>
               <a:miter lim="400000"/>
             </a:ln>
             <a:effectLst/>
@@ -21715,14 +21719,18 @@
               <a:avLst/>
             </a:prstGeom>
             <a:grpFill/>
-            <a:ln w="12700" cap="flat">
-              <a:noFill/>
+            <a:ln w="41275" cap="flat">
+              <a:solidFill>
+                <a:srgbClr val="FF0000">
+                  <a:alpha val="35000"/>
+                </a:srgbClr>
+              </a:solidFill>
               <a:miter lim="400000"/>
             </a:ln>
             <a:effectLst/>
             <a:extLst>
               <a:ext uri="{C572A759-6A51-4108-AA02-DFA0A04FC94B}">
-                <ma14:wrappingTextBoxFlag xmlns="" xmlns:m="http://schemas.openxmlformats.org/officeDocument/2006/math" xmlns:a14="http://schemas.microsoft.com/office/drawing/2010/main" xmlns:ma14="http://schemas.microsoft.com/office/mac/drawingml/2011/main" val="1"/>
+                <ma14:wrappingTextBoxFlag xmlns:ma14="http://schemas.microsoft.com/office/mac/drawingml/2011/main" xmlns:a14="http://schemas.microsoft.com/office/drawing/2010/main" xmlns:m="http://schemas.openxmlformats.org/officeDocument/2006/math" xmlns="" val="1"/>
               </a:ext>
             </a:extLst>
           </p:spPr>
@@ -21889,7 +21897,7 @@
             <a:effectLst/>
             <a:extLst>
               <a:ext uri="{C572A759-6A51-4108-AA02-DFA0A04FC94B}">
-                <ma14:wrappingTextBoxFlag xmlns="" xmlns:m="http://schemas.openxmlformats.org/officeDocument/2006/math" xmlns:a14="http://schemas.microsoft.com/office/drawing/2010/main" xmlns:ma14="http://schemas.microsoft.com/office/mac/drawingml/2011/main" val="1"/>
+                <ma14:wrappingTextBoxFlag xmlns:ma14="http://schemas.microsoft.com/office/mac/drawingml/2011/main" xmlns:a14="http://schemas.microsoft.com/office/drawing/2010/main" xmlns:m="http://schemas.openxmlformats.org/officeDocument/2006/math" xmlns="" val="1"/>
               </a:ext>
             </a:extLst>
           </p:spPr>
@@ -22100,7 +22108,7 @@
             <a:effectLst/>
             <a:extLst>
               <a:ext uri="{C572A759-6A51-4108-AA02-DFA0A04FC94B}">
-                <ma14:wrappingTextBoxFlag xmlns="" xmlns:m="http://schemas.openxmlformats.org/officeDocument/2006/math" xmlns:a14="http://schemas.microsoft.com/office/drawing/2010/main" xmlns:ma14="http://schemas.microsoft.com/office/mac/drawingml/2011/main" val="1"/>
+                <ma14:wrappingTextBoxFlag xmlns:ma14="http://schemas.microsoft.com/office/mac/drawingml/2011/main" xmlns:a14="http://schemas.microsoft.com/office/drawing/2010/main" xmlns:m="http://schemas.openxmlformats.org/officeDocument/2006/math" xmlns="" val="1"/>
               </a:ext>
             </a:extLst>
           </p:spPr>
@@ -22862,6 +22870,55 @@
           </a:fontRef>
         </p:style>
       </p:cxnSp>
+      <p:cxnSp>
+        <p:nvCxnSpPr>
+          <p:cNvPr id="51" name="Curved Connector 50">
+            <a:extLst>
+              <a:ext uri="{FF2B5EF4-FFF2-40B4-BE49-F238E27FC236}">
+                <a16:creationId xmlns:a16="http://schemas.microsoft.com/office/drawing/2014/main" id="{F53F92D1-4E2D-224D-AC52-24CDB2D57270}"/>
+              </a:ext>
+            </a:extLst>
+          </p:cNvPr>
+          <p:cNvCxnSpPr>
+            <a:cxnSpLocks/>
+            <a:stCxn id="28" idx="3"/>
+            <a:endCxn id="17" idx="1"/>
+          </p:cNvCxnSpPr>
+          <p:nvPr/>
+        </p:nvCxnSpPr>
+        <p:spPr>
+          <a:xfrm>
+            <a:off x="2524361" y="2777852"/>
+            <a:ext cx="3675133" cy="9185"/>
+          </a:xfrm>
+          <a:prstGeom prst="curvedConnector3">
+            <a:avLst>
+              <a:gd name="adj1" fmla="val 50000"/>
+            </a:avLst>
+          </a:prstGeom>
+          <a:ln w="38100">
+            <a:solidFill>
+              <a:srgbClr val="348CE7"/>
+            </a:solidFill>
+            <a:tailEnd type="triangle"/>
+          </a:ln>
+          <a:effectLst/>
+        </p:spPr>
+        <p:style>
+          <a:lnRef idx="2">
+            <a:schemeClr val="accent1"/>
+          </a:lnRef>
+          <a:fillRef idx="0">
+            <a:schemeClr val="accent1"/>
+          </a:fillRef>
+          <a:effectRef idx="1">
+            <a:schemeClr val="accent1"/>
+          </a:effectRef>
+          <a:fontRef idx="minor">
+            <a:schemeClr val="tx1"/>
+          </a:fontRef>
+        </p:style>
+      </p:cxnSp>
     </p:spTree>
     <p:extLst>
       <p:ext uri="{BB962C8B-B14F-4D97-AF65-F5344CB8AC3E}">
@@ -24153,8 +24210,8 @@
         </p:nvSpPr>
         <p:spPr>
           <a:xfrm>
-            <a:off x="3924900" y="4010862"/>
-            <a:ext cx="914400" cy="455838"/>
+            <a:off x="3899500" y="4010862"/>
+            <a:ext cx="762057" cy="455838"/>
           </a:xfrm>
           <a:prstGeom prst="rect">
             <a:avLst/>
@@ -24207,7 +24264,7 @@
               <a:tabLst/>
             </a:pPr>
             <a:r>
-              <a:rPr kumimoji="0" lang="en-US" sz="1000" b="0" i="0" u="none" strike="noStrike" kern="1200" cap="none" spc="0" normalizeH="0" baseline="0" noProof="0" dirty="0">
+              <a:rPr kumimoji="0" lang="en-US" sz="900" b="0" i="0" u="none" strike="noStrike" kern="1200" cap="none" spc="0" normalizeH="0" baseline="0" noProof="0" dirty="0">
                 <a:ln>
                   <a:noFill/>
                 </a:ln>
@@ -24329,7 +24386,7 @@
         </p:nvSpPr>
         <p:spPr>
           <a:xfrm>
-            <a:off x="454440" y="2282899"/>
+            <a:off x="1089440" y="2282899"/>
             <a:ext cx="2057400" cy="347870"/>
           </a:xfrm>
           <a:prstGeom prst="rect">
@@ -25255,93 +25312,6 @@
       </p:sp>
       <p:sp>
         <p:nvSpPr>
-          <p:cNvPr id="40" name="Rectangle 39">
-            <a:extLst>
-              <a:ext uri="{FF2B5EF4-FFF2-40B4-BE49-F238E27FC236}">
-                <a16:creationId xmlns:a16="http://schemas.microsoft.com/office/drawing/2014/main" id="{99D2E5ED-E93B-A942-8864-4ADEA5F6F801}"/>
-              </a:ext>
-            </a:extLst>
-          </p:cNvPr>
-          <p:cNvSpPr/>
-          <p:nvPr/>
-        </p:nvSpPr>
-        <p:spPr>
-          <a:xfrm>
-            <a:off x="4905841" y="4010862"/>
-            <a:ext cx="1097198" cy="455838"/>
-          </a:xfrm>
-          <a:prstGeom prst="rect">
-            <a:avLst/>
-          </a:prstGeom>
-          <a:solidFill>
-            <a:srgbClr val="44D035">
-              <a:alpha val="60000"/>
-            </a:srgbClr>
-          </a:solidFill>
-          <a:ln w="12700">
-            <a:solidFill>
-              <a:srgbClr val="92D050"/>
-            </a:solidFill>
-          </a:ln>
-        </p:spPr>
-        <p:style>
-          <a:lnRef idx="2">
-            <a:schemeClr val="accent1">
-              <a:shade val="50000"/>
-            </a:schemeClr>
-          </a:lnRef>
-          <a:fillRef idx="1">
-            <a:schemeClr val="accent1"/>
-          </a:fillRef>
-          <a:effectRef idx="0">
-            <a:schemeClr val="accent1"/>
-          </a:effectRef>
-          <a:fontRef idx="minor">
-            <a:schemeClr val="lt1"/>
-          </a:fontRef>
-        </p:style>
-        <p:txBody>
-          <a:bodyPr rtlCol="0" anchor="ctr"/>
-          <a:lstStyle/>
-          <a:p>
-            <a:pPr marL="0" marR="0" indent="0" algn="ctr" defTabSz="685800" rtl="0" eaLnBrk="1" fontAlgn="auto" latinLnBrk="0" hangingPunct="1">
-              <a:lnSpc>
-                <a:spcPct val="100000"/>
-              </a:lnSpc>
-              <a:spcBef>
-                <a:spcPts val="0"/>
-              </a:spcBef>
-              <a:spcAft>
-                <a:spcPts val="0"/>
-              </a:spcAft>
-              <a:buClrTx/>
-              <a:buSzTx/>
-              <a:buFontTx/>
-              <a:buNone/>
-              <a:tabLst/>
-            </a:pPr>
-            <a:r>
-              <a:rPr kumimoji="0" lang="en-US" sz="1000" b="0" i="0" u="none" strike="noStrike" kern="1200" cap="none" spc="0" normalizeH="0" baseline="0" noProof="0" dirty="0">
-                <a:ln>
-                  <a:noFill/>
-                </a:ln>
-                <a:solidFill>
-                  <a:schemeClr val="tx1"/>
-                </a:solidFill>
-                <a:effectLst/>
-                <a:uLnTx/>
-                <a:uFillTx/>
-                <a:latin typeface="Arial"/>
-                <a:ea typeface="+mn-ea"/>
-                <a:cs typeface="+mn-cs"/>
-              </a:rPr>
-              <a:t>Define Data API </a:t>
-            </a:r>
-          </a:p>
-        </p:txBody>
-      </p:sp>
-      <p:sp>
-        <p:nvSpPr>
           <p:cNvPr id="41" name="Rectangle 40">
             <a:extLst>
               <a:ext uri="{FF2B5EF4-FFF2-40B4-BE49-F238E27FC236}">
@@ -25361,12 +25331,16 @@
             <a:avLst/>
           </a:prstGeom>
           <a:solidFill>
-            <a:srgbClr val="BB59D6">
+            <a:srgbClr val="348CE7">
               <a:alpha val="36078"/>
             </a:srgbClr>
           </a:solidFill>
-          <a:ln w="12700">
-            <a:noFill/>
+          <a:ln w="47625">
+            <a:solidFill>
+              <a:srgbClr val="FF0000">
+                <a:alpha val="35000"/>
+              </a:srgbClr>
+            </a:solidFill>
           </a:ln>
         </p:spPr>
         <p:style>
@@ -25450,8 +25424,12 @@
               <a:alpha val="59000"/>
             </a:srgbClr>
           </a:solidFill>
-          <a:ln w="12700">
-            <a:noFill/>
+          <a:ln w="47625">
+            <a:solidFill>
+              <a:srgbClr val="FF0000">
+                <a:alpha val="34000"/>
+              </a:srgbClr>
+            </a:solidFill>
           </a:ln>
         </p:spPr>
         <p:style>
@@ -25535,8 +25513,10 @@
               <a:alpha val="60000"/>
             </a:srgbClr>
           </a:solidFill>
-          <a:ln w="12700">
-            <a:noFill/>
+          <a:ln w="44450">
+            <a:solidFill>
+              <a:srgbClr val="348CE7"/>
+            </a:solidFill>
           </a:ln>
         </p:spPr>
         <p:style>
@@ -25862,7 +25842,7 @@
         </p:nvSpPr>
         <p:spPr>
           <a:xfrm>
-            <a:off x="6074870" y="4010862"/>
+            <a:off x="6612134" y="4010862"/>
             <a:ext cx="914400" cy="455838"/>
           </a:xfrm>
           <a:prstGeom prst="rect">
@@ -25916,7 +25896,7 @@
               <a:tabLst/>
             </a:pPr>
             <a:r>
-              <a:rPr kumimoji="0" lang="en-US" sz="1000" b="0" i="0" u="none" strike="noStrike" kern="1200" cap="none" spc="0" normalizeH="0" baseline="0" noProof="0" dirty="0">
+              <a:rPr kumimoji="0" lang="en-US" sz="900" b="0" i="0" u="none" strike="noStrike" kern="1200" cap="none" spc="0" normalizeH="0" baseline="0" noProof="0" dirty="0">
                 <a:ln>
                   <a:noFill/>
                 </a:ln>
@@ -25930,92 +25910,7 @@
                 <a:ea typeface="+mn-ea"/>
                 <a:cs typeface="+mn-cs"/>
               </a:rPr>
-              <a:t>Tune Schema</a:t>
-            </a:r>
-          </a:p>
-        </p:txBody>
-      </p:sp>
-      <p:sp>
-        <p:nvSpPr>
-          <p:cNvPr id="49" name="Rectangle 48">
-            <a:extLst>
-              <a:ext uri="{FF2B5EF4-FFF2-40B4-BE49-F238E27FC236}">
-                <a16:creationId xmlns:a16="http://schemas.microsoft.com/office/drawing/2014/main" id="{41B4407D-A65A-DC48-9475-9F0AF768BA1D}"/>
-              </a:ext>
-            </a:extLst>
-          </p:cNvPr>
-          <p:cNvSpPr/>
-          <p:nvPr/>
-        </p:nvSpPr>
-        <p:spPr>
-          <a:xfrm>
-            <a:off x="7036401" y="4010862"/>
-            <a:ext cx="1513313" cy="455838"/>
-          </a:xfrm>
-          <a:prstGeom prst="rect">
-            <a:avLst/>
-          </a:prstGeom>
-          <a:solidFill>
-            <a:srgbClr val="44D035">
-              <a:alpha val="59000"/>
-            </a:srgbClr>
-          </a:solidFill>
-          <a:ln w="12700">
-            <a:noFill/>
-          </a:ln>
-        </p:spPr>
-        <p:style>
-          <a:lnRef idx="2">
-            <a:schemeClr val="accent1">
-              <a:shade val="50000"/>
-            </a:schemeClr>
-          </a:lnRef>
-          <a:fillRef idx="1">
-            <a:schemeClr val="accent1"/>
-          </a:fillRef>
-          <a:effectRef idx="0">
-            <a:schemeClr val="accent1"/>
-          </a:effectRef>
-          <a:fontRef idx="minor">
-            <a:schemeClr val="lt1"/>
-          </a:fontRef>
-        </p:style>
-        <p:txBody>
-          <a:bodyPr rtlCol="0" anchor="ctr"/>
-          <a:lstStyle/>
-          <a:p>
-            <a:pPr marL="0" marR="0" indent="0" algn="ctr" defTabSz="685800" rtl="0" eaLnBrk="1" fontAlgn="auto" latinLnBrk="0" hangingPunct="1">
-              <a:lnSpc>
-                <a:spcPct val="100000"/>
-              </a:lnSpc>
-              <a:spcBef>
-                <a:spcPts val="0"/>
-              </a:spcBef>
-              <a:spcAft>
-                <a:spcPts val="0"/>
-              </a:spcAft>
-              <a:buClrTx/>
-              <a:buSzTx/>
-              <a:buFontTx/>
-              <a:buNone/>
-              <a:tabLst/>
-            </a:pPr>
-            <a:r>
-              <a:rPr kumimoji="0" lang="en-US" sz="800" b="0" i="0" u="none" strike="noStrike" kern="1200" cap="none" spc="0" normalizeH="0" baseline="0" noProof="0" dirty="0">
-                <a:ln>
-                  <a:noFill/>
-                </a:ln>
-                <a:solidFill>
-                  <a:schemeClr val="tx1"/>
-                </a:solidFill>
-                <a:effectLst/>
-                <a:uLnTx/>
-                <a:uFillTx/>
-                <a:latin typeface="Arial"/>
-                <a:ea typeface="+mn-ea"/>
-                <a:cs typeface="+mn-cs"/>
-              </a:rPr>
-              <a:t>Tune Data access integration</a:t>
+              <a:t>Tune API, Schema, Integration</a:t>
             </a:r>
           </a:p>
         </p:txBody>
@@ -26365,7 +26260,7 @@
         </p:nvSpPr>
         <p:spPr>
           <a:xfrm rot="5400000">
-            <a:off x="8574988" y="4099928"/>
+            <a:off x="8536888" y="4099928"/>
             <a:ext cx="363640" cy="247918"/>
           </a:xfrm>
           <a:prstGeom prst="triangle">
@@ -26430,6 +26325,304 @@
               <a:ea typeface="+mn-ea"/>
               <a:cs typeface="+mn-cs"/>
             </a:endParaRPr>
+          </a:p>
+        </p:txBody>
+      </p:sp>
+      <p:sp>
+        <p:nvSpPr>
+          <p:cNvPr id="42" name="Rectangle 41">
+            <a:extLst>
+              <a:ext uri="{FF2B5EF4-FFF2-40B4-BE49-F238E27FC236}">
+                <a16:creationId xmlns:a16="http://schemas.microsoft.com/office/drawing/2014/main" id="{BCEE0FEE-079F-554A-9F0A-ED0D4C773D72}"/>
+              </a:ext>
+            </a:extLst>
+          </p:cNvPr>
+          <p:cNvSpPr/>
+          <p:nvPr/>
+        </p:nvSpPr>
+        <p:spPr>
+          <a:xfrm>
+            <a:off x="7611273" y="4010862"/>
+            <a:ext cx="914400" cy="455838"/>
+          </a:xfrm>
+          <a:prstGeom prst="rect">
+            <a:avLst/>
+          </a:prstGeom>
+          <a:solidFill>
+            <a:srgbClr val="44D035">
+              <a:alpha val="60000"/>
+            </a:srgbClr>
+          </a:solidFill>
+          <a:ln w="12700">
+            <a:solidFill>
+              <a:srgbClr val="92D050"/>
+            </a:solidFill>
+          </a:ln>
+        </p:spPr>
+        <p:style>
+          <a:lnRef idx="2">
+            <a:schemeClr val="accent1">
+              <a:shade val="50000"/>
+            </a:schemeClr>
+          </a:lnRef>
+          <a:fillRef idx="1">
+            <a:schemeClr val="accent1"/>
+          </a:fillRef>
+          <a:effectRef idx="0">
+            <a:schemeClr val="accent1"/>
+          </a:effectRef>
+          <a:fontRef idx="minor">
+            <a:schemeClr val="lt1"/>
+          </a:fontRef>
+        </p:style>
+        <p:txBody>
+          <a:bodyPr rtlCol="0" anchor="ctr"/>
+          <a:lstStyle/>
+          <a:p>
+            <a:pPr marL="0" marR="0" indent="0" algn="ctr" defTabSz="685800" rtl="0" eaLnBrk="1" fontAlgn="auto" latinLnBrk="0" hangingPunct="1">
+              <a:lnSpc>
+                <a:spcPct val="100000"/>
+              </a:lnSpc>
+              <a:spcBef>
+                <a:spcPts val="0"/>
+              </a:spcBef>
+              <a:spcAft>
+                <a:spcPts val="0"/>
+              </a:spcAft>
+              <a:buClrTx/>
+              <a:buSzTx/>
+              <a:buFontTx/>
+              <a:buNone/>
+              <a:tabLst/>
+            </a:pPr>
+            <a:r>
+              <a:rPr kumimoji="0" lang="en-US" sz="900" b="0" i="0" u="none" strike="noStrike" kern="1200" cap="none" spc="0" normalizeH="0" baseline="0" noProof="0" dirty="0">
+                <a:ln>
+                  <a:noFill/>
+                </a:ln>
+                <a:solidFill>
+                  <a:schemeClr val="tx1"/>
+                </a:solidFill>
+                <a:effectLst/>
+                <a:uLnTx/>
+                <a:uFillTx/>
+                <a:latin typeface="Arial"/>
+                <a:ea typeface="+mn-ea"/>
+                <a:cs typeface="+mn-cs"/>
+              </a:rPr>
+              <a:t>Tune API, Schema, Integration</a:t>
+            </a:r>
+          </a:p>
+        </p:txBody>
+      </p:sp>
+      <p:sp>
+        <p:nvSpPr>
+          <p:cNvPr id="53" name="Rectangle 52">
+            <a:extLst>
+              <a:ext uri="{FF2B5EF4-FFF2-40B4-BE49-F238E27FC236}">
+                <a16:creationId xmlns:a16="http://schemas.microsoft.com/office/drawing/2014/main" id="{75111094-3CFA-8C46-AEE5-B62BDEBD9C5E}"/>
+              </a:ext>
+            </a:extLst>
+          </p:cNvPr>
+          <p:cNvSpPr/>
+          <p:nvPr/>
+        </p:nvSpPr>
+        <p:spPr>
+          <a:xfrm>
+            <a:off x="5670676" y="4010862"/>
+            <a:ext cx="914400" cy="455838"/>
+          </a:xfrm>
+          <a:prstGeom prst="rect">
+            <a:avLst/>
+          </a:prstGeom>
+          <a:solidFill>
+            <a:srgbClr val="44D035">
+              <a:alpha val="60000"/>
+            </a:srgbClr>
+          </a:solidFill>
+          <a:ln w="12700">
+            <a:solidFill>
+              <a:srgbClr val="92D050"/>
+            </a:solidFill>
+          </a:ln>
+        </p:spPr>
+        <p:style>
+          <a:lnRef idx="2">
+            <a:schemeClr val="accent1">
+              <a:shade val="50000"/>
+            </a:schemeClr>
+          </a:lnRef>
+          <a:fillRef idx="1">
+            <a:schemeClr val="accent1"/>
+          </a:fillRef>
+          <a:effectRef idx="0">
+            <a:schemeClr val="accent1"/>
+          </a:effectRef>
+          <a:fontRef idx="minor">
+            <a:schemeClr val="lt1"/>
+          </a:fontRef>
+        </p:style>
+        <p:txBody>
+          <a:bodyPr rtlCol="0" anchor="ctr"/>
+          <a:lstStyle/>
+          <a:p>
+            <a:pPr marL="0" marR="0" indent="0" algn="ctr" defTabSz="685800" rtl="0" eaLnBrk="1" fontAlgn="auto" latinLnBrk="0" hangingPunct="1">
+              <a:lnSpc>
+                <a:spcPct val="100000"/>
+              </a:lnSpc>
+              <a:spcBef>
+                <a:spcPts val="0"/>
+              </a:spcBef>
+              <a:spcAft>
+                <a:spcPts val="0"/>
+              </a:spcAft>
+              <a:buClrTx/>
+              <a:buSzTx/>
+              <a:buFontTx/>
+              <a:buNone/>
+              <a:tabLst/>
+            </a:pPr>
+            <a:r>
+              <a:rPr kumimoji="0" lang="en-US" sz="900" b="0" i="0" u="none" strike="noStrike" kern="1200" cap="none" spc="0" normalizeH="0" baseline="0" noProof="0" dirty="0">
+                <a:ln>
+                  <a:noFill/>
+                </a:ln>
+                <a:solidFill>
+                  <a:schemeClr val="tx1"/>
+                </a:solidFill>
+                <a:effectLst/>
+                <a:uLnTx/>
+                <a:uFillTx/>
+                <a:latin typeface="Arial"/>
+                <a:ea typeface="+mn-ea"/>
+                <a:cs typeface="+mn-cs"/>
+              </a:rPr>
+              <a:t>Tune API, Schema, Integration</a:t>
+            </a:r>
+          </a:p>
+        </p:txBody>
+      </p:sp>
+      <p:sp>
+        <p:nvSpPr>
+          <p:cNvPr id="56" name="Rectangle 55">
+            <a:extLst>
+              <a:ext uri="{FF2B5EF4-FFF2-40B4-BE49-F238E27FC236}">
+                <a16:creationId xmlns:a16="http://schemas.microsoft.com/office/drawing/2014/main" id="{9D4791D9-C140-CD46-98B9-B6FF204DFD1B}"/>
+              </a:ext>
+            </a:extLst>
+          </p:cNvPr>
+          <p:cNvSpPr/>
+          <p:nvPr/>
+        </p:nvSpPr>
+        <p:spPr>
+          <a:xfrm>
+            <a:off x="4711127" y="4023562"/>
+            <a:ext cx="914400" cy="455838"/>
+          </a:xfrm>
+          <a:prstGeom prst="rect">
+            <a:avLst/>
+          </a:prstGeom>
+          <a:solidFill>
+            <a:srgbClr val="44D035">
+              <a:alpha val="59000"/>
+            </a:srgbClr>
+          </a:solidFill>
+          <a:ln w="47625">
+            <a:solidFill>
+              <a:srgbClr val="FF0000">
+                <a:alpha val="34000"/>
+              </a:srgbClr>
+            </a:solidFill>
+          </a:ln>
+        </p:spPr>
+        <p:style>
+          <a:lnRef idx="2">
+            <a:schemeClr val="accent1">
+              <a:shade val="50000"/>
+            </a:schemeClr>
+          </a:lnRef>
+          <a:fillRef idx="1">
+            <a:schemeClr val="accent1"/>
+          </a:fillRef>
+          <a:effectRef idx="0">
+            <a:schemeClr val="accent1"/>
+          </a:effectRef>
+          <a:fontRef idx="minor">
+            <a:schemeClr val="lt1"/>
+          </a:fontRef>
+        </p:style>
+        <p:txBody>
+          <a:bodyPr rtlCol="0" anchor="ctr"/>
+          <a:lstStyle/>
+          <a:p>
+            <a:pPr marL="0" marR="0" indent="0" algn="ctr" defTabSz="685800" rtl="0" eaLnBrk="1" fontAlgn="auto" latinLnBrk="0" hangingPunct="1">
+              <a:lnSpc>
+                <a:spcPct val="100000"/>
+              </a:lnSpc>
+              <a:spcBef>
+                <a:spcPts val="0"/>
+              </a:spcBef>
+              <a:spcAft>
+                <a:spcPts val="0"/>
+              </a:spcAft>
+              <a:buClrTx/>
+              <a:buSzTx/>
+              <a:buFontTx/>
+              <a:buNone/>
+              <a:tabLst/>
+            </a:pPr>
+            <a:r>
+              <a:rPr kumimoji="0" lang="en-US" sz="1000" b="0" i="0" u="none" strike="noStrike" kern="1200" cap="none" spc="0" normalizeH="0" baseline="0" noProof="0" dirty="0">
+                <a:ln>
+                  <a:noFill/>
+                </a:ln>
+                <a:solidFill>
+                  <a:schemeClr val="tx1"/>
+                </a:solidFill>
+                <a:effectLst/>
+                <a:uLnTx/>
+                <a:uFillTx/>
+                <a:latin typeface="Arial"/>
+                <a:ea typeface="+mn-ea"/>
+                <a:cs typeface="+mn-cs"/>
+              </a:rPr>
+              <a:t>Build Data </a:t>
+            </a:r>
+          </a:p>
+          <a:p>
+            <a:pPr marL="0" marR="0" indent="0" algn="ctr" defTabSz="685800" rtl="0" eaLnBrk="1" fontAlgn="auto" latinLnBrk="0" hangingPunct="1">
+              <a:lnSpc>
+                <a:spcPct val="100000"/>
+              </a:lnSpc>
+              <a:spcBef>
+                <a:spcPts val="0"/>
+              </a:spcBef>
+              <a:spcAft>
+                <a:spcPts val="0"/>
+              </a:spcAft>
+              <a:buClrTx/>
+              <a:buSzTx/>
+              <a:buFontTx/>
+              <a:buNone/>
+              <a:tabLst/>
+            </a:pPr>
+            <a:r>
+              <a:rPr kumimoji="0" lang="en-US" sz="1000" b="0" i="0" u="none" strike="noStrike" kern="1200" cap="none" spc="0" normalizeH="0" baseline="0" noProof="0" dirty="0">
+                <a:ln>
+                  <a:noFill/>
+                </a:ln>
+                <a:solidFill>
+                  <a:schemeClr val="tx1"/>
+                </a:solidFill>
+                <a:effectLst/>
+                <a:uLnTx/>
+                <a:uFillTx/>
+                <a:latin typeface="Arial"/>
+                <a:ea typeface="+mn-ea"/>
+                <a:cs typeface="+mn-cs"/>
+              </a:rPr>
+              <a:t>API</a:t>
+            </a:r>
           </a:p>
         </p:txBody>
       </p:sp>
@@ -26613,7 +26806,7 @@
             <a:effectLst/>
             <a:extLst>
               <a:ext uri="{C572A759-6A51-4108-AA02-DFA0A04FC94B}">
-                <ma14:wrappingTextBoxFlag xmlns="" xmlns:m="http://schemas.openxmlformats.org/officeDocument/2006/math" xmlns:a14="http://schemas.microsoft.com/office/drawing/2010/main" xmlns:ma14="http://schemas.microsoft.com/office/mac/drawingml/2011/main" val="1"/>
+                <ma14:wrappingTextBoxFlag xmlns:ma14="http://schemas.microsoft.com/office/mac/drawingml/2011/main" xmlns:a14="http://schemas.microsoft.com/office/drawing/2010/main" xmlns:m="http://schemas.openxmlformats.org/officeDocument/2006/math" xmlns="" val="1"/>
               </a:ext>
             </a:extLst>
           </p:spPr>
@@ -26788,7 +26981,7 @@
             <a:effectLst/>
             <a:extLst>
               <a:ext uri="{C572A759-6A51-4108-AA02-DFA0A04FC94B}">
-                <ma14:wrappingTextBoxFlag xmlns="" xmlns:m="http://schemas.openxmlformats.org/officeDocument/2006/math" xmlns:a14="http://schemas.microsoft.com/office/drawing/2010/main" xmlns:ma14="http://schemas.microsoft.com/office/mac/drawingml/2011/main" val="1"/>
+                <ma14:wrappingTextBoxFlag xmlns:ma14="http://schemas.microsoft.com/office/mac/drawingml/2011/main" xmlns:a14="http://schemas.microsoft.com/office/drawing/2010/main" xmlns:m="http://schemas.openxmlformats.org/officeDocument/2006/math" xmlns="" val="1"/>
               </a:ext>
             </a:extLst>
           </p:spPr>
@@ -26963,7 +27156,7 @@
             <a:effectLst/>
             <a:extLst>
               <a:ext uri="{C572A759-6A51-4108-AA02-DFA0A04FC94B}">
-                <ma14:wrappingTextBoxFlag xmlns="" xmlns:m="http://schemas.openxmlformats.org/officeDocument/2006/math" xmlns:a14="http://schemas.microsoft.com/office/drawing/2010/main" xmlns:ma14="http://schemas.microsoft.com/office/mac/drawingml/2011/main" val="1"/>
+                <ma14:wrappingTextBoxFlag xmlns:ma14="http://schemas.microsoft.com/office/mac/drawingml/2011/main" xmlns:a14="http://schemas.microsoft.com/office/drawing/2010/main" xmlns:m="http://schemas.openxmlformats.org/officeDocument/2006/math" xmlns="" val="1"/>
               </a:ext>
             </a:extLst>
           </p:spPr>
@@ -27125,7 +27318,7 @@
             <a:effectLst/>
             <a:extLst>
               <a:ext uri="{C572A759-6A51-4108-AA02-DFA0A04FC94B}">
-                <ma14:wrappingTextBoxFlag xmlns="" xmlns:m="http://schemas.openxmlformats.org/officeDocument/2006/math" xmlns:a14="http://schemas.microsoft.com/office/drawing/2010/main" xmlns:ma14="http://schemas.microsoft.com/office/mac/drawingml/2011/main" val="1"/>
+                <ma14:wrappingTextBoxFlag xmlns:ma14="http://schemas.microsoft.com/office/mac/drawingml/2011/main" xmlns:a14="http://schemas.microsoft.com/office/drawing/2010/main" xmlns:m="http://schemas.openxmlformats.org/officeDocument/2006/math" xmlns="" val="1"/>
               </a:ext>
             </a:extLst>
           </p:spPr>
@@ -27286,7 +27479,7 @@
             <a:effectLst/>
             <a:extLst>
               <a:ext uri="{C572A759-6A51-4108-AA02-DFA0A04FC94B}">
-                <ma14:wrappingTextBoxFlag xmlns="" xmlns:m="http://schemas.openxmlformats.org/officeDocument/2006/math" xmlns:a14="http://schemas.microsoft.com/office/drawing/2010/main" xmlns:ma14="http://schemas.microsoft.com/office/mac/drawingml/2011/main" val="1"/>
+                <ma14:wrappingTextBoxFlag xmlns:ma14="http://schemas.microsoft.com/office/mac/drawingml/2011/main" xmlns:a14="http://schemas.microsoft.com/office/drawing/2010/main" xmlns:m="http://schemas.openxmlformats.org/officeDocument/2006/math" xmlns="" val="1"/>
               </a:ext>
             </a:extLst>
           </p:spPr>
@@ -27474,7 +27667,7 @@
             <a:effectLst/>
             <a:extLst>
               <a:ext uri="{C572A759-6A51-4108-AA02-DFA0A04FC94B}">
-                <ma14:wrappingTextBoxFlag xmlns="" xmlns:m="http://schemas.openxmlformats.org/officeDocument/2006/math" xmlns:a14="http://schemas.microsoft.com/office/drawing/2010/main" xmlns:ma14="http://schemas.microsoft.com/office/mac/drawingml/2011/main" val="1"/>
+                <ma14:wrappingTextBoxFlag xmlns:ma14="http://schemas.microsoft.com/office/mac/drawingml/2011/main" xmlns:a14="http://schemas.microsoft.com/office/drawing/2010/main" xmlns:m="http://schemas.openxmlformats.org/officeDocument/2006/math" xmlns="" val="1"/>
               </a:ext>
             </a:extLst>
           </p:spPr>
@@ -27638,7 +27831,7 @@
             <a:effectLst/>
             <a:extLst>
               <a:ext uri="{C572A759-6A51-4108-AA02-DFA0A04FC94B}">
-                <ma14:wrappingTextBoxFlag xmlns="" xmlns:m="http://schemas.openxmlformats.org/officeDocument/2006/math" xmlns:a14="http://schemas.microsoft.com/office/drawing/2010/main" xmlns:ma14="http://schemas.microsoft.com/office/mac/drawingml/2011/main" val="1"/>
+                <ma14:wrappingTextBoxFlag xmlns:ma14="http://schemas.microsoft.com/office/mac/drawingml/2011/main" xmlns:a14="http://schemas.microsoft.com/office/drawing/2010/main" xmlns:m="http://schemas.openxmlformats.org/officeDocument/2006/math" xmlns="" val="1"/>
               </a:ext>
             </a:extLst>
           </p:spPr>
@@ -27674,7 +27867,7 @@
                   <a:ea typeface="Helvetica Neue Medium"/>
                   <a:cs typeface="Helvetica Neue Medium"/>
                 </a:rPr>
-                <a:t>Build data access integration</a:t>
+                <a:t>Deploy data integration</a:t>
               </a:r>
               <a:endParaRPr sz="1400" kern="0" dirty="0">
                 <a:latin typeface="Helvetica Neue Medium"/>
@@ -27797,7 +27990,7 @@
             <a:effectLst/>
             <a:extLst>
               <a:ext uri="{C572A759-6A51-4108-AA02-DFA0A04FC94B}">
-                <ma14:wrappingTextBoxFlag xmlns="" xmlns:m="http://schemas.openxmlformats.org/officeDocument/2006/math" xmlns:a14="http://schemas.microsoft.com/office/drawing/2010/main" xmlns:ma14="http://schemas.microsoft.com/office/mac/drawingml/2011/main" val="1"/>
+                <ma14:wrappingTextBoxFlag xmlns:ma14="http://schemas.microsoft.com/office/mac/drawingml/2011/main" xmlns:a14="http://schemas.microsoft.com/office/drawing/2010/main" xmlns:m="http://schemas.openxmlformats.org/officeDocument/2006/math" xmlns="" val="1"/>
               </a:ext>
             </a:extLst>
           </p:spPr>
@@ -27956,7 +28149,7 @@
             <a:effectLst/>
             <a:extLst>
               <a:ext uri="{C572A759-6A51-4108-AA02-DFA0A04FC94B}">
-                <ma14:wrappingTextBoxFlag xmlns="" xmlns:m="http://schemas.openxmlformats.org/officeDocument/2006/math" xmlns:a14="http://schemas.microsoft.com/office/drawing/2010/main" xmlns:ma14="http://schemas.microsoft.com/office/mac/drawingml/2011/main" val="1"/>
+                <ma14:wrappingTextBoxFlag xmlns:ma14="http://schemas.microsoft.com/office/mac/drawingml/2011/main" xmlns:a14="http://schemas.microsoft.com/office/drawing/2010/main" xmlns:m="http://schemas.openxmlformats.org/officeDocument/2006/math" xmlns="" val="1"/>
               </a:ext>
             </a:extLst>
           </p:spPr>
@@ -28167,7 +28360,7 @@
             <a:effectLst/>
             <a:extLst>
               <a:ext uri="{C572A759-6A51-4108-AA02-DFA0A04FC94B}">
-                <ma14:wrappingTextBoxFlag xmlns="" xmlns:m="http://schemas.openxmlformats.org/officeDocument/2006/math" xmlns:a14="http://schemas.microsoft.com/office/drawing/2010/main" xmlns:ma14="http://schemas.microsoft.com/office/mac/drawingml/2011/main" val="1"/>
+                <ma14:wrappingTextBoxFlag xmlns:ma14="http://schemas.microsoft.com/office/mac/drawingml/2011/main" xmlns:a14="http://schemas.microsoft.com/office/drawing/2010/main" xmlns:m="http://schemas.openxmlformats.org/officeDocument/2006/math" xmlns="" val="1"/>
               </a:ext>
             </a:extLst>
           </p:spPr>
@@ -28943,7 +29136,7 @@
           <a:effectLst/>
           <a:extLst>
             <a:ext uri="{C572A759-6A51-4108-AA02-DFA0A04FC94B}">
-              <ma14:wrappingTextBoxFlag xmlns="" xmlns:m="http://schemas.openxmlformats.org/officeDocument/2006/math" xmlns:a14="http://schemas.microsoft.com/office/drawing/2010/main" xmlns:ma14="http://schemas.microsoft.com/office/mac/drawingml/2011/main" val="1"/>
+              <ma14:wrappingTextBoxFlag xmlns:ma14="http://schemas.microsoft.com/office/mac/drawingml/2011/main" xmlns:a14="http://schemas.microsoft.com/office/drawing/2010/main" xmlns:m="http://schemas.openxmlformats.org/officeDocument/2006/math" xmlns="" val="1"/>
             </a:ext>
           </a:extLst>
         </p:spPr>
@@ -29187,7 +29380,7 @@
             <a:effectLst/>
             <a:extLst>
               <a:ext uri="{C572A759-6A51-4108-AA02-DFA0A04FC94B}">
-                <ma14:wrappingTextBoxFlag xmlns="" xmlns:m="http://schemas.openxmlformats.org/officeDocument/2006/math" xmlns:a14="http://schemas.microsoft.com/office/drawing/2010/main" xmlns:ma14="http://schemas.microsoft.com/office/mac/drawingml/2011/main" val="1"/>
+                <ma14:wrappingTextBoxFlag xmlns:ma14="http://schemas.microsoft.com/office/mac/drawingml/2011/main" xmlns:a14="http://schemas.microsoft.com/office/drawing/2010/main" xmlns:m="http://schemas.openxmlformats.org/officeDocument/2006/math" xmlns="" val="1"/>
               </a:ext>
             </a:extLst>
           </p:spPr>
@@ -29453,7 +29646,7 @@
             <a:effectLst/>
             <a:extLst>
               <a:ext uri="{C572A759-6A51-4108-AA02-DFA0A04FC94B}">
-                <ma14:wrappingTextBoxFlag xmlns="" xmlns:m="http://schemas.openxmlformats.org/officeDocument/2006/math" xmlns:a14="http://schemas.microsoft.com/office/drawing/2010/main" xmlns:ma14="http://schemas.microsoft.com/office/mac/drawingml/2011/main" val="1"/>
+                <ma14:wrappingTextBoxFlag xmlns:ma14="http://schemas.microsoft.com/office/mac/drawingml/2011/main" xmlns:a14="http://schemas.microsoft.com/office/drawing/2010/main" xmlns:m="http://schemas.openxmlformats.org/officeDocument/2006/math" xmlns="" val="1"/>
               </a:ext>
             </a:extLst>
           </p:spPr>
@@ -29620,7 +29813,7 @@
             <a:effectLst/>
             <a:extLst>
               <a:ext uri="{C572A759-6A51-4108-AA02-DFA0A04FC94B}">
-                <ma14:wrappingTextBoxFlag xmlns="" xmlns:m="http://schemas.openxmlformats.org/officeDocument/2006/math" xmlns:a14="http://schemas.microsoft.com/office/drawing/2010/main" xmlns:ma14="http://schemas.microsoft.com/office/mac/drawingml/2011/main" val="1"/>
+                <ma14:wrappingTextBoxFlag xmlns:ma14="http://schemas.microsoft.com/office/mac/drawingml/2011/main" xmlns:a14="http://schemas.microsoft.com/office/drawing/2010/main" xmlns:m="http://schemas.openxmlformats.org/officeDocument/2006/math" xmlns="" val="1"/>
               </a:ext>
             </a:extLst>
           </p:spPr>
@@ -29783,7 +29976,7 @@
             <a:effectLst/>
             <a:extLst>
               <a:ext uri="{C572A759-6A51-4108-AA02-DFA0A04FC94B}">
-                <ma14:wrappingTextBoxFlag xmlns="" xmlns:m="http://schemas.openxmlformats.org/officeDocument/2006/math" xmlns:a14="http://schemas.microsoft.com/office/drawing/2010/main" xmlns:ma14="http://schemas.microsoft.com/office/mac/drawingml/2011/main" val="1"/>
+                <ma14:wrappingTextBoxFlag xmlns:ma14="http://schemas.microsoft.com/office/mac/drawingml/2011/main" xmlns:a14="http://schemas.microsoft.com/office/drawing/2010/main" xmlns:m="http://schemas.openxmlformats.org/officeDocument/2006/math" xmlns="" val="1"/>
               </a:ext>
             </a:extLst>
           </p:spPr>
@@ -29946,7 +30139,7 @@
             <a:effectLst/>
             <a:extLst>
               <a:ext uri="{C572A759-6A51-4108-AA02-DFA0A04FC94B}">
-                <ma14:wrappingTextBoxFlag xmlns="" xmlns:m="http://schemas.openxmlformats.org/officeDocument/2006/math" xmlns:a14="http://schemas.microsoft.com/office/drawing/2010/main" xmlns:ma14="http://schemas.microsoft.com/office/mac/drawingml/2011/main" val="1"/>
+                <ma14:wrappingTextBoxFlag xmlns:ma14="http://schemas.microsoft.com/office/mac/drawingml/2011/main" xmlns:a14="http://schemas.microsoft.com/office/drawing/2010/main" xmlns:m="http://schemas.openxmlformats.org/officeDocument/2006/math" xmlns="" val="1"/>
               </a:ext>
             </a:extLst>
           </p:spPr>
@@ -30112,7 +30305,7 @@
             <a:effectLst/>
             <a:extLst>
               <a:ext uri="{C572A759-6A51-4108-AA02-DFA0A04FC94B}">
-                <ma14:wrappingTextBoxFlag xmlns="" xmlns:m="http://schemas.openxmlformats.org/officeDocument/2006/math" xmlns:a14="http://schemas.microsoft.com/office/drawing/2010/main" xmlns:ma14="http://schemas.microsoft.com/office/mac/drawingml/2011/main" val="1"/>
+                <ma14:wrappingTextBoxFlag xmlns:ma14="http://schemas.microsoft.com/office/mac/drawingml/2011/main" xmlns:a14="http://schemas.microsoft.com/office/drawing/2010/main" xmlns:m="http://schemas.openxmlformats.org/officeDocument/2006/math" xmlns="" val="1"/>
               </a:ext>
             </a:extLst>
           </p:spPr>
@@ -30279,7 +30472,7 @@
             <a:effectLst/>
             <a:extLst>
               <a:ext uri="{C572A759-6A51-4108-AA02-DFA0A04FC94B}">
-                <ma14:wrappingTextBoxFlag xmlns="" xmlns:m="http://schemas.openxmlformats.org/officeDocument/2006/math" xmlns:a14="http://schemas.microsoft.com/office/drawing/2010/main" xmlns:ma14="http://schemas.microsoft.com/office/mac/drawingml/2011/main" val="1"/>
+                <ma14:wrappingTextBoxFlag xmlns:ma14="http://schemas.microsoft.com/office/mac/drawingml/2011/main" xmlns:a14="http://schemas.microsoft.com/office/drawing/2010/main" xmlns:m="http://schemas.openxmlformats.org/officeDocument/2006/math" xmlns="" val="1"/>
               </a:ext>
             </a:extLst>
           </p:spPr>
@@ -30446,7 +30639,7 @@
             <a:effectLst/>
             <a:extLst>
               <a:ext uri="{C572A759-6A51-4108-AA02-DFA0A04FC94B}">
-                <ma14:wrappingTextBoxFlag xmlns="" xmlns:m="http://schemas.openxmlformats.org/officeDocument/2006/math" xmlns:a14="http://schemas.microsoft.com/office/drawing/2010/main" xmlns:ma14="http://schemas.microsoft.com/office/mac/drawingml/2011/main" val="1"/>
+                <ma14:wrappingTextBoxFlag xmlns:ma14="http://schemas.microsoft.com/office/mac/drawingml/2011/main" xmlns:a14="http://schemas.microsoft.com/office/drawing/2010/main" xmlns:m="http://schemas.openxmlformats.org/officeDocument/2006/math" xmlns="" val="1"/>
               </a:ext>
             </a:extLst>
           </p:spPr>
@@ -30974,7 +31167,7 @@
           <a:effectLst/>
           <a:extLst>
             <a:ext uri="{C572A759-6A51-4108-AA02-DFA0A04FC94B}">
-              <ma14:wrappingTextBoxFlag xmlns="" xmlns:m="http://schemas.openxmlformats.org/officeDocument/2006/math" xmlns:a14="http://schemas.microsoft.com/office/drawing/2010/main" xmlns:ma14="http://schemas.microsoft.com/office/mac/drawingml/2011/main" val="1"/>
+              <ma14:wrappingTextBoxFlag xmlns:ma14="http://schemas.microsoft.com/office/mac/drawingml/2011/main" xmlns:a14="http://schemas.microsoft.com/office/drawing/2010/main" xmlns:m="http://schemas.openxmlformats.org/officeDocument/2006/math" xmlns="" val="1"/>
             </a:ext>
           </a:extLst>
         </p:spPr>
